--- a/pythagoras/templates/pythagoras/report.pptx
+++ b/pythagoras/templates/pythagoras/report.pptx
@@ -110,6 +110,11 @@
       </a:defRPr>
     </a:lvl9pPr>
   </p:defaultTextStyle>
+  <p:extLst>
+    <p:ext uri="{EFAFB233-063F-42B5-8137-9DF3F51BA10A}">
+      <p15:sldGuideLst xmlns:p15="http://schemas.microsoft.com/office/powerpoint/2012/main"/>
+    </p:ext>
+  </p:extLst>
 </p:presentation>
 </file>
 
@@ -841,6 +846,167 @@
 </file>
 
 <file path=ppt/slideLayouts/slideLayout10.xml><?xml version="1.0" encoding="utf-8"?>
+<p:sldLayout xmlns:a="http://schemas.openxmlformats.org/drawingml/2006/main" xmlns:r="http://schemas.openxmlformats.org/officeDocument/2006/relationships" xmlns:p="http://schemas.openxmlformats.org/presentationml/2006/main" type="objAndTwoObj" preserve="1">
+  <p:cSld name="Title Content and 2 Content">
+    <p:spTree>
+      <p:nvGrpSpPr>
+        <p:cNvPr id="1" name=""/>
+        <p:cNvGrpSpPr/>
+        <p:nvPr/>
+      </p:nvGrpSpPr>
+      <p:grpSpPr>
+        <a:xfrm>
+          <a:off x="0" y="0"/>
+          <a:ext cx="0" cy="0"/>
+          <a:chOff x="0" y="0"/>
+          <a:chExt cx="0" cy="0"/>
+        </a:xfrm>
+      </p:grpSpPr>
+      <p:sp>
+        <p:nvSpPr>
+          <p:cNvPr id="18" name="PlaceHolder 1"/>
+          <p:cNvSpPr>
+            <a:spLocks noGrp="1"/>
+          </p:cNvSpPr>
+          <p:nvPr>
+            <p:ph type="title"/>
+          </p:nvPr>
+        </p:nvSpPr>
+        <p:spPr>
+          <a:xfrm>
+            <a:off x="519840" y="569160"/>
+            <a:ext cx="6522480" cy="2065680"/>
+          </a:xfrm>
+          <a:prstGeom prst="rect">
+            <a:avLst/>
+          </a:prstGeom>
+        </p:spPr>
+        <p:txBody>
+          <a:bodyPr lIns="0" tIns="0" rIns="0" bIns="0" anchor="ctr">
+            <a:noAutofit/>
+          </a:bodyPr>
+          <a:lstStyle/>
+          <a:p>
+            <a:endParaRPr lang="en-US" sz="1800" b="0" strike="noStrike" spc="-1">
+              <a:solidFill>
+                <a:srgbClr val="000000"/>
+              </a:solidFill>
+              <a:latin typeface="Calibri"/>
+            </a:endParaRPr>
+          </a:p>
+        </p:txBody>
+      </p:sp>
+      <p:sp>
+        <p:nvSpPr>
+          <p:cNvPr id="19" name="PlaceHolder 2"/>
+          <p:cNvSpPr>
+            <a:spLocks noGrp="1"/>
+          </p:cNvSpPr>
+          <p:nvPr>
+            <p:ph type="body"/>
+          </p:nvPr>
+        </p:nvSpPr>
+        <p:spPr>
+          <a:xfrm>
+            <a:off x="519840" y="2845440"/>
+            <a:ext cx="3182760" cy="6781320"/>
+          </a:xfrm>
+          <a:prstGeom prst="rect">
+            <a:avLst/>
+          </a:prstGeom>
+        </p:spPr>
+        <p:txBody>
+          <a:bodyPr lIns="0" tIns="0" rIns="0" bIns="0">
+            <a:normAutofit/>
+          </a:bodyPr>
+          <a:lstStyle/>
+          <a:p>
+            <a:endParaRPr lang="en-US" sz="2320" b="0" strike="noStrike" spc="-1">
+              <a:solidFill>
+                <a:srgbClr val="000000"/>
+              </a:solidFill>
+              <a:latin typeface="Calibri"/>
+            </a:endParaRPr>
+          </a:p>
+        </p:txBody>
+      </p:sp>
+      <p:sp>
+        <p:nvSpPr>
+          <p:cNvPr id="20" name="PlaceHolder 3"/>
+          <p:cNvSpPr>
+            <a:spLocks noGrp="1"/>
+          </p:cNvSpPr>
+          <p:nvPr>
+            <p:ph type="body"/>
+          </p:nvPr>
+        </p:nvSpPr>
+        <p:spPr>
+          <a:xfrm>
+            <a:off x="3862080" y="2845440"/>
+            <a:ext cx="3182760" cy="3234600"/>
+          </a:xfrm>
+          <a:prstGeom prst="rect">
+            <a:avLst/>
+          </a:prstGeom>
+        </p:spPr>
+        <p:txBody>
+          <a:bodyPr lIns="0" tIns="0" rIns="0" bIns="0">
+            <a:normAutofit/>
+          </a:bodyPr>
+          <a:lstStyle/>
+          <a:p>
+            <a:endParaRPr lang="en-US" sz="2320" b="0" strike="noStrike" spc="-1">
+              <a:solidFill>
+                <a:srgbClr val="000000"/>
+              </a:solidFill>
+              <a:latin typeface="Calibri"/>
+            </a:endParaRPr>
+          </a:p>
+        </p:txBody>
+      </p:sp>
+      <p:sp>
+        <p:nvSpPr>
+          <p:cNvPr id="21" name="PlaceHolder 4"/>
+          <p:cNvSpPr>
+            <a:spLocks noGrp="1"/>
+          </p:cNvSpPr>
+          <p:nvPr>
+            <p:ph type="body"/>
+          </p:nvPr>
+        </p:nvSpPr>
+        <p:spPr>
+          <a:xfrm>
+            <a:off x="3862080" y="6387840"/>
+            <a:ext cx="3182760" cy="3234600"/>
+          </a:xfrm>
+          <a:prstGeom prst="rect">
+            <a:avLst/>
+          </a:prstGeom>
+        </p:spPr>
+        <p:txBody>
+          <a:bodyPr lIns="0" tIns="0" rIns="0" bIns="0">
+            <a:normAutofit/>
+          </a:bodyPr>
+          <a:lstStyle/>
+          <a:p>
+            <a:endParaRPr lang="en-US" sz="2320" b="0" strike="noStrike" spc="-1">
+              <a:solidFill>
+                <a:srgbClr val="000000"/>
+              </a:solidFill>
+              <a:latin typeface="Calibri"/>
+            </a:endParaRPr>
+          </a:p>
+        </p:txBody>
+      </p:sp>
+    </p:spTree>
+  </p:cSld>
+  <p:clrMapOvr>
+    <a:masterClrMapping/>
+  </p:clrMapOvr>
+</p:sldLayout>
+</file>
+
+<file path=ppt/slideLayouts/slideLayout11.xml><?xml version="1.0" encoding="utf-8"?>
 <p:sldLayout xmlns:a="http://schemas.openxmlformats.org/drawingml/2006/main" xmlns:r="http://schemas.openxmlformats.org/officeDocument/2006/relationships" xmlns:p="http://schemas.openxmlformats.org/presentationml/2006/main" type="twoObjOverTx" preserve="1">
   <p:cSld name="Title, 2 Content over Content">
     <p:spTree>
@@ -1001,7 +1167,7 @@
 </p:sldLayout>
 </file>
 
-<file path=ppt/slideLayouts/slideLayout11.xml><?xml version="1.0" encoding="utf-8"?>
+<file path=ppt/slideLayouts/slideLayout12.xml><?xml version="1.0" encoding="utf-8"?>
 <p:sldLayout xmlns:a="http://schemas.openxmlformats.org/drawingml/2006/main" xmlns:r="http://schemas.openxmlformats.org/officeDocument/2006/relationships" xmlns:p="http://schemas.openxmlformats.org/presentationml/2006/main" type="objOverTx" preserve="1">
   <p:cSld name="Title, Content over Content">
     <p:spTree>
@@ -1128,7 +1294,7 @@
 </p:sldLayout>
 </file>
 
-<file path=ppt/slideLayouts/slideLayout12.xml><?xml version="1.0" encoding="utf-8"?>
+<file path=ppt/slideLayouts/slideLayout13.xml><?xml version="1.0" encoding="utf-8"?>
 <p:sldLayout xmlns:a="http://schemas.openxmlformats.org/drawingml/2006/main" xmlns:r="http://schemas.openxmlformats.org/officeDocument/2006/relationships" xmlns:p="http://schemas.openxmlformats.org/presentationml/2006/main" type="fourObj" preserve="1">
   <p:cSld name="Title, 4 Content">
     <p:spTree>
@@ -1323,7 +1489,7 @@
 </p:sldLayout>
 </file>
 
-<file path=ppt/slideLayouts/slideLayout13.xml><?xml version="1.0" encoding="utf-8"?>
+<file path=ppt/slideLayouts/slideLayout14.xml><?xml version="1.0" encoding="utf-8"?>
 <p:sldLayout xmlns:a="http://schemas.openxmlformats.org/drawingml/2006/main" xmlns:r="http://schemas.openxmlformats.org/officeDocument/2006/relationships" xmlns:p="http://schemas.openxmlformats.org/presentationml/2006/main" type="blank" preserve="1">
   <p:cSld name="Title, 6 Content">
     <p:spTree>
@@ -1588,7 +1754,7 @@
 
 <file path=ppt/slideLayouts/slideLayout2.xml><?xml version="1.0" encoding="utf-8"?>
 <p:sldLayout xmlns:a="http://schemas.openxmlformats.org/drawingml/2006/main" xmlns:r="http://schemas.openxmlformats.org/officeDocument/2006/relationships" xmlns:p="http://schemas.openxmlformats.org/presentationml/2006/main" preserve="1" userDrawn="1">
-  <p:cSld name="Title and Content Slide">
+  <p:cSld name="DUONG DOI Slide">
     <p:spTree>
       <p:nvGrpSpPr>
         <p:cNvPr id="1" name=""/>
@@ -1605,10 +1771,127 @@
       </p:grpSpPr>
       <p:sp>
         <p:nvSpPr>
-          <p:cNvPr id="2" name="Title 1">
+          <p:cNvPr id="7" name="Title 1">
             <a:extLst>
               <a:ext uri="{FF2B5EF4-FFF2-40B4-BE49-F238E27FC236}">
-                <a16:creationId xmlns:a16="http://schemas.microsoft.com/office/drawing/2014/main" id="{A913E51E-1145-4FDC-A859-94C86BFD7F76}"/>
+                <a16:creationId xmlns:a16="http://schemas.microsoft.com/office/drawing/2014/main" id="{247EDE5F-E6A7-4F40-9627-0F08439667DF}"/>
+              </a:ext>
+            </a:extLst>
+          </p:cNvPr>
+          <p:cNvSpPr txBox="1">
+            <a:spLocks/>
+          </p:cNvSpPr>
+          <p:nvPr userDrawn="1"/>
+        </p:nvSpPr>
+        <p:spPr>
+          <a:xfrm>
+            <a:off x="274320" y="274320"/>
+            <a:ext cx="4556447" cy="446400"/>
+          </a:xfrm>
+          <a:prstGeom prst="rect">
+            <a:avLst/>
+          </a:prstGeom>
+        </p:spPr>
+        <p:txBody>
+          <a:bodyPr anchor="t">
+            <a:noAutofit/>
+          </a:bodyPr>
+          <a:lstStyle>
+            <a:lvl1pPr algn="l" defTabSz="914400" rtl="0" eaLnBrk="1" latinLnBrk="0" hangingPunct="1">
+              <a:lnSpc>
+                <a:spcPct val="90000"/>
+              </a:lnSpc>
+              <a:spcBef>
+                <a:spcPct val="0"/>
+              </a:spcBef>
+              <a:buNone/>
+              <a:defRPr sz="4400" kern="1200">
+                <a:solidFill>
+                  <a:schemeClr val="tx1"/>
+                </a:solidFill>
+                <a:latin typeface="+mj-lt"/>
+                <a:ea typeface="+mj-ea"/>
+                <a:cs typeface="+mj-cs"/>
+              </a:defRPr>
+            </a:lvl1pPr>
+          </a:lstStyle>
+          <a:p>
+            <a:r>
+              <a:rPr lang="en-US" sz="3600" dirty="0" err="1">
+                <a:solidFill>
+                  <a:schemeClr val="tx1">
+                    <a:lumMod val="75000"/>
+                    <a:lumOff val="25000"/>
+                  </a:schemeClr>
+                </a:solidFill>
+                <a:latin typeface="Tahoma" panose="020B0604030504040204" pitchFamily="34" charset="0"/>
+                <a:ea typeface="Tahoma" panose="020B0604030504040204" pitchFamily="34" charset="0"/>
+                <a:cs typeface="Tahoma" panose="020B0604030504040204" pitchFamily="34" charset="0"/>
+              </a:rPr>
+              <a:t>Chỉ</a:t>
+            </a:r>
+            <a:r>
+              <a:rPr lang="en-US" sz="3600" dirty="0">
+                <a:solidFill>
+                  <a:schemeClr val="tx1">
+                    <a:lumMod val="75000"/>
+                    <a:lumOff val="25000"/>
+                  </a:schemeClr>
+                </a:solidFill>
+                <a:latin typeface="Tahoma" panose="020B0604030504040204" pitchFamily="34" charset="0"/>
+                <a:ea typeface="Tahoma" panose="020B0604030504040204" pitchFamily="34" charset="0"/>
+                <a:cs typeface="Tahoma" panose="020B0604030504040204" pitchFamily="34" charset="0"/>
+              </a:rPr>
+              <a:t> </a:t>
+            </a:r>
+            <a:r>
+              <a:rPr lang="en-US" sz="3600" dirty="0" err="1">
+                <a:solidFill>
+                  <a:schemeClr val="tx1">
+                    <a:lumMod val="75000"/>
+                    <a:lumOff val="25000"/>
+                  </a:schemeClr>
+                </a:solidFill>
+                <a:latin typeface="Tahoma" panose="020B0604030504040204" pitchFamily="34" charset="0"/>
+                <a:ea typeface="Tahoma" panose="020B0604030504040204" pitchFamily="34" charset="0"/>
+                <a:cs typeface="Tahoma" panose="020B0604030504040204" pitchFamily="34" charset="0"/>
+              </a:rPr>
+              <a:t>số</a:t>
+            </a:r>
+            <a:r>
+              <a:rPr lang="en-US" sz="3600" dirty="0">
+                <a:solidFill>
+                  <a:schemeClr val="tx1">
+                    <a:lumMod val="75000"/>
+                    <a:lumOff val="25000"/>
+                  </a:schemeClr>
+                </a:solidFill>
+                <a:latin typeface="Tahoma" panose="020B0604030504040204" pitchFamily="34" charset="0"/>
+                <a:ea typeface="Tahoma" panose="020B0604030504040204" pitchFamily="34" charset="0"/>
+                <a:cs typeface="Tahoma" panose="020B0604030504040204" pitchFamily="34" charset="0"/>
+              </a:rPr>
+              <a:t> </a:t>
+            </a:r>
+            <a:r>
+              <a:rPr lang="en-US" sz="3600" b="1" dirty="0">
+                <a:solidFill>
+                  <a:srgbClr val="FF6600"/>
+                </a:solidFill>
+                <a:latin typeface="Tahoma" panose="020B0604030504040204" pitchFamily="34" charset="0"/>
+                <a:ea typeface="Tahoma" panose="020B0604030504040204" pitchFamily="34" charset="0"/>
+                <a:cs typeface="Tahoma" panose="020B0604030504040204" pitchFamily="34" charset="0"/>
+              </a:rPr>
+              <a:t>ĐƯỜNG ĐỜI</a:t>
+            </a:r>
+          </a:p>
+        </p:txBody>
+      </p:sp>
+      <p:sp>
+        <p:nvSpPr>
+          <p:cNvPr id="13" name="Text Placeholder 12">
+            <a:extLst>
+              <a:ext uri="{FF2B5EF4-FFF2-40B4-BE49-F238E27FC236}">
+                <a16:creationId xmlns:a16="http://schemas.microsoft.com/office/drawing/2014/main" id="{F2DB107A-958C-45DF-AC4D-E5BE05A3A225}"/>
               </a:ext>
             </a:extLst>
           </p:cNvPr>
@@ -1616,32 +1899,192 @@
             <a:spLocks noGrp="1"/>
           </p:cNvSpPr>
           <p:nvPr>
-            <p:ph type="title"/>
+            <p:ph type="body" sz="quarter" idx="10"/>
           </p:nvPr>
         </p:nvSpPr>
         <p:spPr>
           <a:xfrm>
-            <a:off x="389560" y="453840"/>
-            <a:ext cx="6428160" cy="1679760"/>
+            <a:off x="274320" y="2514599"/>
+            <a:ext cx="6926580" cy="7074569"/>
           </a:xfrm>
         </p:spPr>
         <p:txBody>
           <a:bodyPr/>
-          <a:lstStyle/>
+          <a:lstStyle>
+            <a:lvl1pPr marL="0" indent="0">
+              <a:buNone/>
+              <a:defRPr/>
+            </a:lvl1pPr>
+          </a:lstStyle>
           <a:p>
-            <a:r>
-              <a:rPr lang="en-US"/>
-              <a:t>Click to edit Master title style</a:t>
-            </a:r>
+            <a:pPr lvl="0"/>
+            <a:endParaRPr lang="en-US" dirty="0"/>
           </a:p>
         </p:txBody>
       </p:sp>
       <p:sp>
         <p:nvSpPr>
-          <p:cNvPr id="4" name="Content Placeholder 3">
+          <p:cNvPr id="14" name="Rectangle 13">
             <a:extLst>
               <a:ext uri="{FF2B5EF4-FFF2-40B4-BE49-F238E27FC236}">
-                <a16:creationId xmlns:a16="http://schemas.microsoft.com/office/drawing/2014/main" id="{923537D4-50F2-4A8C-ADDE-800216ACB562}"/>
+                <a16:creationId xmlns:a16="http://schemas.microsoft.com/office/drawing/2014/main" id="{E721BD0D-ABD1-44A4-8995-E567742C2A69}"/>
+              </a:ext>
+            </a:extLst>
+          </p:cNvPr>
+          <p:cNvSpPr/>
+          <p:nvPr userDrawn="1"/>
+        </p:nvSpPr>
+        <p:spPr>
+          <a:xfrm>
+            <a:off x="5222732" y="0"/>
+            <a:ext cx="2346575" cy="879676"/>
+          </a:xfrm>
+          <a:prstGeom prst="rect">
+            <a:avLst/>
+          </a:prstGeom>
+          <a:solidFill>
+            <a:srgbClr val="FF6600"/>
+          </a:solidFill>
+          <a:ln>
+            <a:noFill/>
+          </a:ln>
+        </p:spPr>
+        <p:style>
+          <a:lnRef idx="2">
+            <a:schemeClr val="accent1">
+              <a:shade val="50000"/>
+            </a:schemeClr>
+          </a:lnRef>
+          <a:fillRef idx="1">
+            <a:schemeClr val="accent1"/>
+          </a:fillRef>
+          <a:effectRef idx="0">
+            <a:schemeClr val="accent1"/>
+          </a:effectRef>
+          <a:fontRef idx="minor">
+            <a:schemeClr val="lt1"/>
+          </a:fontRef>
+        </p:style>
+        <p:txBody>
+          <a:bodyPr rtlCol="0" anchor="ctr"/>
+          <a:lstStyle/>
+          <a:p>
+            <a:pPr algn="ctr"/>
+            <a:endParaRPr lang="en-US" dirty="0"/>
+          </a:p>
+        </p:txBody>
+      </p:sp>
+      <p:pic>
+        <p:nvPicPr>
+          <p:cNvPr id="6" name="Picture 5">
+            <a:extLst>
+              <a:ext uri="{FF2B5EF4-FFF2-40B4-BE49-F238E27FC236}">
+                <a16:creationId xmlns:a16="http://schemas.microsoft.com/office/drawing/2014/main" id="{AB363C3F-1FE8-4F5D-884D-F1BA602C700A}"/>
+              </a:ext>
+            </a:extLst>
+          </p:cNvPr>
+          <p:cNvPicPr>
+            <a:picLocks noChangeAspect="1"/>
+          </p:cNvPicPr>
+          <p:nvPr userDrawn="1"/>
+        </p:nvPicPr>
+        <p:blipFill>
+          <a:blip r:embed="rId2" cstate="hqprint">
+            <a:extLst>
+              <a:ext uri="{28A0092B-C50C-407E-A947-70E740481C1C}">
+                <a14:useLocalDpi xmlns:a14="http://schemas.microsoft.com/office/drawing/2010/main" val="0"/>
+              </a:ext>
+            </a:extLst>
+          </a:blip>
+          <a:stretch>
+            <a:fillRect/>
+          </a:stretch>
+        </p:blipFill>
+        <p:spPr>
+          <a:xfrm>
+            <a:off x="4740247" y="-107539"/>
+            <a:ext cx="1022263" cy="1117102"/>
+          </a:xfrm>
+          <a:prstGeom prst="rect">
+            <a:avLst/>
+          </a:prstGeom>
+          <a:effectLst>
+            <a:outerShdw blurRad="50800" dist="38100" dir="8100000" algn="tr" rotWithShape="0">
+              <a:prstClr val="black">
+                <a:alpha val="40000"/>
+              </a:prstClr>
+            </a:outerShdw>
+          </a:effectLst>
+        </p:spPr>
+      </p:pic>
+      <p:sp>
+        <p:nvSpPr>
+          <p:cNvPr id="9" name="Title 1">
+            <a:extLst>
+              <a:ext uri="{FF2B5EF4-FFF2-40B4-BE49-F238E27FC236}">
+                <a16:creationId xmlns:a16="http://schemas.microsoft.com/office/drawing/2014/main" id="{EFD06DA8-2254-4E68-8DFD-47982C8F8B8E}"/>
+              </a:ext>
+            </a:extLst>
+          </p:cNvPr>
+          <p:cNvSpPr txBox="1">
+            <a:spLocks/>
+          </p:cNvSpPr>
+          <p:nvPr userDrawn="1"/>
+        </p:nvSpPr>
+        <p:spPr>
+          <a:xfrm>
+            <a:off x="4980517" y="228305"/>
+            <a:ext cx="469752" cy="446400"/>
+          </a:xfrm>
+          <a:prstGeom prst="rect">
+            <a:avLst/>
+          </a:prstGeom>
+        </p:spPr>
+        <p:txBody>
+          <a:bodyPr vert="horz" lIns="91440" tIns="45720" rIns="91440" bIns="45720" rtlCol="0" anchor="t">
+            <a:noAutofit/>
+          </a:bodyPr>
+          <a:lstStyle>
+            <a:lvl1pPr algn="l" defTabSz="756300" rtl="0" eaLnBrk="1" latinLnBrk="0" hangingPunct="1">
+              <a:lnSpc>
+                <a:spcPct val="90000"/>
+              </a:lnSpc>
+              <a:spcBef>
+                <a:spcPct val="0"/>
+              </a:spcBef>
+              <a:buNone/>
+              <a:defRPr sz="3639" kern="1200">
+                <a:solidFill>
+                  <a:schemeClr val="tx1"/>
+                </a:solidFill>
+                <a:latin typeface="+mj-lt"/>
+                <a:ea typeface="+mj-ea"/>
+                <a:cs typeface="+mj-cs"/>
+              </a:defRPr>
+            </a:lvl1pPr>
+          </a:lstStyle>
+          <a:p>
+            <a:pPr algn="ctr"/>
+            <a:r>
+              <a:rPr lang="en-US" sz="3600" b="1" dirty="0">
+                <a:solidFill>
+                  <a:srgbClr val="FF6600"/>
+                </a:solidFill>
+                <a:latin typeface="Tahoma" panose="020B0604030504040204" pitchFamily="34" charset="0"/>
+                <a:ea typeface="Tahoma" panose="020B0604030504040204" pitchFamily="34" charset="0"/>
+                <a:cs typeface="Tahoma" panose="020B0604030504040204" pitchFamily="34" charset="0"/>
+              </a:rPr>
+              <a:t>1</a:t>
+            </a:r>
+          </a:p>
+        </p:txBody>
+      </p:sp>
+      <p:sp>
+        <p:nvSpPr>
+          <p:cNvPr id="15" name="Content Placeholder 2">
+            <a:extLst>
+              <a:ext uri="{FF2B5EF4-FFF2-40B4-BE49-F238E27FC236}">
+                <a16:creationId xmlns:a16="http://schemas.microsoft.com/office/drawing/2014/main" id="{23713C30-5619-41B4-AF87-754B805FA326}"/>
               </a:ext>
             </a:extLst>
           </p:cNvPr>
@@ -1649,81 +2092,1447 @@
             <a:spLocks noGrp="1"/>
           </p:cNvSpPr>
           <p:nvPr>
-            <p:ph sz="quarter" idx="10"/>
+            <p:ph idx="1"/>
           </p:nvPr>
         </p:nvSpPr>
         <p:spPr>
           <a:xfrm>
-            <a:off x="388938" y="2514600"/>
-            <a:ext cx="6811962" cy="6985000"/>
+            <a:off x="274320" y="1340686"/>
+            <a:ext cx="6926580" cy="895715"/>
           </a:xfrm>
-          <a:gradFill>
-            <a:gsLst>
-              <a:gs pos="0">
-                <a:schemeClr val="accent1">
-                  <a:lumMod val="5000"/>
-                  <a:lumOff val="95000"/>
-                </a:schemeClr>
-              </a:gs>
-              <a:gs pos="74000">
-                <a:schemeClr val="accent1">
-                  <a:lumMod val="45000"/>
-                  <a:lumOff val="55000"/>
-                </a:schemeClr>
-              </a:gs>
-              <a:gs pos="83000">
-                <a:schemeClr val="accent1">
-                  <a:lumMod val="45000"/>
-                  <a:lumOff val="55000"/>
-                </a:schemeClr>
-              </a:gs>
-              <a:gs pos="100000">
-                <a:schemeClr val="accent1">
-                  <a:lumMod val="30000"/>
-                  <a:lumOff val="70000"/>
-                </a:schemeClr>
-              </a:gs>
-            </a:gsLst>
-            <a:lin ang="5400000" scaled="1"/>
-          </a:gradFill>
+          <a:solidFill>
+            <a:schemeClr val="accent2">
+              <a:lumMod val="20000"/>
+              <a:lumOff val="80000"/>
+            </a:schemeClr>
+          </a:solidFill>
         </p:spPr>
         <p:txBody>
-          <a:bodyPr/>
+          <a:bodyPr anchor="t">
+            <a:noAutofit/>
+          </a:bodyPr>
           <a:lstStyle/>
           <a:p>
-            <a:pPr lvl="0"/>
-            <a:r>
-              <a:rPr lang="en-US" dirty="0"/>
-              <a:t>Click to edit Master text styles</a:t>
-            </a:r>
-          </a:p>
-          <a:p>
-            <a:pPr lvl="1"/>
-            <a:r>
-              <a:rPr lang="en-US" dirty="0"/>
-              <a:t>Second level</a:t>
-            </a:r>
-          </a:p>
-          <a:p>
-            <a:pPr lvl="2"/>
-            <a:r>
-              <a:rPr lang="en-US" dirty="0"/>
-              <a:t>Third level</a:t>
-            </a:r>
-          </a:p>
-          <a:p>
-            <a:pPr lvl="3"/>
-            <a:r>
-              <a:rPr lang="en-US" dirty="0"/>
-              <a:t>Fourth level</a:t>
-            </a:r>
-          </a:p>
-          <a:p>
-            <a:pPr lvl="4"/>
-            <a:r>
-              <a:rPr lang="en-US" dirty="0"/>
-              <a:t>Fifth level</a:t>
-            </a:r>
+            <a:pPr marL="0" indent="0">
+              <a:lnSpc>
+                <a:spcPct val="150000"/>
+              </a:lnSpc>
+              <a:spcBef>
+                <a:spcPts val="0"/>
+              </a:spcBef>
+              <a:buNone/>
+            </a:pPr>
+            <a:r>
+              <a:rPr lang="vi-VN" sz="1000" b="0" i="0" dirty="0">
+                <a:solidFill>
+                  <a:schemeClr val="tx1">
+                    <a:lumMod val="75000"/>
+                    <a:lumOff val="25000"/>
+                  </a:schemeClr>
+                </a:solidFill>
+                <a:effectLst/>
+                <a:latin typeface="Tahoma" panose="020B0604030504040204" pitchFamily="34" charset="0"/>
+                <a:ea typeface="Tahoma" panose="020B0604030504040204" pitchFamily="34" charset="0"/>
+                <a:cs typeface="Tahoma" panose="020B0604030504040204" pitchFamily="34" charset="0"/>
+              </a:rPr>
+              <a:t>Chỉ số </a:t>
+            </a:r>
+            <a:r>
+              <a:rPr lang="en-US" sz="1000" dirty="0" err="1">
+                <a:solidFill>
+                  <a:schemeClr val="tx1">
+                    <a:lumMod val="75000"/>
+                    <a:lumOff val="25000"/>
+                  </a:schemeClr>
+                </a:solidFill>
+                <a:latin typeface="Tahoma" panose="020B0604030504040204" pitchFamily="34" charset="0"/>
+                <a:ea typeface="Tahoma" panose="020B0604030504040204" pitchFamily="34" charset="0"/>
+                <a:cs typeface="Tahoma" panose="020B0604030504040204" pitchFamily="34" charset="0"/>
+              </a:rPr>
+              <a:t>đường</a:t>
+            </a:r>
+            <a:r>
+              <a:rPr lang="en-US" sz="1000" dirty="0">
+                <a:solidFill>
+                  <a:schemeClr val="tx1">
+                    <a:lumMod val="75000"/>
+                    <a:lumOff val="25000"/>
+                  </a:schemeClr>
+                </a:solidFill>
+                <a:latin typeface="Tahoma" panose="020B0604030504040204" pitchFamily="34" charset="0"/>
+                <a:ea typeface="Tahoma" panose="020B0604030504040204" pitchFamily="34" charset="0"/>
+                <a:cs typeface="Tahoma" panose="020B0604030504040204" pitchFamily="34" charset="0"/>
+              </a:rPr>
+              <a:t> </a:t>
+            </a:r>
+            <a:r>
+              <a:rPr lang="en-US" sz="1000" dirty="0" err="1">
+                <a:solidFill>
+                  <a:schemeClr val="tx1">
+                    <a:lumMod val="75000"/>
+                    <a:lumOff val="25000"/>
+                  </a:schemeClr>
+                </a:solidFill>
+                <a:latin typeface="Tahoma" panose="020B0604030504040204" pitchFamily="34" charset="0"/>
+                <a:ea typeface="Tahoma" panose="020B0604030504040204" pitchFamily="34" charset="0"/>
+                <a:cs typeface="Tahoma" panose="020B0604030504040204" pitchFamily="34" charset="0"/>
+              </a:rPr>
+              <a:t>đời</a:t>
+            </a:r>
+            <a:r>
+              <a:rPr lang="vi-VN" sz="1000" b="0" i="0" dirty="0">
+                <a:solidFill>
+                  <a:schemeClr val="tx1">
+                    <a:lumMod val="75000"/>
+                    <a:lumOff val="25000"/>
+                  </a:schemeClr>
+                </a:solidFill>
+                <a:effectLst/>
+                <a:latin typeface="Tahoma" panose="020B0604030504040204" pitchFamily="34" charset="0"/>
+                <a:ea typeface="Tahoma" panose="020B0604030504040204" pitchFamily="34" charset="0"/>
+                <a:cs typeface="Tahoma" panose="020B0604030504040204" pitchFamily="34" charset="0"/>
+              </a:rPr>
+              <a:t> </a:t>
+            </a:r>
+            <a:r>
+              <a:rPr lang="en-US" sz="1000" dirty="0" err="1">
+                <a:solidFill>
+                  <a:schemeClr val="tx1">
+                    <a:lumMod val="75000"/>
+                    <a:lumOff val="25000"/>
+                  </a:schemeClr>
+                </a:solidFill>
+                <a:latin typeface="Tahoma" panose="020B0604030504040204" pitchFamily="34" charset="0"/>
+                <a:ea typeface="Tahoma" panose="020B0604030504040204" pitchFamily="34" charset="0"/>
+                <a:cs typeface="Tahoma" panose="020B0604030504040204" pitchFamily="34" charset="0"/>
+              </a:rPr>
+              <a:t>mang</a:t>
+            </a:r>
+            <a:r>
+              <a:rPr lang="en-US" sz="1000" dirty="0">
+                <a:solidFill>
+                  <a:schemeClr val="tx1">
+                    <a:lumMod val="75000"/>
+                    <a:lumOff val="25000"/>
+                  </a:schemeClr>
+                </a:solidFill>
+                <a:latin typeface="Tahoma" panose="020B0604030504040204" pitchFamily="34" charset="0"/>
+                <a:ea typeface="Tahoma" panose="020B0604030504040204" pitchFamily="34" charset="0"/>
+                <a:cs typeface="Tahoma" panose="020B0604030504040204" pitchFamily="34" charset="0"/>
+              </a:rPr>
+              <a:t> ý </a:t>
+            </a:r>
+            <a:r>
+              <a:rPr lang="en-US" sz="1000" dirty="0" err="1">
+                <a:solidFill>
+                  <a:schemeClr val="tx1">
+                    <a:lumMod val="75000"/>
+                    <a:lumOff val="25000"/>
+                  </a:schemeClr>
+                </a:solidFill>
+                <a:latin typeface="Tahoma" panose="020B0604030504040204" pitchFamily="34" charset="0"/>
+                <a:ea typeface="Tahoma" panose="020B0604030504040204" pitchFamily="34" charset="0"/>
+                <a:cs typeface="Tahoma" panose="020B0604030504040204" pitchFamily="34" charset="0"/>
+              </a:rPr>
+              <a:t>nghĩa</a:t>
+            </a:r>
+            <a:r>
+              <a:rPr lang="en-US" sz="1000" dirty="0">
+                <a:solidFill>
+                  <a:schemeClr val="tx1">
+                    <a:lumMod val="75000"/>
+                    <a:lumOff val="25000"/>
+                  </a:schemeClr>
+                </a:solidFill>
+                <a:latin typeface="Tahoma" panose="020B0604030504040204" pitchFamily="34" charset="0"/>
+                <a:ea typeface="Tahoma" panose="020B0604030504040204" pitchFamily="34" charset="0"/>
+                <a:cs typeface="Tahoma" panose="020B0604030504040204" pitchFamily="34" charset="0"/>
+              </a:rPr>
+              <a:t> </a:t>
+            </a:r>
+            <a:r>
+              <a:rPr lang="en-US" sz="1000" dirty="0" err="1">
+                <a:solidFill>
+                  <a:schemeClr val="tx1">
+                    <a:lumMod val="75000"/>
+                    <a:lumOff val="25000"/>
+                  </a:schemeClr>
+                </a:solidFill>
+                <a:latin typeface="Tahoma" panose="020B0604030504040204" pitchFamily="34" charset="0"/>
+                <a:ea typeface="Tahoma" panose="020B0604030504040204" pitchFamily="34" charset="0"/>
+                <a:cs typeface="Tahoma" panose="020B0604030504040204" pitchFamily="34" charset="0"/>
+              </a:rPr>
+              <a:t>về</a:t>
+            </a:r>
+            <a:r>
+              <a:rPr lang="vi-VN" sz="1000" b="0" i="0" dirty="0">
+                <a:solidFill>
+                  <a:schemeClr val="tx1">
+                    <a:lumMod val="75000"/>
+                    <a:lumOff val="25000"/>
+                  </a:schemeClr>
+                </a:solidFill>
+                <a:effectLst/>
+                <a:latin typeface="Tahoma" panose="020B0604030504040204" pitchFamily="34" charset="0"/>
+                <a:ea typeface="Tahoma" panose="020B0604030504040204" pitchFamily="34" charset="0"/>
+                <a:cs typeface="Tahoma" panose="020B0604030504040204" pitchFamily="34" charset="0"/>
+              </a:rPr>
+              <a:t> </a:t>
+            </a:r>
+            <a:r>
+              <a:rPr lang="en-US" sz="1000" b="0" i="0" dirty="0" err="1">
+                <a:solidFill>
+                  <a:schemeClr val="tx1">
+                    <a:lumMod val="75000"/>
+                    <a:lumOff val="25000"/>
+                  </a:schemeClr>
+                </a:solidFill>
+                <a:effectLst/>
+                <a:latin typeface="Tahoma" panose="020B0604030504040204" pitchFamily="34" charset="0"/>
+                <a:ea typeface="Tahoma" panose="020B0604030504040204" pitchFamily="34" charset="0"/>
+                <a:cs typeface="Tahoma" panose="020B0604030504040204" pitchFamily="34" charset="0"/>
+              </a:rPr>
+              <a:t>hành</a:t>
+            </a:r>
+            <a:r>
+              <a:rPr lang="en-US" sz="1000" b="0" i="0" dirty="0">
+                <a:solidFill>
+                  <a:schemeClr val="tx1">
+                    <a:lumMod val="75000"/>
+                    <a:lumOff val="25000"/>
+                  </a:schemeClr>
+                </a:solidFill>
+                <a:effectLst/>
+                <a:latin typeface="Tahoma" panose="020B0604030504040204" pitchFamily="34" charset="0"/>
+                <a:ea typeface="Tahoma" panose="020B0604030504040204" pitchFamily="34" charset="0"/>
+                <a:cs typeface="Tahoma" panose="020B0604030504040204" pitchFamily="34" charset="0"/>
+              </a:rPr>
+              <a:t> </a:t>
+            </a:r>
+            <a:r>
+              <a:rPr lang="en-US" sz="1000" b="0" i="0" dirty="0" err="1">
+                <a:solidFill>
+                  <a:schemeClr val="tx1">
+                    <a:lumMod val="75000"/>
+                    <a:lumOff val="25000"/>
+                  </a:schemeClr>
+                </a:solidFill>
+                <a:effectLst/>
+                <a:latin typeface="Tahoma" panose="020B0604030504040204" pitchFamily="34" charset="0"/>
+                <a:ea typeface="Tahoma" panose="020B0604030504040204" pitchFamily="34" charset="0"/>
+                <a:cs typeface="Tahoma" panose="020B0604030504040204" pitchFamily="34" charset="0"/>
+              </a:rPr>
+              <a:t>trình</a:t>
+            </a:r>
+            <a:r>
+              <a:rPr lang="en-US" sz="1000" b="0" i="0" dirty="0">
+                <a:solidFill>
+                  <a:schemeClr val="tx1">
+                    <a:lumMod val="75000"/>
+                    <a:lumOff val="25000"/>
+                  </a:schemeClr>
+                </a:solidFill>
+                <a:effectLst/>
+                <a:latin typeface="Tahoma" panose="020B0604030504040204" pitchFamily="34" charset="0"/>
+                <a:ea typeface="Tahoma" panose="020B0604030504040204" pitchFamily="34" charset="0"/>
+                <a:cs typeface="Tahoma" panose="020B0604030504040204" pitchFamily="34" charset="0"/>
+              </a:rPr>
+              <a:t> </a:t>
+            </a:r>
+            <a:r>
+              <a:rPr lang="vi-VN" sz="1000" b="0" i="0" dirty="0">
+                <a:solidFill>
+                  <a:schemeClr val="tx1">
+                    <a:lumMod val="75000"/>
+                    <a:lumOff val="25000"/>
+                  </a:schemeClr>
+                </a:solidFill>
+                <a:effectLst/>
+                <a:latin typeface="Tahoma" panose="020B0604030504040204" pitchFamily="34" charset="0"/>
+                <a:ea typeface="Tahoma" panose="020B0604030504040204" pitchFamily="34" charset="0"/>
+                <a:cs typeface="Tahoma" panose="020B0604030504040204" pitchFamily="34" charset="0"/>
+              </a:rPr>
+              <a:t>mà bạn</a:t>
+            </a:r>
+            <a:r>
+              <a:rPr lang="en-US" sz="1000" b="0" i="0" dirty="0">
+                <a:solidFill>
+                  <a:schemeClr val="tx1">
+                    <a:lumMod val="75000"/>
+                    <a:lumOff val="25000"/>
+                  </a:schemeClr>
+                </a:solidFill>
+                <a:effectLst/>
+                <a:latin typeface="Tahoma" panose="020B0604030504040204" pitchFamily="34" charset="0"/>
+                <a:ea typeface="Tahoma" panose="020B0604030504040204" pitchFamily="34" charset="0"/>
+                <a:cs typeface="Tahoma" panose="020B0604030504040204" pitchFamily="34" charset="0"/>
+              </a:rPr>
+              <a:t> </a:t>
+            </a:r>
+            <a:r>
+              <a:rPr lang="en-US" sz="1000" b="0" i="0" dirty="0" err="1">
+                <a:solidFill>
+                  <a:schemeClr val="tx1">
+                    <a:lumMod val="75000"/>
+                    <a:lumOff val="25000"/>
+                  </a:schemeClr>
+                </a:solidFill>
+                <a:effectLst/>
+                <a:latin typeface="Tahoma" panose="020B0604030504040204" pitchFamily="34" charset="0"/>
+                <a:ea typeface="Tahoma" panose="020B0604030504040204" pitchFamily="34" charset="0"/>
+                <a:cs typeface="Tahoma" panose="020B0604030504040204" pitchFamily="34" charset="0"/>
+              </a:rPr>
+              <a:t>cần</a:t>
+            </a:r>
+            <a:r>
+              <a:rPr lang="vi-VN" sz="1000" b="0" i="0" dirty="0">
+                <a:solidFill>
+                  <a:schemeClr val="tx1">
+                    <a:lumMod val="75000"/>
+                    <a:lumOff val="25000"/>
+                  </a:schemeClr>
+                </a:solidFill>
+                <a:effectLst/>
+                <a:latin typeface="Tahoma" panose="020B0604030504040204" pitchFamily="34" charset="0"/>
+                <a:ea typeface="Tahoma" panose="020B0604030504040204" pitchFamily="34" charset="0"/>
+                <a:cs typeface="Tahoma" panose="020B0604030504040204" pitchFamily="34" charset="0"/>
+              </a:rPr>
+              <a:t> trải qua trong cuộc đời này. Nó cho bạn </a:t>
+            </a:r>
+            <a:r>
+              <a:rPr lang="en-US" sz="1000" dirty="0" err="1">
+                <a:solidFill>
+                  <a:schemeClr val="tx1">
+                    <a:lumMod val="75000"/>
+                    <a:lumOff val="25000"/>
+                  </a:schemeClr>
+                </a:solidFill>
+                <a:latin typeface="Tahoma" panose="020B0604030504040204" pitchFamily="34" charset="0"/>
+                <a:ea typeface="Tahoma" panose="020B0604030504040204" pitchFamily="34" charset="0"/>
+                <a:cs typeface="Tahoma" panose="020B0604030504040204" pitchFamily="34" charset="0"/>
+              </a:rPr>
+              <a:t>hình</a:t>
+            </a:r>
+            <a:r>
+              <a:rPr lang="en-US" sz="1000" dirty="0">
+                <a:solidFill>
+                  <a:schemeClr val="tx1">
+                    <a:lumMod val="75000"/>
+                    <a:lumOff val="25000"/>
+                  </a:schemeClr>
+                </a:solidFill>
+                <a:latin typeface="Tahoma" panose="020B0604030504040204" pitchFamily="34" charset="0"/>
+                <a:ea typeface="Tahoma" panose="020B0604030504040204" pitchFamily="34" charset="0"/>
+                <a:cs typeface="Tahoma" panose="020B0604030504040204" pitchFamily="34" charset="0"/>
+              </a:rPr>
+              <a:t> dung</a:t>
+            </a:r>
+            <a:r>
+              <a:rPr lang="vi-VN" sz="1000" b="0" i="0" dirty="0">
+                <a:solidFill>
+                  <a:schemeClr val="tx1">
+                    <a:lumMod val="75000"/>
+                    <a:lumOff val="25000"/>
+                  </a:schemeClr>
+                </a:solidFill>
+                <a:effectLst/>
+                <a:latin typeface="Tahoma" panose="020B0604030504040204" pitchFamily="34" charset="0"/>
+                <a:ea typeface="Tahoma" panose="020B0604030504040204" pitchFamily="34" charset="0"/>
+                <a:cs typeface="Tahoma" panose="020B0604030504040204" pitchFamily="34" charset="0"/>
+              </a:rPr>
+              <a:t> </a:t>
+            </a:r>
+            <a:r>
+              <a:rPr lang="en-US" sz="1000" b="0" i="0" dirty="0" err="1">
+                <a:solidFill>
+                  <a:schemeClr val="tx1">
+                    <a:lumMod val="75000"/>
+                    <a:lumOff val="25000"/>
+                  </a:schemeClr>
+                </a:solidFill>
+                <a:effectLst/>
+                <a:latin typeface="Tahoma" panose="020B0604030504040204" pitchFamily="34" charset="0"/>
+                <a:ea typeface="Tahoma" panose="020B0604030504040204" pitchFamily="34" charset="0"/>
+                <a:cs typeface="Tahoma" panose="020B0604030504040204" pitchFamily="34" charset="0"/>
+              </a:rPr>
+              <a:t>bức</a:t>
+            </a:r>
+            <a:r>
+              <a:rPr lang="en-US" sz="1000" b="0" i="0" dirty="0">
+                <a:solidFill>
+                  <a:schemeClr val="tx1">
+                    <a:lumMod val="75000"/>
+                    <a:lumOff val="25000"/>
+                  </a:schemeClr>
+                </a:solidFill>
+                <a:effectLst/>
+                <a:latin typeface="Tahoma" panose="020B0604030504040204" pitchFamily="34" charset="0"/>
+                <a:ea typeface="Tahoma" panose="020B0604030504040204" pitchFamily="34" charset="0"/>
+                <a:cs typeface="Tahoma" panose="020B0604030504040204" pitchFamily="34" charset="0"/>
+              </a:rPr>
+              <a:t> </a:t>
+            </a:r>
+            <a:r>
+              <a:rPr lang="en-US" sz="1000" b="0" i="0" dirty="0" err="1">
+                <a:solidFill>
+                  <a:schemeClr val="tx1">
+                    <a:lumMod val="75000"/>
+                    <a:lumOff val="25000"/>
+                  </a:schemeClr>
+                </a:solidFill>
+                <a:effectLst/>
+                <a:latin typeface="Tahoma" panose="020B0604030504040204" pitchFamily="34" charset="0"/>
+                <a:ea typeface="Tahoma" panose="020B0604030504040204" pitchFamily="34" charset="0"/>
+                <a:cs typeface="Tahoma" panose="020B0604030504040204" pitchFamily="34" charset="0"/>
+              </a:rPr>
+              <a:t>tranh</a:t>
+            </a:r>
+            <a:r>
+              <a:rPr lang="en-US" sz="1000" b="0" i="0" dirty="0">
+                <a:solidFill>
+                  <a:schemeClr val="tx1">
+                    <a:lumMod val="75000"/>
+                    <a:lumOff val="25000"/>
+                  </a:schemeClr>
+                </a:solidFill>
+                <a:effectLst/>
+                <a:latin typeface="Tahoma" panose="020B0604030504040204" pitchFamily="34" charset="0"/>
+                <a:ea typeface="Tahoma" panose="020B0604030504040204" pitchFamily="34" charset="0"/>
+                <a:cs typeface="Tahoma" panose="020B0604030504040204" pitchFamily="34" charset="0"/>
+              </a:rPr>
+              <a:t> </a:t>
+            </a:r>
+            <a:r>
+              <a:rPr lang="en-US" sz="1000" b="0" i="0" dirty="0" err="1">
+                <a:solidFill>
+                  <a:schemeClr val="tx1">
+                    <a:lumMod val="75000"/>
+                    <a:lumOff val="25000"/>
+                  </a:schemeClr>
+                </a:solidFill>
+                <a:effectLst/>
+                <a:latin typeface="Tahoma" panose="020B0604030504040204" pitchFamily="34" charset="0"/>
+                <a:ea typeface="Tahoma" panose="020B0604030504040204" pitchFamily="34" charset="0"/>
+                <a:cs typeface="Tahoma" panose="020B0604030504040204" pitchFamily="34" charset="0"/>
+              </a:rPr>
+              <a:t>tổng</a:t>
+            </a:r>
+            <a:r>
+              <a:rPr lang="en-US" sz="1000" b="0" i="0" dirty="0">
+                <a:solidFill>
+                  <a:schemeClr val="tx1">
+                    <a:lumMod val="75000"/>
+                    <a:lumOff val="25000"/>
+                  </a:schemeClr>
+                </a:solidFill>
+                <a:effectLst/>
+                <a:latin typeface="Tahoma" panose="020B0604030504040204" pitchFamily="34" charset="0"/>
+                <a:ea typeface="Tahoma" panose="020B0604030504040204" pitchFamily="34" charset="0"/>
+                <a:cs typeface="Tahoma" panose="020B0604030504040204" pitchFamily="34" charset="0"/>
+              </a:rPr>
+              <a:t> </a:t>
+            </a:r>
+            <a:r>
+              <a:rPr lang="en-US" sz="1000" b="0" i="0" dirty="0" err="1">
+                <a:solidFill>
+                  <a:schemeClr val="tx1">
+                    <a:lumMod val="75000"/>
+                    <a:lumOff val="25000"/>
+                  </a:schemeClr>
+                </a:solidFill>
+                <a:effectLst/>
+                <a:latin typeface="Tahoma" panose="020B0604030504040204" pitchFamily="34" charset="0"/>
+                <a:ea typeface="Tahoma" panose="020B0604030504040204" pitchFamily="34" charset="0"/>
+                <a:cs typeface="Tahoma" panose="020B0604030504040204" pitchFamily="34" charset="0"/>
+              </a:rPr>
+              <a:t>quan</a:t>
+            </a:r>
+            <a:r>
+              <a:rPr lang="en-US" sz="1000" b="0" i="0" dirty="0">
+                <a:solidFill>
+                  <a:schemeClr val="tx1">
+                    <a:lumMod val="75000"/>
+                    <a:lumOff val="25000"/>
+                  </a:schemeClr>
+                </a:solidFill>
+                <a:effectLst/>
+                <a:latin typeface="Tahoma" panose="020B0604030504040204" pitchFamily="34" charset="0"/>
+                <a:ea typeface="Tahoma" panose="020B0604030504040204" pitchFamily="34" charset="0"/>
+                <a:cs typeface="Tahoma" panose="020B0604030504040204" pitchFamily="34" charset="0"/>
+              </a:rPr>
+              <a:t> </a:t>
+            </a:r>
+            <a:r>
+              <a:rPr lang="en-US" sz="1000" b="0" i="0" dirty="0" err="1">
+                <a:solidFill>
+                  <a:schemeClr val="tx1">
+                    <a:lumMod val="75000"/>
+                    <a:lumOff val="25000"/>
+                  </a:schemeClr>
+                </a:solidFill>
+                <a:effectLst/>
+                <a:latin typeface="Tahoma" panose="020B0604030504040204" pitchFamily="34" charset="0"/>
+                <a:ea typeface="Tahoma" panose="020B0604030504040204" pitchFamily="34" charset="0"/>
+                <a:cs typeface="Tahoma" panose="020B0604030504040204" pitchFamily="34" charset="0"/>
+              </a:rPr>
+              <a:t>về</a:t>
+            </a:r>
+            <a:r>
+              <a:rPr lang="vi-VN" sz="1000" b="0" i="0" dirty="0">
+                <a:solidFill>
+                  <a:schemeClr val="tx1">
+                    <a:lumMod val="75000"/>
+                    <a:lumOff val="25000"/>
+                  </a:schemeClr>
+                </a:solidFill>
+                <a:effectLst/>
+                <a:latin typeface="Tahoma" panose="020B0604030504040204" pitchFamily="34" charset="0"/>
+                <a:ea typeface="Tahoma" panose="020B0604030504040204" pitchFamily="34" charset="0"/>
+                <a:cs typeface="Tahoma" panose="020B0604030504040204" pitchFamily="34" charset="0"/>
+              </a:rPr>
+              <a:t> những trải nghiệm và </a:t>
+            </a:r>
+            <a:r>
+              <a:rPr lang="en-US" sz="1000" b="0" i="0" dirty="0" err="1">
+                <a:solidFill>
+                  <a:schemeClr val="tx1">
+                    <a:lumMod val="75000"/>
+                    <a:lumOff val="25000"/>
+                  </a:schemeClr>
+                </a:solidFill>
+                <a:effectLst/>
+                <a:latin typeface="Tahoma" panose="020B0604030504040204" pitchFamily="34" charset="0"/>
+                <a:ea typeface="Tahoma" panose="020B0604030504040204" pitchFamily="34" charset="0"/>
+                <a:cs typeface="Tahoma" panose="020B0604030504040204" pitchFamily="34" charset="0"/>
+              </a:rPr>
+              <a:t>bài</a:t>
+            </a:r>
+            <a:r>
+              <a:rPr lang="vi-VN" sz="1000" b="0" i="0" dirty="0">
+                <a:solidFill>
+                  <a:schemeClr val="tx1">
+                    <a:lumMod val="75000"/>
+                    <a:lumOff val="25000"/>
+                  </a:schemeClr>
+                </a:solidFill>
+                <a:effectLst/>
+                <a:latin typeface="Tahoma" panose="020B0604030504040204" pitchFamily="34" charset="0"/>
+                <a:ea typeface="Tahoma" panose="020B0604030504040204" pitchFamily="34" charset="0"/>
+                <a:cs typeface="Tahoma" panose="020B0604030504040204" pitchFamily="34" charset="0"/>
+              </a:rPr>
+              <a:t> học sau những trải nghiệm đó. </a:t>
+            </a:r>
+            <a:r>
+              <a:rPr lang="en-US" sz="1000" b="0" i="0" dirty="0" err="1">
+                <a:solidFill>
+                  <a:schemeClr val="tx1">
+                    <a:lumMod val="75000"/>
+                    <a:lumOff val="25000"/>
+                  </a:schemeClr>
+                </a:solidFill>
+                <a:effectLst/>
+                <a:latin typeface="Tahoma" panose="020B0604030504040204" pitchFamily="34" charset="0"/>
+                <a:ea typeface="Tahoma" panose="020B0604030504040204" pitchFamily="34" charset="0"/>
+                <a:cs typeface="Tahoma" panose="020B0604030504040204" pitchFamily="34" charset="0"/>
+              </a:rPr>
+              <a:t>Chỉ</a:t>
+            </a:r>
+            <a:r>
+              <a:rPr lang="en-US" sz="1000" b="0" i="0" dirty="0">
+                <a:solidFill>
+                  <a:schemeClr val="tx1">
+                    <a:lumMod val="75000"/>
+                    <a:lumOff val="25000"/>
+                  </a:schemeClr>
+                </a:solidFill>
+                <a:effectLst/>
+                <a:latin typeface="Tahoma" panose="020B0604030504040204" pitchFamily="34" charset="0"/>
+                <a:ea typeface="Tahoma" panose="020B0604030504040204" pitchFamily="34" charset="0"/>
+                <a:cs typeface="Tahoma" panose="020B0604030504040204" pitchFamily="34" charset="0"/>
+              </a:rPr>
+              <a:t> </a:t>
+            </a:r>
+            <a:r>
+              <a:rPr lang="en-US" sz="1000" b="0" i="0" dirty="0" err="1">
+                <a:solidFill>
+                  <a:schemeClr val="tx1">
+                    <a:lumMod val="75000"/>
+                    <a:lumOff val="25000"/>
+                  </a:schemeClr>
+                </a:solidFill>
+                <a:effectLst/>
+                <a:latin typeface="Tahoma" panose="020B0604030504040204" pitchFamily="34" charset="0"/>
+                <a:ea typeface="Tahoma" panose="020B0604030504040204" pitchFamily="34" charset="0"/>
+                <a:cs typeface="Tahoma" panose="020B0604030504040204" pitchFamily="34" charset="0"/>
+              </a:rPr>
+              <a:t>số</a:t>
+            </a:r>
+            <a:r>
+              <a:rPr lang="en-US" sz="1000" b="0" i="0" dirty="0">
+                <a:solidFill>
+                  <a:schemeClr val="tx1">
+                    <a:lumMod val="75000"/>
+                    <a:lumOff val="25000"/>
+                  </a:schemeClr>
+                </a:solidFill>
+                <a:effectLst/>
+                <a:latin typeface="Tahoma" panose="020B0604030504040204" pitchFamily="34" charset="0"/>
+                <a:ea typeface="Tahoma" panose="020B0604030504040204" pitchFamily="34" charset="0"/>
+                <a:cs typeface="Tahoma" panose="020B0604030504040204" pitchFamily="34" charset="0"/>
+              </a:rPr>
+              <a:t> </a:t>
+            </a:r>
+            <a:r>
+              <a:rPr lang="en-US" sz="1000" b="0" i="0" dirty="0" err="1">
+                <a:solidFill>
+                  <a:schemeClr val="tx1">
+                    <a:lumMod val="75000"/>
+                    <a:lumOff val="25000"/>
+                  </a:schemeClr>
+                </a:solidFill>
+                <a:effectLst/>
+                <a:latin typeface="Tahoma" panose="020B0604030504040204" pitchFamily="34" charset="0"/>
+                <a:ea typeface="Tahoma" panose="020B0604030504040204" pitchFamily="34" charset="0"/>
+                <a:cs typeface="Tahoma" panose="020B0604030504040204" pitchFamily="34" charset="0"/>
+              </a:rPr>
+              <a:t>này</a:t>
+            </a:r>
+            <a:r>
+              <a:rPr lang="en-US" sz="1000" b="0" i="0" dirty="0">
+                <a:solidFill>
+                  <a:schemeClr val="tx1">
+                    <a:lumMod val="75000"/>
+                    <a:lumOff val="25000"/>
+                  </a:schemeClr>
+                </a:solidFill>
+                <a:effectLst/>
+                <a:latin typeface="Tahoma" panose="020B0604030504040204" pitchFamily="34" charset="0"/>
+                <a:ea typeface="Tahoma" panose="020B0604030504040204" pitchFamily="34" charset="0"/>
+                <a:cs typeface="Tahoma" panose="020B0604030504040204" pitchFamily="34" charset="0"/>
+              </a:rPr>
+              <a:t> </a:t>
+            </a:r>
+            <a:r>
+              <a:rPr lang="en-US" sz="1000" b="0" i="0" dirty="0" err="1">
+                <a:solidFill>
+                  <a:schemeClr val="tx1">
+                    <a:lumMod val="75000"/>
+                    <a:lumOff val="25000"/>
+                  </a:schemeClr>
+                </a:solidFill>
+                <a:effectLst/>
+                <a:latin typeface="Tahoma" panose="020B0604030504040204" pitchFamily="34" charset="0"/>
+                <a:ea typeface="Tahoma" panose="020B0604030504040204" pitchFamily="34" charset="0"/>
+                <a:cs typeface="Tahoma" panose="020B0604030504040204" pitchFamily="34" charset="0"/>
+              </a:rPr>
+              <a:t>giúp</a:t>
+            </a:r>
+            <a:r>
+              <a:rPr lang="en-US" sz="1000" b="0" i="0" dirty="0">
+                <a:solidFill>
+                  <a:schemeClr val="tx1">
+                    <a:lumMod val="75000"/>
+                    <a:lumOff val="25000"/>
+                  </a:schemeClr>
+                </a:solidFill>
+                <a:effectLst/>
+                <a:latin typeface="Tahoma" panose="020B0604030504040204" pitchFamily="34" charset="0"/>
+                <a:ea typeface="Tahoma" panose="020B0604030504040204" pitchFamily="34" charset="0"/>
+                <a:cs typeface="Tahoma" panose="020B0604030504040204" pitchFamily="34" charset="0"/>
+              </a:rPr>
+              <a:t> </a:t>
+            </a:r>
+            <a:r>
+              <a:rPr lang="en-US" sz="1000" b="0" i="0" dirty="0" err="1">
+                <a:solidFill>
+                  <a:schemeClr val="tx1">
+                    <a:lumMod val="75000"/>
+                    <a:lumOff val="25000"/>
+                  </a:schemeClr>
+                </a:solidFill>
+                <a:effectLst/>
+                <a:latin typeface="Tahoma" panose="020B0604030504040204" pitchFamily="34" charset="0"/>
+                <a:ea typeface="Tahoma" panose="020B0604030504040204" pitchFamily="34" charset="0"/>
+                <a:cs typeface="Tahoma" panose="020B0604030504040204" pitchFamily="34" charset="0"/>
+              </a:rPr>
+              <a:t>bạn</a:t>
+            </a:r>
+            <a:r>
+              <a:rPr lang="en-US" sz="1000" b="0" i="0" dirty="0">
+                <a:solidFill>
+                  <a:schemeClr val="tx1">
+                    <a:lumMod val="75000"/>
+                    <a:lumOff val="25000"/>
+                  </a:schemeClr>
+                </a:solidFill>
+                <a:effectLst/>
+                <a:latin typeface="Tahoma" panose="020B0604030504040204" pitchFamily="34" charset="0"/>
+                <a:ea typeface="Tahoma" panose="020B0604030504040204" pitchFamily="34" charset="0"/>
+                <a:cs typeface="Tahoma" panose="020B0604030504040204" pitchFamily="34" charset="0"/>
+              </a:rPr>
+              <a:t> </a:t>
+            </a:r>
+            <a:r>
+              <a:rPr lang="en-US" sz="1000" b="0" i="0" dirty="0" err="1">
+                <a:solidFill>
+                  <a:schemeClr val="tx1">
+                    <a:lumMod val="75000"/>
+                    <a:lumOff val="25000"/>
+                  </a:schemeClr>
+                </a:solidFill>
+                <a:effectLst/>
+                <a:latin typeface="Tahoma" panose="020B0604030504040204" pitchFamily="34" charset="0"/>
+                <a:ea typeface="Tahoma" panose="020B0604030504040204" pitchFamily="34" charset="0"/>
+                <a:cs typeface="Tahoma" panose="020B0604030504040204" pitchFamily="34" charset="0"/>
+              </a:rPr>
+              <a:t>nhận</a:t>
+            </a:r>
+            <a:r>
+              <a:rPr lang="en-US" sz="1000" b="0" i="0" dirty="0">
+                <a:solidFill>
+                  <a:schemeClr val="tx1">
+                    <a:lumMod val="75000"/>
+                    <a:lumOff val="25000"/>
+                  </a:schemeClr>
+                </a:solidFill>
+                <a:effectLst/>
+                <a:latin typeface="Tahoma" panose="020B0604030504040204" pitchFamily="34" charset="0"/>
+                <a:ea typeface="Tahoma" panose="020B0604030504040204" pitchFamily="34" charset="0"/>
+                <a:cs typeface="Tahoma" panose="020B0604030504040204" pitchFamily="34" charset="0"/>
+              </a:rPr>
+              <a:t> </a:t>
+            </a:r>
+            <a:r>
+              <a:rPr lang="en-US" sz="1000" b="0" i="0" dirty="0" err="1">
+                <a:solidFill>
+                  <a:schemeClr val="tx1">
+                    <a:lumMod val="75000"/>
+                    <a:lumOff val="25000"/>
+                  </a:schemeClr>
+                </a:solidFill>
+                <a:effectLst/>
+                <a:latin typeface="Tahoma" panose="020B0604030504040204" pitchFamily="34" charset="0"/>
+                <a:ea typeface="Tahoma" panose="020B0604030504040204" pitchFamily="34" charset="0"/>
+                <a:cs typeface="Tahoma" panose="020B0604030504040204" pitchFamily="34" charset="0"/>
+              </a:rPr>
+              <a:t>biết</a:t>
+            </a:r>
+            <a:r>
+              <a:rPr lang="en-US" sz="1000" b="0" i="0" dirty="0">
+                <a:solidFill>
+                  <a:schemeClr val="tx1">
+                    <a:lumMod val="75000"/>
+                    <a:lumOff val="25000"/>
+                  </a:schemeClr>
+                </a:solidFill>
+                <a:effectLst/>
+                <a:latin typeface="Tahoma" panose="020B0604030504040204" pitchFamily="34" charset="0"/>
+                <a:ea typeface="Tahoma" panose="020B0604030504040204" pitchFamily="34" charset="0"/>
+                <a:cs typeface="Tahoma" panose="020B0604030504040204" pitchFamily="34" charset="0"/>
+              </a:rPr>
+              <a:t> </a:t>
+            </a:r>
+            <a:r>
+              <a:rPr lang="en-US" sz="1000" b="0" i="0" dirty="0" err="1">
+                <a:solidFill>
+                  <a:schemeClr val="tx1">
+                    <a:lumMod val="75000"/>
+                    <a:lumOff val="25000"/>
+                  </a:schemeClr>
+                </a:solidFill>
+                <a:effectLst/>
+                <a:latin typeface="Tahoma" panose="020B0604030504040204" pitchFamily="34" charset="0"/>
+                <a:ea typeface="Tahoma" panose="020B0604030504040204" pitchFamily="34" charset="0"/>
+                <a:cs typeface="Tahoma" panose="020B0604030504040204" pitchFamily="34" charset="0"/>
+              </a:rPr>
+              <a:t>điểm</a:t>
+            </a:r>
+            <a:r>
+              <a:rPr lang="en-US" sz="1000" b="0" i="0" dirty="0">
+                <a:solidFill>
+                  <a:schemeClr val="tx1">
+                    <a:lumMod val="75000"/>
+                    <a:lumOff val="25000"/>
+                  </a:schemeClr>
+                </a:solidFill>
+                <a:effectLst/>
+                <a:latin typeface="Tahoma" panose="020B0604030504040204" pitchFamily="34" charset="0"/>
+                <a:ea typeface="Tahoma" panose="020B0604030504040204" pitchFamily="34" charset="0"/>
+                <a:cs typeface="Tahoma" panose="020B0604030504040204" pitchFamily="34" charset="0"/>
+              </a:rPr>
+              <a:t> </a:t>
+            </a:r>
+            <a:r>
+              <a:rPr lang="en-US" sz="1000" b="0" i="0" dirty="0" err="1">
+                <a:solidFill>
+                  <a:schemeClr val="tx1">
+                    <a:lumMod val="75000"/>
+                    <a:lumOff val="25000"/>
+                  </a:schemeClr>
+                </a:solidFill>
+                <a:effectLst/>
+                <a:latin typeface="Tahoma" panose="020B0604030504040204" pitchFamily="34" charset="0"/>
+                <a:ea typeface="Tahoma" panose="020B0604030504040204" pitchFamily="34" charset="0"/>
+                <a:cs typeface="Tahoma" panose="020B0604030504040204" pitchFamily="34" charset="0"/>
+              </a:rPr>
+              <a:t>mạnh</a:t>
+            </a:r>
+            <a:r>
+              <a:rPr lang="en-US" sz="1000" b="0" i="0" dirty="0">
+                <a:solidFill>
+                  <a:schemeClr val="tx1">
+                    <a:lumMod val="75000"/>
+                    <a:lumOff val="25000"/>
+                  </a:schemeClr>
+                </a:solidFill>
+                <a:effectLst/>
+                <a:latin typeface="Tahoma" panose="020B0604030504040204" pitchFamily="34" charset="0"/>
+                <a:ea typeface="Tahoma" panose="020B0604030504040204" pitchFamily="34" charset="0"/>
+                <a:cs typeface="Tahoma" panose="020B0604030504040204" pitchFamily="34" charset="0"/>
+              </a:rPr>
+              <a:t> </a:t>
+            </a:r>
+            <a:r>
+              <a:rPr lang="en-US" sz="1000" b="0" i="0" dirty="0" err="1">
+                <a:solidFill>
+                  <a:schemeClr val="tx1">
+                    <a:lumMod val="75000"/>
+                    <a:lumOff val="25000"/>
+                  </a:schemeClr>
+                </a:solidFill>
+                <a:effectLst/>
+                <a:latin typeface="Tahoma" panose="020B0604030504040204" pitchFamily="34" charset="0"/>
+                <a:ea typeface="Tahoma" panose="020B0604030504040204" pitchFamily="34" charset="0"/>
+                <a:cs typeface="Tahoma" panose="020B0604030504040204" pitchFamily="34" charset="0"/>
+              </a:rPr>
+              <a:t>và</a:t>
+            </a:r>
+            <a:r>
+              <a:rPr lang="en-US" sz="1000" b="0" i="0" dirty="0">
+                <a:solidFill>
+                  <a:schemeClr val="tx1">
+                    <a:lumMod val="75000"/>
+                    <a:lumOff val="25000"/>
+                  </a:schemeClr>
+                </a:solidFill>
+                <a:effectLst/>
+                <a:latin typeface="Tahoma" panose="020B0604030504040204" pitchFamily="34" charset="0"/>
+                <a:ea typeface="Tahoma" panose="020B0604030504040204" pitchFamily="34" charset="0"/>
+                <a:cs typeface="Tahoma" panose="020B0604030504040204" pitchFamily="34" charset="0"/>
+              </a:rPr>
+              <a:t> </a:t>
+            </a:r>
+            <a:r>
+              <a:rPr lang="en-US" sz="1000" b="0" i="0" dirty="0" err="1">
+                <a:solidFill>
+                  <a:schemeClr val="tx1">
+                    <a:lumMod val="75000"/>
+                    <a:lumOff val="25000"/>
+                  </a:schemeClr>
+                </a:solidFill>
+                <a:effectLst/>
+                <a:latin typeface="Tahoma" panose="020B0604030504040204" pitchFamily="34" charset="0"/>
+                <a:ea typeface="Tahoma" panose="020B0604030504040204" pitchFamily="34" charset="0"/>
+                <a:cs typeface="Tahoma" panose="020B0604030504040204" pitchFamily="34" charset="0"/>
+              </a:rPr>
+              <a:t>điểm</a:t>
+            </a:r>
+            <a:r>
+              <a:rPr lang="en-US" sz="1000" b="0" i="0" dirty="0">
+                <a:solidFill>
+                  <a:schemeClr val="tx1">
+                    <a:lumMod val="75000"/>
+                    <a:lumOff val="25000"/>
+                  </a:schemeClr>
+                </a:solidFill>
+                <a:effectLst/>
+                <a:latin typeface="Tahoma" panose="020B0604030504040204" pitchFamily="34" charset="0"/>
+                <a:ea typeface="Tahoma" panose="020B0604030504040204" pitchFamily="34" charset="0"/>
+                <a:cs typeface="Tahoma" panose="020B0604030504040204" pitchFamily="34" charset="0"/>
+              </a:rPr>
+              <a:t> </a:t>
+            </a:r>
+            <a:r>
+              <a:rPr lang="en-US" sz="1000" b="0" i="0" dirty="0" err="1">
+                <a:solidFill>
+                  <a:schemeClr val="tx1">
+                    <a:lumMod val="75000"/>
+                    <a:lumOff val="25000"/>
+                  </a:schemeClr>
+                </a:solidFill>
+                <a:effectLst/>
+                <a:latin typeface="Tahoma" panose="020B0604030504040204" pitchFamily="34" charset="0"/>
+                <a:ea typeface="Tahoma" panose="020B0604030504040204" pitchFamily="34" charset="0"/>
+                <a:cs typeface="Tahoma" panose="020B0604030504040204" pitchFamily="34" charset="0"/>
+              </a:rPr>
+              <a:t>cần</a:t>
+            </a:r>
+            <a:r>
+              <a:rPr lang="en-US" sz="1000" b="0" i="0" dirty="0">
+                <a:solidFill>
+                  <a:schemeClr val="tx1">
+                    <a:lumMod val="75000"/>
+                    <a:lumOff val="25000"/>
+                  </a:schemeClr>
+                </a:solidFill>
+                <a:effectLst/>
+                <a:latin typeface="Tahoma" panose="020B0604030504040204" pitchFamily="34" charset="0"/>
+                <a:ea typeface="Tahoma" panose="020B0604030504040204" pitchFamily="34" charset="0"/>
+                <a:cs typeface="Tahoma" panose="020B0604030504040204" pitchFamily="34" charset="0"/>
+              </a:rPr>
+              <a:t> </a:t>
+            </a:r>
+            <a:r>
+              <a:rPr lang="en-US" sz="1000" b="0" i="0" dirty="0" err="1">
+                <a:solidFill>
+                  <a:schemeClr val="tx1">
+                    <a:lumMod val="75000"/>
+                    <a:lumOff val="25000"/>
+                  </a:schemeClr>
+                </a:solidFill>
+                <a:effectLst/>
+                <a:latin typeface="Tahoma" panose="020B0604030504040204" pitchFamily="34" charset="0"/>
+                <a:ea typeface="Tahoma" panose="020B0604030504040204" pitchFamily="34" charset="0"/>
+                <a:cs typeface="Tahoma" panose="020B0604030504040204" pitchFamily="34" charset="0"/>
+              </a:rPr>
+              <a:t>rèn</a:t>
+            </a:r>
+            <a:r>
+              <a:rPr lang="en-US" sz="1000" b="0" i="0" dirty="0">
+                <a:solidFill>
+                  <a:schemeClr val="tx1">
+                    <a:lumMod val="75000"/>
+                    <a:lumOff val="25000"/>
+                  </a:schemeClr>
+                </a:solidFill>
+                <a:effectLst/>
+                <a:latin typeface="Tahoma" panose="020B0604030504040204" pitchFamily="34" charset="0"/>
+                <a:ea typeface="Tahoma" panose="020B0604030504040204" pitchFamily="34" charset="0"/>
+                <a:cs typeface="Tahoma" panose="020B0604030504040204" pitchFamily="34" charset="0"/>
+              </a:rPr>
+              <a:t> </a:t>
+            </a:r>
+            <a:r>
+              <a:rPr lang="en-US" sz="1000" b="0" i="0" dirty="0" err="1">
+                <a:solidFill>
+                  <a:schemeClr val="tx1">
+                    <a:lumMod val="75000"/>
+                    <a:lumOff val="25000"/>
+                  </a:schemeClr>
+                </a:solidFill>
+                <a:effectLst/>
+                <a:latin typeface="Tahoma" panose="020B0604030504040204" pitchFamily="34" charset="0"/>
+                <a:ea typeface="Tahoma" panose="020B0604030504040204" pitchFamily="34" charset="0"/>
+                <a:cs typeface="Tahoma" panose="020B0604030504040204" pitchFamily="34" charset="0"/>
+              </a:rPr>
+              <a:t>luyện</a:t>
+            </a:r>
+            <a:r>
+              <a:rPr lang="en-US" sz="1000" b="0" i="0" dirty="0">
+                <a:solidFill>
+                  <a:schemeClr val="tx1">
+                    <a:lumMod val="75000"/>
+                    <a:lumOff val="25000"/>
+                  </a:schemeClr>
+                </a:solidFill>
+                <a:effectLst/>
+                <a:latin typeface="Tahoma" panose="020B0604030504040204" pitchFamily="34" charset="0"/>
+                <a:ea typeface="Tahoma" panose="020B0604030504040204" pitchFamily="34" charset="0"/>
+                <a:cs typeface="Tahoma" panose="020B0604030504040204" pitchFamily="34" charset="0"/>
+              </a:rPr>
+              <a:t> </a:t>
+            </a:r>
+            <a:r>
+              <a:rPr lang="en-US" sz="1000" b="0" i="0" dirty="0" err="1">
+                <a:solidFill>
+                  <a:schemeClr val="tx1">
+                    <a:lumMod val="75000"/>
+                    <a:lumOff val="25000"/>
+                  </a:schemeClr>
+                </a:solidFill>
+                <a:effectLst/>
+                <a:latin typeface="Tahoma" panose="020B0604030504040204" pitchFamily="34" charset="0"/>
+                <a:ea typeface="Tahoma" panose="020B0604030504040204" pitchFamily="34" charset="0"/>
+                <a:cs typeface="Tahoma" panose="020B0604030504040204" pitchFamily="34" charset="0"/>
+              </a:rPr>
+              <a:t>cũng</a:t>
+            </a:r>
+            <a:r>
+              <a:rPr lang="en-US" sz="1000" b="0" i="0" dirty="0">
+                <a:solidFill>
+                  <a:schemeClr val="tx1">
+                    <a:lumMod val="75000"/>
+                    <a:lumOff val="25000"/>
+                  </a:schemeClr>
+                </a:solidFill>
+                <a:effectLst/>
+                <a:latin typeface="Tahoma" panose="020B0604030504040204" pitchFamily="34" charset="0"/>
+                <a:ea typeface="Tahoma" panose="020B0604030504040204" pitchFamily="34" charset="0"/>
+                <a:cs typeface="Tahoma" panose="020B0604030504040204" pitchFamily="34" charset="0"/>
+              </a:rPr>
+              <a:t> </a:t>
+            </a:r>
+            <a:r>
+              <a:rPr lang="en-US" sz="1000" b="0" i="0" dirty="0" err="1">
+                <a:solidFill>
+                  <a:schemeClr val="tx1">
+                    <a:lumMod val="75000"/>
+                    <a:lumOff val="25000"/>
+                  </a:schemeClr>
+                </a:solidFill>
+                <a:effectLst/>
+                <a:latin typeface="Tahoma" panose="020B0604030504040204" pitchFamily="34" charset="0"/>
+                <a:ea typeface="Tahoma" panose="020B0604030504040204" pitchFamily="34" charset="0"/>
+                <a:cs typeface="Tahoma" panose="020B0604030504040204" pitchFamily="34" charset="0"/>
+              </a:rPr>
+              <a:t>như</a:t>
+            </a:r>
+            <a:r>
+              <a:rPr lang="en-US" sz="1000" b="0" i="0" dirty="0">
+                <a:solidFill>
+                  <a:schemeClr val="tx1">
+                    <a:lumMod val="75000"/>
+                    <a:lumOff val="25000"/>
+                  </a:schemeClr>
+                </a:solidFill>
+                <a:effectLst/>
+                <a:latin typeface="Tahoma" panose="020B0604030504040204" pitchFamily="34" charset="0"/>
+                <a:ea typeface="Tahoma" panose="020B0604030504040204" pitchFamily="34" charset="0"/>
+                <a:cs typeface="Tahoma" panose="020B0604030504040204" pitchFamily="34" charset="0"/>
+              </a:rPr>
+              <a:t> </a:t>
+            </a:r>
+            <a:r>
+              <a:rPr lang="en-US" sz="1000" b="0" i="0" dirty="0" err="1">
+                <a:solidFill>
+                  <a:schemeClr val="tx1">
+                    <a:lumMod val="75000"/>
+                    <a:lumOff val="25000"/>
+                  </a:schemeClr>
+                </a:solidFill>
+                <a:effectLst/>
+                <a:latin typeface="Tahoma" panose="020B0604030504040204" pitchFamily="34" charset="0"/>
+                <a:ea typeface="Tahoma" panose="020B0604030504040204" pitchFamily="34" charset="0"/>
+                <a:cs typeface="Tahoma" panose="020B0604030504040204" pitchFamily="34" charset="0"/>
+              </a:rPr>
+              <a:t>định</a:t>
+            </a:r>
+            <a:r>
+              <a:rPr lang="en-US" sz="1000" b="0" i="0" dirty="0">
+                <a:solidFill>
+                  <a:schemeClr val="tx1">
+                    <a:lumMod val="75000"/>
+                    <a:lumOff val="25000"/>
+                  </a:schemeClr>
+                </a:solidFill>
+                <a:effectLst/>
+                <a:latin typeface="Tahoma" panose="020B0604030504040204" pitchFamily="34" charset="0"/>
+                <a:ea typeface="Tahoma" panose="020B0604030504040204" pitchFamily="34" charset="0"/>
+                <a:cs typeface="Tahoma" panose="020B0604030504040204" pitchFamily="34" charset="0"/>
+              </a:rPr>
+              <a:t> </a:t>
+            </a:r>
+            <a:r>
+              <a:rPr lang="en-US" sz="1000" b="0" i="0" dirty="0" err="1">
+                <a:solidFill>
+                  <a:schemeClr val="tx1">
+                    <a:lumMod val="75000"/>
+                    <a:lumOff val="25000"/>
+                  </a:schemeClr>
+                </a:solidFill>
+                <a:effectLst/>
+                <a:latin typeface="Tahoma" panose="020B0604030504040204" pitchFamily="34" charset="0"/>
+                <a:ea typeface="Tahoma" panose="020B0604030504040204" pitchFamily="34" charset="0"/>
+                <a:cs typeface="Tahoma" panose="020B0604030504040204" pitchFamily="34" charset="0"/>
+              </a:rPr>
+              <a:t>hướng</a:t>
+            </a:r>
+            <a:r>
+              <a:rPr lang="en-US" sz="1000" b="0" i="0" dirty="0">
+                <a:solidFill>
+                  <a:schemeClr val="tx1">
+                    <a:lumMod val="75000"/>
+                    <a:lumOff val="25000"/>
+                  </a:schemeClr>
+                </a:solidFill>
+                <a:effectLst/>
+                <a:latin typeface="Tahoma" panose="020B0604030504040204" pitchFamily="34" charset="0"/>
+                <a:ea typeface="Tahoma" panose="020B0604030504040204" pitchFamily="34" charset="0"/>
+                <a:cs typeface="Tahoma" panose="020B0604030504040204" pitchFamily="34" charset="0"/>
+              </a:rPr>
+              <a:t> </a:t>
+            </a:r>
+            <a:r>
+              <a:rPr lang="en-US" sz="1000" b="0" i="0" dirty="0" err="1">
+                <a:solidFill>
+                  <a:schemeClr val="tx1">
+                    <a:lumMod val="75000"/>
+                    <a:lumOff val="25000"/>
+                  </a:schemeClr>
+                </a:solidFill>
+                <a:effectLst/>
+                <a:latin typeface="Tahoma" panose="020B0604030504040204" pitchFamily="34" charset="0"/>
+                <a:ea typeface="Tahoma" panose="020B0604030504040204" pitchFamily="34" charset="0"/>
+                <a:cs typeface="Tahoma" panose="020B0604030504040204" pitchFamily="34" charset="0"/>
+              </a:rPr>
+              <a:t>môi</a:t>
+            </a:r>
+            <a:r>
+              <a:rPr lang="en-US" sz="1000" b="0" i="0" dirty="0">
+                <a:solidFill>
+                  <a:schemeClr val="tx1">
+                    <a:lumMod val="75000"/>
+                    <a:lumOff val="25000"/>
+                  </a:schemeClr>
+                </a:solidFill>
+                <a:effectLst/>
+                <a:latin typeface="Tahoma" panose="020B0604030504040204" pitchFamily="34" charset="0"/>
+                <a:ea typeface="Tahoma" panose="020B0604030504040204" pitchFamily="34" charset="0"/>
+                <a:cs typeface="Tahoma" panose="020B0604030504040204" pitchFamily="34" charset="0"/>
+              </a:rPr>
+              <a:t> </a:t>
+            </a:r>
+            <a:r>
+              <a:rPr lang="en-US" sz="1000" b="0" i="0" dirty="0" err="1">
+                <a:solidFill>
+                  <a:schemeClr val="tx1">
+                    <a:lumMod val="75000"/>
+                    <a:lumOff val="25000"/>
+                  </a:schemeClr>
+                </a:solidFill>
+                <a:effectLst/>
+                <a:latin typeface="Tahoma" panose="020B0604030504040204" pitchFamily="34" charset="0"/>
+                <a:ea typeface="Tahoma" panose="020B0604030504040204" pitchFamily="34" charset="0"/>
+                <a:cs typeface="Tahoma" panose="020B0604030504040204" pitchFamily="34" charset="0"/>
+              </a:rPr>
+              <a:t>trường</a:t>
+            </a:r>
+            <a:r>
+              <a:rPr lang="en-US" sz="1000" b="0" i="0" dirty="0">
+                <a:solidFill>
+                  <a:schemeClr val="tx1">
+                    <a:lumMod val="75000"/>
+                    <a:lumOff val="25000"/>
+                  </a:schemeClr>
+                </a:solidFill>
+                <a:effectLst/>
+                <a:latin typeface="Tahoma" panose="020B0604030504040204" pitchFamily="34" charset="0"/>
+                <a:ea typeface="Tahoma" panose="020B0604030504040204" pitchFamily="34" charset="0"/>
+                <a:cs typeface="Tahoma" panose="020B0604030504040204" pitchFamily="34" charset="0"/>
+              </a:rPr>
+              <a:t> </a:t>
+            </a:r>
+            <a:r>
+              <a:rPr lang="en-US" sz="1000" b="0" i="0" dirty="0" err="1">
+                <a:solidFill>
+                  <a:schemeClr val="tx1">
+                    <a:lumMod val="75000"/>
+                    <a:lumOff val="25000"/>
+                  </a:schemeClr>
+                </a:solidFill>
+                <a:effectLst/>
+                <a:latin typeface="Tahoma" panose="020B0604030504040204" pitchFamily="34" charset="0"/>
+                <a:ea typeface="Tahoma" panose="020B0604030504040204" pitchFamily="34" charset="0"/>
+                <a:cs typeface="Tahoma" panose="020B0604030504040204" pitchFamily="34" charset="0"/>
+              </a:rPr>
+              <a:t>tối</a:t>
+            </a:r>
+            <a:r>
+              <a:rPr lang="en-US" sz="1000" b="0" i="0" dirty="0">
+                <a:solidFill>
+                  <a:schemeClr val="tx1">
+                    <a:lumMod val="75000"/>
+                    <a:lumOff val="25000"/>
+                  </a:schemeClr>
+                </a:solidFill>
+                <a:effectLst/>
+                <a:latin typeface="Tahoma" panose="020B0604030504040204" pitchFamily="34" charset="0"/>
+                <a:ea typeface="Tahoma" panose="020B0604030504040204" pitchFamily="34" charset="0"/>
+                <a:cs typeface="Tahoma" panose="020B0604030504040204" pitchFamily="34" charset="0"/>
+              </a:rPr>
+              <a:t> </a:t>
+            </a:r>
+            <a:r>
+              <a:rPr lang="en-US" sz="1000" b="0" i="0" dirty="0" err="1">
+                <a:solidFill>
+                  <a:schemeClr val="tx1">
+                    <a:lumMod val="75000"/>
+                    <a:lumOff val="25000"/>
+                  </a:schemeClr>
+                </a:solidFill>
+                <a:effectLst/>
+                <a:latin typeface="Tahoma" panose="020B0604030504040204" pitchFamily="34" charset="0"/>
+                <a:ea typeface="Tahoma" panose="020B0604030504040204" pitchFamily="34" charset="0"/>
+                <a:cs typeface="Tahoma" panose="020B0604030504040204" pitchFamily="34" charset="0"/>
+              </a:rPr>
+              <a:t>ưu</a:t>
+            </a:r>
+            <a:r>
+              <a:rPr lang="en-US" sz="1000" b="0" i="0" dirty="0">
+                <a:solidFill>
+                  <a:schemeClr val="tx1">
+                    <a:lumMod val="75000"/>
+                    <a:lumOff val="25000"/>
+                  </a:schemeClr>
+                </a:solidFill>
+                <a:effectLst/>
+                <a:latin typeface="Tahoma" panose="020B0604030504040204" pitchFamily="34" charset="0"/>
+                <a:ea typeface="Tahoma" panose="020B0604030504040204" pitchFamily="34" charset="0"/>
+                <a:cs typeface="Tahoma" panose="020B0604030504040204" pitchFamily="34" charset="0"/>
+              </a:rPr>
+              <a:t> </a:t>
+            </a:r>
+            <a:r>
+              <a:rPr lang="en-US" sz="1000" b="0" i="0" dirty="0" err="1">
+                <a:solidFill>
+                  <a:schemeClr val="tx1">
+                    <a:lumMod val="75000"/>
+                    <a:lumOff val="25000"/>
+                  </a:schemeClr>
+                </a:solidFill>
+                <a:effectLst/>
+                <a:latin typeface="Tahoma" panose="020B0604030504040204" pitchFamily="34" charset="0"/>
+                <a:ea typeface="Tahoma" panose="020B0604030504040204" pitchFamily="34" charset="0"/>
+                <a:cs typeface="Tahoma" panose="020B0604030504040204" pitchFamily="34" charset="0"/>
+              </a:rPr>
+              <a:t>để</a:t>
+            </a:r>
+            <a:r>
+              <a:rPr lang="en-US" sz="1000" b="0" i="0" dirty="0">
+                <a:solidFill>
+                  <a:schemeClr val="tx1">
+                    <a:lumMod val="75000"/>
+                    <a:lumOff val="25000"/>
+                  </a:schemeClr>
+                </a:solidFill>
+                <a:effectLst/>
+                <a:latin typeface="Tahoma" panose="020B0604030504040204" pitchFamily="34" charset="0"/>
+                <a:ea typeface="Tahoma" panose="020B0604030504040204" pitchFamily="34" charset="0"/>
+                <a:cs typeface="Tahoma" panose="020B0604030504040204" pitchFamily="34" charset="0"/>
+              </a:rPr>
+              <a:t> </a:t>
+            </a:r>
+            <a:r>
+              <a:rPr lang="en-US" sz="1000" b="0" i="0" dirty="0" err="1">
+                <a:solidFill>
+                  <a:schemeClr val="tx1">
+                    <a:lumMod val="75000"/>
+                    <a:lumOff val="25000"/>
+                  </a:schemeClr>
+                </a:solidFill>
+                <a:effectLst/>
+                <a:latin typeface="Tahoma" panose="020B0604030504040204" pitchFamily="34" charset="0"/>
+                <a:ea typeface="Tahoma" panose="020B0604030504040204" pitchFamily="34" charset="0"/>
+                <a:cs typeface="Tahoma" panose="020B0604030504040204" pitchFamily="34" charset="0"/>
+              </a:rPr>
+              <a:t>bạn</a:t>
+            </a:r>
+            <a:r>
+              <a:rPr lang="en-US" sz="1000" b="0" i="0" dirty="0">
+                <a:solidFill>
+                  <a:schemeClr val="tx1">
+                    <a:lumMod val="75000"/>
+                    <a:lumOff val="25000"/>
+                  </a:schemeClr>
+                </a:solidFill>
+                <a:effectLst/>
+                <a:latin typeface="Tahoma" panose="020B0604030504040204" pitchFamily="34" charset="0"/>
+                <a:ea typeface="Tahoma" panose="020B0604030504040204" pitchFamily="34" charset="0"/>
+                <a:cs typeface="Tahoma" panose="020B0604030504040204" pitchFamily="34" charset="0"/>
+              </a:rPr>
+              <a:t> </a:t>
+            </a:r>
+            <a:r>
+              <a:rPr lang="en-US" sz="1000" b="0" i="0" dirty="0" err="1">
+                <a:solidFill>
+                  <a:schemeClr val="tx1">
+                    <a:lumMod val="75000"/>
+                    <a:lumOff val="25000"/>
+                  </a:schemeClr>
+                </a:solidFill>
+                <a:effectLst/>
+                <a:latin typeface="Tahoma" panose="020B0604030504040204" pitchFamily="34" charset="0"/>
+                <a:ea typeface="Tahoma" panose="020B0604030504040204" pitchFamily="34" charset="0"/>
+                <a:cs typeface="Tahoma" panose="020B0604030504040204" pitchFamily="34" charset="0"/>
+              </a:rPr>
+              <a:t>phát</a:t>
+            </a:r>
+            <a:r>
+              <a:rPr lang="en-US" sz="1000" b="0" i="0" dirty="0">
+                <a:solidFill>
+                  <a:schemeClr val="tx1">
+                    <a:lumMod val="75000"/>
+                    <a:lumOff val="25000"/>
+                  </a:schemeClr>
+                </a:solidFill>
+                <a:effectLst/>
+                <a:latin typeface="Tahoma" panose="020B0604030504040204" pitchFamily="34" charset="0"/>
+                <a:ea typeface="Tahoma" panose="020B0604030504040204" pitchFamily="34" charset="0"/>
+                <a:cs typeface="Tahoma" panose="020B0604030504040204" pitchFamily="34" charset="0"/>
+              </a:rPr>
+              <a:t> </a:t>
+            </a:r>
+            <a:r>
+              <a:rPr lang="en-US" sz="1000" b="0" i="0" dirty="0" err="1">
+                <a:solidFill>
+                  <a:schemeClr val="tx1">
+                    <a:lumMod val="75000"/>
+                    <a:lumOff val="25000"/>
+                  </a:schemeClr>
+                </a:solidFill>
+                <a:effectLst/>
+                <a:latin typeface="Tahoma" panose="020B0604030504040204" pitchFamily="34" charset="0"/>
+                <a:ea typeface="Tahoma" panose="020B0604030504040204" pitchFamily="34" charset="0"/>
+                <a:cs typeface="Tahoma" panose="020B0604030504040204" pitchFamily="34" charset="0"/>
+              </a:rPr>
+              <a:t>huy</a:t>
+            </a:r>
+            <a:r>
+              <a:rPr lang="en-US" sz="1000" b="0" i="0" dirty="0">
+                <a:solidFill>
+                  <a:schemeClr val="tx1">
+                    <a:lumMod val="75000"/>
+                    <a:lumOff val="25000"/>
+                  </a:schemeClr>
+                </a:solidFill>
+                <a:effectLst/>
+                <a:latin typeface="Tahoma" panose="020B0604030504040204" pitchFamily="34" charset="0"/>
+                <a:ea typeface="Tahoma" panose="020B0604030504040204" pitchFamily="34" charset="0"/>
+                <a:cs typeface="Tahoma" panose="020B0604030504040204" pitchFamily="34" charset="0"/>
+              </a:rPr>
+              <a:t> </a:t>
+            </a:r>
+            <a:r>
+              <a:rPr lang="en-US" sz="1000" b="0" i="0" dirty="0" err="1">
+                <a:solidFill>
+                  <a:schemeClr val="tx1">
+                    <a:lumMod val="75000"/>
+                    <a:lumOff val="25000"/>
+                  </a:schemeClr>
+                </a:solidFill>
+                <a:effectLst/>
+                <a:latin typeface="Tahoma" panose="020B0604030504040204" pitchFamily="34" charset="0"/>
+                <a:ea typeface="Tahoma" panose="020B0604030504040204" pitchFamily="34" charset="0"/>
+                <a:cs typeface="Tahoma" panose="020B0604030504040204" pitchFamily="34" charset="0"/>
+              </a:rPr>
+              <a:t>năng</a:t>
+            </a:r>
+            <a:r>
+              <a:rPr lang="en-US" sz="1000" b="0" i="0" dirty="0">
+                <a:solidFill>
+                  <a:schemeClr val="tx1">
+                    <a:lumMod val="75000"/>
+                    <a:lumOff val="25000"/>
+                  </a:schemeClr>
+                </a:solidFill>
+                <a:effectLst/>
+                <a:latin typeface="Tahoma" panose="020B0604030504040204" pitchFamily="34" charset="0"/>
+                <a:ea typeface="Tahoma" panose="020B0604030504040204" pitchFamily="34" charset="0"/>
+                <a:cs typeface="Tahoma" panose="020B0604030504040204" pitchFamily="34" charset="0"/>
+              </a:rPr>
+              <a:t> </a:t>
+            </a:r>
+            <a:r>
+              <a:rPr lang="en-US" sz="1000" b="0" i="0" dirty="0" err="1">
+                <a:solidFill>
+                  <a:schemeClr val="tx1">
+                    <a:lumMod val="75000"/>
+                    <a:lumOff val="25000"/>
+                  </a:schemeClr>
+                </a:solidFill>
+                <a:effectLst/>
+                <a:latin typeface="Tahoma" panose="020B0604030504040204" pitchFamily="34" charset="0"/>
+                <a:ea typeface="Tahoma" panose="020B0604030504040204" pitchFamily="34" charset="0"/>
+                <a:cs typeface="Tahoma" panose="020B0604030504040204" pitchFamily="34" charset="0"/>
+              </a:rPr>
+              <a:t>lực</a:t>
+            </a:r>
+            <a:r>
+              <a:rPr lang="en-US" sz="1000" b="0" i="0" dirty="0">
+                <a:solidFill>
+                  <a:schemeClr val="tx1">
+                    <a:lumMod val="75000"/>
+                    <a:lumOff val="25000"/>
+                  </a:schemeClr>
+                </a:solidFill>
+                <a:effectLst/>
+                <a:latin typeface="Tahoma" panose="020B0604030504040204" pitchFamily="34" charset="0"/>
+                <a:ea typeface="Tahoma" panose="020B0604030504040204" pitchFamily="34" charset="0"/>
+                <a:cs typeface="Tahoma" panose="020B0604030504040204" pitchFamily="34" charset="0"/>
+              </a:rPr>
+              <a:t> </a:t>
+            </a:r>
+            <a:r>
+              <a:rPr lang="en-US" sz="1000" b="0" i="0" dirty="0" err="1">
+                <a:solidFill>
+                  <a:schemeClr val="tx1">
+                    <a:lumMod val="75000"/>
+                    <a:lumOff val="25000"/>
+                  </a:schemeClr>
+                </a:solidFill>
+                <a:effectLst/>
+                <a:latin typeface="Tahoma" panose="020B0604030504040204" pitchFamily="34" charset="0"/>
+                <a:ea typeface="Tahoma" panose="020B0604030504040204" pitchFamily="34" charset="0"/>
+                <a:cs typeface="Tahoma" panose="020B0604030504040204" pitchFamily="34" charset="0"/>
+              </a:rPr>
+              <a:t>của</a:t>
+            </a:r>
+            <a:r>
+              <a:rPr lang="en-US" sz="1000" b="0" i="0" dirty="0">
+                <a:solidFill>
+                  <a:schemeClr val="tx1">
+                    <a:lumMod val="75000"/>
+                    <a:lumOff val="25000"/>
+                  </a:schemeClr>
+                </a:solidFill>
+                <a:effectLst/>
+                <a:latin typeface="Tahoma" panose="020B0604030504040204" pitchFamily="34" charset="0"/>
+                <a:ea typeface="Tahoma" panose="020B0604030504040204" pitchFamily="34" charset="0"/>
+                <a:cs typeface="Tahoma" panose="020B0604030504040204" pitchFamily="34" charset="0"/>
+              </a:rPr>
+              <a:t> </a:t>
+            </a:r>
+            <a:r>
+              <a:rPr lang="en-US" sz="1000" b="0" i="0" dirty="0" err="1">
+                <a:solidFill>
+                  <a:schemeClr val="tx1">
+                    <a:lumMod val="75000"/>
+                    <a:lumOff val="25000"/>
+                  </a:schemeClr>
+                </a:solidFill>
+                <a:effectLst/>
+                <a:latin typeface="Tahoma" panose="020B0604030504040204" pitchFamily="34" charset="0"/>
+                <a:ea typeface="Tahoma" panose="020B0604030504040204" pitchFamily="34" charset="0"/>
+                <a:cs typeface="Tahoma" panose="020B0604030504040204" pitchFamily="34" charset="0"/>
+              </a:rPr>
+              <a:t>mình</a:t>
+            </a:r>
+            <a:r>
+              <a:rPr lang="en-US" sz="1000" b="0" i="0" dirty="0">
+                <a:solidFill>
+                  <a:schemeClr val="tx1">
+                    <a:lumMod val="75000"/>
+                    <a:lumOff val="25000"/>
+                  </a:schemeClr>
+                </a:solidFill>
+                <a:effectLst/>
+                <a:latin typeface="Tahoma" panose="020B0604030504040204" pitchFamily="34" charset="0"/>
+                <a:ea typeface="Tahoma" panose="020B0604030504040204" pitchFamily="34" charset="0"/>
+                <a:cs typeface="Tahoma" panose="020B0604030504040204" pitchFamily="34" charset="0"/>
+              </a:rPr>
+              <a:t>.</a:t>
+            </a:r>
+            <a:endParaRPr lang="en-US" sz="1000" dirty="0">
+              <a:solidFill>
+                <a:schemeClr val="tx1">
+                  <a:lumMod val="75000"/>
+                  <a:lumOff val="25000"/>
+                </a:schemeClr>
+              </a:solidFill>
+              <a:latin typeface="Tahoma" panose="020B0604030504040204" pitchFamily="34" charset="0"/>
+              <a:ea typeface="Tahoma" panose="020B0604030504040204" pitchFamily="34" charset="0"/>
+              <a:cs typeface="Tahoma" panose="020B0604030504040204" pitchFamily="34" charset="0"/>
+            </a:endParaRPr>
           </a:p>
         </p:txBody>
       </p:sp>
@@ -1741,6 +3550,1457 @@
 </file>
 
 <file path=ppt/slideLayouts/slideLayout3.xml><?xml version="1.0" encoding="utf-8"?>
+<p:sldLayout xmlns:a="http://schemas.openxmlformats.org/drawingml/2006/main" xmlns:r="http://schemas.openxmlformats.org/officeDocument/2006/relationships" xmlns:p="http://schemas.openxmlformats.org/presentationml/2006/main" preserve="1" userDrawn="1">
+  <p:cSld name="SU MENH Slide">
+    <p:spTree>
+      <p:nvGrpSpPr>
+        <p:cNvPr id="1" name=""/>
+        <p:cNvGrpSpPr/>
+        <p:nvPr/>
+      </p:nvGrpSpPr>
+      <p:grpSpPr>
+        <a:xfrm>
+          <a:off x="0" y="0"/>
+          <a:ext cx="0" cy="0"/>
+          <a:chOff x="0" y="0"/>
+          <a:chExt cx="0" cy="0"/>
+        </a:xfrm>
+      </p:grpSpPr>
+      <p:sp>
+        <p:nvSpPr>
+          <p:cNvPr id="7" name="Title 1">
+            <a:extLst>
+              <a:ext uri="{FF2B5EF4-FFF2-40B4-BE49-F238E27FC236}">
+                <a16:creationId xmlns:a16="http://schemas.microsoft.com/office/drawing/2014/main" id="{247EDE5F-E6A7-4F40-9627-0F08439667DF}"/>
+              </a:ext>
+            </a:extLst>
+          </p:cNvPr>
+          <p:cNvSpPr txBox="1">
+            <a:spLocks/>
+          </p:cNvSpPr>
+          <p:nvPr userDrawn="1"/>
+        </p:nvSpPr>
+        <p:spPr>
+          <a:xfrm>
+            <a:off x="274320" y="274320"/>
+            <a:ext cx="4556447" cy="446400"/>
+          </a:xfrm>
+          <a:prstGeom prst="rect">
+            <a:avLst/>
+          </a:prstGeom>
+        </p:spPr>
+        <p:txBody>
+          <a:bodyPr anchor="t">
+            <a:noAutofit/>
+          </a:bodyPr>
+          <a:lstStyle>
+            <a:lvl1pPr algn="l" defTabSz="914400" rtl="0" eaLnBrk="1" latinLnBrk="0" hangingPunct="1">
+              <a:lnSpc>
+                <a:spcPct val="90000"/>
+              </a:lnSpc>
+              <a:spcBef>
+                <a:spcPct val="0"/>
+              </a:spcBef>
+              <a:buNone/>
+              <a:defRPr sz="4400" kern="1200">
+                <a:solidFill>
+                  <a:schemeClr val="tx1"/>
+                </a:solidFill>
+                <a:latin typeface="+mj-lt"/>
+                <a:ea typeface="+mj-ea"/>
+                <a:cs typeface="+mj-cs"/>
+              </a:defRPr>
+            </a:lvl1pPr>
+          </a:lstStyle>
+          <a:p>
+            <a:r>
+              <a:rPr lang="en-US" sz="3600" dirty="0" err="1">
+                <a:solidFill>
+                  <a:schemeClr val="tx1">
+                    <a:lumMod val="75000"/>
+                    <a:lumOff val="25000"/>
+                  </a:schemeClr>
+                </a:solidFill>
+                <a:latin typeface="Tahoma" panose="020B0604030504040204" pitchFamily="34" charset="0"/>
+                <a:ea typeface="Tahoma" panose="020B0604030504040204" pitchFamily="34" charset="0"/>
+                <a:cs typeface="Tahoma" panose="020B0604030504040204" pitchFamily="34" charset="0"/>
+              </a:rPr>
+              <a:t>Chỉ</a:t>
+            </a:r>
+            <a:r>
+              <a:rPr lang="en-US" sz="3600" dirty="0">
+                <a:solidFill>
+                  <a:schemeClr val="tx1">
+                    <a:lumMod val="75000"/>
+                    <a:lumOff val="25000"/>
+                  </a:schemeClr>
+                </a:solidFill>
+                <a:latin typeface="Tahoma" panose="020B0604030504040204" pitchFamily="34" charset="0"/>
+                <a:ea typeface="Tahoma" panose="020B0604030504040204" pitchFamily="34" charset="0"/>
+                <a:cs typeface="Tahoma" panose="020B0604030504040204" pitchFamily="34" charset="0"/>
+              </a:rPr>
+              <a:t> </a:t>
+            </a:r>
+            <a:r>
+              <a:rPr lang="en-US" sz="3600" dirty="0" err="1">
+                <a:solidFill>
+                  <a:schemeClr val="tx1">
+                    <a:lumMod val="75000"/>
+                    <a:lumOff val="25000"/>
+                  </a:schemeClr>
+                </a:solidFill>
+                <a:latin typeface="Tahoma" panose="020B0604030504040204" pitchFamily="34" charset="0"/>
+                <a:ea typeface="Tahoma" panose="020B0604030504040204" pitchFamily="34" charset="0"/>
+                <a:cs typeface="Tahoma" panose="020B0604030504040204" pitchFamily="34" charset="0"/>
+              </a:rPr>
+              <a:t>số</a:t>
+            </a:r>
+            <a:r>
+              <a:rPr lang="en-US" sz="3600" dirty="0">
+                <a:solidFill>
+                  <a:schemeClr val="tx1">
+                    <a:lumMod val="75000"/>
+                    <a:lumOff val="25000"/>
+                  </a:schemeClr>
+                </a:solidFill>
+                <a:latin typeface="Tahoma" panose="020B0604030504040204" pitchFamily="34" charset="0"/>
+                <a:ea typeface="Tahoma" panose="020B0604030504040204" pitchFamily="34" charset="0"/>
+                <a:cs typeface="Tahoma" panose="020B0604030504040204" pitchFamily="34" charset="0"/>
+              </a:rPr>
+              <a:t> </a:t>
+            </a:r>
+            <a:r>
+              <a:rPr lang="en-US" sz="3600" b="1" dirty="0">
+                <a:solidFill>
+                  <a:srgbClr val="FF6600"/>
+                </a:solidFill>
+                <a:latin typeface="Tahoma" panose="020B0604030504040204" pitchFamily="34" charset="0"/>
+                <a:ea typeface="Tahoma" panose="020B0604030504040204" pitchFamily="34" charset="0"/>
+                <a:cs typeface="Tahoma" panose="020B0604030504040204" pitchFamily="34" charset="0"/>
+              </a:rPr>
+              <a:t>SỨ MỆNH</a:t>
+            </a:r>
+          </a:p>
+        </p:txBody>
+      </p:sp>
+      <p:sp>
+        <p:nvSpPr>
+          <p:cNvPr id="10" name="Content Placeholder 2">
+            <a:extLst>
+              <a:ext uri="{FF2B5EF4-FFF2-40B4-BE49-F238E27FC236}">
+                <a16:creationId xmlns:a16="http://schemas.microsoft.com/office/drawing/2014/main" id="{97C567CA-E59F-4B5E-B539-2ABC9902F7C9}"/>
+              </a:ext>
+            </a:extLst>
+          </p:cNvPr>
+          <p:cNvSpPr>
+            <a:spLocks noGrp="1"/>
+          </p:cNvSpPr>
+          <p:nvPr>
+            <p:ph idx="1"/>
+          </p:nvPr>
+        </p:nvSpPr>
+        <p:spPr>
+          <a:xfrm>
+            <a:off x="274320" y="1371600"/>
+            <a:ext cx="6776830" cy="793359"/>
+          </a:xfrm>
+          <a:noFill/>
+        </p:spPr>
+        <p:txBody>
+          <a:bodyPr wrap="square" numCol="1" spcCol="365760" rtlCol="0">
+            <a:spAutoFit/>
+          </a:bodyPr>
+          <a:lstStyle/>
+          <a:p>
+            <a:pPr marL="0" indent="0" algn="just" defTabSz="457200">
+              <a:lnSpc>
+                <a:spcPct val="150000"/>
+              </a:lnSpc>
+              <a:spcAft>
+                <a:spcPts val="1800"/>
+              </a:spcAft>
+              <a:buNone/>
+            </a:pPr>
+            <a:r>
+              <a:rPr lang="en-US" sz="1200" dirty="0" err="1">
+                <a:solidFill>
+                  <a:srgbClr val="333333"/>
+                </a:solidFill>
+                <a:latin typeface="Tahoma" panose="020B0604030504040204" pitchFamily="34" charset="0"/>
+                <a:ea typeface="Tahoma" panose="020B0604030504040204" pitchFamily="34" charset="0"/>
+                <a:cs typeface="Tahoma" panose="020B0604030504040204" pitchFamily="34" charset="0"/>
+              </a:rPr>
+              <a:t>Chỉ</a:t>
+            </a:r>
+            <a:r>
+              <a:rPr lang="en-US" sz="1200" dirty="0">
+                <a:solidFill>
+                  <a:srgbClr val="333333"/>
+                </a:solidFill>
+                <a:latin typeface="Tahoma" panose="020B0604030504040204" pitchFamily="34" charset="0"/>
+                <a:ea typeface="Tahoma" panose="020B0604030504040204" pitchFamily="34" charset="0"/>
+                <a:cs typeface="Tahoma" panose="020B0604030504040204" pitchFamily="34" charset="0"/>
+              </a:rPr>
+              <a:t> </a:t>
+            </a:r>
+            <a:r>
+              <a:rPr lang="en-US" sz="1200" dirty="0" err="1">
+                <a:solidFill>
+                  <a:srgbClr val="333333"/>
+                </a:solidFill>
+                <a:latin typeface="Tahoma" panose="020B0604030504040204" pitchFamily="34" charset="0"/>
+                <a:ea typeface="Tahoma" panose="020B0604030504040204" pitchFamily="34" charset="0"/>
+                <a:cs typeface="Tahoma" panose="020B0604030504040204" pitchFamily="34" charset="0"/>
+              </a:rPr>
+              <a:t>số</a:t>
+            </a:r>
+            <a:r>
+              <a:rPr lang="en-US" sz="1200" dirty="0">
+                <a:solidFill>
+                  <a:srgbClr val="333333"/>
+                </a:solidFill>
+                <a:latin typeface="Tahoma" panose="020B0604030504040204" pitchFamily="34" charset="0"/>
+                <a:ea typeface="Tahoma" panose="020B0604030504040204" pitchFamily="34" charset="0"/>
+                <a:cs typeface="Tahoma" panose="020B0604030504040204" pitchFamily="34" charset="0"/>
+              </a:rPr>
+              <a:t> </a:t>
+            </a:r>
+            <a:r>
+              <a:rPr lang="en-US" sz="1200" dirty="0" err="1">
+                <a:solidFill>
+                  <a:srgbClr val="333333"/>
+                </a:solidFill>
+                <a:latin typeface="Tahoma" panose="020B0604030504040204" pitchFamily="34" charset="0"/>
+                <a:ea typeface="Tahoma" panose="020B0604030504040204" pitchFamily="34" charset="0"/>
+                <a:cs typeface="Tahoma" panose="020B0604030504040204" pitchFamily="34" charset="0"/>
+              </a:rPr>
+              <a:t>sứ</a:t>
+            </a:r>
+            <a:r>
+              <a:rPr lang="en-US" sz="1200" dirty="0">
+                <a:solidFill>
+                  <a:srgbClr val="333333"/>
+                </a:solidFill>
+                <a:latin typeface="Tahoma" panose="020B0604030504040204" pitchFamily="34" charset="0"/>
+                <a:ea typeface="Tahoma" panose="020B0604030504040204" pitchFamily="34" charset="0"/>
+                <a:cs typeface="Tahoma" panose="020B0604030504040204" pitchFamily="34" charset="0"/>
+              </a:rPr>
+              <a:t> </a:t>
+            </a:r>
+            <a:r>
+              <a:rPr lang="en-US" sz="1200" dirty="0" err="1">
+                <a:solidFill>
+                  <a:srgbClr val="333333"/>
+                </a:solidFill>
+                <a:latin typeface="Tahoma" panose="020B0604030504040204" pitchFamily="34" charset="0"/>
+                <a:ea typeface="Tahoma" panose="020B0604030504040204" pitchFamily="34" charset="0"/>
+                <a:cs typeface="Tahoma" panose="020B0604030504040204" pitchFamily="34" charset="0"/>
+              </a:rPr>
+              <a:t>mệnh</a:t>
+            </a:r>
+            <a:r>
+              <a:rPr lang="en-US" sz="1200" dirty="0">
+                <a:solidFill>
+                  <a:srgbClr val="333333"/>
+                </a:solidFill>
+                <a:latin typeface="Tahoma" panose="020B0604030504040204" pitchFamily="34" charset="0"/>
+                <a:ea typeface="Tahoma" panose="020B0604030504040204" pitchFamily="34" charset="0"/>
+                <a:cs typeface="Tahoma" panose="020B0604030504040204" pitchFamily="34" charset="0"/>
+              </a:rPr>
+              <a:t> </a:t>
+            </a:r>
+            <a:r>
+              <a:rPr lang="en-US" sz="1200" dirty="0" err="1">
+                <a:solidFill>
+                  <a:srgbClr val="333333"/>
+                </a:solidFill>
+                <a:latin typeface="Tahoma" panose="020B0604030504040204" pitchFamily="34" charset="0"/>
+                <a:ea typeface="Tahoma" panose="020B0604030504040204" pitchFamily="34" charset="0"/>
+                <a:cs typeface="Tahoma" panose="020B0604030504040204" pitchFamily="34" charset="0"/>
+              </a:rPr>
+              <a:t>tiết</a:t>
+            </a:r>
+            <a:r>
+              <a:rPr lang="en-US" sz="1200" dirty="0">
+                <a:solidFill>
+                  <a:srgbClr val="333333"/>
+                </a:solidFill>
+                <a:latin typeface="Tahoma" panose="020B0604030504040204" pitchFamily="34" charset="0"/>
+                <a:ea typeface="Tahoma" panose="020B0604030504040204" pitchFamily="34" charset="0"/>
+                <a:cs typeface="Tahoma" panose="020B0604030504040204" pitchFamily="34" charset="0"/>
+              </a:rPr>
+              <a:t> </a:t>
+            </a:r>
+            <a:r>
+              <a:rPr lang="en-US" sz="1200" dirty="0" err="1">
+                <a:solidFill>
+                  <a:srgbClr val="333333"/>
+                </a:solidFill>
+                <a:latin typeface="Tahoma" panose="020B0604030504040204" pitchFamily="34" charset="0"/>
+                <a:ea typeface="Tahoma" panose="020B0604030504040204" pitchFamily="34" charset="0"/>
+                <a:cs typeface="Tahoma" panose="020B0604030504040204" pitchFamily="34" charset="0"/>
+              </a:rPr>
+              <a:t>lộ</a:t>
+            </a:r>
+            <a:r>
+              <a:rPr lang="en-US" sz="1200" dirty="0">
+                <a:solidFill>
+                  <a:srgbClr val="333333"/>
+                </a:solidFill>
+                <a:latin typeface="Tahoma" panose="020B0604030504040204" pitchFamily="34" charset="0"/>
+                <a:ea typeface="Tahoma" panose="020B0604030504040204" pitchFamily="34" charset="0"/>
+                <a:cs typeface="Tahoma" panose="020B0604030504040204" pitchFamily="34" charset="0"/>
+              </a:rPr>
+              <a:t> </a:t>
+            </a:r>
+            <a:r>
+              <a:rPr lang="en-US" sz="1200" dirty="0" err="1">
+                <a:solidFill>
+                  <a:srgbClr val="333333"/>
+                </a:solidFill>
+                <a:latin typeface="Tahoma" panose="020B0604030504040204" pitchFamily="34" charset="0"/>
+                <a:ea typeface="Tahoma" panose="020B0604030504040204" pitchFamily="34" charset="0"/>
+                <a:cs typeface="Tahoma" panose="020B0604030504040204" pitchFamily="34" charset="0"/>
+              </a:rPr>
+              <a:t>vai</a:t>
+            </a:r>
+            <a:r>
+              <a:rPr lang="en-US" sz="1200" dirty="0">
+                <a:solidFill>
+                  <a:srgbClr val="333333"/>
+                </a:solidFill>
+                <a:latin typeface="Tahoma" panose="020B0604030504040204" pitchFamily="34" charset="0"/>
+                <a:ea typeface="Tahoma" panose="020B0604030504040204" pitchFamily="34" charset="0"/>
+                <a:cs typeface="Tahoma" panose="020B0604030504040204" pitchFamily="34" charset="0"/>
+              </a:rPr>
+              <a:t> </a:t>
+            </a:r>
+            <a:r>
+              <a:rPr lang="en-US" sz="1200" dirty="0" err="1">
+                <a:solidFill>
+                  <a:srgbClr val="333333"/>
+                </a:solidFill>
+                <a:latin typeface="Tahoma" panose="020B0604030504040204" pitchFamily="34" charset="0"/>
+                <a:ea typeface="Tahoma" panose="020B0604030504040204" pitchFamily="34" charset="0"/>
+                <a:cs typeface="Tahoma" panose="020B0604030504040204" pitchFamily="34" charset="0"/>
+              </a:rPr>
+              <a:t>trò</a:t>
+            </a:r>
+            <a:r>
+              <a:rPr lang="en-US" sz="1200" dirty="0">
+                <a:solidFill>
+                  <a:srgbClr val="333333"/>
+                </a:solidFill>
+                <a:latin typeface="Tahoma" panose="020B0604030504040204" pitchFamily="34" charset="0"/>
+                <a:ea typeface="Tahoma" panose="020B0604030504040204" pitchFamily="34" charset="0"/>
+                <a:cs typeface="Tahoma" panose="020B0604030504040204" pitchFamily="34" charset="0"/>
+              </a:rPr>
+              <a:t> </a:t>
+            </a:r>
+            <a:r>
+              <a:rPr lang="en-US" sz="1200" dirty="0" err="1">
+                <a:solidFill>
+                  <a:srgbClr val="333333"/>
+                </a:solidFill>
+                <a:latin typeface="Tahoma" panose="020B0604030504040204" pitchFamily="34" charset="0"/>
+                <a:ea typeface="Tahoma" panose="020B0604030504040204" pitchFamily="34" charset="0"/>
+                <a:cs typeface="Tahoma" panose="020B0604030504040204" pitchFamily="34" charset="0"/>
+              </a:rPr>
+              <a:t>và</a:t>
+            </a:r>
+            <a:r>
+              <a:rPr lang="en-US" sz="1200" dirty="0">
+                <a:solidFill>
+                  <a:srgbClr val="333333"/>
+                </a:solidFill>
+                <a:latin typeface="Tahoma" panose="020B0604030504040204" pitchFamily="34" charset="0"/>
+                <a:ea typeface="Tahoma" panose="020B0604030504040204" pitchFamily="34" charset="0"/>
+                <a:cs typeface="Tahoma" panose="020B0604030504040204" pitchFamily="34" charset="0"/>
+              </a:rPr>
+              <a:t> </a:t>
+            </a:r>
+            <a:r>
+              <a:rPr lang="en-US" sz="1200" dirty="0" err="1">
+                <a:solidFill>
+                  <a:srgbClr val="333333"/>
+                </a:solidFill>
+                <a:latin typeface="Tahoma" panose="020B0604030504040204" pitchFamily="34" charset="0"/>
+                <a:ea typeface="Tahoma" panose="020B0604030504040204" pitchFamily="34" charset="0"/>
+                <a:cs typeface="Tahoma" panose="020B0604030504040204" pitchFamily="34" charset="0"/>
+              </a:rPr>
+              <a:t>trách</a:t>
+            </a:r>
+            <a:r>
+              <a:rPr lang="en-US" sz="1200" dirty="0">
+                <a:solidFill>
+                  <a:srgbClr val="333333"/>
+                </a:solidFill>
+                <a:latin typeface="Tahoma" panose="020B0604030504040204" pitchFamily="34" charset="0"/>
+                <a:ea typeface="Tahoma" panose="020B0604030504040204" pitchFamily="34" charset="0"/>
+                <a:cs typeface="Tahoma" panose="020B0604030504040204" pitchFamily="34" charset="0"/>
+              </a:rPr>
+              <a:t> </a:t>
+            </a:r>
+            <a:r>
+              <a:rPr lang="en-US" sz="1200" dirty="0" err="1">
+                <a:solidFill>
+                  <a:srgbClr val="333333"/>
+                </a:solidFill>
+                <a:latin typeface="Tahoma" panose="020B0604030504040204" pitchFamily="34" charset="0"/>
+                <a:ea typeface="Tahoma" panose="020B0604030504040204" pitchFamily="34" charset="0"/>
+                <a:cs typeface="Tahoma" panose="020B0604030504040204" pitchFamily="34" charset="0"/>
+              </a:rPr>
+              <a:t>nhiệm</a:t>
+            </a:r>
+            <a:r>
+              <a:rPr lang="en-US" sz="1200" dirty="0">
+                <a:solidFill>
+                  <a:srgbClr val="333333"/>
+                </a:solidFill>
+                <a:latin typeface="Tahoma" panose="020B0604030504040204" pitchFamily="34" charset="0"/>
+                <a:ea typeface="Tahoma" panose="020B0604030504040204" pitchFamily="34" charset="0"/>
+                <a:cs typeface="Tahoma" panose="020B0604030504040204" pitchFamily="34" charset="0"/>
+              </a:rPr>
+              <a:t> </a:t>
+            </a:r>
+            <a:r>
+              <a:rPr lang="en-US" sz="1200" dirty="0" err="1">
+                <a:solidFill>
+                  <a:srgbClr val="333333"/>
+                </a:solidFill>
+                <a:latin typeface="Tahoma" panose="020B0604030504040204" pitchFamily="34" charset="0"/>
+                <a:ea typeface="Tahoma" panose="020B0604030504040204" pitchFamily="34" charset="0"/>
+                <a:cs typeface="Tahoma" panose="020B0604030504040204" pitchFamily="34" charset="0"/>
+              </a:rPr>
+              <a:t>của</a:t>
+            </a:r>
+            <a:r>
+              <a:rPr lang="en-US" sz="1200" dirty="0">
+                <a:solidFill>
+                  <a:srgbClr val="333333"/>
+                </a:solidFill>
+                <a:latin typeface="Tahoma" panose="020B0604030504040204" pitchFamily="34" charset="0"/>
+                <a:ea typeface="Tahoma" panose="020B0604030504040204" pitchFamily="34" charset="0"/>
+                <a:cs typeface="Tahoma" panose="020B0604030504040204" pitchFamily="34" charset="0"/>
+              </a:rPr>
+              <a:t> </a:t>
+            </a:r>
+            <a:r>
+              <a:rPr lang="en-US" sz="1200" dirty="0" err="1">
+                <a:solidFill>
+                  <a:srgbClr val="333333"/>
+                </a:solidFill>
+                <a:latin typeface="Tahoma" panose="020B0604030504040204" pitchFamily="34" charset="0"/>
+                <a:ea typeface="Tahoma" panose="020B0604030504040204" pitchFamily="34" charset="0"/>
+                <a:cs typeface="Tahoma" panose="020B0604030504040204" pitchFamily="34" charset="0"/>
+              </a:rPr>
+              <a:t>bạn</a:t>
+            </a:r>
+            <a:r>
+              <a:rPr lang="en-US" sz="1200" dirty="0">
+                <a:solidFill>
+                  <a:srgbClr val="333333"/>
+                </a:solidFill>
+                <a:latin typeface="Tahoma" panose="020B0604030504040204" pitchFamily="34" charset="0"/>
+                <a:ea typeface="Tahoma" panose="020B0604030504040204" pitchFamily="34" charset="0"/>
+                <a:cs typeface="Tahoma" panose="020B0604030504040204" pitchFamily="34" charset="0"/>
+              </a:rPr>
+              <a:t> </a:t>
+            </a:r>
+            <a:r>
+              <a:rPr lang="en-US" sz="1200" dirty="0" err="1">
+                <a:solidFill>
+                  <a:srgbClr val="333333"/>
+                </a:solidFill>
+                <a:latin typeface="Tahoma" panose="020B0604030504040204" pitchFamily="34" charset="0"/>
+                <a:ea typeface="Tahoma" panose="020B0604030504040204" pitchFamily="34" charset="0"/>
+                <a:cs typeface="Tahoma" panose="020B0604030504040204" pitchFamily="34" charset="0"/>
+              </a:rPr>
+              <a:t>nhằm</a:t>
+            </a:r>
+            <a:r>
+              <a:rPr lang="en-US" sz="1200" dirty="0">
+                <a:solidFill>
+                  <a:srgbClr val="333333"/>
+                </a:solidFill>
+                <a:latin typeface="Tahoma" panose="020B0604030504040204" pitchFamily="34" charset="0"/>
+                <a:ea typeface="Tahoma" panose="020B0604030504040204" pitchFamily="34" charset="0"/>
+                <a:cs typeface="Tahoma" panose="020B0604030504040204" pitchFamily="34" charset="0"/>
+              </a:rPr>
+              <a:t> </a:t>
+            </a:r>
+            <a:r>
+              <a:rPr lang="en-US" sz="1200" dirty="0" err="1">
+                <a:solidFill>
+                  <a:srgbClr val="333333"/>
+                </a:solidFill>
+                <a:latin typeface="Tahoma" panose="020B0604030504040204" pitchFamily="34" charset="0"/>
+                <a:ea typeface="Tahoma" panose="020B0604030504040204" pitchFamily="34" charset="0"/>
+                <a:cs typeface="Tahoma" panose="020B0604030504040204" pitchFamily="34" charset="0"/>
+              </a:rPr>
+              <a:t>chinh</a:t>
+            </a:r>
+            <a:r>
+              <a:rPr lang="en-US" sz="1200" dirty="0">
+                <a:solidFill>
+                  <a:srgbClr val="333333"/>
+                </a:solidFill>
+                <a:latin typeface="Tahoma" panose="020B0604030504040204" pitchFamily="34" charset="0"/>
+                <a:ea typeface="Tahoma" panose="020B0604030504040204" pitchFamily="34" charset="0"/>
+                <a:cs typeface="Tahoma" panose="020B0604030504040204" pitchFamily="34" charset="0"/>
+              </a:rPr>
+              <a:t> </a:t>
+            </a:r>
+            <a:r>
+              <a:rPr lang="en-US" sz="1200" dirty="0" err="1">
+                <a:solidFill>
+                  <a:srgbClr val="333333"/>
+                </a:solidFill>
+                <a:latin typeface="Tahoma" panose="020B0604030504040204" pitchFamily="34" charset="0"/>
+                <a:ea typeface="Tahoma" panose="020B0604030504040204" pitchFamily="34" charset="0"/>
+                <a:cs typeface="Tahoma" panose="020B0604030504040204" pitchFamily="34" charset="0"/>
+              </a:rPr>
+              <a:t>phục</a:t>
+            </a:r>
+            <a:r>
+              <a:rPr lang="en-US" sz="1200" dirty="0">
+                <a:solidFill>
+                  <a:srgbClr val="333333"/>
+                </a:solidFill>
+                <a:latin typeface="Tahoma" panose="020B0604030504040204" pitchFamily="34" charset="0"/>
+                <a:ea typeface="Tahoma" panose="020B0604030504040204" pitchFamily="34" charset="0"/>
+                <a:cs typeface="Tahoma" panose="020B0604030504040204" pitchFamily="34" charset="0"/>
+              </a:rPr>
+              <a:t> </a:t>
+            </a:r>
+            <a:r>
+              <a:rPr lang="en-US" sz="1200" dirty="0" err="1">
+                <a:solidFill>
+                  <a:srgbClr val="333333"/>
+                </a:solidFill>
+                <a:latin typeface="Tahoma" panose="020B0604030504040204" pitchFamily="34" charset="0"/>
+                <a:ea typeface="Tahoma" panose="020B0604030504040204" pitchFamily="34" charset="0"/>
+                <a:cs typeface="Tahoma" panose="020B0604030504040204" pitchFamily="34" charset="0"/>
+              </a:rPr>
+              <a:t>phiên</a:t>
+            </a:r>
+            <a:r>
+              <a:rPr lang="en-US" sz="1200" dirty="0">
+                <a:solidFill>
+                  <a:srgbClr val="333333"/>
+                </a:solidFill>
+                <a:latin typeface="Tahoma" panose="020B0604030504040204" pitchFamily="34" charset="0"/>
+                <a:ea typeface="Tahoma" panose="020B0604030504040204" pitchFamily="34" charset="0"/>
+                <a:cs typeface="Tahoma" panose="020B0604030504040204" pitchFamily="34" charset="0"/>
+              </a:rPr>
+              <a:t> </a:t>
+            </a:r>
+            <a:r>
+              <a:rPr lang="en-US" sz="1200" dirty="0" err="1">
+                <a:solidFill>
+                  <a:srgbClr val="333333"/>
+                </a:solidFill>
+                <a:latin typeface="Tahoma" panose="020B0604030504040204" pitchFamily="34" charset="0"/>
+                <a:ea typeface="Tahoma" panose="020B0604030504040204" pitchFamily="34" charset="0"/>
+                <a:cs typeface="Tahoma" panose="020B0604030504040204" pitchFamily="34" charset="0"/>
+              </a:rPr>
+              <a:t>bản</a:t>
+            </a:r>
+            <a:r>
+              <a:rPr lang="en-US" sz="1200" dirty="0">
+                <a:solidFill>
+                  <a:srgbClr val="333333"/>
+                </a:solidFill>
+                <a:latin typeface="Tahoma" panose="020B0604030504040204" pitchFamily="34" charset="0"/>
+                <a:ea typeface="Tahoma" panose="020B0604030504040204" pitchFamily="34" charset="0"/>
+                <a:cs typeface="Tahoma" panose="020B0604030504040204" pitchFamily="34" charset="0"/>
+              </a:rPr>
+              <a:t> </a:t>
+            </a:r>
+            <a:r>
+              <a:rPr lang="en-US" sz="1200" dirty="0" err="1">
+                <a:solidFill>
+                  <a:srgbClr val="333333"/>
+                </a:solidFill>
+                <a:latin typeface="Tahoma" panose="020B0604030504040204" pitchFamily="34" charset="0"/>
+                <a:ea typeface="Tahoma" panose="020B0604030504040204" pitchFamily="34" charset="0"/>
+                <a:cs typeface="Tahoma" panose="020B0604030504040204" pitchFamily="34" charset="0"/>
+              </a:rPr>
+              <a:t>tuyệt</a:t>
+            </a:r>
+            <a:r>
+              <a:rPr lang="en-US" sz="1200" dirty="0">
+                <a:solidFill>
+                  <a:srgbClr val="333333"/>
+                </a:solidFill>
+                <a:latin typeface="Tahoma" panose="020B0604030504040204" pitchFamily="34" charset="0"/>
+                <a:ea typeface="Tahoma" panose="020B0604030504040204" pitchFamily="34" charset="0"/>
+                <a:cs typeface="Tahoma" panose="020B0604030504040204" pitchFamily="34" charset="0"/>
+              </a:rPr>
+              <a:t> </a:t>
+            </a:r>
+            <a:r>
+              <a:rPr lang="en-US" sz="1200" dirty="0" err="1">
+                <a:solidFill>
+                  <a:srgbClr val="333333"/>
+                </a:solidFill>
+                <a:latin typeface="Tahoma" panose="020B0604030504040204" pitchFamily="34" charset="0"/>
+                <a:ea typeface="Tahoma" panose="020B0604030504040204" pitchFamily="34" charset="0"/>
+                <a:cs typeface="Tahoma" panose="020B0604030504040204" pitchFamily="34" charset="0"/>
+              </a:rPr>
+              <a:t>vời</a:t>
+            </a:r>
+            <a:r>
+              <a:rPr lang="en-US" sz="1200" dirty="0">
+                <a:solidFill>
+                  <a:srgbClr val="333333"/>
+                </a:solidFill>
+                <a:latin typeface="Tahoma" panose="020B0604030504040204" pitchFamily="34" charset="0"/>
+                <a:ea typeface="Tahoma" panose="020B0604030504040204" pitchFamily="34" charset="0"/>
+                <a:cs typeface="Tahoma" panose="020B0604030504040204" pitchFamily="34" charset="0"/>
+              </a:rPr>
+              <a:t> </a:t>
+            </a:r>
+            <a:r>
+              <a:rPr lang="en-US" sz="1200" dirty="0" err="1">
+                <a:solidFill>
+                  <a:srgbClr val="333333"/>
+                </a:solidFill>
+                <a:latin typeface="Tahoma" panose="020B0604030504040204" pitchFamily="34" charset="0"/>
+                <a:ea typeface="Tahoma" panose="020B0604030504040204" pitchFamily="34" charset="0"/>
+                <a:cs typeface="Tahoma" panose="020B0604030504040204" pitchFamily="34" charset="0"/>
+              </a:rPr>
+              <a:t>nhất</a:t>
+            </a:r>
+            <a:r>
+              <a:rPr lang="en-US" sz="1200" dirty="0">
+                <a:solidFill>
+                  <a:srgbClr val="333333"/>
+                </a:solidFill>
+                <a:latin typeface="Tahoma" panose="020B0604030504040204" pitchFamily="34" charset="0"/>
+                <a:ea typeface="Tahoma" panose="020B0604030504040204" pitchFamily="34" charset="0"/>
+                <a:cs typeface="Tahoma" panose="020B0604030504040204" pitchFamily="34" charset="0"/>
+              </a:rPr>
+              <a:t> </a:t>
+            </a:r>
+            <a:r>
+              <a:rPr lang="en-US" sz="1200" dirty="0" err="1">
+                <a:solidFill>
+                  <a:srgbClr val="333333"/>
+                </a:solidFill>
+                <a:latin typeface="Tahoma" panose="020B0604030504040204" pitchFamily="34" charset="0"/>
+                <a:ea typeface="Tahoma" panose="020B0604030504040204" pitchFamily="34" charset="0"/>
+                <a:cs typeface="Tahoma" panose="020B0604030504040204" pitchFamily="34" charset="0"/>
+              </a:rPr>
+              <a:t>của</a:t>
+            </a:r>
+            <a:r>
+              <a:rPr lang="en-US" sz="1200" dirty="0">
+                <a:solidFill>
+                  <a:srgbClr val="333333"/>
+                </a:solidFill>
+                <a:latin typeface="Tahoma" panose="020B0604030504040204" pitchFamily="34" charset="0"/>
+                <a:ea typeface="Tahoma" panose="020B0604030504040204" pitchFamily="34" charset="0"/>
+                <a:cs typeface="Tahoma" panose="020B0604030504040204" pitchFamily="34" charset="0"/>
+              </a:rPr>
+              <a:t> </a:t>
+            </a:r>
+            <a:r>
+              <a:rPr lang="en-US" sz="1200" dirty="0" err="1">
+                <a:solidFill>
+                  <a:srgbClr val="333333"/>
+                </a:solidFill>
+                <a:latin typeface="Tahoma" panose="020B0604030504040204" pitchFamily="34" charset="0"/>
+                <a:ea typeface="Tahoma" panose="020B0604030504040204" pitchFamily="34" charset="0"/>
+                <a:cs typeface="Tahoma" panose="020B0604030504040204" pitchFamily="34" charset="0"/>
+              </a:rPr>
+              <a:t>chính</a:t>
+            </a:r>
+            <a:r>
+              <a:rPr lang="en-US" sz="1200" dirty="0">
+                <a:solidFill>
+                  <a:srgbClr val="333333"/>
+                </a:solidFill>
+                <a:latin typeface="Tahoma" panose="020B0604030504040204" pitchFamily="34" charset="0"/>
+                <a:ea typeface="Tahoma" panose="020B0604030504040204" pitchFamily="34" charset="0"/>
+                <a:cs typeface="Tahoma" panose="020B0604030504040204" pitchFamily="34" charset="0"/>
+              </a:rPr>
+              <a:t> </a:t>
+            </a:r>
+            <a:r>
+              <a:rPr lang="en-US" sz="1200" dirty="0" err="1">
+                <a:solidFill>
+                  <a:srgbClr val="333333"/>
+                </a:solidFill>
+                <a:latin typeface="Tahoma" panose="020B0604030504040204" pitchFamily="34" charset="0"/>
+                <a:ea typeface="Tahoma" panose="020B0604030504040204" pitchFamily="34" charset="0"/>
+                <a:cs typeface="Tahoma" panose="020B0604030504040204" pitchFamily="34" charset="0"/>
+              </a:rPr>
+              <a:t>bạn</a:t>
+            </a:r>
+            <a:r>
+              <a:rPr lang="en-US" sz="1200" dirty="0">
+                <a:solidFill>
+                  <a:srgbClr val="333333"/>
+                </a:solidFill>
+                <a:latin typeface="Tahoma" panose="020B0604030504040204" pitchFamily="34" charset="0"/>
+                <a:ea typeface="Tahoma" panose="020B0604030504040204" pitchFamily="34" charset="0"/>
+                <a:cs typeface="Tahoma" panose="020B0604030504040204" pitchFamily="34" charset="0"/>
+              </a:rPr>
+              <a:t>. </a:t>
+            </a:r>
+            <a:r>
+              <a:rPr lang="en-US" sz="1200" dirty="0" err="1">
+                <a:solidFill>
+                  <a:srgbClr val="333333"/>
+                </a:solidFill>
+                <a:latin typeface="Tahoma" panose="020B0604030504040204" pitchFamily="34" charset="0"/>
+                <a:ea typeface="Tahoma" panose="020B0604030504040204" pitchFamily="34" charset="0"/>
+                <a:cs typeface="Tahoma" panose="020B0604030504040204" pitchFamily="34" charset="0"/>
+              </a:rPr>
+              <a:t>Nó</a:t>
+            </a:r>
+            <a:r>
+              <a:rPr lang="en-US" sz="1200" dirty="0">
+                <a:solidFill>
+                  <a:srgbClr val="333333"/>
+                </a:solidFill>
+                <a:latin typeface="Tahoma" panose="020B0604030504040204" pitchFamily="34" charset="0"/>
+                <a:ea typeface="Tahoma" panose="020B0604030504040204" pitchFamily="34" charset="0"/>
+                <a:cs typeface="Tahoma" panose="020B0604030504040204" pitchFamily="34" charset="0"/>
+              </a:rPr>
+              <a:t> </a:t>
+            </a:r>
+            <a:r>
+              <a:rPr lang="en-US" sz="1200" dirty="0" err="1">
+                <a:solidFill>
+                  <a:srgbClr val="333333"/>
+                </a:solidFill>
+                <a:latin typeface="Tahoma" panose="020B0604030504040204" pitchFamily="34" charset="0"/>
+                <a:ea typeface="Tahoma" panose="020B0604030504040204" pitchFamily="34" charset="0"/>
+                <a:cs typeface="Tahoma" panose="020B0604030504040204" pitchFamily="34" charset="0"/>
+              </a:rPr>
+              <a:t>khai</a:t>
+            </a:r>
+            <a:r>
+              <a:rPr lang="en-US" sz="1200" dirty="0">
+                <a:solidFill>
+                  <a:srgbClr val="333333"/>
+                </a:solidFill>
+                <a:latin typeface="Tahoma" panose="020B0604030504040204" pitchFamily="34" charset="0"/>
+                <a:ea typeface="Tahoma" panose="020B0604030504040204" pitchFamily="34" charset="0"/>
+                <a:cs typeface="Tahoma" panose="020B0604030504040204" pitchFamily="34" charset="0"/>
+              </a:rPr>
+              <a:t> </a:t>
+            </a:r>
+            <a:r>
+              <a:rPr lang="en-US" sz="1200" dirty="0" err="1">
+                <a:solidFill>
+                  <a:srgbClr val="333333"/>
+                </a:solidFill>
+                <a:latin typeface="Tahoma" panose="020B0604030504040204" pitchFamily="34" charset="0"/>
+                <a:ea typeface="Tahoma" panose="020B0604030504040204" pitchFamily="34" charset="0"/>
+                <a:cs typeface="Tahoma" panose="020B0604030504040204" pitchFamily="34" charset="0"/>
+              </a:rPr>
+              <a:t>mở</a:t>
+            </a:r>
+            <a:r>
+              <a:rPr lang="en-US" sz="1200" dirty="0">
+                <a:solidFill>
+                  <a:srgbClr val="333333"/>
+                </a:solidFill>
+                <a:latin typeface="Tahoma" panose="020B0604030504040204" pitchFamily="34" charset="0"/>
+                <a:ea typeface="Tahoma" panose="020B0604030504040204" pitchFamily="34" charset="0"/>
+                <a:cs typeface="Tahoma" panose="020B0604030504040204" pitchFamily="34" charset="0"/>
+              </a:rPr>
+              <a:t> </a:t>
+            </a:r>
+            <a:r>
+              <a:rPr lang="en-US" sz="1200" dirty="0" err="1">
+                <a:solidFill>
+                  <a:srgbClr val="333333"/>
+                </a:solidFill>
+                <a:latin typeface="Tahoma" panose="020B0604030504040204" pitchFamily="34" charset="0"/>
+                <a:ea typeface="Tahoma" panose="020B0604030504040204" pitchFamily="34" charset="0"/>
+                <a:cs typeface="Tahoma" panose="020B0604030504040204" pitchFamily="34" charset="0"/>
+              </a:rPr>
+              <a:t>những</a:t>
+            </a:r>
+            <a:r>
+              <a:rPr lang="en-US" sz="1200" dirty="0">
+                <a:solidFill>
+                  <a:srgbClr val="333333"/>
+                </a:solidFill>
+                <a:latin typeface="Tahoma" panose="020B0604030504040204" pitchFamily="34" charset="0"/>
+                <a:ea typeface="Tahoma" panose="020B0604030504040204" pitchFamily="34" charset="0"/>
+                <a:cs typeface="Tahoma" panose="020B0604030504040204" pitchFamily="34" charset="0"/>
+              </a:rPr>
+              <a:t> </a:t>
+            </a:r>
+            <a:r>
+              <a:rPr lang="en-US" sz="1200" dirty="0" err="1">
+                <a:solidFill>
+                  <a:srgbClr val="333333"/>
+                </a:solidFill>
+                <a:latin typeface="Tahoma" panose="020B0604030504040204" pitchFamily="34" charset="0"/>
+                <a:ea typeface="Tahoma" panose="020B0604030504040204" pitchFamily="34" charset="0"/>
+                <a:cs typeface="Tahoma" panose="020B0604030504040204" pitchFamily="34" charset="0"/>
+              </a:rPr>
+              <a:t>thông</a:t>
+            </a:r>
+            <a:r>
+              <a:rPr lang="en-US" sz="1200" dirty="0">
+                <a:solidFill>
+                  <a:srgbClr val="333333"/>
+                </a:solidFill>
+                <a:latin typeface="Tahoma" panose="020B0604030504040204" pitchFamily="34" charset="0"/>
+                <a:ea typeface="Tahoma" panose="020B0604030504040204" pitchFamily="34" charset="0"/>
+                <a:cs typeface="Tahoma" panose="020B0604030504040204" pitchFamily="34" charset="0"/>
+              </a:rPr>
+              <a:t> tin </a:t>
+            </a:r>
+            <a:r>
+              <a:rPr lang="en-US" sz="1200" dirty="0" err="1">
+                <a:solidFill>
+                  <a:srgbClr val="333333"/>
+                </a:solidFill>
+                <a:latin typeface="Tahoma" panose="020B0604030504040204" pitchFamily="34" charset="0"/>
+                <a:ea typeface="Tahoma" panose="020B0604030504040204" pitchFamily="34" charset="0"/>
+                <a:cs typeface="Tahoma" panose="020B0604030504040204" pitchFamily="34" charset="0"/>
+              </a:rPr>
+              <a:t>giá</a:t>
+            </a:r>
+            <a:r>
+              <a:rPr lang="en-US" sz="1200" dirty="0">
+                <a:solidFill>
+                  <a:srgbClr val="333333"/>
+                </a:solidFill>
+                <a:latin typeface="Tahoma" panose="020B0604030504040204" pitchFamily="34" charset="0"/>
+                <a:ea typeface="Tahoma" panose="020B0604030504040204" pitchFamily="34" charset="0"/>
+                <a:cs typeface="Tahoma" panose="020B0604030504040204" pitchFamily="34" charset="0"/>
+              </a:rPr>
+              <a:t> </a:t>
+            </a:r>
+            <a:r>
+              <a:rPr lang="en-US" sz="1200" dirty="0" err="1">
+                <a:solidFill>
+                  <a:srgbClr val="333333"/>
+                </a:solidFill>
+                <a:latin typeface="Tahoma" panose="020B0604030504040204" pitchFamily="34" charset="0"/>
+                <a:ea typeface="Tahoma" panose="020B0604030504040204" pitchFamily="34" charset="0"/>
+                <a:cs typeface="Tahoma" panose="020B0604030504040204" pitchFamily="34" charset="0"/>
+              </a:rPr>
+              <a:t>trị</a:t>
+            </a:r>
+            <a:r>
+              <a:rPr lang="en-US" sz="1200" dirty="0">
+                <a:solidFill>
+                  <a:srgbClr val="333333"/>
+                </a:solidFill>
+                <a:latin typeface="Tahoma" panose="020B0604030504040204" pitchFamily="34" charset="0"/>
+                <a:ea typeface="Tahoma" panose="020B0604030504040204" pitchFamily="34" charset="0"/>
+                <a:cs typeface="Tahoma" panose="020B0604030504040204" pitchFamily="34" charset="0"/>
+              </a:rPr>
+              <a:t> </a:t>
+            </a:r>
+            <a:r>
+              <a:rPr lang="en-US" sz="1200" dirty="0" err="1">
+                <a:solidFill>
+                  <a:srgbClr val="333333"/>
+                </a:solidFill>
+                <a:latin typeface="Tahoma" panose="020B0604030504040204" pitchFamily="34" charset="0"/>
+                <a:ea typeface="Tahoma" panose="020B0604030504040204" pitchFamily="34" charset="0"/>
+                <a:cs typeface="Tahoma" panose="020B0604030504040204" pitchFamily="34" charset="0"/>
+              </a:rPr>
+              <a:t>giúp</a:t>
+            </a:r>
+            <a:r>
+              <a:rPr lang="en-US" sz="1200" dirty="0">
+                <a:solidFill>
+                  <a:srgbClr val="333333"/>
+                </a:solidFill>
+                <a:latin typeface="Tahoma" panose="020B0604030504040204" pitchFamily="34" charset="0"/>
+                <a:ea typeface="Tahoma" panose="020B0604030504040204" pitchFamily="34" charset="0"/>
+                <a:cs typeface="Tahoma" panose="020B0604030504040204" pitchFamily="34" charset="0"/>
+              </a:rPr>
+              <a:t> </a:t>
+            </a:r>
+            <a:r>
+              <a:rPr lang="en-US" sz="1200" dirty="0" err="1">
+                <a:solidFill>
+                  <a:srgbClr val="333333"/>
+                </a:solidFill>
+                <a:latin typeface="Tahoma" panose="020B0604030504040204" pitchFamily="34" charset="0"/>
+                <a:ea typeface="Tahoma" panose="020B0604030504040204" pitchFamily="34" charset="0"/>
+                <a:cs typeface="Tahoma" panose="020B0604030504040204" pitchFamily="34" charset="0"/>
+              </a:rPr>
+              <a:t>bạn</a:t>
+            </a:r>
+            <a:r>
+              <a:rPr lang="en-US" sz="1200" dirty="0">
+                <a:solidFill>
+                  <a:srgbClr val="333333"/>
+                </a:solidFill>
+                <a:latin typeface="Tahoma" panose="020B0604030504040204" pitchFamily="34" charset="0"/>
+                <a:ea typeface="Tahoma" panose="020B0604030504040204" pitchFamily="34" charset="0"/>
+                <a:cs typeface="Tahoma" panose="020B0604030504040204" pitchFamily="34" charset="0"/>
+              </a:rPr>
+              <a:t> </a:t>
+            </a:r>
+            <a:r>
+              <a:rPr lang="en-US" sz="1200" dirty="0" err="1">
+                <a:solidFill>
+                  <a:srgbClr val="333333"/>
+                </a:solidFill>
+                <a:latin typeface="Tahoma" panose="020B0604030504040204" pitchFamily="34" charset="0"/>
+                <a:ea typeface="Tahoma" panose="020B0604030504040204" pitchFamily="34" charset="0"/>
+                <a:cs typeface="Tahoma" panose="020B0604030504040204" pitchFamily="34" charset="0"/>
+              </a:rPr>
+              <a:t>tỏa</a:t>
+            </a:r>
+            <a:r>
+              <a:rPr lang="en-US" sz="1200" dirty="0">
+                <a:solidFill>
+                  <a:srgbClr val="333333"/>
+                </a:solidFill>
+                <a:latin typeface="Tahoma" panose="020B0604030504040204" pitchFamily="34" charset="0"/>
+                <a:ea typeface="Tahoma" panose="020B0604030504040204" pitchFamily="34" charset="0"/>
+                <a:cs typeface="Tahoma" panose="020B0604030504040204" pitchFamily="34" charset="0"/>
+              </a:rPr>
+              <a:t> </a:t>
+            </a:r>
+            <a:r>
+              <a:rPr lang="en-US" sz="1200" dirty="0" err="1">
+                <a:solidFill>
+                  <a:srgbClr val="333333"/>
+                </a:solidFill>
+                <a:latin typeface="Tahoma" panose="020B0604030504040204" pitchFamily="34" charset="0"/>
+                <a:ea typeface="Tahoma" panose="020B0604030504040204" pitchFamily="34" charset="0"/>
+                <a:cs typeface="Tahoma" panose="020B0604030504040204" pitchFamily="34" charset="0"/>
+              </a:rPr>
+              <a:t>sáng</a:t>
+            </a:r>
+            <a:r>
+              <a:rPr lang="en-US" sz="1200" dirty="0">
+                <a:solidFill>
+                  <a:srgbClr val="333333"/>
+                </a:solidFill>
+                <a:latin typeface="Tahoma" panose="020B0604030504040204" pitchFamily="34" charset="0"/>
+                <a:ea typeface="Tahoma" panose="020B0604030504040204" pitchFamily="34" charset="0"/>
+                <a:cs typeface="Tahoma" panose="020B0604030504040204" pitchFamily="34" charset="0"/>
+              </a:rPr>
+              <a:t> </a:t>
+            </a:r>
+            <a:r>
+              <a:rPr lang="en-US" sz="1200" dirty="0" err="1">
+                <a:solidFill>
+                  <a:srgbClr val="333333"/>
+                </a:solidFill>
+                <a:latin typeface="Tahoma" panose="020B0604030504040204" pitchFamily="34" charset="0"/>
+                <a:ea typeface="Tahoma" panose="020B0604030504040204" pitchFamily="34" charset="0"/>
+                <a:cs typeface="Tahoma" panose="020B0604030504040204" pitchFamily="34" charset="0"/>
+              </a:rPr>
+              <a:t>và</a:t>
+            </a:r>
+            <a:r>
+              <a:rPr lang="en-US" sz="1200" dirty="0">
+                <a:solidFill>
+                  <a:srgbClr val="333333"/>
+                </a:solidFill>
+                <a:latin typeface="Tahoma" panose="020B0604030504040204" pitchFamily="34" charset="0"/>
+                <a:ea typeface="Tahoma" panose="020B0604030504040204" pitchFamily="34" charset="0"/>
+                <a:cs typeface="Tahoma" panose="020B0604030504040204" pitchFamily="34" charset="0"/>
+              </a:rPr>
+              <a:t> </a:t>
+            </a:r>
+            <a:r>
+              <a:rPr lang="en-US" sz="1200" dirty="0" err="1">
+                <a:solidFill>
+                  <a:srgbClr val="333333"/>
+                </a:solidFill>
+                <a:latin typeface="Tahoma" panose="020B0604030504040204" pitchFamily="34" charset="0"/>
+                <a:ea typeface="Tahoma" panose="020B0604030504040204" pitchFamily="34" charset="0"/>
+                <a:cs typeface="Tahoma" panose="020B0604030504040204" pitchFamily="34" charset="0"/>
+              </a:rPr>
+              <a:t>hoàn</a:t>
+            </a:r>
+            <a:r>
+              <a:rPr lang="en-US" sz="1200" dirty="0">
+                <a:solidFill>
+                  <a:srgbClr val="333333"/>
+                </a:solidFill>
+                <a:latin typeface="Tahoma" panose="020B0604030504040204" pitchFamily="34" charset="0"/>
+                <a:ea typeface="Tahoma" panose="020B0604030504040204" pitchFamily="34" charset="0"/>
+                <a:cs typeface="Tahoma" panose="020B0604030504040204" pitchFamily="34" charset="0"/>
+              </a:rPr>
+              <a:t> </a:t>
+            </a:r>
+            <a:r>
+              <a:rPr lang="en-US" sz="1200" dirty="0" err="1">
+                <a:solidFill>
+                  <a:srgbClr val="333333"/>
+                </a:solidFill>
+                <a:latin typeface="Tahoma" panose="020B0604030504040204" pitchFamily="34" charset="0"/>
+                <a:ea typeface="Tahoma" panose="020B0604030504040204" pitchFamily="34" charset="0"/>
+                <a:cs typeface="Tahoma" panose="020B0604030504040204" pitchFamily="34" charset="0"/>
+              </a:rPr>
+              <a:t>thành</a:t>
+            </a:r>
+            <a:r>
+              <a:rPr lang="en-US" sz="1200" dirty="0">
+                <a:solidFill>
+                  <a:srgbClr val="333333"/>
+                </a:solidFill>
+                <a:latin typeface="Tahoma" panose="020B0604030504040204" pitchFamily="34" charset="0"/>
+                <a:ea typeface="Tahoma" panose="020B0604030504040204" pitchFamily="34" charset="0"/>
+                <a:cs typeface="Tahoma" panose="020B0604030504040204" pitchFamily="34" charset="0"/>
+              </a:rPr>
+              <a:t> </a:t>
+            </a:r>
+            <a:r>
+              <a:rPr lang="en-US" sz="1200" dirty="0" err="1">
+                <a:solidFill>
+                  <a:srgbClr val="333333"/>
+                </a:solidFill>
+                <a:latin typeface="Tahoma" panose="020B0604030504040204" pitchFamily="34" charset="0"/>
+                <a:ea typeface="Tahoma" panose="020B0604030504040204" pitchFamily="34" charset="0"/>
+                <a:cs typeface="Tahoma" panose="020B0604030504040204" pitchFamily="34" charset="0"/>
+              </a:rPr>
+              <a:t>sứ</a:t>
+            </a:r>
+            <a:r>
+              <a:rPr lang="en-US" sz="1200" dirty="0">
+                <a:solidFill>
+                  <a:srgbClr val="333333"/>
+                </a:solidFill>
+                <a:latin typeface="Tahoma" panose="020B0604030504040204" pitchFamily="34" charset="0"/>
+                <a:ea typeface="Tahoma" panose="020B0604030504040204" pitchFamily="34" charset="0"/>
+                <a:cs typeface="Tahoma" panose="020B0604030504040204" pitchFamily="34" charset="0"/>
+              </a:rPr>
+              <a:t> </a:t>
+            </a:r>
+            <a:r>
+              <a:rPr lang="en-US" sz="1200" dirty="0" err="1">
+                <a:solidFill>
+                  <a:srgbClr val="333333"/>
+                </a:solidFill>
+                <a:latin typeface="Tahoma" panose="020B0604030504040204" pitchFamily="34" charset="0"/>
+                <a:ea typeface="Tahoma" panose="020B0604030504040204" pitchFamily="34" charset="0"/>
+                <a:cs typeface="Tahoma" panose="020B0604030504040204" pitchFamily="34" charset="0"/>
+              </a:rPr>
+              <a:t>mệnh</a:t>
+            </a:r>
+            <a:r>
+              <a:rPr lang="en-US" sz="1200" dirty="0">
+                <a:solidFill>
+                  <a:srgbClr val="333333"/>
+                </a:solidFill>
+                <a:latin typeface="Tahoma" panose="020B0604030504040204" pitchFamily="34" charset="0"/>
+                <a:ea typeface="Tahoma" panose="020B0604030504040204" pitchFamily="34" charset="0"/>
+                <a:cs typeface="Tahoma" panose="020B0604030504040204" pitchFamily="34" charset="0"/>
+              </a:rPr>
+              <a:t> </a:t>
+            </a:r>
+            <a:r>
+              <a:rPr lang="en-US" sz="1200" dirty="0" err="1">
+                <a:solidFill>
+                  <a:srgbClr val="333333"/>
+                </a:solidFill>
+                <a:latin typeface="Tahoma" panose="020B0604030504040204" pitchFamily="34" charset="0"/>
+                <a:ea typeface="Tahoma" panose="020B0604030504040204" pitchFamily="34" charset="0"/>
+                <a:cs typeface="Tahoma" panose="020B0604030504040204" pitchFamily="34" charset="0"/>
+              </a:rPr>
+              <a:t>bằng</a:t>
+            </a:r>
+            <a:r>
+              <a:rPr lang="en-US" sz="1200" dirty="0">
+                <a:solidFill>
+                  <a:srgbClr val="333333"/>
+                </a:solidFill>
+                <a:latin typeface="Tahoma" panose="020B0604030504040204" pitchFamily="34" charset="0"/>
+                <a:ea typeface="Tahoma" panose="020B0604030504040204" pitchFamily="34" charset="0"/>
+                <a:cs typeface="Tahoma" panose="020B0604030504040204" pitchFamily="34" charset="0"/>
+              </a:rPr>
+              <a:t> </a:t>
+            </a:r>
+            <a:r>
+              <a:rPr lang="en-US" sz="1200" dirty="0" err="1">
+                <a:solidFill>
+                  <a:srgbClr val="333333"/>
+                </a:solidFill>
+                <a:latin typeface="Tahoma" panose="020B0604030504040204" pitchFamily="34" charset="0"/>
+                <a:ea typeface="Tahoma" panose="020B0604030504040204" pitchFamily="34" charset="0"/>
+                <a:cs typeface="Tahoma" panose="020B0604030504040204" pitchFamily="34" charset="0"/>
+              </a:rPr>
+              <a:t>niềm</a:t>
+            </a:r>
+            <a:r>
+              <a:rPr lang="en-US" sz="1200" dirty="0">
+                <a:solidFill>
+                  <a:srgbClr val="333333"/>
+                </a:solidFill>
+                <a:latin typeface="Tahoma" panose="020B0604030504040204" pitchFamily="34" charset="0"/>
+                <a:ea typeface="Tahoma" panose="020B0604030504040204" pitchFamily="34" charset="0"/>
+                <a:cs typeface="Tahoma" panose="020B0604030504040204" pitchFamily="34" charset="0"/>
+              </a:rPr>
+              <a:t> </a:t>
+            </a:r>
+            <a:r>
+              <a:rPr lang="en-US" sz="1200" dirty="0" err="1">
+                <a:solidFill>
+                  <a:srgbClr val="333333"/>
+                </a:solidFill>
+                <a:latin typeface="Tahoma" panose="020B0604030504040204" pitchFamily="34" charset="0"/>
+                <a:ea typeface="Tahoma" panose="020B0604030504040204" pitchFamily="34" charset="0"/>
+                <a:cs typeface="Tahoma" panose="020B0604030504040204" pitchFamily="34" charset="0"/>
+              </a:rPr>
+              <a:t>cảm</a:t>
+            </a:r>
+            <a:r>
+              <a:rPr lang="en-US" sz="1200" dirty="0">
+                <a:solidFill>
+                  <a:srgbClr val="333333"/>
+                </a:solidFill>
+                <a:latin typeface="Tahoma" panose="020B0604030504040204" pitchFamily="34" charset="0"/>
+                <a:ea typeface="Tahoma" panose="020B0604030504040204" pitchFamily="34" charset="0"/>
+                <a:cs typeface="Tahoma" panose="020B0604030504040204" pitchFamily="34" charset="0"/>
+              </a:rPr>
+              <a:t> </a:t>
+            </a:r>
+            <a:r>
+              <a:rPr lang="en-US" sz="1200" dirty="0" err="1">
+                <a:solidFill>
+                  <a:srgbClr val="333333"/>
+                </a:solidFill>
+                <a:latin typeface="Tahoma" panose="020B0604030504040204" pitchFamily="34" charset="0"/>
+                <a:ea typeface="Tahoma" panose="020B0604030504040204" pitchFamily="34" charset="0"/>
+                <a:cs typeface="Tahoma" panose="020B0604030504040204" pitchFamily="34" charset="0"/>
+              </a:rPr>
+              <a:t>hứng</a:t>
+            </a:r>
+            <a:r>
+              <a:rPr lang="en-US" sz="1200" dirty="0">
+                <a:solidFill>
+                  <a:srgbClr val="333333"/>
+                </a:solidFill>
+                <a:latin typeface="Tahoma" panose="020B0604030504040204" pitchFamily="34" charset="0"/>
+                <a:ea typeface="Tahoma" panose="020B0604030504040204" pitchFamily="34" charset="0"/>
+                <a:cs typeface="Tahoma" panose="020B0604030504040204" pitchFamily="34" charset="0"/>
+              </a:rPr>
+              <a:t> </a:t>
+            </a:r>
+            <a:r>
+              <a:rPr lang="en-US" sz="1200" dirty="0" err="1">
+                <a:solidFill>
+                  <a:srgbClr val="333333"/>
+                </a:solidFill>
+                <a:latin typeface="Tahoma" panose="020B0604030504040204" pitchFamily="34" charset="0"/>
+                <a:ea typeface="Tahoma" panose="020B0604030504040204" pitchFamily="34" charset="0"/>
+                <a:cs typeface="Tahoma" panose="020B0604030504040204" pitchFamily="34" charset="0"/>
+              </a:rPr>
+              <a:t>và</a:t>
+            </a:r>
+            <a:r>
+              <a:rPr lang="en-US" sz="1200" dirty="0">
+                <a:solidFill>
+                  <a:srgbClr val="333333"/>
+                </a:solidFill>
+                <a:latin typeface="Tahoma" panose="020B0604030504040204" pitchFamily="34" charset="0"/>
+                <a:ea typeface="Tahoma" panose="020B0604030504040204" pitchFamily="34" charset="0"/>
+                <a:cs typeface="Tahoma" panose="020B0604030504040204" pitchFamily="34" charset="0"/>
+              </a:rPr>
+              <a:t> </a:t>
+            </a:r>
+            <a:r>
+              <a:rPr lang="en-US" sz="1200" dirty="0" err="1">
+                <a:solidFill>
+                  <a:srgbClr val="333333"/>
+                </a:solidFill>
+                <a:latin typeface="Tahoma" panose="020B0604030504040204" pitchFamily="34" charset="0"/>
+                <a:ea typeface="Tahoma" panose="020B0604030504040204" pitchFamily="34" charset="0"/>
+                <a:cs typeface="Tahoma" panose="020B0604030504040204" pitchFamily="34" charset="0"/>
+              </a:rPr>
+              <a:t>hạnh</a:t>
+            </a:r>
+            <a:r>
+              <a:rPr lang="en-US" sz="1200" dirty="0">
+                <a:solidFill>
+                  <a:srgbClr val="333333"/>
+                </a:solidFill>
+                <a:latin typeface="Tahoma" panose="020B0604030504040204" pitchFamily="34" charset="0"/>
+                <a:ea typeface="Tahoma" panose="020B0604030504040204" pitchFamily="34" charset="0"/>
+                <a:cs typeface="Tahoma" panose="020B0604030504040204" pitchFamily="34" charset="0"/>
+              </a:rPr>
+              <a:t> </a:t>
+            </a:r>
+            <a:r>
+              <a:rPr lang="en-US" sz="1200" dirty="0" err="1">
+                <a:solidFill>
+                  <a:srgbClr val="333333"/>
+                </a:solidFill>
+                <a:latin typeface="Tahoma" panose="020B0604030504040204" pitchFamily="34" charset="0"/>
+                <a:ea typeface="Tahoma" panose="020B0604030504040204" pitchFamily="34" charset="0"/>
+                <a:cs typeface="Tahoma" panose="020B0604030504040204" pitchFamily="34" charset="0"/>
+              </a:rPr>
+              <a:t>phúc</a:t>
+            </a:r>
+            <a:r>
+              <a:rPr lang="en-US" sz="1200" dirty="0">
+                <a:solidFill>
+                  <a:srgbClr val="333333"/>
+                </a:solidFill>
+                <a:latin typeface="Tahoma" panose="020B0604030504040204" pitchFamily="34" charset="0"/>
+                <a:ea typeface="Tahoma" panose="020B0604030504040204" pitchFamily="34" charset="0"/>
+                <a:cs typeface="Tahoma" panose="020B0604030504040204" pitchFamily="34" charset="0"/>
+              </a:rPr>
+              <a:t>. </a:t>
+            </a:r>
+          </a:p>
+        </p:txBody>
+      </p:sp>
+      <p:pic>
+        <p:nvPicPr>
+          <p:cNvPr id="11" name="Picture 10" descr="A picture containing text&#10;&#10;Description automatically generated">
+            <a:extLst>
+              <a:ext uri="{FF2B5EF4-FFF2-40B4-BE49-F238E27FC236}">
+                <a16:creationId xmlns:a16="http://schemas.microsoft.com/office/drawing/2014/main" id="{D36A27B4-56B8-4042-8C64-4BD1EA67AB8E}"/>
+              </a:ext>
+            </a:extLst>
+          </p:cNvPr>
+          <p:cNvPicPr>
+            <a:picLocks noChangeAspect="1"/>
+          </p:cNvPicPr>
+          <p:nvPr userDrawn="1"/>
+        </p:nvPicPr>
+        <p:blipFill>
+          <a:blip r:embed="rId2">
+            <a:extLst>
+              <a:ext uri="{28A0092B-C50C-407E-A947-70E740481C1C}">
+                <a14:useLocalDpi xmlns:a14="http://schemas.microsoft.com/office/drawing/2010/main" val="0"/>
+              </a:ext>
+            </a:extLst>
+          </a:blip>
+          <a:stretch>
+            <a:fillRect/>
+          </a:stretch>
+        </p:blipFill>
+        <p:spPr>
+          <a:xfrm>
+            <a:off x="424070" y="2514600"/>
+            <a:ext cx="2739964" cy="6394316"/>
+          </a:xfrm>
+          <a:prstGeom prst="rect">
+            <a:avLst/>
+          </a:prstGeom>
+        </p:spPr>
+      </p:pic>
+      <p:sp>
+        <p:nvSpPr>
+          <p:cNvPr id="13" name="Text Placeholder 12">
+            <a:extLst>
+              <a:ext uri="{FF2B5EF4-FFF2-40B4-BE49-F238E27FC236}">
+                <a16:creationId xmlns:a16="http://schemas.microsoft.com/office/drawing/2014/main" id="{F2DB107A-958C-45DF-AC4D-E5BE05A3A225}"/>
+              </a:ext>
+            </a:extLst>
+          </p:cNvPr>
+          <p:cNvSpPr>
+            <a:spLocks noGrp="1"/>
+          </p:cNvSpPr>
+          <p:nvPr>
+            <p:ph type="body" sz="quarter" idx="10"/>
+          </p:nvPr>
+        </p:nvSpPr>
+        <p:spPr>
+          <a:xfrm>
+            <a:off x="3297238" y="2514599"/>
+            <a:ext cx="3903662" cy="7074569"/>
+          </a:xfrm>
+        </p:spPr>
+        <p:txBody>
+          <a:bodyPr/>
+          <a:lstStyle>
+            <a:lvl1pPr marL="0" indent="0">
+              <a:buNone/>
+              <a:defRPr/>
+            </a:lvl1pPr>
+          </a:lstStyle>
+          <a:p>
+            <a:pPr lvl="0"/>
+            <a:endParaRPr lang="en-US" dirty="0"/>
+          </a:p>
+        </p:txBody>
+      </p:sp>
+      <p:sp>
+        <p:nvSpPr>
+          <p:cNvPr id="14" name="Rectangle 13">
+            <a:extLst>
+              <a:ext uri="{FF2B5EF4-FFF2-40B4-BE49-F238E27FC236}">
+                <a16:creationId xmlns:a16="http://schemas.microsoft.com/office/drawing/2014/main" id="{E721BD0D-ABD1-44A4-8995-E567742C2A69}"/>
+              </a:ext>
+            </a:extLst>
+          </p:cNvPr>
+          <p:cNvSpPr/>
+          <p:nvPr userDrawn="1"/>
+        </p:nvSpPr>
+        <p:spPr>
+          <a:xfrm>
+            <a:off x="5222732" y="0"/>
+            <a:ext cx="2346575" cy="879676"/>
+          </a:xfrm>
+          <a:prstGeom prst="rect">
+            <a:avLst/>
+          </a:prstGeom>
+          <a:solidFill>
+            <a:srgbClr val="FF6600"/>
+          </a:solidFill>
+          <a:ln>
+            <a:noFill/>
+          </a:ln>
+        </p:spPr>
+        <p:style>
+          <a:lnRef idx="2">
+            <a:schemeClr val="accent1">
+              <a:shade val="50000"/>
+            </a:schemeClr>
+          </a:lnRef>
+          <a:fillRef idx="1">
+            <a:schemeClr val="accent1"/>
+          </a:fillRef>
+          <a:effectRef idx="0">
+            <a:schemeClr val="accent1"/>
+          </a:effectRef>
+          <a:fontRef idx="minor">
+            <a:schemeClr val="lt1"/>
+          </a:fontRef>
+        </p:style>
+        <p:txBody>
+          <a:bodyPr rtlCol="0" anchor="ctr"/>
+          <a:lstStyle/>
+          <a:p>
+            <a:pPr algn="ctr"/>
+            <a:endParaRPr lang="en-US" dirty="0"/>
+          </a:p>
+        </p:txBody>
+      </p:sp>
+      <p:pic>
+        <p:nvPicPr>
+          <p:cNvPr id="6" name="Picture 5">
+            <a:extLst>
+              <a:ext uri="{FF2B5EF4-FFF2-40B4-BE49-F238E27FC236}">
+                <a16:creationId xmlns:a16="http://schemas.microsoft.com/office/drawing/2014/main" id="{AB363C3F-1FE8-4F5D-884D-F1BA602C700A}"/>
+              </a:ext>
+            </a:extLst>
+          </p:cNvPr>
+          <p:cNvPicPr>
+            <a:picLocks noChangeAspect="1"/>
+          </p:cNvPicPr>
+          <p:nvPr userDrawn="1"/>
+        </p:nvPicPr>
+        <p:blipFill>
+          <a:blip r:embed="rId3" cstate="hqprint">
+            <a:extLst>
+              <a:ext uri="{28A0092B-C50C-407E-A947-70E740481C1C}">
+                <a14:useLocalDpi xmlns:a14="http://schemas.microsoft.com/office/drawing/2010/main" val="0"/>
+              </a:ext>
+            </a:extLst>
+          </a:blip>
+          <a:stretch>
+            <a:fillRect/>
+          </a:stretch>
+        </p:blipFill>
+        <p:spPr>
+          <a:xfrm>
+            <a:off x="4740247" y="-107539"/>
+            <a:ext cx="1022263" cy="1117102"/>
+          </a:xfrm>
+          <a:prstGeom prst="rect">
+            <a:avLst/>
+          </a:prstGeom>
+          <a:effectLst>
+            <a:outerShdw blurRad="50800" dist="38100" dir="8100000" algn="tr" rotWithShape="0">
+              <a:prstClr val="black">
+                <a:alpha val="40000"/>
+              </a:prstClr>
+            </a:outerShdw>
+          </a:effectLst>
+        </p:spPr>
+      </p:pic>
+      <p:sp>
+        <p:nvSpPr>
+          <p:cNvPr id="9" name="Title 1">
+            <a:extLst>
+              <a:ext uri="{FF2B5EF4-FFF2-40B4-BE49-F238E27FC236}">
+                <a16:creationId xmlns:a16="http://schemas.microsoft.com/office/drawing/2014/main" id="{EFD06DA8-2254-4E68-8DFD-47982C8F8B8E}"/>
+              </a:ext>
+            </a:extLst>
+          </p:cNvPr>
+          <p:cNvSpPr txBox="1">
+            <a:spLocks/>
+          </p:cNvSpPr>
+          <p:nvPr userDrawn="1"/>
+        </p:nvSpPr>
+        <p:spPr>
+          <a:xfrm>
+            <a:off x="4980517" y="228305"/>
+            <a:ext cx="469752" cy="446400"/>
+          </a:xfrm>
+          <a:prstGeom prst="rect">
+            <a:avLst/>
+          </a:prstGeom>
+        </p:spPr>
+        <p:txBody>
+          <a:bodyPr vert="horz" lIns="91440" tIns="45720" rIns="91440" bIns="45720" rtlCol="0" anchor="t">
+            <a:noAutofit/>
+          </a:bodyPr>
+          <a:lstStyle>
+            <a:lvl1pPr algn="l" defTabSz="756300" rtl="0" eaLnBrk="1" latinLnBrk="0" hangingPunct="1">
+              <a:lnSpc>
+                <a:spcPct val="90000"/>
+              </a:lnSpc>
+              <a:spcBef>
+                <a:spcPct val="0"/>
+              </a:spcBef>
+              <a:buNone/>
+              <a:defRPr sz="3639" kern="1200">
+                <a:solidFill>
+                  <a:schemeClr val="tx1"/>
+                </a:solidFill>
+                <a:latin typeface="+mj-lt"/>
+                <a:ea typeface="+mj-ea"/>
+                <a:cs typeface="+mj-cs"/>
+              </a:defRPr>
+            </a:lvl1pPr>
+          </a:lstStyle>
+          <a:p>
+            <a:pPr algn="ctr"/>
+            <a:r>
+              <a:rPr lang="en-US" sz="3600" b="1" dirty="0">
+                <a:solidFill>
+                  <a:srgbClr val="FF6600"/>
+                </a:solidFill>
+                <a:latin typeface="Tahoma" panose="020B0604030504040204" pitchFamily="34" charset="0"/>
+                <a:ea typeface="Tahoma" panose="020B0604030504040204" pitchFamily="34" charset="0"/>
+                <a:cs typeface="Tahoma" panose="020B0604030504040204" pitchFamily="34" charset="0"/>
+              </a:rPr>
+              <a:t>1</a:t>
+            </a:r>
+          </a:p>
+        </p:txBody>
+      </p:sp>
+    </p:spTree>
+    <p:extLst>
+      <p:ext uri="{BB962C8B-B14F-4D97-AF65-F5344CB8AC3E}">
+        <p14:creationId xmlns:p14="http://schemas.microsoft.com/office/powerpoint/2010/main" val="3621265985"/>
+      </p:ext>
+    </p:extLst>
+  </p:cSld>
+  <p:clrMapOvr>
+    <a:masterClrMapping/>
+  </p:clrMapOvr>
+</p:sldLayout>
+</file>
+
+<file path=ppt/slideLayouts/slideLayout4.xml><?xml version="1.0" encoding="utf-8"?>
 <p:sldLayout xmlns:a="http://schemas.openxmlformats.org/drawingml/2006/main" xmlns:r="http://schemas.openxmlformats.org/officeDocument/2006/relationships" xmlns:p="http://schemas.openxmlformats.org/presentationml/2006/main" type="tx" preserve="1">
   <p:cSld name="Title Slide">
     <p:spTree>
@@ -1831,7 +5091,7 @@
 </p:sldLayout>
 </file>
 
-<file path=ppt/slideLayouts/slideLayout4.xml><?xml version="1.0" encoding="utf-8"?>
+<file path=ppt/slideLayouts/slideLayout5.xml><?xml version="1.0" encoding="utf-8"?>
 <p:sldLayout xmlns:a="http://schemas.openxmlformats.org/drawingml/2006/main" xmlns:r="http://schemas.openxmlformats.org/officeDocument/2006/relationships" xmlns:p="http://schemas.openxmlformats.org/presentationml/2006/main" type="obj" preserve="1">
   <p:cSld name="Title, Content">
     <p:spTree>
@@ -1924,7 +5184,7 @@
 </p:sldLayout>
 </file>
 
-<file path=ppt/slideLayouts/slideLayout5.xml><?xml version="1.0" encoding="utf-8"?>
+<file path=ppt/slideLayouts/slideLayout6.xml><?xml version="1.0" encoding="utf-8"?>
 <p:sldLayout xmlns:a="http://schemas.openxmlformats.org/drawingml/2006/main" xmlns:r="http://schemas.openxmlformats.org/officeDocument/2006/relationships" xmlns:p="http://schemas.openxmlformats.org/presentationml/2006/main" type="twoObj" preserve="1">
   <p:cSld name="Title, 2 Content">
     <p:spTree>
@@ -2051,7 +5311,7 @@
 </p:sldLayout>
 </file>
 
-<file path=ppt/slideLayouts/slideLayout6.xml><?xml version="1.0" encoding="utf-8"?>
+<file path=ppt/slideLayouts/slideLayout7.xml><?xml version="1.0" encoding="utf-8"?>
 <p:sldLayout xmlns:a="http://schemas.openxmlformats.org/drawingml/2006/main" xmlns:r="http://schemas.openxmlformats.org/officeDocument/2006/relationships" xmlns:p="http://schemas.openxmlformats.org/presentationml/2006/main" type="titleOnly" preserve="1">
   <p:cSld name="Title Only">
     <p:spTree>
@@ -2110,7 +5370,7 @@
 </p:sldLayout>
 </file>
 
-<file path=ppt/slideLayouts/slideLayout7.xml><?xml version="1.0" encoding="utf-8"?>
+<file path=ppt/slideLayouts/slideLayout8.xml><?xml version="1.0" encoding="utf-8"?>
 <p:sldLayout xmlns:a="http://schemas.openxmlformats.org/drawingml/2006/main" xmlns:r="http://schemas.openxmlformats.org/officeDocument/2006/relationships" xmlns:p="http://schemas.openxmlformats.org/presentationml/2006/main" type="objOnly" preserve="1">
   <p:cSld name="Centered Text">
     <p:spTree>
@@ -2167,7 +5427,7 @@
 </p:sldLayout>
 </file>
 
-<file path=ppt/slideLayouts/slideLayout8.xml><?xml version="1.0" encoding="utf-8"?>
+<file path=ppt/slideLayouts/slideLayout9.xml><?xml version="1.0" encoding="utf-8"?>
 <p:sldLayout xmlns:a="http://schemas.openxmlformats.org/drawingml/2006/main" xmlns:r="http://schemas.openxmlformats.org/officeDocument/2006/relationships" xmlns:p="http://schemas.openxmlformats.org/presentationml/2006/main" type="twoObjAndObj" preserve="1">
   <p:cSld name="Title, 2 Content and Content">
     <p:spTree>
@@ -2328,174 +5588,13 @@
 </p:sldLayout>
 </file>
 
-<file path=ppt/slideLayouts/slideLayout9.xml><?xml version="1.0" encoding="utf-8"?>
-<p:sldLayout xmlns:a="http://schemas.openxmlformats.org/drawingml/2006/main" xmlns:r="http://schemas.openxmlformats.org/officeDocument/2006/relationships" xmlns:p="http://schemas.openxmlformats.org/presentationml/2006/main" type="objAndTwoObj" preserve="1">
-  <p:cSld name="Title Content and 2 Content">
-    <p:spTree>
-      <p:nvGrpSpPr>
-        <p:cNvPr id="1" name=""/>
-        <p:cNvGrpSpPr/>
-        <p:nvPr/>
-      </p:nvGrpSpPr>
-      <p:grpSpPr>
-        <a:xfrm>
-          <a:off x="0" y="0"/>
-          <a:ext cx="0" cy="0"/>
-          <a:chOff x="0" y="0"/>
-          <a:chExt cx="0" cy="0"/>
-        </a:xfrm>
-      </p:grpSpPr>
-      <p:sp>
-        <p:nvSpPr>
-          <p:cNvPr id="18" name="PlaceHolder 1"/>
-          <p:cNvSpPr>
-            <a:spLocks noGrp="1"/>
-          </p:cNvSpPr>
-          <p:nvPr>
-            <p:ph type="title"/>
-          </p:nvPr>
-        </p:nvSpPr>
-        <p:spPr>
-          <a:xfrm>
-            <a:off x="519840" y="569160"/>
-            <a:ext cx="6522480" cy="2065680"/>
-          </a:xfrm>
-          <a:prstGeom prst="rect">
-            <a:avLst/>
-          </a:prstGeom>
-        </p:spPr>
-        <p:txBody>
-          <a:bodyPr lIns="0" tIns="0" rIns="0" bIns="0" anchor="ctr">
-            <a:noAutofit/>
-          </a:bodyPr>
-          <a:lstStyle/>
-          <a:p>
-            <a:endParaRPr lang="en-US" sz="1800" b="0" strike="noStrike" spc="-1">
-              <a:solidFill>
-                <a:srgbClr val="000000"/>
-              </a:solidFill>
-              <a:latin typeface="Calibri"/>
-            </a:endParaRPr>
-          </a:p>
-        </p:txBody>
-      </p:sp>
-      <p:sp>
-        <p:nvSpPr>
-          <p:cNvPr id="19" name="PlaceHolder 2"/>
-          <p:cNvSpPr>
-            <a:spLocks noGrp="1"/>
-          </p:cNvSpPr>
-          <p:nvPr>
-            <p:ph type="body"/>
-          </p:nvPr>
-        </p:nvSpPr>
-        <p:spPr>
-          <a:xfrm>
-            <a:off x="519840" y="2845440"/>
-            <a:ext cx="3182760" cy="6781320"/>
-          </a:xfrm>
-          <a:prstGeom prst="rect">
-            <a:avLst/>
-          </a:prstGeom>
-        </p:spPr>
-        <p:txBody>
-          <a:bodyPr lIns="0" tIns="0" rIns="0" bIns="0">
-            <a:normAutofit/>
-          </a:bodyPr>
-          <a:lstStyle/>
-          <a:p>
-            <a:endParaRPr lang="en-US" sz="2320" b="0" strike="noStrike" spc="-1">
-              <a:solidFill>
-                <a:srgbClr val="000000"/>
-              </a:solidFill>
-              <a:latin typeface="Calibri"/>
-            </a:endParaRPr>
-          </a:p>
-        </p:txBody>
-      </p:sp>
-      <p:sp>
-        <p:nvSpPr>
-          <p:cNvPr id="20" name="PlaceHolder 3"/>
-          <p:cNvSpPr>
-            <a:spLocks noGrp="1"/>
-          </p:cNvSpPr>
-          <p:nvPr>
-            <p:ph type="body"/>
-          </p:nvPr>
-        </p:nvSpPr>
-        <p:spPr>
-          <a:xfrm>
-            <a:off x="3862080" y="2845440"/>
-            <a:ext cx="3182760" cy="3234600"/>
-          </a:xfrm>
-          <a:prstGeom prst="rect">
-            <a:avLst/>
-          </a:prstGeom>
-        </p:spPr>
-        <p:txBody>
-          <a:bodyPr lIns="0" tIns="0" rIns="0" bIns="0">
-            <a:normAutofit/>
-          </a:bodyPr>
-          <a:lstStyle/>
-          <a:p>
-            <a:endParaRPr lang="en-US" sz="2320" b="0" strike="noStrike" spc="-1">
-              <a:solidFill>
-                <a:srgbClr val="000000"/>
-              </a:solidFill>
-              <a:latin typeface="Calibri"/>
-            </a:endParaRPr>
-          </a:p>
-        </p:txBody>
-      </p:sp>
-      <p:sp>
-        <p:nvSpPr>
-          <p:cNvPr id="21" name="PlaceHolder 4"/>
-          <p:cNvSpPr>
-            <a:spLocks noGrp="1"/>
-          </p:cNvSpPr>
-          <p:nvPr>
-            <p:ph type="body"/>
-          </p:nvPr>
-        </p:nvSpPr>
-        <p:spPr>
-          <a:xfrm>
-            <a:off x="3862080" y="6387840"/>
-            <a:ext cx="3182760" cy="3234600"/>
-          </a:xfrm>
-          <a:prstGeom prst="rect">
-            <a:avLst/>
-          </a:prstGeom>
-        </p:spPr>
-        <p:txBody>
-          <a:bodyPr lIns="0" tIns="0" rIns="0" bIns="0">
-            <a:normAutofit/>
-          </a:bodyPr>
-          <a:lstStyle/>
-          <a:p>
-            <a:endParaRPr lang="en-US" sz="2320" b="0" strike="noStrike" spc="-1">
-              <a:solidFill>
-                <a:srgbClr val="000000"/>
-              </a:solidFill>
-              <a:latin typeface="Calibri"/>
-            </a:endParaRPr>
-          </a:p>
-        </p:txBody>
-      </p:sp>
-    </p:spTree>
-  </p:cSld>
-  <p:clrMapOvr>
-    <a:masterClrMapping/>
-  </p:clrMapOvr>
-</p:sldLayout>
-</file>
-
 <file path=ppt/slideMasters/slideMaster1.xml><?xml version="1.0" encoding="utf-8"?>
 <p:sldMaster xmlns:a="http://schemas.openxmlformats.org/drawingml/2006/main" xmlns:r="http://schemas.openxmlformats.org/officeDocument/2006/relationships" xmlns:p="http://schemas.openxmlformats.org/presentationml/2006/main">
   <p:cSld>
     <p:bg>
       <p:bgPr>
         <a:blipFill rotWithShape="0">
-          <a:blip r:embed="rId15"/>
+          <a:blip r:embed="rId16"/>
           <a:stretch/>
         </a:blipFill>
         <a:effectLst/>
@@ -2527,8 +5626,8 @@
         </p:nvSpPr>
         <p:spPr>
           <a:xfrm>
-            <a:off x="567360" y="1749240"/>
-            <a:ext cx="6428160" cy="3720960"/>
+            <a:off x="378000" y="592426"/>
+            <a:ext cx="6806160" cy="1663793"/>
           </a:xfrm>
           <a:prstGeom prst="rect">
             <a:avLst/>
@@ -2600,7 +5699,7 @@
                 </a:solidFill>
                 <a:latin typeface="Calibri"/>
               </a:rPr>
-              <a:t>9/24/2021</a:t>
+              <a:t>9/25/2021</a:t>
             </a:fld>
             <a:endParaRPr lang="en-US" sz="1000" b="0" strike="noStrike" spc="-1">
               <a:latin typeface="Times New Roman"/>
@@ -2696,7 +5795,7 @@
         </p:nvSpPr>
         <p:spPr>
           <a:xfrm>
-            <a:off x="378000" y="2500920"/>
+            <a:off x="378000" y="2616831"/>
             <a:ext cx="6806160" cy="6198840"/>
           </a:xfrm>
           <a:prstGeom prst="rect">
@@ -2870,17 +5969,18 @@
   <p:sldLayoutIdLst>
     <p:sldLayoutId id="2147483649" r:id="rId1"/>
     <p:sldLayoutId id="2147483661" r:id="rId2"/>
-    <p:sldLayoutId id="2147483650" r:id="rId3"/>
-    <p:sldLayoutId id="2147483651" r:id="rId4"/>
-    <p:sldLayoutId id="2147483652" r:id="rId5"/>
-    <p:sldLayoutId id="2147483653" r:id="rId6"/>
-    <p:sldLayoutId id="2147483654" r:id="rId7"/>
-    <p:sldLayoutId id="2147483655" r:id="rId8"/>
-    <p:sldLayoutId id="2147483656" r:id="rId9"/>
-    <p:sldLayoutId id="2147483657" r:id="rId10"/>
-    <p:sldLayoutId id="2147483658" r:id="rId11"/>
-    <p:sldLayoutId id="2147483659" r:id="rId12"/>
-    <p:sldLayoutId id="2147483660" r:id="rId13"/>
+    <p:sldLayoutId id="2147483663" r:id="rId3"/>
+    <p:sldLayoutId id="2147483650" r:id="rId4"/>
+    <p:sldLayoutId id="2147483651" r:id="rId5"/>
+    <p:sldLayoutId id="2147483652" r:id="rId6"/>
+    <p:sldLayoutId id="2147483653" r:id="rId7"/>
+    <p:sldLayoutId id="2147483654" r:id="rId8"/>
+    <p:sldLayoutId id="2147483655" r:id="rId9"/>
+    <p:sldLayoutId id="2147483656" r:id="rId10"/>
+    <p:sldLayoutId id="2147483657" r:id="rId11"/>
+    <p:sldLayoutId id="2147483658" r:id="rId12"/>
+    <p:sldLayoutId id="2147483659" r:id="rId13"/>
+    <p:sldLayoutId id="2147483660" r:id="rId14"/>
   </p:sldLayoutIdLst>
   <p:txStyles>
     <p:titleStyle>
@@ -5000,16 +8100,66 @@
               </a:tabLst>
             </a:pPr>
             <a:r>
-              <a:rPr lang="en-US" sz="1200" b="0" strike="noStrike" spc="-1">
-                <a:solidFill>
-                  <a:srgbClr val="000000"/>
-                </a:solidFill>
-                <a:latin typeface="Tahoma"/>
-                <a:ea typeface="Tahoma"/>
-              </a:rPr>
-              <a:t>Bạn [FULLNAME] thân mến,</a:t>
-            </a:r>
-            <a:endParaRPr lang="en-US" sz="1200" b="0" strike="noStrike" spc="-1">
+              <a:rPr lang="en-US" sz="1200" b="0" strike="noStrike" spc="-1" dirty="0" err="1">
+                <a:solidFill>
+                  <a:srgbClr val="000000"/>
+                </a:solidFill>
+                <a:latin typeface="Tahoma"/>
+                <a:ea typeface="Tahoma"/>
+              </a:rPr>
+              <a:t>Bạn</a:t>
+            </a:r>
+            <a:r>
+              <a:rPr lang="en-US" sz="1200" b="0" strike="noStrike" spc="-1" dirty="0">
+                <a:solidFill>
+                  <a:srgbClr val="000000"/>
+                </a:solidFill>
+                <a:latin typeface="Tahoma"/>
+                <a:ea typeface="Tahoma"/>
+              </a:rPr>
+              <a:t> [FULLNAME] </a:t>
+            </a:r>
+            <a:r>
+              <a:rPr lang="en-US" sz="1200" b="0" strike="noStrike" spc="-1" dirty="0" err="1">
+                <a:solidFill>
+                  <a:srgbClr val="000000"/>
+                </a:solidFill>
+                <a:latin typeface="Tahoma"/>
+                <a:ea typeface="Tahoma"/>
+              </a:rPr>
+              <a:t>thân</a:t>
+            </a:r>
+            <a:r>
+              <a:rPr lang="en-US" sz="1200" b="0" strike="noStrike" spc="-1" dirty="0">
+                <a:solidFill>
+                  <a:srgbClr val="000000"/>
+                </a:solidFill>
+                <a:latin typeface="Tahoma"/>
+                <a:ea typeface="Tahoma"/>
+              </a:rPr>
+              <a:t> </a:t>
+            </a:r>
+            <a:r>
+              <a:rPr lang="en-US" sz="1200" b="0" strike="noStrike" spc="-1" dirty="0" err="1">
+                <a:solidFill>
+                  <a:srgbClr val="000000"/>
+                </a:solidFill>
+                <a:latin typeface="Tahoma"/>
+                <a:ea typeface="Tahoma"/>
+              </a:rPr>
+              <a:t>mến</a:t>
+            </a:r>
+            <a:r>
+              <a:rPr lang="en-US" sz="1200" b="0" strike="noStrike" spc="-1" dirty="0">
+                <a:solidFill>
+                  <a:srgbClr val="000000"/>
+                </a:solidFill>
+                <a:latin typeface="Tahoma"/>
+                <a:ea typeface="Tahoma"/>
+              </a:rPr>
+              <a:t>,</a:t>
+            </a:r>
+            <a:endParaRPr lang="en-US" sz="1200" b="0" strike="noStrike" spc="-1" dirty="0">
               <a:latin typeface="Arial"/>
             </a:endParaRPr>
           </a:p>
@@ -5026,16 +8176,1706 @@
               </a:tabLst>
             </a:pPr>
             <a:r>
-              <a:rPr lang="en-US" sz="1200" b="0" strike="noStrike" spc="-1">
-                <a:solidFill>
-                  <a:srgbClr val="000000"/>
-                </a:solidFill>
-                <a:latin typeface="Tahoma"/>
-                <a:ea typeface="Tahoma"/>
-              </a:rPr>
-              <a:t>Cảm ơn bạn đã chọn TalentCenter.vn để được tư vấn định hướng học tập và phát triển nghề nghiệp dựa trên cơ sở một phần từ việc ứng dụng các công cụ trắc nghiệm cũng như các công trình nghiên cứu khoa học. Bài báo cáo này dựa trên việc ứng dụng Thần số học phương Tây được sáng tạo bởi triết gia và nhà toán học Hy Lạp Pythagoras cách đây hơn 2500 năm. Toàn bộ thông tin được dựa trên ngày sinh và tên gọi của mỗi cá nhân.</a:t>
-            </a:r>
-            <a:endParaRPr lang="en-US" sz="1200" b="0" strike="noStrike" spc="-1">
+              <a:rPr lang="en-US" sz="1200" b="0" strike="noStrike" spc="-1" dirty="0" err="1">
+                <a:solidFill>
+                  <a:srgbClr val="000000"/>
+                </a:solidFill>
+                <a:latin typeface="Tahoma"/>
+                <a:ea typeface="Tahoma"/>
+              </a:rPr>
+              <a:t>Cảm</a:t>
+            </a:r>
+            <a:r>
+              <a:rPr lang="en-US" sz="1200" b="0" strike="noStrike" spc="-1" dirty="0">
+                <a:solidFill>
+                  <a:srgbClr val="000000"/>
+                </a:solidFill>
+                <a:latin typeface="Tahoma"/>
+                <a:ea typeface="Tahoma"/>
+              </a:rPr>
+              <a:t> </a:t>
+            </a:r>
+            <a:r>
+              <a:rPr lang="en-US" sz="1200" b="0" strike="noStrike" spc="-1" dirty="0" err="1">
+                <a:solidFill>
+                  <a:srgbClr val="000000"/>
+                </a:solidFill>
+                <a:latin typeface="Tahoma"/>
+                <a:ea typeface="Tahoma"/>
+              </a:rPr>
+              <a:t>ơn</a:t>
+            </a:r>
+            <a:r>
+              <a:rPr lang="en-US" sz="1200" b="0" strike="noStrike" spc="-1" dirty="0">
+                <a:solidFill>
+                  <a:srgbClr val="000000"/>
+                </a:solidFill>
+                <a:latin typeface="Tahoma"/>
+                <a:ea typeface="Tahoma"/>
+              </a:rPr>
+              <a:t> </a:t>
+            </a:r>
+            <a:r>
+              <a:rPr lang="en-US" sz="1200" b="0" strike="noStrike" spc="-1" dirty="0" err="1">
+                <a:solidFill>
+                  <a:srgbClr val="000000"/>
+                </a:solidFill>
+                <a:latin typeface="Tahoma"/>
+                <a:ea typeface="Tahoma"/>
+              </a:rPr>
+              <a:t>bạn</a:t>
+            </a:r>
+            <a:r>
+              <a:rPr lang="en-US" sz="1200" b="0" strike="noStrike" spc="-1" dirty="0">
+                <a:solidFill>
+                  <a:srgbClr val="000000"/>
+                </a:solidFill>
+                <a:latin typeface="Tahoma"/>
+                <a:ea typeface="Tahoma"/>
+              </a:rPr>
+              <a:t> </a:t>
+            </a:r>
+            <a:r>
+              <a:rPr lang="en-US" sz="1200" b="0" strike="noStrike" spc="-1" dirty="0" err="1">
+                <a:solidFill>
+                  <a:srgbClr val="000000"/>
+                </a:solidFill>
+                <a:latin typeface="Tahoma"/>
+                <a:ea typeface="Tahoma"/>
+              </a:rPr>
+              <a:t>đã</a:t>
+            </a:r>
+            <a:r>
+              <a:rPr lang="en-US" sz="1200" b="0" strike="noStrike" spc="-1" dirty="0">
+                <a:solidFill>
+                  <a:srgbClr val="000000"/>
+                </a:solidFill>
+                <a:latin typeface="Tahoma"/>
+                <a:ea typeface="Tahoma"/>
+              </a:rPr>
+              <a:t> </a:t>
+            </a:r>
+            <a:r>
+              <a:rPr lang="en-US" sz="1200" b="0" strike="noStrike" spc="-1" dirty="0" err="1">
+                <a:solidFill>
+                  <a:srgbClr val="000000"/>
+                </a:solidFill>
+                <a:latin typeface="Tahoma"/>
+                <a:ea typeface="Tahoma"/>
+              </a:rPr>
+              <a:t>chọn</a:t>
+            </a:r>
+            <a:r>
+              <a:rPr lang="en-US" sz="1200" b="0" strike="noStrike" spc="-1" dirty="0">
+                <a:solidFill>
+                  <a:srgbClr val="000000"/>
+                </a:solidFill>
+                <a:latin typeface="Tahoma"/>
+                <a:ea typeface="Tahoma"/>
+              </a:rPr>
+              <a:t> TalentCenter.vn </a:t>
+            </a:r>
+            <a:r>
+              <a:rPr lang="en-US" sz="1200" b="0" strike="noStrike" spc="-1" dirty="0" err="1">
+                <a:solidFill>
+                  <a:srgbClr val="000000"/>
+                </a:solidFill>
+                <a:latin typeface="Tahoma"/>
+                <a:ea typeface="Tahoma"/>
+              </a:rPr>
+              <a:t>để</a:t>
+            </a:r>
+            <a:r>
+              <a:rPr lang="en-US" sz="1200" b="0" strike="noStrike" spc="-1" dirty="0">
+                <a:solidFill>
+                  <a:srgbClr val="000000"/>
+                </a:solidFill>
+                <a:latin typeface="Tahoma"/>
+                <a:ea typeface="Tahoma"/>
+              </a:rPr>
+              <a:t> </a:t>
+            </a:r>
+            <a:r>
+              <a:rPr lang="en-US" sz="1200" b="0" strike="noStrike" spc="-1" dirty="0" err="1">
+                <a:solidFill>
+                  <a:srgbClr val="000000"/>
+                </a:solidFill>
+                <a:latin typeface="Tahoma"/>
+                <a:ea typeface="Tahoma"/>
+              </a:rPr>
+              <a:t>được</a:t>
+            </a:r>
+            <a:r>
+              <a:rPr lang="en-US" sz="1200" b="0" strike="noStrike" spc="-1" dirty="0">
+                <a:solidFill>
+                  <a:srgbClr val="000000"/>
+                </a:solidFill>
+                <a:latin typeface="Tahoma"/>
+                <a:ea typeface="Tahoma"/>
+              </a:rPr>
+              <a:t> </a:t>
+            </a:r>
+            <a:r>
+              <a:rPr lang="en-US" sz="1200" b="0" strike="noStrike" spc="-1" dirty="0" err="1">
+                <a:solidFill>
+                  <a:srgbClr val="000000"/>
+                </a:solidFill>
+                <a:latin typeface="Tahoma"/>
+                <a:ea typeface="Tahoma"/>
+              </a:rPr>
+              <a:t>tư</a:t>
+            </a:r>
+            <a:r>
+              <a:rPr lang="en-US" sz="1200" b="0" strike="noStrike" spc="-1" dirty="0">
+                <a:solidFill>
+                  <a:srgbClr val="000000"/>
+                </a:solidFill>
+                <a:latin typeface="Tahoma"/>
+                <a:ea typeface="Tahoma"/>
+              </a:rPr>
+              <a:t> </a:t>
+            </a:r>
+            <a:r>
+              <a:rPr lang="en-US" sz="1200" b="0" strike="noStrike" spc="-1" dirty="0" err="1">
+                <a:solidFill>
+                  <a:srgbClr val="000000"/>
+                </a:solidFill>
+                <a:latin typeface="Tahoma"/>
+                <a:ea typeface="Tahoma"/>
+              </a:rPr>
+              <a:t>vấn</a:t>
+            </a:r>
+            <a:r>
+              <a:rPr lang="en-US" sz="1200" b="0" strike="noStrike" spc="-1" dirty="0">
+                <a:solidFill>
+                  <a:srgbClr val="000000"/>
+                </a:solidFill>
+                <a:latin typeface="Tahoma"/>
+                <a:ea typeface="Tahoma"/>
+              </a:rPr>
+              <a:t> </a:t>
+            </a:r>
+            <a:r>
+              <a:rPr lang="en-US" sz="1200" b="0" strike="noStrike" spc="-1" dirty="0" err="1">
+                <a:solidFill>
+                  <a:srgbClr val="000000"/>
+                </a:solidFill>
+                <a:latin typeface="Tahoma"/>
+                <a:ea typeface="Tahoma"/>
+              </a:rPr>
+              <a:t>định</a:t>
+            </a:r>
+            <a:r>
+              <a:rPr lang="en-US" sz="1200" b="0" strike="noStrike" spc="-1" dirty="0">
+                <a:solidFill>
+                  <a:srgbClr val="000000"/>
+                </a:solidFill>
+                <a:latin typeface="Tahoma"/>
+                <a:ea typeface="Tahoma"/>
+              </a:rPr>
+              <a:t> </a:t>
+            </a:r>
+            <a:r>
+              <a:rPr lang="en-US" sz="1200" b="0" strike="noStrike" spc="-1" dirty="0" err="1">
+                <a:solidFill>
+                  <a:srgbClr val="000000"/>
+                </a:solidFill>
+                <a:latin typeface="Tahoma"/>
+                <a:ea typeface="Tahoma"/>
+              </a:rPr>
+              <a:t>hướng</a:t>
+            </a:r>
+            <a:r>
+              <a:rPr lang="en-US" sz="1200" b="0" strike="noStrike" spc="-1" dirty="0">
+                <a:solidFill>
+                  <a:srgbClr val="000000"/>
+                </a:solidFill>
+                <a:latin typeface="Tahoma"/>
+                <a:ea typeface="Tahoma"/>
+              </a:rPr>
+              <a:t> </a:t>
+            </a:r>
+            <a:r>
+              <a:rPr lang="en-US" sz="1200" b="0" strike="noStrike" spc="-1" dirty="0" err="1">
+                <a:solidFill>
+                  <a:srgbClr val="000000"/>
+                </a:solidFill>
+                <a:latin typeface="Tahoma"/>
+                <a:ea typeface="Tahoma"/>
+              </a:rPr>
+              <a:t>học</a:t>
+            </a:r>
+            <a:r>
+              <a:rPr lang="en-US" sz="1200" b="0" strike="noStrike" spc="-1" dirty="0">
+                <a:solidFill>
+                  <a:srgbClr val="000000"/>
+                </a:solidFill>
+                <a:latin typeface="Tahoma"/>
+                <a:ea typeface="Tahoma"/>
+              </a:rPr>
+              <a:t> </a:t>
+            </a:r>
+            <a:r>
+              <a:rPr lang="en-US" sz="1200" b="0" strike="noStrike" spc="-1" dirty="0" err="1">
+                <a:solidFill>
+                  <a:srgbClr val="000000"/>
+                </a:solidFill>
+                <a:latin typeface="Tahoma"/>
+                <a:ea typeface="Tahoma"/>
+              </a:rPr>
+              <a:t>tập</a:t>
+            </a:r>
+            <a:r>
+              <a:rPr lang="en-US" sz="1200" b="0" strike="noStrike" spc="-1" dirty="0">
+                <a:solidFill>
+                  <a:srgbClr val="000000"/>
+                </a:solidFill>
+                <a:latin typeface="Tahoma"/>
+                <a:ea typeface="Tahoma"/>
+              </a:rPr>
+              <a:t> </a:t>
+            </a:r>
+            <a:r>
+              <a:rPr lang="en-US" sz="1200" b="0" strike="noStrike" spc="-1" dirty="0" err="1">
+                <a:solidFill>
+                  <a:srgbClr val="000000"/>
+                </a:solidFill>
+                <a:latin typeface="Tahoma"/>
+                <a:ea typeface="Tahoma"/>
+              </a:rPr>
+              <a:t>và</a:t>
+            </a:r>
+            <a:r>
+              <a:rPr lang="en-US" sz="1200" b="0" strike="noStrike" spc="-1" dirty="0">
+                <a:solidFill>
+                  <a:srgbClr val="000000"/>
+                </a:solidFill>
+                <a:latin typeface="Tahoma"/>
+                <a:ea typeface="Tahoma"/>
+              </a:rPr>
+              <a:t> </a:t>
+            </a:r>
+            <a:r>
+              <a:rPr lang="en-US" sz="1200" b="0" strike="noStrike" spc="-1" dirty="0" err="1">
+                <a:solidFill>
+                  <a:srgbClr val="000000"/>
+                </a:solidFill>
+                <a:latin typeface="Tahoma"/>
+                <a:ea typeface="Tahoma"/>
+              </a:rPr>
+              <a:t>phát</a:t>
+            </a:r>
+            <a:r>
+              <a:rPr lang="en-US" sz="1200" b="0" strike="noStrike" spc="-1" dirty="0">
+                <a:solidFill>
+                  <a:srgbClr val="000000"/>
+                </a:solidFill>
+                <a:latin typeface="Tahoma"/>
+                <a:ea typeface="Tahoma"/>
+              </a:rPr>
+              <a:t> </a:t>
+            </a:r>
+            <a:r>
+              <a:rPr lang="en-US" sz="1200" b="0" strike="noStrike" spc="-1" dirty="0" err="1">
+                <a:solidFill>
+                  <a:srgbClr val="000000"/>
+                </a:solidFill>
+                <a:latin typeface="Tahoma"/>
+                <a:ea typeface="Tahoma"/>
+              </a:rPr>
+              <a:t>triển</a:t>
+            </a:r>
+            <a:r>
+              <a:rPr lang="en-US" sz="1200" b="0" strike="noStrike" spc="-1" dirty="0">
+                <a:solidFill>
+                  <a:srgbClr val="000000"/>
+                </a:solidFill>
+                <a:latin typeface="Tahoma"/>
+                <a:ea typeface="Tahoma"/>
+              </a:rPr>
+              <a:t> </a:t>
+            </a:r>
+            <a:r>
+              <a:rPr lang="en-US" sz="1200" b="0" strike="noStrike" spc="-1" dirty="0" err="1">
+                <a:solidFill>
+                  <a:srgbClr val="000000"/>
+                </a:solidFill>
+                <a:latin typeface="Tahoma"/>
+                <a:ea typeface="Tahoma"/>
+              </a:rPr>
+              <a:t>nghề</a:t>
+            </a:r>
+            <a:r>
+              <a:rPr lang="en-US" sz="1200" b="0" strike="noStrike" spc="-1" dirty="0">
+                <a:solidFill>
+                  <a:srgbClr val="000000"/>
+                </a:solidFill>
+                <a:latin typeface="Tahoma"/>
+                <a:ea typeface="Tahoma"/>
+              </a:rPr>
+              <a:t> </a:t>
+            </a:r>
+            <a:r>
+              <a:rPr lang="en-US" sz="1200" b="0" strike="noStrike" spc="-1" dirty="0" err="1">
+                <a:solidFill>
+                  <a:srgbClr val="000000"/>
+                </a:solidFill>
+                <a:latin typeface="Tahoma"/>
+                <a:ea typeface="Tahoma"/>
+              </a:rPr>
+              <a:t>nghiệp</a:t>
+            </a:r>
+            <a:r>
+              <a:rPr lang="en-US" sz="1200" b="0" strike="noStrike" spc="-1" dirty="0">
+                <a:solidFill>
+                  <a:srgbClr val="000000"/>
+                </a:solidFill>
+                <a:latin typeface="Tahoma"/>
+                <a:ea typeface="Tahoma"/>
+              </a:rPr>
+              <a:t> </a:t>
+            </a:r>
+            <a:r>
+              <a:rPr lang="en-US" sz="1200" b="0" strike="noStrike" spc="-1" dirty="0" err="1">
+                <a:solidFill>
+                  <a:srgbClr val="000000"/>
+                </a:solidFill>
+                <a:latin typeface="Tahoma"/>
+                <a:ea typeface="Tahoma"/>
+              </a:rPr>
+              <a:t>dựa</a:t>
+            </a:r>
+            <a:r>
+              <a:rPr lang="en-US" sz="1200" b="0" strike="noStrike" spc="-1" dirty="0">
+                <a:solidFill>
+                  <a:srgbClr val="000000"/>
+                </a:solidFill>
+                <a:latin typeface="Tahoma"/>
+                <a:ea typeface="Tahoma"/>
+              </a:rPr>
+              <a:t> </a:t>
+            </a:r>
+            <a:r>
+              <a:rPr lang="en-US" sz="1200" b="0" strike="noStrike" spc="-1" dirty="0" err="1">
+                <a:solidFill>
+                  <a:srgbClr val="000000"/>
+                </a:solidFill>
+                <a:latin typeface="Tahoma"/>
+                <a:ea typeface="Tahoma"/>
+              </a:rPr>
+              <a:t>trên</a:t>
+            </a:r>
+            <a:r>
+              <a:rPr lang="en-US" sz="1200" b="0" strike="noStrike" spc="-1" dirty="0">
+                <a:solidFill>
+                  <a:srgbClr val="000000"/>
+                </a:solidFill>
+                <a:latin typeface="Tahoma"/>
+                <a:ea typeface="Tahoma"/>
+              </a:rPr>
+              <a:t> </a:t>
+            </a:r>
+            <a:r>
+              <a:rPr lang="en-US" sz="1200" b="0" strike="noStrike" spc="-1" dirty="0" err="1">
+                <a:solidFill>
+                  <a:srgbClr val="000000"/>
+                </a:solidFill>
+                <a:latin typeface="Tahoma"/>
+                <a:ea typeface="Tahoma"/>
+              </a:rPr>
+              <a:t>cơ</a:t>
+            </a:r>
+            <a:r>
+              <a:rPr lang="en-US" sz="1200" b="0" strike="noStrike" spc="-1" dirty="0">
+                <a:solidFill>
+                  <a:srgbClr val="000000"/>
+                </a:solidFill>
+                <a:latin typeface="Tahoma"/>
+                <a:ea typeface="Tahoma"/>
+              </a:rPr>
+              <a:t> </a:t>
+            </a:r>
+            <a:r>
+              <a:rPr lang="en-US" sz="1200" b="0" strike="noStrike" spc="-1" dirty="0" err="1">
+                <a:solidFill>
+                  <a:srgbClr val="000000"/>
+                </a:solidFill>
+                <a:latin typeface="Tahoma"/>
+                <a:ea typeface="Tahoma"/>
+              </a:rPr>
+              <a:t>sở</a:t>
+            </a:r>
+            <a:r>
+              <a:rPr lang="en-US" sz="1200" b="0" strike="noStrike" spc="-1" dirty="0">
+                <a:solidFill>
+                  <a:srgbClr val="000000"/>
+                </a:solidFill>
+                <a:latin typeface="Tahoma"/>
+                <a:ea typeface="Tahoma"/>
+              </a:rPr>
+              <a:t> </a:t>
+            </a:r>
+            <a:r>
+              <a:rPr lang="en-US" sz="1200" b="0" strike="noStrike" spc="-1" dirty="0" err="1">
+                <a:solidFill>
+                  <a:srgbClr val="000000"/>
+                </a:solidFill>
+                <a:latin typeface="Tahoma"/>
+                <a:ea typeface="Tahoma"/>
+              </a:rPr>
+              <a:t>một</a:t>
+            </a:r>
+            <a:r>
+              <a:rPr lang="en-US" sz="1200" b="0" strike="noStrike" spc="-1" dirty="0">
+                <a:solidFill>
+                  <a:srgbClr val="000000"/>
+                </a:solidFill>
+                <a:latin typeface="Tahoma"/>
+                <a:ea typeface="Tahoma"/>
+              </a:rPr>
+              <a:t> </a:t>
+            </a:r>
+            <a:r>
+              <a:rPr lang="en-US" sz="1200" b="0" strike="noStrike" spc="-1" dirty="0" err="1">
+                <a:solidFill>
+                  <a:srgbClr val="000000"/>
+                </a:solidFill>
+                <a:latin typeface="Tahoma"/>
+                <a:ea typeface="Tahoma"/>
+              </a:rPr>
+              <a:t>phần</a:t>
+            </a:r>
+            <a:r>
+              <a:rPr lang="en-US" sz="1200" b="0" strike="noStrike" spc="-1" dirty="0">
+                <a:solidFill>
+                  <a:srgbClr val="000000"/>
+                </a:solidFill>
+                <a:latin typeface="Tahoma"/>
+                <a:ea typeface="Tahoma"/>
+              </a:rPr>
+              <a:t> </a:t>
+            </a:r>
+            <a:r>
+              <a:rPr lang="en-US" sz="1200" b="0" strike="noStrike" spc="-1" dirty="0" err="1">
+                <a:solidFill>
+                  <a:srgbClr val="000000"/>
+                </a:solidFill>
+                <a:latin typeface="Tahoma"/>
+                <a:ea typeface="Tahoma"/>
+              </a:rPr>
+              <a:t>từ</a:t>
+            </a:r>
+            <a:r>
+              <a:rPr lang="en-US" sz="1200" b="0" strike="noStrike" spc="-1" dirty="0">
+                <a:solidFill>
+                  <a:srgbClr val="000000"/>
+                </a:solidFill>
+                <a:latin typeface="Tahoma"/>
+                <a:ea typeface="Tahoma"/>
+              </a:rPr>
+              <a:t> </a:t>
+            </a:r>
+            <a:r>
+              <a:rPr lang="en-US" sz="1200" b="0" strike="noStrike" spc="-1" dirty="0" err="1">
+                <a:solidFill>
+                  <a:srgbClr val="000000"/>
+                </a:solidFill>
+                <a:latin typeface="Tahoma"/>
+                <a:ea typeface="Tahoma"/>
+              </a:rPr>
+              <a:t>việc</a:t>
+            </a:r>
+            <a:r>
+              <a:rPr lang="en-US" sz="1200" b="0" strike="noStrike" spc="-1" dirty="0">
+                <a:solidFill>
+                  <a:srgbClr val="000000"/>
+                </a:solidFill>
+                <a:latin typeface="Tahoma"/>
+                <a:ea typeface="Tahoma"/>
+              </a:rPr>
+              <a:t> </a:t>
+            </a:r>
+            <a:r>
+              <a:rPr lang="en-US" sz="1200" b="0" strike="noStrike" spc="-1" dirty="0" err="1">
+                <a:solidFill>
+                  <a:srgbClr val="000000"/>
+                </a:solidFill>
+                <a:latin typeface="Tahoma"/>
+                <a:ea typeface="Tahoma"/>
+              </a:rPr>
+              <a:t>ứng</a:t>
+            </a:r>
+            <a:r>
+              <a:rPr lang="en-US" sz="1200" b="0" strike="noStrike" spc="-1" dirty="0">
+                <a:solidFill>
+                  <a:srgbClr val="000000"/>
+                </a:solidFill>
+                <a:latin typeface="Tahoma"/>
+                <a:ea typeface="Tahoma"/>
+              </a:rPr>
+              <a:t> </a:t>
+            </a:r>
+            <a:r>
+              <a:rPr lang="en-US" sz="1200" b="0" strike="noStrike" spc="-1" dirty="0" err="1">
+                <a:solidFill>
+                  <a:srgbClr val="000000"/>
+                </a:solidFill>
+                <a:latin typeface="Tahoma"/>
+                <a:ea typeface="Tahoma"/>
+              </a:rPr>
+              <a:t>dụng</a:t>
+            </a:r>
+            <a:r>
+              <a:rPr lang="en-US" sz="1200" b="0" strike="noStrike" spc="-1" dirty="0">
+                <a:solidFill>
+                  <a:srgbClr val="000000"/>
+                </a:solidFill>
+                <a:latin typeface="Tahoma"/>
+                <a:ea typeface="Tahoma"/>
+              </a:rPr>
+              <a:t> </a:t>
+            </a:r>
+            <a:r>
+              <a:rPr lang="en-US" sz="1200" b="0" strike="noStrike" spc="-1" dirty="0" err="1">
+                <a:solidFill>
+                  <a:srgbClr val="000000"/>
+                </a:solidFill>
+                <a:latin typeface="Tahoma"/>
+                <a:ea typeface="Tahoma"/>
+              </a:rPr>
+              <a:t>các</a:t>
+            </a:r>
+            <a:r>
+              <a:rPr lang="en-US" sz="1200" b="0" strike="noStrike" spc="-1" dirty="0">
+                <a:solidFill>
+                  <a:srgbClr val="000000"/>
+                </a:solidFill>
+                <a:latin typeface="Tahoma"/>
+                <a:ea typeface="Tahoma"/>
+              </a:rPr>
+              <a:t> </a:t>
+            </a:r>
+            <a:r>
+              <a:rPr lang="en-US" sz="1200" b="0" strike="noStrike" spc="-1" dirty="0" err="1">
+                <a:solidFill>
+                  <a:srgbClr val="000000"/>
+                </a:solidFill>
+                <a:latin typeface="Tahoma"/>
+                <a:ea typeface="Tahoma"/>
+              </a:rPr>
+              <a:t>công</a:t>
+            </a:r>
+            <a:r>
+              <a:rPr lang="en-US" sz="1200" b="0" strike="noStrike" spc="-1" dirty="0">
+                <a:solidFill>
+                  <a:srgbClr val="000000"/>
+                </a:solidFill>
+                <a:latin typeface="Tahoma"/>
+                <a:ea typeface="Tahoma"/>
+              </a:rPr>
+              <a:t> </a:t>
+            </a:r>
+            <a:r>
+              <a:rPr lang="en-US" sz="1200" b="0" strike="noStrike" spc="-1" dirty="0" err="1">
+                <a:solidFill>
+                  <a:srgbClr val="000000"/>
+                </a:solidFill>
+                <a:latin typeface="Tahoma"/>
+                <a:ea typeface="Tahoma"/>
+              </a:rPr>
+              <a:t>cụ</a:t>
+            </a:r>
+            <a:r>
+              <a:rPr lang="en-US" sz="1200" b="0" strike="noStrike" spc="-1" dirty="0">
+                <a:solidFill>
+                  <a:srgbClr val="000000"/>
+                </a:solidFill>
+                <a:latin typeface="Tahoma"/>
+                <a:ea typeface="Tahoma"/>
+              </a:rPr>
+              <a:t> </a:t>
+            </a:r>
+            <a:r>
+              <a:rPr lang="en-US" sz="1200" b="0" strike="noStrike" spc="-1" dirty="0" err="1">
+                <a:solidFill>
+                  <a:srgbClr val="000000"/>
+                </a:solidFill>
+                <a:latin typeface="Tahoma"/>
+                <a:ea typeface="Tahoma"/>
+              </a:rPr>
+              <a:t>trắc</a:t>
+            </a:r>
+            <a:r>
+              <a:rPr lang="en-US" sz="1200" b="0" strike="noStrike" spc="-1" dirty="0">
+                <a:solidFill>
+                  <a:srgbClr val="000000"/>
+                </a:solidFill>
+                <a:latin typeface="Tahoma"/>
+                <a:ea typeface="Tahoma"/>
+              </a:rPr>
+              <a:t> </a:t>
+            </a:r>
+            <a:r>
+              <a:rPr lang="en-US" sz="1200" b="0" strike="noStrike" spc="-1" dirty="0" err="1">
+                <a:solidFill>
+                  <a:srgbClr val="000000"/>
+                </a:solidFill>
+                <a:latin typeface="Tahoma"/>
+                <a:ea typeface="Tahoma"/>
+              </a:rPr>
+              <a:t>nghiệm</a:t>
+            </a:r>
+            <a:r>
+              <a:rPr lang="en-US" sz="1200" b="0" strike="noStrike" spc="-1" dirty="0">
+                <a:solidFill>
+                  <a:srgbClr val="000000"/>
+                </a:solidFill>
+                <a:latin typeface="Tahoma"/>
+                <a:ea typeface="Tahoma"/>
+              </a:rPr>
+              <a:t> </a:t>
+            </a:r>
+            <a:r>
+              <a:rPr lang="en-US" sz="1200" b="0" strike="noStrike" spc="-1" dirty="0" err="1">
+                <a:solidFill>
+                  <a:srgbClr val="000000"/>
+                </a:solidFill>
+                <a:latin typeface="Tahoma"/>
+                <a:ea typeface="Tahoma"/>
+              </a:rPr>
+              <a:t>cũng</a:t>
+            </a:r>
+            <a:r>
+              <a:rPr lang="en-US" sz="1200" b="0" strike="noStrike" spc="-1" dirty="0">
+                <a:solidFill>
+                  <a:srgbClr val="000000"/>
+                </a:solidFill>
+                <a:latin typeface="Tahoma"/>
+                <a:ea typeface="Tahoma"/>
+              </a:rPr>
+              <a:t> </a:t>
+            </a:r>
+            <a:r>
+              <a:rPr lang="en-US" sz="1200" b="0" strike="noStrike" spc="-1" dirty="0" err="1">
+                <a:solidFill>
+                  <a:srgbClr val="000000"/>
+                </a:solidFill>
+                <a:latin typeface="Tahoma"/>
+                <a:ea typeface="Tahoma"/>
+              </a:rPr>
+              <a:t>như</a:t>
+            </a:r>
+            <a:r>
+              <a:rPr lang="en-US" sz="1200" b="0" strike="noStrike" spc="-1" dirty="0">
+                <a:solidFill>
+                  <a:srgbClr val="000000"/>
+                </a:solidFill>
+                <a:latin typeface="Tahoma"/>
+                <a:ea typeface="Tahoma"/>
+              </a:rPr>
+              <a:t> </a:t>
+            </a:r>
+            <a:r>
+              <a:rPr lang="en-US" sz="1200" b="0" strike="noStrike" spc="-1" dirty="0" err="1">
+                <a:solidFill>
+                  <a:srgbClr val="000000"/>
+                </a:solidFill>
+                <a:latin typeface="Tahoma"/>
+                <a:ea typeface="Tahoma"/>
+              </a:rPr>
+              <a:t>các</a:t>
+            </a:r>
+            <a:r>
+              <a:rPr lang="en-US" sz="1200" b="0" strike="noStrike" spc="-1" dirty="0">
+                <a:solidFill>
+                  <a:srgbClr val="000000"/>
+                </a:solidFill>
+                <a:latin typeface="Tahoma"/>
+                <a:ea typeface="Tahoma"/>
+              </a:rPr>
+              <a:t> </a:t>
+            </a:r>
+            <a:r>
+              <a:rPr lang="en-US" sz="1200" b="0" strike="noStrike" spc="-1" dirty="0" err="1">
+                <a:solidFill>
+                  <a:srgbClr val="000000"/>
+                </a:solidFill>
+                <a:latin typeface="Tahoma"/>
+                <a:ea typeface="Tahoma"/>
+              </a:rPr>
+              <a:t>công</a:t>
+            </a:r>
+            <a:r>
+              <a:rPr lang="en-US" sz="1200" b="0" strike="noStrike" spc="-1" dirty="0">
+                <a:solidFill>
+                  <a:srgbClr val="000000"/>
+                </a:solidFill>
+                <a:latin typeface="Tahoma"/>
+                <a:ea typeface="Tahoma"/>
+              </a:rPr>
+              <a:t> </a:t>
+            </a:r>
+            <a:r>
+              <a:rPr lang="en-US" sz="1200" b="0" strike="noStrike" spc="-1" dirty="0" err="1">
+                <a:solidFill>
+                  <a:srgbClr val="000000"/>
+                </a:solidFill>
+                <a:latin typeface="Tahoma"/>
+                <a:ea typeface="Tahoma"/>
+              </a:rPr>
+              <a:t>trình</a:t>
+            </a:r>
+            <a:r>
+              <a:rPr lang="en-US" sz="1200" b="0" strike="noStrike" spc="-1" dirty="0">
+                <a:solidFill>
+                  <a:srgbClr val="000000"/>
+                </a:solidFill>
+                <a:latin typeface="Tahoma"/>
+                <a:ea typeface="Tahoma"/>
+              </a:rPr>
+              <a:t> </a:t>
+            </a:r>
+            <a:r>
+              <a:rPr lang="en-US" sz="1200" b="0" strike="noStrike" spc="-1" dirty="0" err="1">
+                <a:solidFill>
+                  <a:srgbClr val="000000"/>
+                </a:solidFill>
+                <a:latin typeface="Tahoma"/>
+                <a:ea typeface="Tahoma"/>
+              </a:rPr>
+              <a:t>nghiên</a:t>
+            </a:r>
+            <a:r>
+              <a:rPr lang="en-US" sz="1200" b="0" strike="noStrike" spc="-1" dirty="0">
+                <a:solidFill>
+                  <a:srgbClr val="000000"/>
+                </a:solidFill>
+                <a:latin typeface="Tahoma"/>
+                <a:ea typeface="Tahoma"/>
+              </a:rPr>
+              <a:t> </a:t>
+            </a:r>
+            <a:r>
+              <a:rPr lang="en-US" sz="1200" b="0" strike="noStrike" spc="-1" dirty="0" err="1">
+                <a:solidFill>
+                  <a:srgbClr val="000000"/>
+                </a:solidFill>
+                <a:latin typeface="Tahoma"/>
+                <a:ea typeface="Tahoma"/>
+              </a:rPr>
+              <a:t>cứu</a:t>
+            </a:r>
+            <a:r>
+              <a:rPr lang="en-US" sz="1200" b="0" strike="noStrike" spc="-1" dirty="0">
+                <a:solidFill>
+                  <a:srgbClr val="000000"/>
+                </a:solidFill>
+                <a:latin typeface="Tahoma"/>
+                <a:ea typeface="Tahoma"/>
+              </a:rPr>
+              <a:t> khoa </a:t>
+            </a:r>
+            <a:r>
+              <a:rPr lang="en-US" sz="1200" b="0" strike="noStrike" spc="-1" dirty="0" err="1">
+                <a:solidFill>
+                  <a:srgbClr val="000000"/>
+                </a:solidFill>
+                <a:latin typeface="Tahoma"/>
+                <a:ea typeface="Tahoma"/>
+              </a:rPr>
+              <a:t>học</a:t>
+            </a:r>
+            <a:r>
+              <a:rPr lang="en-US" sz="1200" b="0" strike="noStrike" spc="-1" dirty="0">
+                <a:solidFill>
+                  <a:srgbClr val="000000"/>
+                </a:solidFill>
+                <a:latin typeface="Tahoma"/>
+                <a:ea typeface="Tahoma"/>
+              </a:rPr>
+              <a:t>. </a:t>
+            </a:r>
+            <a:r>
+              <a:rPr lang="en-US" sz="1200" b="0" strike="noStrike" spc="-1" dirty="0" err="1">
+                <a:solidFill>
+                  <a:srgbClr val="000000"/>
+                </a:solidFill>
+                <a:latin typeface="Tahoma"/>
+                <a:ea typeface="Tahoma"/>
+              </a:rPr>
+              <a:t>Bài</a:t>
+            </a:r>
+            <a:r>
+              <a:rPr lang="en-US" sz="1200" b="0" strike="noStrike" spc="-1" dirty="0">
+                <a:solidFill>
+                  <a:srgbClr val="000000"/>
+                </a:solidFill>
+                <a:latin typeface="Tahoma"/>
+                <a:ea typeface="Tahoma"/>
+              </a:rPr>
+              <a:t> </a:t>
+            </a:r>
+            <a:r>
+              <a:rPr lang="en-US" sz="1200" b="0" strike="noStrike" spc="-1" dirty="0" err="1">
+                <a:solidFill>
+                  <a:srgbClr val="000000"/>
+                </a:solidFill>
+                <a:latin typeface="Tahoma"/>
+                <a:ea typeface="Tahoma"/>
+              </a:rPr>
+              <a:t>báo</a:t>
+            </a:r>
+            <a:r>
+              <a:rPr lang="en-US" sz="1200" b="0" strike="noStrike" spc="-1" dirty="0">
+                <a:solidFill>
+                  <a:srgbClr val="000000"/>
+                </a:solidFill>
+                <a:latin typeface="Tahoma"/>
+                <a:ea typeface="Tahoma"/>
+              </a:rPr>
+              <a:t> </a:t>
+            </a:r>
+            <a:r>
+              <a:rPr lang="en-US" sz="1200" b="0" strike="noStrike" spc="-1" dirty="0" err="1">
+                <a:solidFill>
+                  <a:srgbClr val="000000"/>
+                </a:solidFill>
+                <a:latin typeface="Tahoma"/>
+                <a:ea typeface="Tahoma"/>
+              </a:rPr>
+              <a:t>cáo</a:t>
+            </a:r>
+            <a:r>
+              <a:rPr lang="en-US" sz="1200" b="0" strike="noStrike" spc="-1" dirty="0">
+                <a:solidFill>
+                  <a:srgbClr val="000000"/>
+                </a:solidFill>
+                <a:latin typeface="Tahoma"/>
+                <a:ea typeface="Tahoma"/>
+              </a:rPr>
+              <a:t> </a:t>
+            </a:r>
+            <a:r>
+              <a:rPr lang="en-US" sz="1200" b="0" strike="noStrike" spc="-1" dirty="0" err="1">
+                <a:solidFill>
+                  <a:srgbClr val="000000"/>
+                </a:solidFill>
+                <a:latin typeface="Tahoma"/>
+                <a:ea typeface="Tahoma"/>
+              </a:rPr>
+              <a:t>này</a:t>
+            </a:r>
+            <a:r>
+              <a:rPr lang="en-US" sz="1200" b="0" strike="noStrike" spc="-1" dirty="0">
+                <a:solidFill>
+                  <a:srgbClr val="000000"/>
+                </a:solidFill>
+                <a:latin typeface="Tahoma"/>
+                <a:ea typeface="Tahoma"/>
+              </a:rPr>
+              <a:t> </a:t>
+            </a:r>
+            <a:r>
+              <a:rPr lang="en-US" sz="1200" b="0" strike="noStrike" spc="-1" dirty="0" err="1">
+                <a:solidFill>
+                  <a:srgbClr val="000000"/>
+                </a:solidFill>
+                <a:latin typeface="Tahoma"/>
+                <a:ea typeface="Tahoma"/>
+              </a:rPr>
+              <a:t>dựa</a:t>
+            </a:r>
+            <a:r>
+              <a:rPr lang="en-US" sz="1200" b="0" strike="noStrike" spc="-1" dirty="0">
+                <a:solidFill>
+                  <a:srgbClr val="000000"/>
+                </a:solidFill>
+                <a:latin typeface="Tahoma"/>
+                <a:ea typeface="Tahoma"/>
+              </a:rPr>
+              <a:t> </a:t>
+            </a:r>
+            <a:r>
+              <a:rPr lang="en-US" sz="1200" b="0" strike="noStrike" spc="-1" dirty="0" err="1">
+                <a:solidFill>
+                  <a:srgbClr val="000000"/>
+                </a:solidFill>
+                <a:latin typeface="Tahoma"/>
+                <a:ea typeface="Tahoma"/>
+              </a:rPr>
+              <a:t>trên</a:t>
+            </a:r>
+            <a:r>
+              <a:rPr lang="en-US" sz="1200" b="0" strike="noStrike" spc="-1" dirty="0">
+                <a:solidFill>
+                  <a:srgbClr val="000000"/>
+                </a:solidFill>
+                <a:latin typeface="Tahoma"/>
+                <a:ea typeface="Tahoma"/>
+              </a:rPr>
+              <a:t> </a:t>
+            </a:r>
+            <a:r>
+              <a:rPr lang="en-US" sz="1200" b="0" strike="noStrike" spc="-1" dirty="0" err="1">
+                <a:solidFill>
+                  <a:srgbClr val="000000"/>
+                </a:solidFill>
+                <a:latin typeface="Tahoma"/>
+                <a:ea typeface="Tahoma"/>
+              </a:rPr>
+              <a:t>việc</a:t>
+            </a:r>
+            <a:r>
+              <a:rPr lang="en-US" sz="1200" b="0" strike="noStrike" spc="-1" dirty="0">
+                <a:solidFill>
+                  <a:srgbClr val="000000"/>
+                </a:solidFill>
+                <a:latin typeface="Tahoma"/>
+                <a:ea typeface="Tahoma"/>
+              </a:rPr>
+              <a:t> </a:t>
+            </a:r>
+            <a:r>
+              <a:rPr lang="en-US" sz="1200" b="0" strike="noStrike" spc="-1" dirty="0" err="1">
+                <a:solidFill>
+                  <a:srgbClr val="000000"/>
+                </a:solidFill>
+                <a:latin typeface="Tahoma"/>
+                <a:ea typeface="Tahoma"/>
+              </a:rPr>
+              <a:t>ứng</a:t>
+            </a:r>
+            <a:r>
+              <a:rPr lang="en-US" sz="1200" b="0" strike="noStrike" spc="-1" dirty="0">
+                <a:solidFill>
+                  <a:srgbClr val="000000"/>
+                </a:solidFill>
+                <a:latin typeface="Tahoma"/>
+                <a:ea typeface="Tahoma"/>
+              </a:rPr>
+              <a:t> </a:t>
+            </a:r>
+            <a:r>
+              <a:rPr lang="en-US" sz="1200" b="0" strike="noStrike" spc="-1" dirty="0" err="1">
+                <a:solidFill>
+                  <a:srgbClr val="000000"/>
+                </a:solidFill>
+                <a:latin typeface="Tahoma"/>
+                <a:ea typeface="Tahoma"/>
+              </a:rPr>
+              <a:t>dụng</a:t>
+            </a:r>
+            <a:r>
+              <a:rPr lang="en-US" sz="1200" b="0" strike="noStrike" spc="-1" dirty="0">
+                <a:solidFill>
+                  <a:srgbClr val="000000"/>
+                </a:solidFill>
+                <a:latin typeface="Tahoma"/>
+                <a:ea typeface="Tahoma"/>
+              </a:rPr>
+              <a:t> </a:t>
+            </a:r>
+            <a:r>
+              <a:rPr lang="en-US" sz="1200" b="0" strike="noStrike" spc="-1" dirty="0" err="1">
+                <a:solidFill>
+                  <a:srgbClr val="000000"/>
+                </a:solidFill>
+                <a:latin typeface="Tahoma"/>
+                <a:ea typeface="Tahoma"/>
+              </a:rPr>
+              <a:t>Thần</a:t>
+            </a:r>
+            <a:r>
+              <a:rPr lang="en-US" sz="1200" b="0" strike="noStrike" spc="-1" dirty="0">
+                <a:solidFill>
+                  <a:srgbClr val="000000"/>
+                </a:solidFill>
+                <a:latin typeface="Tahoma"/>
+                <a:ea typeface="Tahoma"/>
+              </a:rPr>
+              <a:t> </a:t>
+            </a:r>
+            <a:r>
+              <a:rPr lang="en-US" sz="1200" b="0" strike="noStrike" spc="-1" dirty="0" err="1">
+                <a:solidFill>
+                  <a:srgbClr val="000000"/>
+                </a:solidFill>
+                <a:latin typeface="Tahoma"/>
+                <a:ea typeface="Tahoma"/>
+              </a:rPr>
+              <a:t>số</a:t>
+            </a:r>
+            <a:r>
+              <a:rPr lang="en-US" sz="1200" b="0" strike="noStrike" spc="-1" dirty="0">
+                <a:solidFill>
+                  <a:srgbClr val="000000"/>
+                </a:solidFill>
+                <a:latin typeface="Tahoma"/>
+                <a:ea typeface="Tahoma"/>
+              </a:rPr>
+              <a:t> </a:t>
+            </a:r>
+            <a:r>
+              <a:rPr lang="en-US" sz="1200" b="0" strike="noStrike" spc="-1" dirty="0" err="1">
+                <a:solidFill>
+                  <a:srgbClr val="000000"/>
+                </a:solidFill>
+                <a:latin typeface="Tahoma"/>
+                <a:ea typeface="Tahoma"/>
+              </a:rPr>
+              <a:t>học</a:t>
+            </a:r>
+            <a:r>
+              <a:rPr lang="en-US" sz="1200" b="0" strike="noStrike" spc="-1" dirty="0">
+                <a:solidFill>
+                  <a:srgbClr val="000000"/>
+                </a:solidFill>
+                <a:latin typeface="Tahoma"/>
+                <a:ea typeface="Tahoma"/>
+              </a:rPr>
+              <a:t> </a:t>
+            </a:r>
+            <a:r>
+              <a:rPr lang="en-US" sz="1200" b="0" strike="noStrike" spc="-1" dirty="0" err="1">
+                <a:solidFill>
+                  <a:srgbClr val="000000"/>
+                </a:solidFill>
+                <a:latin typeface="Tahoma"/>
+                <a:ea typeface="Tahoma"/>
+              </a:rPr>
+              <a:t>phương</a:t>
+            </a:r>
+            <a:r>
+              <a:rPr lang="en-US" sz="1200" b="0" strike="noStrike" spc="-1" dirty="0">
+                <a:solidFill>
+                  <a:srgbClr val="000000"/>
+                </a:solidFill>
+                <a:latin typeface="Tahoma"/>
+                <a:ea typeface="Tahoma"/>
+              </a:rPr>
+              <a:t> </a:t>
+            </a:r>
+            <a:r>
+              <a:rPr lang="en-US" sz="1200" b="0" strike="noStrike" spc="-1" dirty="0" err="1">
+                <a:solidFill>
+                  <a:srgbClr val="000000"/>
+                </a:solidFill>
+                <a:latin typeface="Tahoma"/>
+                <a:ea typeface="Tahoma"/>
+              </a:rPr>
+              <a:t>Tây</a:t>
+            </a:r>
+            <a:r>
+              <a:rPr lang="en-US" sz="1200" b="0" strike="noStrike" spc="-1" dirty="0">
+                <a:solidFill>
+                  <a:srgbClr val="000000"/>
+                </a:solidFill>
+                <a:latin typeface="Tahoma"/>
+                <a:ea typeface="Tahoma"/>
+              </a:rPr>
+              <a:t> </a:t>
+            </a:r>
+            <a:r>
+              <a:rPr lang="en-US" sz="1200" b="0" strike="noStrike" spc="-1" dirty="0" err="1">
+                <a:solidFill>
+                  <a:srgbClr val="000000"/>
+                </a:solidFill>
+                <a:latin typeface="Tahoma"/>
+                <a:ea typeface="Tahoma"/>
+              </a:rPr>
+              <a:t>được</a:t>
+            </a:r>
+            <a:r>
+              <a:rPr lang="en-US" sz="1200" b="0" strike="noStrike" spc="-1" dirty="0">
+                <a:solidFill>
+                  <a:srgbClr val="000000"/>
+                </a:solidFill>
+                <a:latin typeface="Tahoma"/>
+                <a:ea typeface="Tahoma"/>
+              </a:rPr>
+              <a:t> </a:t>
+            </a:r>
+            <a:r>
+              <a:rPr lang="en-US" sz="1200" b="0" strike="noStrike" spc="-1" dirty="0" err="1">
+                <a:solidFill>
+                  <a:srgbClr val="000000"/>
+                </a:solidFill>
+                <a:latin typeface="Tahoma"/>
+                <a:ea typeface="Tahoma"/>
+              </a:rPr>
+              <a:t>sáng</a:t>
+            </a:r>
+            <a:r>
+              <a:rPr lang="en-US" sz="1200" b="0" strike="noStrike" spc="-1" dirty="0">
+                <a:solidFill>
+                  <a:srgbClr val="000000"/>
+                </a:solidFill>
+                <a:latin typeface="Tahoma"/>
+                <a:ea typeface="Tahoma"/>
+              </a:rPr>
+              <a:t> </a:t>
+            </a:r>
+            <a:r>
+              <a:rPr lang="en-US" sz="1200" b="0" strike="noStrike" spc="-1" dirty="0" err="1">
+                <a:solidFill>
+                  <a:srgbClr val="000000"/>
+                </a:solidFill>
+                <a:latin typeface="Tahoma"/>
+                <a:ea typeface="Tahoma"/>
+              </a:rPr>
+              <a:t>tạo</a:t>
+            </a:r>
+            <a:r>
+              <a:rPr lang="en-US" sz="1200" b="0" strike="noStrike" spc="-1" dirty="0">
+                <a:solidFill>
+                  <a:srgbClr val="000000"/>
+                </a:solidFill>
+                <a:latin typeface="Tahoma"/>
+                <a:ea typeface="Tahoma"/>
+              </a:rPr>
+              <a:t> </a:t>
+            </a:r>
+            <a:r>
+              <a:rPr lang="en-US" sz="1200" b="0" strike="noStrike" spc="-1" dirty="0" err="1">
+                <a:solidFill>
+                  <a:srgbClr val="000000"/>
+                </a:solidFill>
+                <a:latin typeface="Tahoma"/>
+                <a:ea typeface="Tahoma"/>
+              </a:rPr>
+              <a:t>bởi</a:t>
+            </a:r>
+            <a:r>
+              <a:rPr lang="en-US" sz="1200" b="0" strike="noStrike" spc="-1" dirty="0">
+                <a:solidFill>
+                  <a:srgbClr val="000000"/>
+                </a:solidFill>
+                <a:latin typeface="Tahoma"/>
+                <a:ea typeface="Tahoma"/>
+              </a:rPr>
+              <a:t> </a:t>
+            </a:r>
+            <a:r>
+              <a:rPr lang="en-US" sz="1200" b="0" strike="noStrike" spc="-1" dirty="0" err="1">
+                <a:solidFill>
+                  <a:srgbClr val="000000"/>
+                </a:solidFill>
+                <a:latin typeface="Tahoma"/>
+                <a:ea typeface="Tahoma"/>
+              </a:rPr>
+              <a:t>triết</a:t>
+            </a:r>
+            <a:r>
+              <a:rPr lang="en-US" sz="1200" b="0" strike="noStrike" spc="-1" dirty="0">
+                <a:solidFill>
+                  <a:srgbClr val="000000"/>
+                </a:solidFill>
+                <a:latin typeface="Tahoma"/>
+                <a:ea typeface="Tahoma"/>
+              </a:rPr>
+              <a:t> </a:t>
+            </a:r>
+            <a:r>
+              <a:rPr lang="en-US" sz="1200" b="0" strike="noStrike" spc="-1" dirty="0" err="1">
+                <a:solidFill>
+                  <a:srgbClr val="000000"/>
+                </a:solidFill>
+                <a:latin typeface="Tahoma"/>
+                <a:ea typeface="Tahoma"/>
+              </a:rPr>
+              <a:t>gia</a:t>
+            </a:r>
+            <a:r>
+              <a:rPr lang="en-US" sz="1200" b="0" strike="noStrike" spc="-1" dirty="0">
+                <a:solidFill>
+                  <a:srgbClr val="000000"/>
+                </a:solidFill>
+                <a:latin typeface="Tahoma"/>
+                <a:ea typeface="Tahoma"/>
+              </a:rPr>
+              <a:t> </a:t>
+            </a:r>
+            <a:r>
+              <a:rPr lang="en-US" sz="1200" b="0" strike="noStrike" spc="-1" dirty="0" err="1">
+                <a:solidFill>
+                  <a:srgbClr val="000000"/>
+                </a:solidFill>
+                <a:latin typeface="Tahoma"/>
+                <a:ea typeface="Tahoma"/>
+              </a:rPr>
+              <a:t>và</a:t>
+            </a:r>
+            <a:r>
+              <a:rPr lang="en-US" sz="1200" b="0" strike="noStrike" spc="-1" dirty="0">
+                <a:solidFill>
+                  <a:srgbClr val="000000"/>
+                </a:solidFill>
+                <a:latin typeface="Tahoma"/>
+                <a:ea typeface="Tahoma"/>
+              </a:rPr>
+              <a:t> </a:t>
+            </a:r>
+            <a:r>
+              <a:rPr lang="en-US" sz="1200" b="0" strike="noStrike" spc="-1" dirty="0" err="1">
+                <a:solidFill>
+                  <a:srgbClr val="000000"/>
+                </a:solidFill>
+                <a:latin typeface="Tahoma"/>
+                <a:ea typeface="Tahoma"/>
+              </a:rPr>
+              <a:t>nhà</a:t>
+            </a:r>
+            <a:r>
+              <a:rPr lang="en-US" sz="1200" b="0" strike="noStrike" spc="-1" dirty="0">
+                <a:solidFill>
+                  <a:srgbClr val="000000"/>
+                </a:solidFill>
+                <a:latin typeface="Tahoma"/>
+                <a:ea typeface="Tahoma"/>
+              </a:rPr>
+              <a:t> </a:t>
+            </a:r>
+            <a:r>
+              <a:rPr lang="en-US" sz="1200" b="0" strike="noStrike" spc="-1" dirty="0" err="1">
+                <a:solidFill>
+                  <a:srgbClr val="000000"/>
+                </a:solidFill>
+                <a:latin typeface="Tahoma"/>
+                <a:ea typeface="Tahoma"/>
+              </a:rPr>
+              <a:t>toán</a:t>
+            </a:r>
+            <a:r>
+              <a:rPr lang="en-US" sz="1200" b="0" strike="noStrike" spc="-1" dirty="0">
+                <a:solidFill>
+                  <a:srgbClr val="000000"/>
+                </a:solidFill>
+                <a:latin typeface="Tahoma"/>
+                <a:ea typeface="Tahoma"/>
+              </a:rPr>
+              <a:t> </a:t>
+            </a:r>
+            <a:r>
+              <a:rPr lang="en-US" sz="1200" b="0" strike="noStrike" spc="-1" dirty="0" err="1">
+                <a:solidFill>
+                  <a:srgbClr val="000000"/>
+                </a:solidFill>
+                <a:latin typeface="Tahoma"/>
+                <a:ea typeface="Tahoma"/>
+              </a:rPr>
+              <a:t>học</a:t>
+            </a:r>
+            <a:r>
+              <a:rPr lang="en-US" sz="1200" b="0" strike="noStrike" spc="-1" dirty="0">
+                <a:solidFill>
+                  <a:srgbClr val="000000"/>
+                </a:solidFill>
+                <a:latin typeface="Tahoma"/>
+                <a:ea typeface="Tahoma"/>
+              </a:rPr>
+              <a:t> Hy </a:t>
+            </a:r>
+            <a:r>
+              <a:rPr lang="en-US" sz="1200" b="0" strike="noStrike" spc="-1" dirty="0" err="1">
+                <a:solidFill>
+                  <a:srgbClr val="000000"/>
+                </a:solidFill>
+                <a:latin typeface="Tahoma"/>
+                <a:ea typeface="Tahoma"/>
+              </a:rPr>
+              <a:t>Lạp</a:t>
+            </a:r>
+            <a:r>
+              <a:rPr lang="en-US" sz="1200" b="0" strike="noStrike" spc="-1" dirty="0">
+                <a:solidFill>
+                  <a:srgbClr val="000000"/>
+                </a:solidFill>
+                <a:latin typeface="Tahoma"/>
+                <a:ea typeface="Tahoma"/>
+              </a:rPr>
+              <a:t> Pythagoras </a:t>
+            </a:r>
+            <a:r>
+              <a:rPr lang="en-US" sz="1200" b="0" strike="noStrike" spc="-1" dirty="0" err="1">
+                <a:solidFill>
+                  <a:srgbClr val="000000"/>
+                </a:solidFill>
+                <a:latin typeface="Tahoma"/>
+                <a:ea typeface="Tahoma"/>
+              </a:rPr>
+              <a:t>cách</a:t>
+            </a:r>
+            <a:r>
+              <a:rPr lang="en-US" sz="1200" b="0" strike="noStrike" spc="-1" dirty="0">
+                <a:solidFill>
+                  <a:srgbClr val="000000"/>
+                </a:solidFill>
+                <a:latin typeface="Tahoma"/>
+                <a:ea typeface="Tahoma"/>
+              </a:rPr>
+              <a:t> </a:t>
+            </a:r>
+            <a:r>
+              <a:rPr lang="en-US" sz="1200" b="0" strike="noStrike" spc="-1" dirty="0" err="1">
+                <a:solidFill>
+                  <a:srgbClr val="000000"/>
+                </a:solidFill>
+                <a:latin typeface="Tahoma"/>
+                <a:ea typeface="Tahoma"/>
+              </a:rPr>
+              <a:t>đây</a:t>
+            </a:r>
+            <a:r>
+              <a:rPr lang="en-US" sz="1200" b="0" strike="noStrike" spc="-1" dirty="0">
+                <a:solidFill>
+                  <a:srgbClr val="000000"/>
+                </a:solidFill>
+                <a:latin typeface="Tahoma"/>
+                <a:ea typeface="Tahoma"/>
+              </a:rPr>
+              <a:t> </a:t>
+            </a:r>
+            <a:r>
+              <a:rPr lang="en-US" sz="1200" b="0" strike="noStrike" spc="-1" dirty="0" err="1">
+                <a:solidFill>
+                  <a:srgbClr val="000000"/>
+                </a:solidFill>
+                <a:latin typeface="Tahoma"/>
+                <a:ea typeface="Tahoma"/>
+              </a:rPr>
+              <a:t>hơn</a:t>
+            </a:r>
+            <a:r>
+              <a:rPr lang="en-US" sz="1200" b="0" strike="noStrike" spc="-1" dirty="0">
+                <a:solidFill>
+                  <a:srgbClr val="000000"/>
+                </a:solidFill>
+                <a:latin typeface="Tahoma"/>
+                <a:ea typeface="Tahoma"/>
+              </a:rPr>
+              <a:t> 2500 </a:t>
+            </a:r>
+            <a:r>
+              <a:rPr lang="en-US" sz="1200" b="0" strike="noStrike" spc="-1" dirty="0" err="1">
+                <a:solidFill>
+                  <a:srgbClr val="000000"/>
+                </a:solidFill>
+                <a:latin typeface="Tahoma"/>
+                <a:ea typeface="Tahoma"/>
+              </a:rPr>
+              <a:t>năm</a:t>
+            </a:r>
+            <a:r>
+              <a:rPr lang="en-US" sz="1200" b="0" strike="noStrike" spc="-1" dirty="0">
+                <a:solidFill>
+                  <a:srgbClr val="000000"/>
+                </a:solidFill>
+                <a:latin typeface="Tahoma"/>
+                <a:ea typeface="Tahoma"/>
+              </a:rPr>
+              <a:t>. </a:t>
+            </a:r>
+            <a:r>
+              <a:rPr lang="en-US" sz="1200" b="0" strike="noStrike" spc="-1" dirty="0" err="1">
+                <a:solidFill>
+                  <a:srgbClr val="000000"/>
+                </a:solidFill>
+                <a:latin typeface="Tahoma"/>
+                <a:ea typeface="Tahoma"/>
+              </a:rPr>
+              <a:t>Toàn</a:t>
+            </a:r>
+            <a:r>
+              <a:rPr lang="en-US" sz="1200" b="0" strike="noStrike" spc="-1" dirty="0">
+                <a:solidFill>
+                  <a:srgbClr val="000000"/>
+                </a:solidFill>
+                <a:latin typeface="Tahoma"/>
+                <a:ea typeface="Tahoma"/>
+              </a:rPr>
+              <a:t> </a:t>
+            </a:r>
+            <a:r>
+              <a:rPr lang="en-US" sz="1200" b="0" strike="noStrike" spc="-1" dirty="0" err="1">
+                <a:solidFill>
+                  <a:srgbClr val="000000"/>
+                </a:solidFill>
+                <a:latin typeface="Tahoma"/>
+                <a:ea typeface="Tahoma"/>
+              </a:rPr>
+              <a:t>bộ</a:t>
+            </a:r>
+            <a:r>
+              <a:rPr lang="en-US" sz="1200" b="0" strike="noStrike" spc="-1" dirty="0">
+                <a:solidFill>
+                  <a:srgbClr val="000000"/>
+                </a:solidFill>
+                <a:latin typeface="Tahoma"/>
+                <a:ea typeface="Tahoma"/>
+              </a:rPr>
+              <a:t> </a:t>
+            </a:r>
+            <a:r>
+              <a:rPr lang="en-US" sz="1200" b="0" strike="noStrike" spc="-1" dirty="0" err="1">
+                <a:solidFill>
+                  <a:srgbClr val="000000"/>
+                </a:solidFill>
+                <a:latin typeface="Tahoma"/>
+                <a:ea typeface="Tahoma"/>
+              </a:rPr>
+              <a:t>thông</a:t>
+            </a:r>
+            <a:r>
+              <a:rPr lang="en-US" sz="1200" b="0" strike="noStrike" spc="-1" dirty="0">
+                <a:solidFill>
+                  <a:srgbClr val="000000"/>
+                </a:solidFill>
+                <a:latin typeface="Tahoma"/>
+                <a:ea typeface="Tahoma"/>
+              </a:rPr>
+              <a:t> tin </a:t>
+            </a:r>
+            <a:r>
+              <a:rPr lang="en-US" sz="1200" b="0" strike="noStrike" spc="-1" dirty="0" err="1">
+                <a:solidFill>
+                  <a:srgbClr val="000000"/>
+                </a:solidFill>
+                <a:latin typeface="Tahoma"/>
+                <a:ea typeface="Tahoma"/>
+              </a:rPr>
+              <a:t>được</a:t>
+            </a:r>
+            <a:r>
+              <a:rPr lang="en-US" sz="1200" b="0" strike="noStrike" spc="-1" dirty="0">
+                <a:solidFill>
+                  <a:srgbClr val="000000"/>
+                </a:solidFill>
+                <a:latin typeface="Tahoma"/>
+                <a:ea typeface="Tahoma"/>
+              </a:rPr>
+              <a:t> </a:t>
+            </a:r>
+            <a:r>
+              <a:rPr lang="en-US" sz="1200" b="0" strike="noStrike" spc="-1" dirty="0" err="1">
+                <a:solidFill>
+                  <a:srgbClr val="000000"/>
+                </a:solidFill>
+                <a:latin typeface="Tahoma"/>
+                <a:ea typeface="Tahoma"/>
+              </a:rPr>
+              <a:t>dựa</a:t>
+            </a:r>
+            <a:r>
+              <a:rPr lang="en-US" sz="1200" b="0" strike="noStrike" spc="-1" dirty="0">
+                <a:solidFill>
+                  <a:srgbClr val="000000"/>
+                </a:solidFill>
+                <a:latin typeface="Tahoma"/>
+                <a:ea typeface="Tahoma"/>
+              </a:rPr>
+              <a:t> </a:t>
+            </a:r>
+            <a:r>
+              <a:rPr lang="en-US" sz="1200" b="0" strike="noStrike" spc="-1" dirty="0" err="1">
+                <a:solidFill>
+                  <a:srgbClr val="000000"/>
+                </a:solidFill>
+                <a:latin typeface="Tahoma"/>
+                <a:ea typeface="Tahoma"/>
+              </a:rPr>
+              <a:t>trên</a:t>
+            </a:r>
+            <a:r>
+              <a:rPr lang="en-US" sz="1200" b="0" strike="noStrike" spc="-1" dirty="0">
+                <a:solidFill>
+                  <a:srgbClr val="000000"/>
+                </a:solidFill>
+                <a:latin typeface="Tahoma"/>
+                <a:ea typeface="Tahoma"/>
+              </a:rPr>
+              <a:t> </a:t>
+            </a:r>
+            <a:r>
+              <a:rPr lang="en-US" sz="1200" b="0" strike="noStrike" spc="-1" dirty="0" err="1">
+                <a:solidFill>
+                  <a:srgbClr val="000000"/>
+                </a:solidFill>
+                <a:latin typeface="Tahoma"/>
+                <a:ea typeface="Tahoma"/>
+              </a:rPr>
+              <a:t>ngày</a:t>
+            </a:r>
+            <a:r>
+              <a:rPr lang="en-US" sz="1200" b="0" strike="noStrike" spc="-1" dirty="0">
+                <a:solidFill>
+                  <a:srgbClr val="000000"/>
+                </a:solidFill>
+                <a:latin typeface="Tahoma"/>
+                <a:ea typeface="Tahoma"/>
+              </a:rPr>
+              <a:t> </a:t>
+            </a:r>
+            <a:r>
+              <a:rPr lang="en-US" sz="1200" b="0" strike="noStrike" spc="-1" dirty="0" err="1">
+                <a:solidFill>
+                  <a:srgbClr val="000000"/>
+                </a:solidFill>
+                <a:latin typeface="Tahoma"/>
+                <a:ea typeface="Tahoma"/>
+              </a:rPr>
+              <a:t>sinh</a:t>
+            </a:r>
+            <a:r>
+              <a:rPr lang="en-US" sz="1200" b="0" strike="noStrike" spc="-1" dirty="0">
+                <a:solidFill>
+                  <a:srgbClr val="000000"/>
+                </a:solidFill>
+                <a:latin typeface="Tahoma"/>
+                <a:ea typeface="Tahoma"/>
+              </a:rPr>
+              <a:t> </a:t>
+            </a:r>
+            <a:r>
+              <a:rPr lang="en-US" sz="1200" b="0" strike="noStrike" spc="-1" dirty="0" err="1">
+                <a:solidFill>
+                  <a:srgbClr val="000000"/>
+                </a:solidFill>
+                <a:latin typeface="Tahoma"/>
+                <a:ea typeface="Tahoma"/>
+              </a:rPr>
+              <a:t>và</a:t>
+            </a:r>
+            <a:r>
+              <a:rPr lang="en-US" sz="1200" b="0" strike="noStrike" spc="-1" dirty="0">
+                <a:solidFill>
+                  <a:srgbClr val="000000"/>
+                </a:solidFill>
+                <a:latin typeface="Tahoma"/>
+                <a:ea typeface="Tahoma"/>
+              </a:rPr>
+              <a:t> </a:t>
+            </a:r>
+            <a:r>
+              <a:rPr lang="en-US" sz="1200" b="0" strike="noStrike" spc="-1" dirty="0" err="1">
+                <a:solidFill>
+                  <a:srgbClr val="000000"/>
+                </a:solidFill>
+                <a:latin typeface="Tahoma"/>
+                <a:ea typeface="Tahoma"/>
+              </a:rPr>
+              <a:t>tên</a:t>
+            </a:r>
+            <a:r>
+              <a:rPr lang="en-US" sz="1200" b="0" strike="noStrike" spc="-1" dirty="0">
+                <a:solidFill>
+                  <a:srgbClr val="000000"/>
+                </a:solidFill>
+                <a:latin typeface="Tahoma"/>
+                <a:ea typeface="Tahoma"/>
+              </a:rPr>
+              <a:t> </a:t>
+            </a:r>
+            <a:r>
+              <a:rPr lang="en-US" sz="1200" b="0" strike="noStrike" spc="-1" dirty="0" err="1">
+                <a:solidFill>
+                  <a:srgbClr val="000000"/>
+                </a:solidFill>
+                <a:latin typeface="Tahoma"/>
+                <a:ea typeface="Tahoma"/>
+              </a:rPr>
+              <a:t>gọi</a:t>
+            </a:r>
+            <a:r>
+              <a:rPr lang="en-US" sz="1200" b="0" strike="noStrike" spc="-1" dirty="0">
+                <a:solidFill>
+                  <a:srgbClr val="000000"/>
+                </a:solidFill>
+                <a:latin typeface="Tahoma"/>
+                <a:ea typeface="Tahoma"/>
+              </a:rPr>
+              <a:t> </a:t>
+            </a:r>
+            <a:r>
+              <a:rPr lang="en-US" sz="1200" b="0" strike="noStrike" spc="-1" dirty="0" err="1">
+                <a:solidFill>
+                  <a:srgbClr val="000000"/>
+                </a:solidFill>
+                <a:latin typeface="Tahoma"/>
+                <a:ea typeface="Tahoma"/>
+              </a:rPr>
+              <a:t>của</a:t>
+            </a:r>
+            <a:r>
+              <a:rPr lang="en-US" sz="1200" b="0" strike="noStrike" spc="-1" dirty="0">
+                <a:solidFill>
+                  <a:srgbClr val="000000"/>
+                </a:solidFill>
+                <a:latin typeface="Tahoma"/>
+                <a:ea typeface="Tahoma"/>
+              </a:rPr>
+              <a:t> </a:t>
+            </a:r>
+            <a:r>
+              <a:rPr lang="en-US" sz="1200" b="0" strike="noStrike" spc="-1" dirty="0" err="1">
+                <a:solidFill>
+                  <a:srgbClr val="000000"/>
+                </a:solidFill>
+                <a:latin typeface="Tahoma"/>
+                <a:ea typeface="Tahoma"/>
+              </a:rPr>
+              <a:t>mỗi</a:t>
+            </a:r>
+            <a:r>
+              <a:rPr lang="en-US" sz="1200" b="0" strike="noStrike" spc="-1" dirty="0">
+                <a:solidFill>
+                  <a:srgbClr val="000000"/>
+                </a:solidFill>
+                <a:latin typeface="Tahoma"/>
+                <a:ea typeface="Tahoma"/>
+              </a:rPr>
+              <a:t> </a:t>
+            </a:r>
+            <a:r>
+              <a:rPr lang="en-US" sz="1200" b="0" strike="noStrike" spc="-1" dirty="0" err="1">
+                <a:solidFill>
+                  <a:srgbClr val="000000"/>
+                </a:solidFill>
+                <a:latin typeface="Tahoma"/>
+                <a:ea typeface="Tahoma"/>
+              </a:rPr>
+              <a:t>cá</a:t>
+            </a:r>
+            <a:r>
+              <a:rPr lang="en-US" sz="1200" b="0" strike="noStrike" spc="-1" dirty="0">
+                <a:solidFill>
+                  <a:srgbClr val="000000"/>
+                </a:solidFill>
+                <a:latin typeface="Tahoma"/>
+                <a:ea typeface="Tahoma"/>
+              </a:rPr>
+              <a:t> </a:t>
+            </a:r>
+            <a:r>
+              <a:rPr lang="en-US" sz="1200" b="0" strike="noStrike" spc="-1" dirty="0" err="1">
+                <a:solidFill>
+                  <a:srgbClr val="000000"/>
+                </a:solidFill>
+                <a:latin typeface="Tahoma"/>
+                <a:ea typeface="Tahoma"/>
+              </a:rPr>
+              <a:t>nhân</a:t>
+            </a:r>
+            <a:r>
+              <a:rPr lang="en-US" sz="1200" b="0" strike="noStrike" spc="-1" dirty="0">
+                <a:solidFill>
+                  <a:srgbClr val="000000"/>
+                </a:solidFill>
+                <a:latin typeface="Tahoma"/>
+                <a:ea typeface="Tahoma"/>
+              </a:rPr>
+              <a:t>.</a:t>
+            </a:r>
+            <a:endParaRPr lang="en-US" sz="1200" b="0" strike="noStrike" spc="-1" dirty="0">
               <a:latin typeface="Arial"/>
             </a:endParaRPr>
           </a:p>
@@ -5052,16 +9892,1296 @@
               </a:tabLst>
             </a:pPr>
             <a:r>
-              <a:rPr lang="en-US" sz="1200" b="0" strike="noStrike" spc="-1">
-                <a:solidFill>
-                  <a:srgbClr val="000000"/>
-                </a:solidFill>
-                <a:latin typeface="Tahoma"/>
-                <a:ea typeface="Tahoma"/>
-              </a:rPr>
-              <a:t>Khi bạn càng hiểu rõ cái gì thì bạn càng có thể chuẩn bị tốt hơn cho nó! Bài phân tích này giúp  bạn khám phá bản thân, và rồi bạn chuẩn bị “hành trang” cho những thách thức cũng như gia tăng sự tự tin để chinh phục các nấc thang trong suốt hành trình chinh phục đỉnh cao sự nghiệp cũng như trong cuộc sống.</a:t>
-            </a:r>
-            <a:endParaRPr lang="en-US" sz="1200" b="0" strike="noStrike" spc="-1">
+              <a:rPr lang="en-US" sz="1200" b="0" strike="noStrike" spc="-1" dirty="0">
+                <a:solidFill>
+                  <a:srgbClr val="000000"/>
+                </a:solidFill>
+                <a:latin typeface="Tahoma"/>
+                <a:ea typeface="Tahoma"/>
+              </a:rPr>
+              <a:t>Khi </a:t>
+            </a:r>
+            <a:r>
+              <a:rPr lang="en-US" sz="1200" b="0" strike="noStrike" spc="-1" dirty="0" err="1">
+                <a:solidFill>
+                  <a:srgbClr val="000000"/>
+                </a:solidFill>
+                <a:latin typeface="Tahoma"/>
+                <a:ea typeface="Tahoma"/>
+              </a:rPr>
+              <a:t>bạn</a:t>
+            </a:r>
+            <a:r>
+              <a:rPr lang="en-US" sz="1200" b="0" strike="noStrike" spc="-1" dirty="0">
+                <a:solidFill>
+                  <a:srgbClr val="000000"/>
+                </a:solidFill>
+                <a:latin typeface="Tahoma"/>
+                <a:ea typeface="Tahoma"/>
+              </a:rPr>
+              <a:t> </a:t>
+            </a:r>
+            <a:r>
+              <a:rPr lang="en-US" sz="1200" b="0" strike="noStrike" spc="-1" dirty="0" err="1">
+                <a:solidFill>
+                  <a:srgbClr val="000000"/>
+                </a:solidFill>
+                <a:latin typeface="Tahoma"/>
+                <a:ea typeface="Tahoma"/>
+              </a:rPr>
+              <a:t>càng</a:t>
+            </a:r>
+            <a:r>
+              <a:rPr lang="en-US" sz="1200" b="0" strike="noStrike" spc="-1" dirty="0">
+                <a:solidFill>
+                  <a:srgbClr val="000000"/>
+                </a:solidFill>
+                <a:latin typeface="Tahoma"/>
+                <a:ea typeface="Tahoma"/>
+              </a:rPr>
+              <a:t> </a:t>
+            </a:r>
+            <a:r>
+              <a:rPr lang="en-US" sz="1200" b="0" strike="noStrike" spc="-1" dirty="0" err="1">
+                <a:solidFill>
+                  <a:srgbClr val="000000"/>
+                </a:solidFill>
+                <a:latin typeface="Tahoma"/>
+                <a:ea typeface="Tahoma"/>
+              </a:rPr>
+              <a:t>hiểu</a:t>
+            </a:r>
+            <a:r>
+              <a:rPr lang="en-US" sz="1200" b="0" strike="noStrike" spc="-1" dirty="0">
+                <a:solidFill>
+                  <a:srgbClr val="000000"/>
+                </a:solidFill>
+                <a:latin typeface="Tahoma"/>
+                <a:ea typeface="Tahoma"/>
+              </a:rPr>
+              <a:t> </a:t>
+            </a:r>
+            <a:r>
+              <a:rPr lang="en-US" sz="1200" b="0" strike="noStrike" spc="-1" dirty="0" err="1">
+                <a:solidFill>
+                  <a:srgbClr val="000000"/>
+                </a:solidFill>
+                <a:latin typeface="Tahoma"/>
+                <a:ea typeface="Tahoma"/>
+              </a:rPr>
+              <a:t>rõ</a:t>
+            </a:r>
+            <a:r>
+              <a:rPr lang="en-US" sz="1200" b="0" strike="noStrike" spc="-1" dirty="0">
+                <a:solidFill>
+                  <a:srgbClr val="000000"/>
+                </a:solidFill>
+                <a:latin typeface="Tahoma"/>
+                <a:ea typeface="Tahoma"/>
+              </a:rPr>
+              <a:t> </a:t>
+            </a:r>
+            <a:r>
+              <a:rPr lang="en-US" sz="1200" b="0" strike="noStrike" spc="-1" dirty="0" err="1">
+                <a:solidFill>
+                  <a:srgbClr val="000000"/>
+                </a:solidFill>
+                <a:latin typeface="Tahoma"/>
+                <a:ea typeface="Tahoma"/>
+              </a:rPr>
+              <a:t>cái</a:t>
+            </a:r>
+            <a:r>
+              <a:rPr lang="en-US" sz="1200" b="0" strike="noStrike" spc="-1" dirty="0">
+                <a:solidFill>
+                  <a:srgbClr val="000000"/>
+                </a:solidFill>
+                <a:latin typeface="Tahoma"/>
+                <a:ea typeface="Tahoma"/>
+              </a:rPr>
+              <a:t> </a:t>
+            </a:r>
+            <a:r>
+              <a:rPr lang="en-US" sz="1200" b="0" strike="noStrike" spc="-1" dirty="0" err="1">
+                <a:solidFill>
+                  <a:srgbClr val="000000"/>
+                </a:solidFill>
+                <a:latin typeface="Tahoma"/>
+                <a:ea typeface="Tahoma"/>
+              </a:rPr>
+              <a:t>gì</a:t>
+            </a:r>
+            <a:r>
+              <a:rPr lang="en-US" sz="1200" b="0" strike="noStrike" spc="-1" dirty="0">
+                <a:solidFill>
+                  <a:srgbClr val="000000"/>
+                </a:solidFill>
+                <a:latin typeface="Tahoma"/>
+                <a:ea typeface="Tahoma"/>
+              </a:rPr>
+              <a:t> </a:t>
+            </a:r>
+            <a:r>
+              <a:rPr lang="en-US" sz="1200" b="0" strike="noStrike" spc="-1" dirty="0" err="1">
+                <a:solidFill>
+                  <a:srgbClr val="000000"/>
+                </a:solidFill>
+                <a:latin typeface="Tahoma"/>
+                <a:ea typeface="Tahoma"/>
+              </a:rPr>
+              <a:t>thì</a:t>
+            </a:r>
+            <a:r>
+              <a:rPr lang="en-US" sz="1200" b="0" strike="noStrike" spc="-1" dirty="0">
+                <a:solidFill>
+                  <a:srgbClr val="000000"/>
+                </a:solidFill>
+                <a:latin typeface="Tahoma"/>
+                <a:ea typeface="Tahoma"/>
+              </a:rPr>
+              <a:t> </a:t>
+            </a:r>
+            <a:r>
+              <a:rPr lang="en-US" sz="1200" b="0" strike="noStrike" spc="-1" dirty="0" err="1">
+                <a:solidFill>
+                  <a:srgbClr val="000000"/>
+                </a:solidFill>
+                <a:latin typeface="Tahoma"/>
+                <a:ea typeface="Tahoma"/>
+              </a:rPr>
+              <a:t>bạn</a:t>
+            </a:r>
+            <a:r>
+              <a:rPr lang="en-US" sz="1200" b="0" strike="noStrike" spc="-1" dirty="0">
+                <a:solidFill>
+                  <a:srgbClr val="000000"/>
+                </a:solidFill>
+                <a:latin typeface="Tahoma"/>
+                <a:ea typeface="Tahoma"/>
+              </a:rPr>
+              <a:t> </a:t>
+            </a:r>
+            <a:r>
+              <a:rPr lang="en-US" sz="1200" b="0" strike="noStrike" spc="-1" dirty="0" err="1">
+                <a:solidFill>
+                  <a:srgbClr val="000000"/>
+                </a:solidFill>
+                <a:latin typeface="Tahoma"/>
+                <a:ea typeface="Tahoma"/>
+              </a:rPr>
+              <a:t>càng</a:t>
+            </a:r>
+            <a:r>
+              <a:rPr lang="en-US" sz="1200" b="0" strike="noStrike" spc="-1" dirty="0">
+                <a:solidFill>
+                  <a:srgbClr val="000000"/>
+                </a:solidFill>
+                <a:latin typeface="Tahoma"/>
+                <a:ea typeface="Tahoma"/>
+              </a:rPr>
+              <a:t> </a:t>
+            </a:r>
+            <a:r>
+              <a:rPr lang="en-US" sz="1200" b="0" strike="noStrike" spc="-1" dirty="0" err="1">
+                <a:solidFill>
+                  <a:srgbClr val="000000"/>
+                </a:solidFill>
+                <a:latin typeface="Tahoma"/>
+                <a:ea typeface="Tahoma"/>
+              </a:rPr>
+              <a:t>có</a:t>
+            </a:r>
+            <a:r>
+              <a:rPr lang="en-US" sz="1200" b="0" strike="noStrike" spc="-1" dirty="0">
+                <a:solidFill>
+                  <a:srgbClr val="000000"/>
+                </a:solidFill>
+                <a:latin typeface="Tahoma"/>
+                <a:ea typeface="Tahoma"/>
+              </a:rPr>
+              <a:t> </a:t>
+            </a:r>
+            <a:r>
+              <a:rPr lang="en-US" sz="1200" b="0" strike="noStrike" spc="-1" dirty="0" err="1">
+                <a:solidFill>
+                  <a:srgbClr val="000000"/>
+                </a:solidFill>
+                <a:latin typeface="Tahoma"/>
+                <a:ea typeface="Tahoma"/>
+              </a:rPr>
+              <a:t>thể</a:t>
+            </a:r>
+            <a:r>
+              <a:rPr lang="en-US" sz="1200" b="0" strike="noStrike" spc="-1" dirty="0">
+                <a:solidFill>
+                  <a:srgbClr val="000000"/>
+                </a:solidFill>
+                <a:latin typeface="Tahoma"/>
+                <a:ea typeface="Tahoma"/>
+              </a:rPr>
+              <a:t> </a:t>
+            </a:r>
+            <a:r>
+              <a:rPr lang="en-US" sz="1200" b="0" strike="noStrike" spc="-1" dirty="0" err="1">
+                <a:solidFill>
+                  <a:srgbClr val="000000"/>
+                </a:solidFill>
+                <a:latin typeface="Tahoma"/>
+                <a:ea typeface="Tahoma"/>
+              </a:rPr>
+              <a:t>chuẩn</a:t>
+            </a:r>
+            <a:r>
+              <a:rPr lang="en-US" sz="1200" b="0" strike="noStrike" spc="-1" dirty="0">
+                <a:solidFill>
+                  <a:srgbClr val="000000"/>
+                </a:solidFill>
+                <a:latin typeface="Tahoma"/>
+                <a:ea typeface="Tahoma"/>
+              </a:rPr>
+              <a:t> </a:t>
+            </a:r>
+            <a:r>
+              <a:rPr lang="en-US" sz="1200" b="0" strike="noStrike" spc="-1" dirty="0" err="1">
+                <a:solidFill>
+                  <a:srgbClr val="000000"/>
+                </a:solidFill>
+                <a:latin typeface="Tahoma"/>
+                <a:ea typeface="Tahoma"/>
+              </a:rPr>
+              <a:t>bị</a:t>
+            </a:r>
+            <a:r>
+              <a:rPr lang="en-US" sz="1200" b="0" strike="noStrike" spc="-1" dirty="0">
+                <a:solidFill>
+                  <a:srgbClr val="000000"/>
+                </a:solidFill>
+                <a:latin typeface="Tahoma"/>
+                <a:ea typeface="Tahoma"/>
+              </a:rPr>
+              <a:t> </a:t>
+            </a:r>
+            <a:r>
+              <a:rPr lang="en-US" sz="1200" b="0" strike="noStrike" spc="-1" dirty="0" err="1">
+                <a:solidFill>
+                  <a:srgbClr val="000000"/>
+                </a:solidFill>
+                <a:latin typeface="Tahoma"/>
+                <a:ea typeface="Tahoma"/>
+              </a:rPr>
+              <a:t>tốt</a:t>
+            </a:r>
+            <a:r>
+              <a:rPr lang="en-US" sz="1200" b="0" strike="noStrike" spc="-1" dirty="0">
+                <a:solidFill>
+                  <a:srgbClr val="000000"/>
+                </a:solidFill>
+                <a:latin typeface="Tahoma"/>
+                <a:ea typeface="Tahoma"/>
+              </a:rPr>
+              <a:t> </a:t>
+            </a:r>
+            <a:r>
+              <a:rPr lang="en-US" sz="1200" b="0" strike="noStrike" spc="-1" dirty="0" err="1">
+                <a:solidFill>
+                  <a:srgbClr val="000000"/>
+                </a:solidFill>
+                <a:latin typeface="Tahoma"/>
+                <a:ea typeface="Tahoma"/>
+              </a:rPr>
+              <a:t>hơn</a:t>
+            </a:r>
+            <a:r>
+              <a:rPr lang="en-US" sz="1200" b="0" strike="noStrike" spc="-1" dirty="0">
+                <a:solidFill>
+                  <a:srgbClr val="000000"/>
+                </a:solidFill>
+                <a:latin typeface="Tahoma"/>
+                <a:ea typeface="Tahoma"/>
+              </a:rPr>
+              <a:t> </a:t>
+            </a:r>
+            <a:r>
+              <a:rPr lang="en-US" sz="1200" b="0" strike="noStrike" spc="-1" dirty="0" err="1">
+                <a:solidFill>
+                  <a:srgbClr val="000000"/>
+                </a:solidFill>
+                <a:latin typeface="Tahoma"/>
+                <a:ea typeface="Tahoma"/>
+              </a:rPr>
+              <a:t>cho</a:t>
+            </a:r>
+            <a:r>
+              <a:rPr lang="en-US" sz="1200" b="0" strike="noStrike" spc="-1" dirty="0">
+                <a:solidFill>
+                  <a:srgbClr val="000000"/>
+                </a:solidFill>
+                <a:latin typeface="Tahoma"/>
+                <a:ea typeface="Tahoma"/>
+              </a:rPr>
+              <a:t> </a:t>
+            </a:r>
+            <a:r>
+              <a:rPr lang="en-US" sz="1200" b="0" strike="noStrike" spc="-1" dirty="0" err="1">
+                <a:solidFill>
+                  <a:srgbClr val="000000"/>
+                </a:solidFill>
+                <a:latin typeface="Tahoma"/>
+                <a:ea typeface="Tahoma"/>
+              </a:rPr>
+              <a:t>nó</a:t>
+            </a:r>
+            <a:r>
+              <a:rPr lang="en-US" sz="1200" b="0" strike="noStrike" spc="-1" dirty="0">
+                <a:solidFill>
+                  <a:srgbClr val="000000"/>
+                </a:solidFill>
+                <a:latin typeface="Tahoma"/>
+                <a:ea typeface="Tahoma"/>
+              </a:rPr>
+              <a:t>! </a:t>
+            </a:r>
+            <a:r>
+              <a:rPr lang="en-US" sz="1200" b="0" strike="noStrike" spc="-1" dirty="0" err="1">
+                <a:solidFill>
+                  <a:srgbClr val="000000"/>
+                </a:solidFill>
+                <a:latin typeface="Tahoma"/>
+                <a:ea typeface="Tahoma"/>
+              </a:rPr>
+              <a:t>Bài</a:t>
+            </a:r>
+            <a:r>
+              <a:rPr lang="en-US" sz="1200" b="0" strike="noStrike" spc="-1" dirty="0">
+                <a:solidFill>
+                  <a:srgbClr val="000000"/>
+                </a:solidFill>
+                <a:latin typeface="Tahoma"/>
+                <a:ea typeface="Tahoma"/>
+              </a:rPr>
+              <a:t> </a:t>
+            </a:r>
+            <a:r>
+              <a:rPr lang="en-US" sz="1200" b="0" strike="noStrike" spc="-1" dirty="0" err="1">
+                <a:solidFill>
+                  <a:srgbClr val="000000"/>
+                </a:solidFill>
+                <a:latin typeface="Tahoma"/>
+                <a:ea typeface="Tahoma"/>
+              </a:rPr>
+              <a:t>phân</a:t>
+            </a:r>
+            <a:r>
+              <a:rPr lang="en-US" sz="1200" b="0" strike="noStrike" spc="-1" dirty="0">
+                <a:solidFill>
+                  <a:srgbClr val="000000"/>
+                </a:solidFill>
+                <a:latin typeface="Tahoma"/>
+                <a:ea typeface="Tahoma"/>
+              </a:rPr>
+              <a:t> </a:t>
+            </a:r>
+            <a:r>
+              <a:rPr lang="en-US" sz="1200" b="0" strike="noStrike" spc="-1" dirty="0" err="1">
+                <a:solidFill>
+                  <a:srgbClr val="000000"/>
+                </a:solidFill>
+                <a:latin typeface="Tahoma"/>
+                <a:ea typeface="Tahoma"/>
+              </a:rPr>
+              <a:t>tích</a:t>
+            </a:r>
+            <a:r>
+              <a:rPr lang="en-US" sz="1200" b="0" strike="noStrike" spc="-1" dirty="0">
+                <a:solidFill>
+                  <a:srgbClr val="000000"/>
+                </a:solidFill>
+                <a:latin typeface="Tahoma"/>
+                <a:ea typeface="Tahoma"/>
+              </a:rPr>
+              <a:t> </a:t>
+            </a:r>
+            <a:r>
+              <a:rPr lang="en-US" sz="1200" b="0" strike="noStrike" spc="-1" dirty="0" err="1">
+                <a:solidFill>
+                  <a:srgbClr val="000000"/>
+                </a:solidFill>
+                <a:latin typeface="Tahoma"/>
+                <a:ea typeface="Tahoma"/>
+              </a:rPr>
+              <a:t>này</a:t>
+            </a:r>
+            <a:r>
+              <a:rPr lang="en-US" sz="1200" b="0" strike="noStrike" spc="-1" dirty="0">
+                <a:solidFill>
+                  <a:srgbClr val="000000"/>
+                </a:solidFill>
+                <a:latin typeface="Tahoma"/>
+                <a:ea typeface="Tahoma"/>
+              </a:rPr>
+              <a:t> </a:t>
+            </a:r>
+            <a:r>
+              <a:rPr lang="en-US" sz="1200" b="0" strike="noStrike" spc="-1" dirty="0" err="1">
+                <a:solidFill>
+                  <a:srgbClr val="000000"/>
+                </a:solidFill>
+                <a:latin typeface="Tahoma"/>
+                <a:ea typeface="Tahoma"/>
+              </a:rPr>
+              <a:t>giúp</a:t>
+            </a:r>
+            <a:r>
+              <a:rPr lang="en-US" sz="1200" b="0" strike="noStrike" spc="-1" dirty="0">
+                <a:solidFill>
+                  <a:srgbClr val="000000"/>
+                </a:solidFill>
+                <a:latin typeface="Tahoma"/>
+                <a:ea typeface="Tahoma"/>
+              </a:rPr>
+              <a:t>  </a:t>
+            </a:r>
+            <a:r>
+              <a:rPr lang="en-US" sz="1200" b="0" strike="noStrike" spc="-1" dirty="0" err="1">
+                <a:solidFill>
+                  <a:srgbClr val="000000"/>
+                </a:solidFill>
+                <a:latin typeface="Tahoma"/>
+                <a:ea typeface="Tahoma"/>
+              </a:rPr>
+              <a:t>bạn</a:t>
+            </a:r>
+            <a:r>
+              <a:rPr lang="en-US" sz="1200" b="0" strike="noStrike" spc="-1" dirty="0">
+                <a:solidFill>
+                  <a:srgbClr val="000000"/>
+                </a:solidFill>
+                <a:latin typeface="Tahoma"/>
+                <a:ea typeface="Tahoma"/>
+              </a:rPr>
+              <a:t> </a:t>
+            </a:r>
+            <a:r>
+              <a:rPr lang="en-US" sz="1200" b="0" strike="noStrike" spc="-1" dirty="0" err="1">
+                <a:solidFill>
+                  <a:srgbClr val="000000"/>
+                </a:solidFill>
+                <a:latin typeface="Tahoma"/>
+                <a:ea typeface="Tahoma"/>
+              </a:rPr>
+              <a:t>khám</a:t>
+            </a:r>
+            <a:r>
+              <a:rPr lang="en-US" sz="1200" b="0" strike="noStrike" spc="-1" dirty="0">
+                <a:solidFill>
+                  <a:srgbClr val="000000"/>
+                </a:solidFill>
+                <a:latin typeface="Tahoma"/>
+                <a:ea typeface="Tahoma"/>
+              </a:rPr>
+              <a:t> </a:t>
+            </a:r>
+            <a:r>
+              <a:rPr lang="en-US" sz="1200" b="0" strike="noStrike" spc="-1" dirty="0" err="1">
+                <a:solidFill>
+                  <a:srgbClr val="000000"/>
+                </a:solidFill>
+                <a:latin typeface="Tahoma"/>
+                <a:ea typeface="Tahoma"/>
+              </a:rPr>
+              <a:t>phá</a:t>
+            </a:r>
+            <a:r>
+              <a:rPr lang="en-US" sz="1200" b="0" strike="noStrike" spc="-1" dirty="0">
+                <a:solidFill>
+                  <a:srgbClr val="000000"/>
+                </a:solidFill>
+                <a:latin typeface="Tahoma"/>
+                <a:ea typeface="Tahoma"/>
+              </a:rPr>
+              <a:t> </a:t>
+            </a:r>
+            <a:r>
+              <a:rPr lang="en-US" sz="1200" b="0" strike="noStrike" spc="-1" dirty="0" err="1">
+                <a:solidFill>
+                  <a:srgbClr val="000000"/>
+                </a:solidFill>
+                <a:latin typeface="Tahoma"/>
+                <a:ea typeface="Tahoma"/>
+              </a:rPr>
+              <a:t>bản</a:t>
+            </a:r>
+            <a:r>
+              <a:rPr lang="en-US" sz="1200" b="0" strike="noStrike" spc="-1" dirty="0">
+                <a:solidFill>
+                  <a:srgbClr val="000000"/>
+                </a:solidFill>
+                <a:latin typeface="Tahoma"/>
+                <a:ea typeface="Tahoma"/>
+              </a:rPr>
+              <a:t> </a:t>
+            </a:r>
+            <a:r>
+              <a:rPr lang="en-US" sz="1200" b="0" strike="noStrike" spc="-1" dirty="0" err="1">
+                <a:solidFill>
+                  <a:srgbClr val="000000"/>
+                </a:solidFill>
+                <a:latin typeface="Tahoma"/>
+                <a:ea typeface="Tahoma"/>
+              </a:rPr>
+              <a:t>thân</a:t>
+            </a:r>
+            <a:r>
+              <a:rPr lang="en-US" sz="1200" b="0" strike="noStrike" spc="-1" dirty="0">
+                <a:solidFill>
+                  <a:srgbClr val="000000"/>
+                </a:solidFill>
+                <a:latin typeface="Tahoma"/>
+                <a:ea typeface="Tahoma"/>
+              </a:rPr>
+              <a:t>, </a:t>
+            </a:r>
+            <a:r>
+              <a:rPr lang="en-US" sz="1200" b="0" strike="noStrike" spc="-1" dirty="0" err="1">
+                <a:solidFill>
+                  <a:srgbClr val="000000"/>
+                </a:solidFill>
+                <a:latin typeface="Tahoma"/>
+                <a:ea typeface="Tahoma"/>
+              </a:rPr>
+              <a:t>và</a:t>
+            </a:r>
+            <a:r>
+              <a:rPr lang="en-US" sz="1200" b="0" strike="noStrike" spc="-1" dirty="0">
+                <a:solidFill>
+                  <a:srgbClr val="000000"/>
+                </a:solidFill>
+                <a:latin typeface="Tahoma"/>
+                <a:ea typeface="Tahoma"/>
+              </a:rPr>
+              <a:t> </a:t>
+            </a:r>
+            <a:r>
+              <a:rPr lang="en-US" sz="1200" b="0" strike="noStrike" spc="-1" dirty="0" err="1">
+                <a:solidFill>
+                  <a:srgbClr val="000000"/>
+                </a:solidFill>
+                <a:latin typeface="Tahoma"/>
+                <a:ea typeface="Tahoma"/>
+              </a:rPr>
+              <a:t>rồi</a:t>
+            </a:r>
+            <a:r>
+              <a:rPr lang="en-US" sz="1200" b="0" strike="noStrike" spc="-1" dirty="0">
+                <a:solidFill>
+                  <a:srgbClr val="000000"/>
+                </a:solidFill>
+                <a:latin typeface="Tahoma"/>
+                <a:ea typeface="Tahoma"/>
+              </a:rPr>
+              <a:t> </a:t>
+            </a:r>
+            <a:r>
+              <a:rPr lang="en-US" sz="1200" b="0" strike="noStrike" spc="-1" dirty="0" err="1">
+                <a:solidFill>
+                  <a:srgbClr val="000000"/>
+                </a:solidFill>
+                <a:latin typeface="Tahoma"/>
+                <a:ea typeface="Tahoma"/>
+              </a:rPr>
+              <a:t>bạn</a:t>
+            </a:r>
+            <a:r>
+              <a:rPr lang="en-US" sz="1200" b="0" strike="noStrike" spc="-1" dirty="0">
+                <a:solidFill>
+                  <a:srgbClr val="000000"/>
+                </a:solidFill>
+                <a:latin typeface="Tahoma"/>
+                <a:ea typeface="Tahoma"/>
+              </a:rPr>
+              <a:t> </a:t>
+            </a:r>
+            <a:r>
+              <a:rPr lang="en-US" sz="1200" b="0" strike="noStrike" spc="-1" dirty="0" err="1">
+                <a:solidFill>
+                  <a:srgbClr val="000000"/>
+                </a:solidFill>
+                <a:latin typeface="Tahoma"/>
+                <a:ea typeface="Tahoma"/>
+              </a:rPr>
+              <a:t>chuẩn</a:t>
+            </a:r>
+            <a:r>
+              <a:rPr lang="en-US" sz="1200" b="0" strike="noStrike" spc="-1" dirty="0">
+                <a:solidFill>
+                  <a:srgbClr val="000000"/>
+                </a:solidFill>
+                <a:latin typeface="Tahoma"/>
+                <a:ea typeface="Tahoma"/>
+              </a:rPr>
+              <a:t> </a:t>
+            </a:r>
+            <a:r>
+              <a:rPr lang="en-US" sz="1200" b="0" strike="noStrike" spc="-1" dirty="0" err="1">
+                <a:solidFill>
+                  <a:srgbClr val="000000"/>
+                </a:solidFill>
+                <a:latin typeface="Tahoma"/>
+                <a:ea typeface="Tahoma"/>
+              </a:rPr>
+              <a:t>bị</a:t>
+            </a:r>
+            <a:r>
+              <a:rPr lang="en-US" sz="1200" b="0" strike="noStrike" spc="-1" dirty="0">
+                <a:solidFill>
+                  <a:srgbClr val="000000"/>
+                </a:solidFill>
+                <a:latin typeface="Tahoma"/>
+                <a:ea typeface="Tahoma"/>
+              </a:rPr>
+              <a:t> “</a:t>
+            </a:r>
+            <a:r>
+              <a:rPr lang="en-US" sz="1200" b="0" strike="noStrike" spc="-1" dirty="0" err="1">
+                <a:solidFill>
+                  <a:srgbClr val="000000"/>
+                </a:solidFill>
+                <a:latin typeface="Tahoma"/>
+                <a:ea typeface="Tahoma"/>
+              </a:rPr>
+              <a:t>hành</a:t>
+            </a:r>
+            <a:r>
+              <a:rPr lang="en-US" sz="1200" b="0" strike="noStrike" spc="-1" dirty="0">
+                <a:solidFill>
+                  <a:srgbClr val="000000"/>
+                </a:solidFill>
+                <a:latin typeface="Tahoma"/>
+                <a:ea typeface="Tahoma"/>
+              </a:rPr>
+              <a:t> </a:t>
+            </a:r>
+            <a:r>
+              <a:rPr lang="en-US" sz="1200" b="0" strike="noStrike" spc="-1" dirty="0" err="1">
+                <a:solidFill>
+                  <a:srgbClr val="000000"/>
+                </a:solidFill>
+                <a:latin typeface="Tahoma"/>
+                <a:ea typeface="Tahoma"/>
+              </a:rPr>
+              <a:t>trang</a:t>
+            </a:r>
+            <a:r>
+              <a:rPr lang="en-US" sz="1200" b="0" strike="noStrike" spc="-1" dirty="0">
+                <a:solidFill>
+                  <a:srgbClr val="000000"/>
+                </a:solidFill>
+                <a:latin typeface="Tahoma"/>
+                <a:ea typeface="Tahoma"/>
+              </a:rPr>
+              <a:t>” </a:t>
+            </a:r>
+            <a:r>
+              <a:rPr lang="en-US" sz="1200" b="0" strike="noStrike" spc="-1" dirty="0" err="1">
+                <a:solidFill>
+                  <a:srgbClr val="000000"/>
+                </a:solidFill>
+                <a:latin typeface="Tahoma"/>
+                <a:ea typeface="Tahoma"/>
+              </a:rPr>
+              <a:t>cho</a:t>
+            </a:r>
+            <a:r>
+              <a:rPr lang="en-US" sz="1200" b="0" strike="noStrike" spc="-1" dirty="0">
+                <a:solidFill>
+                  <a:srgbClr val="000000"/>
+                </a:solidFill>
+                <a:latin typeface="Tahoma"/>
+                <a:ea typeface="Tahoma"/>
+              </a:rPr>
+              <a:t> </a:t>
+            </a:r>
+            <a:r>
+              <a:rPr lang="en-US" sz="1200" b="0" strike="noStrike" spc="-1" dirty="0" err="1">
+                <a:solidFill>
+                  <a:srgbClr val="000000"/>
+                </a:solidFill>
+                <a:latin typeface="Tahoma"/>
+                <a:ea typeface="Tahoma"/>
+              </a:rPr>
+              <a:t>những</a:t>
+            </a:r>
+            <a:r>
+              <a:rPr lang="en-US" sz="1200" b="0" strike="noStrike" spc="-1" dirty="0">
+                <a:solidFill>
+                  <a:srgbClr val="000000"/>
+                </a:solidFill>
+                <a:latin typeface="Tahoma"/>
+                <a:ea typeface="Tahoma"/>
+              </a:rPr>
+              <a:t> </a:t>
+            </a:r>
+            <a:r>
+              <a:rPr lang="en-US" sz="1200" b="0" strike="noStrike" spc="-1" dirty="0" err="1">
+                <a:solidFill>
+                  <a:srgbClr val="000000"/>
+                </a:solidFill>
+                <a:latin typeface="Tahoma"/>
+                <a:ea typeface="Tahoma"/>
+              </a:rPr>
+              <a:t>thách</a:t>
+            </a:r>
+            <a:r>
+              <a:rPr lang="en-US" sz="1200" b="0" strike="noStrike" spc="-1" dirty="0">
+                <a:solidFill>
+                  <a:srgbClr val="000000"/>
+                </a:solidFill>
+                <a:latin typeface="Tahoma"/>
+                <a:ea typeface="Tahoma"/>
+              </a:rPr>
+              <a:t> </a:t>
+            </a:r>
+            <a:r>
+              <a:rPr lang="en-US" sz="1200" b="0" strike="noStrike" spc="-1" dirty="0" err="1">
+                <a:solidFill>
+                  <a:srgbClr val="000000"/>
+                </a:solidFill>
+                <a:latin typeface="Tahoma"/>
+                <a:ea typeface="Tahoma"/>
+              </a:rPr>
+              <a:t>thức</a:t>
+            </a:r>
+            <a:r>
+              <a:rPr lang="en-US" sz="1200" b="0" strike="noStrike" spc="-1" dirty="0">
+                <a:solidFill>
+                  <a:srgbClr val="000000"/>
+                </a:solidFill>
+                <a:latin typeface="Tahoma"/>
+                <a:ea typeface="Tahoma"/>
+              </a:rPr>
+              <a:t> </a:t>
+            </a:r>
+            <a:r>
+              <a:rPr lang="en-US" sz="1200" b="0" strike="noStrike" spc="-1" dirty="0" err="1">
+                <a:solidFill>
+                  <a:srgbClr val="000000"/>
+                </a:solidFill>
+                <a:latin typeface="Tahoma"/>
+                <a:ea typeface="Tahoma"/>
+              </a:rPr>
+              <a:t>cũng</a:t>
+            </a:r>
+            <a:r>
+              <a:rPr lang="en-US" sz="1200" b="0" strike="noStrike" spc="-1" dirty="0">
+                <a:solidFill>
+                  <a:srgbClr val="000000"/>
+                </a:solidFill>
+                <a:latin typeface="Tahoma"/>
+                <a:ea typeface="Tahoma"/>
+              </a:rPr>
+              <a:t> </a:t>
+            </a:r>
+            <a:r>
+              <a:rPr lang="en-US" sz="1200" b="0" strike="noStrike" spc="-1" dirty="0" err="1">
+                <a:solidFill>
+                  <a:srgbClr val="000000"/>
+                </a:solidFill>
+                <a:latin typeface="Tahoma"/>
+                <a:ea typeface="Tahoma"/>
+              </a:rPr>
+              <a:t>như</a:t>
+            </a:r>
+            <a:r>
+              <a:rPr lang="en-US" sz="1200" b="0" strike="noStrike" spc="-1" dirty="0">
+                <a:solidFill>
+                  <a:srgbClr val="000000"/>
+                </a:solidFill>
+                <a:latin typeface="Tahoma"/>
+                <a:ea typeface="Tahoma"/>
+              </a:rPr>
+              <a:t> </a:t>
+            </a:r>
+            <a:r>
+              <a:rPr lang="en-US" sz="1200" b="0" strike="noStrike" spc="-1" dirty="0" err="1">
+                <a:solidFill>
+                  <a:srgbClr val="000000"/>
+                </a:solidFill>
+                <a:latin typeface="Tahoma"/>
+                <a:ea typeface="Tahoma"/>
+              </a:rPr>
+              <a:t>gia</a:t>
+            </a:r>
+            <a:r>
+              <a:rPr lang="en-US" sz="1200" b="0" strike="noStrike" spc="-1" dirty="0">
+                <a:solidFill>
+                  <a:srgbClr val="000000"/>
+                </a:solidFill>
+                <a:latin typeface="Tahoma"/>
+                <a:ea typeface="Tahoma"/>
+              </a:rPr>
+              <a:t> </a:t>
+            </a:r>
+            <a:r>
+              <a:rPr lang="en-US" sz="1200" b="0" strike="noStrike" spc="-1" dirty="0" err="1">
+                <a:solidFill>
+                  <a:srgbClr val="000000"/>
+                </a:solidFill>
+                <a:latin typeface="Tahoma"/>
+                <a:ea typeface="Tahoma"/>
+              </a:rPr>
+              <a:t>tăng</a:t>
+            </a:r>
+            <a:r>
+              <a:rPr lang="en-US" sz="1200" b="0" strike="noStrike" spc="-1" dirty="0">
+                <a:solidFill>
+                  <a:srgbClr val="000000"/>
+                </a:solidFill>
+                <a:latin typeface="Tahoma"/>
+                <a:ea typeface="Tahoma"/>
+              </a:rPr>
+              <a:t> </a:t>
+            </a:r>
+            <a:r>
+              <a:rPr lang="en-US" sz="1200" b="0" strike="noStrike" spc="-1" dirty="0" err="1">
+                <a:solidFill>
+                  <a:srgbClr val="000000"/>
+                </a:solidFill>
+                <a:latin typeface="Tahoma"/>
+                <a:ea typeface="Tahoma"/>
+              </a:rPr>
+              <a:t>sự</a:t>
+            </a:r>
+            <a:r>
+              <a:rPr lang="en-US" sz="1200" b="0" strike="noStrike" spc="-1" dirty="0">
+                <a:solidFill>
+                  <a:srgbClr val="000000"/>
+                </a:solidFill>
+                <a:latin typeface="Tahoma"/>
+                <a:ea typeface="Tahoma"/>
+              </a:rPr>
+              <a:t> </a:t>
+            </a:r>
+            <a:r>
+              <a:rPr lang="en-US" sz="1200" b="0" strike="noStrike" spc="-1" dirty="0" err="1">
+                <a:solidFill>
+                  <a:srgbClr val="000000"/>
+                </a:solidFill>
+                <a:latin typeface="Tahoma"/>
+                <a:ea typeface="Tahoma"/>
+              </a:rPr>
+              <a:t>tự</a:t>
+            </a:r>
+            <a:r>
+              <a:rPr lang="en-US" sz="1200" b="0" strike="noStrike" spc="-1" dirty="0">
+                <a:solidFill>
+                  <a:srgbClr val="000000"/>
+                </a:solidFill>
+                <a:latin typeface="Tahoma"/>
+                <a:ea typeface="Tahoma"/>
+              </a:rPr>
+              <a:t> tin </a:t>
+            </a:r>
+            <a:r>
+              <a:rPr lang="en-US" sz="1200" b="0" strike="noStrike" spc="-1" dirty="0" err="1">
+                <a:solidFill>
+                  <a:srgbClr val="000000"/>
+                </a:solidFill>
+                <a:latin typeface="Tahoma"/>
+                <a:ea typeface="Tahoma"/>
+              </a:rPr>
+              <a:t>để</a:t>
+            </a:r>
+            <a:r>
+              <a:rPr lang="en-US" sz="1200" b="0" strike="noStrike" spc="-1" dirty="0">
+                <a:solidFill>
+                  <a:srgbClr val="000000"/>
+                </a:solidFill>
+                <a:latin typeface="Tahoma"/>
+                <a:ea typeface="Tahoma"/>
+              </a:rPr>
+              <a:t> </a:t>
+            </a:r>
+            <a:r>
+              <a:rPr lang="en-US" sz="1200" b="0" strike="noStrike" spc="-1" dirty="0" err="1">
+                <a:solidFill>
+                  <a:srgbClr val="000000"/>
+                </a:solidFill>
+                <a:latin typeface="Tahoma"/>
+                <a:ea typeface="Tahoma"/>
+              </a:rPr>
+              <a:t>chinh</a:t>
+            </a:r>
+            <a:r>
+              <a:rPr lang="en-US" sz="1200" b="0" strike="noStrike" spc="-1" dirty="0">
+                <a:solidFill>
+                  <a:srgbClr val="000000"/>
+                </a:solidFill>
+                <a:latin typeface="Tahoma"/>
+                <a:ea typeface="Tahoma"/>
+              </a:rPr>
+              <a:t> </a:t>
+            </a:r>
+            <a:r>
+              <a:rPr lang="en-US" sz="1200" b="0" strike="noStrike" spc="-1" dirty="0" err="1">
+                <a:solidFill>
+                  <a:srgbClr val="000000"/>
+                </a:solidFill>
+                <a:latin typeface="Tahoma"/>
+                <a:ea typeface="Tahoma"/>
+              </a:rPr>
+              <a:t>phục</a:t>
+            </a:r>
+            <a:r>
+              <a:rPr lang="en-US" sz="1200" b="0" strike="noStrike" spc="-1" dirty="0">
+                <a:solidFill>
+                  <a:srgbClr val="000000"/>
+                </a:solidFill>
+                <a:latin typeface="Tahoma"/>
+                <a:ea typeface="Tahoma"/>
+              </a:rPr>
+              <a:t> </a:t>
+            </a:r>
+            <a:r>
+              <a:rPr lang="en-US" sz="1200" b="0" strike="noStrike" spc="-1" dirty="0" err="1">
+                <a:solidFill>
+                  <a:srgbClr val="000000"/>
+                </a:solidFill>
+                <a:latin typeface="Tahoma"/>
+                <a:ea typeface="Tahoma"/>
+              </a:rPr>
+              <a:t>các</a:t>
+            </a:r>
+            <a:r>
+              <a:rPr lang="en-US" sz="1200" b="0" strike="noStrike" spc="-1" dirty="0">
+                <a:solidFill>
+                  <a:srgbClr val="000000"/>
+                </a:solidFill>
+                <a:latin typeface="Tahoma"/>
+                <a:ea typeface="Tahoma"/>
+              </a:rPr>
+              <a:t> </a:t>
+            </a:r>
+            <a:r>
+              <a:rPr lang="en-US" sz="1200" b="0" strike="noStrike" spc="-1" dirty="0" err="1">
+                <a:solidFill>
+                  <a:srgbClr val="000000"/>
+                </a:solidFill>
+                <a:latin typeface="Tahoma"/>
+                <a:ea typeface="Tahoma"/>
+              </a:rPr>
+              <a:t>nấc</a:t>
+            </a:r>
+            <a:r>
+              <a:rPr lang="en-US" sz="1200" b="0" strike="noStrike" spc="-1" dirty="0">
+                <a:solidFill>
+                  <a:srgbClr val="000000"/>
+                </a:solidFill>
+                <a:latin typeface="Tahoma"/>
+                <a:ea typeface="Tahoma"/>
+              </a:rPr>
+              <a:t> thang </a:t>
+            </a:r>
+            <a:r>
+              <a:rPr lang="en-US" sz="1200" b="0" strike="noStrike" spc="-1" dirty="0" err="1">
+                <a:solidFill>
+                  <a:srgbClr val="000000"/>
+                </a:solidFill>
+                <a:latin typeface="Tahoma"/>
+                <a:ea typeface="Tahoma"/>
+              </a:rPr>
+              <a:t>trong</a:t>
+            </a:r>
+            <a:r>
+              <a:rPr lang="en-US" sz="1200" b="0" strike="noStrike" spc="-1" dirty="0">
+                <a:solidFill>
+                  <a:srgbClr val="000000"/>
+                </a:solidFill>
+                <a:latin typeface="Tahoma"/>
+                <a:ea typeface="Tahoma"/>
+              </a:rPr>
+              <a:t> </a:t>
+            </a:r>
+            <a:r>
+              <a:rPr lang="en-US" sz="1200" b="0" strike="noStrike" spc="-1" dirty="0" err="1">
+                <a:solidFill>
+                  <a:srgbClr val="000000"/>
+                </a:solidFill>
+                <a:latin typeface="Tahoma"/>
+                <a:ea typeface="Tahoma"/>
+              </a:rPr>
+              <a:t>suốt</a:t>
+            </a:r>
+            <a:r>
+              <a:rPr lang="en-US" sz="1200" b="0" strike="noStrike" spc="-1" dirty="0">
+                <a:solidFill>
+                  <a:srgbClr val="000000"/>
+                </a:solidFill>
+                <a:latin typeface="Tahoma"/>
+                <a:ea typeface="Tahoma"/>
+              </a:rPr>
+              <a:t> </a:t>
+            </a:r>
+            <a:r>
+              <a:rPr lang="en-US" sz="1200" b="0" strike="noStrike" spc="-1" dirty="0" err="1">
+                <a:solidFill>
+                  <a:srgbClr val="000000"/>
+                </a:solidFill>
+                <a:latin typeface="Tahoma"/>
+                <a:ea typeface="Tahoma"/>
+              </a:rPr>
+              <a:t>hành</a:t>
+            </a:r>
+            <a:r>
+              <a:rPr lang="en-US" sz="1200" b="0" strike="noStrike" spc="-1" dirty="0">
+                <a:solidFill>
+                  <a:srgbClr val="000000"/>
+                </a:solidFill>
+                <a:latin typeface="Tahoma"/>
+                <a:ea typeface="Tahoma"/>
+              </a:rPr>
+              <a:t> </a:t>
+            </a:r>
+            <a:r>
+              <a:rPr lang="en-US" sz="1200" b="0" strike="noStrike" spc="-1" dirty="0" err="1">
+                <a:solidFill>
+                  <a:srgbClr val="000000"/>
+                </a:solidFill>
+                <a:latin typeface="Tahoma"/>
+                <a:ea typeface="Tahoma"/>
+              </a:rPr>
+              <a:t>trình</a:t>
+            </a:r>
+            <a:r>
+              <a:rPr lang="en-US" sz="1200" b="0" strike="noStrike" spc="-1" dirty="0">
+                <a:solidFill>
+                  <a:srgbClr val="000000"/>
+                </a:solidFill>
+                <a:latin typeface="Tahoma"/>
+                <a:ea typeface="Tahoma"/>
+              </a:rPr>
+              <a:t> </a:t>
+            </a:r>
+            <a:r>
+              <a:rPr lang="en-US" sz="1200" b="0" strike="noStrike" spc="-1" dirty="0" err="1">
+                <a:solidFill>
+                  <a:srgbClr val="000000"/>
+                </a:solidFill>
+                <a:latin typeface="Tahoma"/>
+                <a:ea typeface="Tahoma"/>
+              </a:rPr>
+              <a:t>chinh</a:t>
+            </a:r>
+            <a:r>
+              <a:rPr lang="en-US" sz="1200" b="0" strike="noStrike" spc="-1" dirty="0">
+                <a:solidFill>
+                  <a:srgbClr val="000000"/>
+                </a:solidFill>
+                <a:latin typeface="Tahoma"/>
+                <a:ea typeface="Tahoma"/>
+              </a:rPr>
+              <a:t> </a:t>
+            </a:r>
+            <a:r>
+              <a:rPr lang="en-US" sz="1200" b="0" strike="noStrike" spc="-1" dirty="0" err="1">
+                <a:solidFill>
+                  <a:srgbClr val="000000"/>
+                </a:solidFill>
+                <a:latin typeface="Tahoma"/>
+                <a:ea typeface="Tahoma"/>
+              </a:rPr>
+              <a:t>phục</a:t>
+            </a:r>
+            <a:r>
+              <a:rPr lang="en-US" sz="1200" b="0" strike="noStrike" spc="-1" dirty="0">
+                <a:solidFill>
+                  <a:srgbClr val="000000"/>
+                </a:solidFill>
+                <a:latin typeface="Tahoma"/>
+                <a:ea typeface="Tahoma"/>
+              </a:rPr>
+              <a:t> </a:t>
+            </a:r>
+            <a:r>
+              <a:rPr lang="en-US" sz="1200" b="0" strike="noStrike" spc="-1" dirty="0" err="1">
+                <a:solidFill>
+                  <a:srgbClr val="000000"/>
+                </a:solidFill>
+                <a:latin typeface="Tahoma"/>
+                <a:ea typeface="Tahoma"/>
+              </a:rPr>
+              <a:t>đỉnh</a:t>
+            </a:r>
+            <a:r>
+              <a:rPr lang="en-US" sz="1200" b="0" strike="noStrike" spc="-1" dirty="0">
+                <a:solidFill>
+                  <a:srgbClr val="000000"/>
+                </a:solidFill>
+                <a:latin typeface="Tahoma"/>
+                <a:ea typeface="Tahoma"/>
+              </a:rPr>
+              <a:t> </a:t>
+            </a:r>
+            <a:r>
+              <a:rPr lang="en-US" sz="1200" b="0" strike="noStrike" spc="-1" dirty="0" err="1">
+                <a:solidFill>
+                  <a:srgbClr val="000000"/>
+                </a:solidFill>
+                <a:latin typeface="Tahoma"/>
+                <a:ea typeface="Tahoma"/>
+              </a:rPr>
+              <a:t>cao</a:t>
+            </a:r>
+            <a:r>
+              <a:rPr lang="en-US" sz="1200" b="0" strike="noStrike" spc="-1" dirty="0">
+                <a:solidFill>
+                  <a:srgbClr val="000000"/>
+                </a:solidFill>
+                <a:latin typeface="Tahoma"/>
+                <a:ea typeface="Tahoma"/>
+              </a:rPr>
+              <a:t> </a:t>
+            </a:r>
+            <a:r>
+              <a:rPr lang="en-US" sz="1200" b="0" strike="noStrike" spc="-1" dirty="0" err="1">
+                <a:solidFill>
+                  <a:srgbClr val="000000"/>
+                </a:solidFill>
+                <a:latin typeface="Tahoma"/>
+                <a:ea typeface="Tahoma"/>
+              </a:rPr>
+              <a:t>sự</a:t>
+            </a:r>
+            <a:r>
+              <a:rPr lang="en-US" sz="1200" b="0" strike="noStrike" spc="-1" dirty="0">
+                <a:solidFill>
+                  <a:srgbClr val="000000"/>
+                </a:solidFill>
+                <a:latin typeface="Tahoma"/>
+                <a:ea typeface="Tahoma"/>
+              </a:rPr>
+              <a:t> </a:t>
+            </a:r>
+            <a:r>
+              <a:rPr lang="en-US" sz="1200" b="0" strike="noStrike" spc="-1" dirty="0" err="1">
+                <a:solidFill>
+                  <a:srgbClr val="000000"/>
+                </a:solidFill>
+                <a:latin typeface="Tahoma"/>
+                <a:ea typeface="Tahoma"/>
+              </a:rPr>
+              <a:t>nghiệp</a:t>
+            </a:r>
+            <a:r>
+              <a:rPr lang="en-US" sz="1200" b="0" strike="noStrike" spc="-1" dirty="0">
+                <a:solidFill>
+                  <a:srgbClr val="000000"/>
+                </a:solidFill>
+                <a:latin typeface="Tahoma"/>
+                <a:ea typeface="Tahoma"/>
+              </a:rPr>
+              <a:t> </a:t>
+            </a:r>
+            <a:r>
+              <a:rPr lang="en-US" sz="1200" b="0" strike="noStrike" spc="-1" dirty="0" err="1">
+                <a:solidFill>
+                  <a:srgbClr val="000000"/>
+                </a:solidFill>
+                <a:latin typeface="Tahoma"/>
+                <a:ea typeface="Tahoma"/>
+              </a:rPr>
+              <a:t>cũng</a:t>
+            </a:r>
+            <a:r>
+              <a:rPr lang="en-US" sz="1200" b="0" strike="noStrike" spc="-1" dirty="0">
+                <a:solidFill>
+                  <a:srgbClr val="000000"/>
+                </a:solidFill>
+                <a:latin typeface="Tahoma"/>
+                <a:ea typeface="Tahoma"/>
+              </a:rPr>
+              <a:t> </a:t>
+            </a:r>
+            <a:r>
+              <a:rPr lang="en-US" sz="1200" b="0" strike="noStrike" spc="-1" dirty="0" err="1">
+                <a:solidFill>
+                  <a:srgbClr val="000000"/>
+                </a:solidFill>
+                <a:latin typeface="Tahoma"/>
+                <a:ea typeface="Tahoma"/>
+              </a:rPr>
+              <a:t>như</a:t>
+            </a:r>
+            <a:r>
+              <a:rPr lang="en-US" sz="1200" b="0" strike="noStrike" spc="-1" dirty="0">
+                <a:solidFill>
+                  <a:srgbClr val="000000"/>
+                </a:solidFill>
+                <a:latin typeface="Tahoma"/>
+                <a:ea typeface="Tahoma"/>
+              </a:rPr>
+              <a:t> </a:t>
+            </a:r>
+            <a:r>
+              <a:rPr lang="en-US" sz="1200" b="0" strike="noStrike" spc="-1" dirty="0" err="1">
+                <a:solidFill>
+                  <a:srgbClr val="000000"/>
+                </a:solidFill>
+                <a:latin typeface="Tahoma"/>
+                <a:ea typeface="Tahoma"/>
+              </a:rPr>
+              <a:t>trong</a:t>
+            </a:r>
+            <a:r>
+              <a:rPr lang="en-US" sz="1200" b="0" strike="noStrike" spc="-1" dirty="0">
+                <a:solidFill>
+                  <a:srgbClr val="000000"/>
+                </a:solidFill>
+                <a:latin typeface="Tahoma"/>
+                <a:ea typeface="Tahoma"/>
+              </a:rPr>
+              <a:t> </a:t>
+            </a:r>
+            <a:r>
+              <a:rPr lang="en-US" sz="1200" b="0" strike="noStrike" spc="-1" dirty="0" err="1">
+                <a:solidFill>
+                  <a:srgbClr val="000000"/>
+                </a:solidFill>
+                <a:latin typeface="Tahoma"/>
+                <a:ea typeface="Tahoma"/>
+              </a:rPr>
+              <a:t>cuộc</a:t>
+            </a:r>
+            <a:r>
+              <a:rPr lang="en-US" sz="1200" b="0" strike="noStrike" spc="-1" dirty="0">
+                <a:solidFill>
+                  <a:srgbClr val="000000"/>
+                </a:solidFill>
+                <a:latin typeface="Tahoma"/>
+                <a:ea typeface="Tahoma"/>
+              </a:rPr>
+              <a:t> </a:t>
+            </a:r>
+            <a:r>
+              <a:rPr lang="en-US" sz="1200" b="0" strike="noStrike" spc="-1" dirty="0" err="1">
+                <a:solidFill>
+                  <a:srgbClr val="000000"/>
+                </a:solidFill>
+                <a:latin typeface="Tahoma"/>
+                <a:ea typeface="Tahoma"/>
+              </a:rPr>
+              <a:t>sống</a:t>
+            </a:r>
+            <a:r>
+              <a:rPr lang="en-US" sz="1200" b="0" strike="noStrike" spc="-1" dirty="0">
+                <a:solidFill>
+                  <a:srgbClr val="000000"/>
+                </a:solidFill>
+                <a:latin typeface="Tahoma"/>
+                <a:ea typeface="Tahoma"/>
+              </a:rPr>
+              <a:t>.</a:t>
+            </a:r>
+            <a:endParaRPr lang="en-US" sz="1200" b="0" strike="noStrike" spc="-1" dirty="0">
               <a:latin typeface="Arial"/>
             </a:endParaRPr>
           </a:p>
@@ -5078,16 +11198,846 @@
               </a:tabLst>
             </a:pPr>
             <a:r>
-              <a:rPr lang="en-US" sz="1200" b="0" strike="noStrike" spc="-1">
-                <a:solidFill>
-                  <a:srgbClr val="000000"/>
-                </a:solidFill>
-                <a:latin typeface="Tahoma"/>
-                <a:ea typeface="Tahoma"/>
-              </a:rPr>
-              <a:t>Mỗi người trong chúng ta là một phiên bản mang màu sắc rất riêng và đặc biệt, tạo nên những giá trị độc đáo khác nhau. Các chỉ số thể hiện trong bài không nên dùng để đánh giá hay so sánh với bất kỳ ai.</a:t>
-            </a:r>
-            <a:endParaRPr lang="en-US" sz="1200" b="0" strike="noStrike" spc="-1">
+              <a:rPr lang="en-US" sz="1200" b="0" strike="noStrike" spc="-1" dirty="0" err="1">
+                <a:solidFill>
+                  <a:srgbClr val="000000"/>
+                </a:solidFill>
+                <a:latin typeface="Tahoma"/>
+                <a:ea typeface="Tahoma"/>
+              </a:rPr>
+              <a:t>Mỗi</a:t>
+            </a:r>
+            <a:r>
+              <a:rPr lang="en-US" sz="1200" b="0" strike="noStrike" spc="-1" dirty="0">
+                <a:solidFill>
+                  <a:srgbClr val="000000"/>
+                </a:solidFill>
+                <a:latin typeface="Tahoma"/>
+                <a:ea typeface="Tahoma"/>
+              </a:rPr>
+              <a:t> </a:t>
+            </a:r>
+            <a:r>
+              <a:rPr lang="en-US" sz="1200" b="0" strike="noStrike" spc="-1" dirty="0" err="1">
+                <a:solidFill>
+                  <a:srgbClr val="000000"/>
+                </a:solidFill>
+                <a:latin typeface="Tahoma"/>
+                <a:ea typeface="Tahoma"/>
+              </a:rPr>
+              <a:t>người</a:t>
+            </a:r>
+            <a:r>
+              <a:rPr lang="en-US" sz="1200" b="0" strike="noStrike" spc="-1" dirty="0">
+                <a:solidFill>
+                  <a:srgbClr val="000000"/>
+                </a:solidFill>
+                <a:latin typeface="Tahoma"/>
+                <a:ea typeface="Tahoma"/>
+              </a:rPr>
+              <a:t> </a:t>
+            </a:r>
+            <a:r>
+              <a:rPr lang="en-US" sz="1200" b="0" strike="noStrike" spc="-1" dirty="0" err="1">
+                <a:solidFill>
+                  <a:srgbClr val="000000"/>
+                </a:solidFill>
+                <a:latin typeface="Tahoma"/>
+                <a:ea typeface="Tahoma"/>
+              </a:rPr>
+              <a:t>trong</a:t>
+            </a:r>
+            <a:r>
+              <a:rPr lang="en-US" sz="1200" b="0" strike="noStrike" spc="-1" dirty="0">
+                <a:solidFill>
+                  <a:srgbClr val="000000"/>
+                </a:solidFill>
+                <a:latin typeface="Tahoma"/>
+                <a:ea typeface="Tahoma"/>
+              </a:rPr>
+              <a:t> </a:t>
+            </a:r>
+            <a:r>
+              <a:rPr lang="en-US" sz="1200" b="0" strike="noStrike" spc="-1" dirty="0" err="1">
+                <a:solidFill>
+                  <a:srgbClr val="000000"/>
+                </a:solidFill>
+                <a:latin typeface="Tahoma"/>
+                <a:ea typeface="Tahoma"/>
+              </a:rPr>
+              <a:t>chúng</a:t>
+            </a:r>
+            <a:r>
+              <a:rPr lang="en-US" sz="1200" b="0" strike="noStrike" spc="-1" dirty="0">
+                <a:solidFill>
+                  <a:srgbClr val="000000"/>
+                </a:solidFill>
+                <a:latin typeface="Tahoma"/>
+                <a:ea typeface="Tahoma"/>
+              </a:rPr>
+              <a:t> ta </a:t>
+            </a:r>
+            <a:r>
+              <a:rPr lang="en-US" sz="1200" b="0" strike="noStrike" spc="-1" dirty="0" err="1">
+                <a:solidFill>
+                  <a:srgbClr val="000000"/>
+                </a:solidFill>
+                <a:latin typeface="Tahoma"/>
+                <a:ea typeface="Tahoma"/>
+              </a:rPr>
+              <a:t>là</a:t>
+            </a:r>
+            <a:r>
+              <a:rPr lang="en-US" sz="1200" b="0" strike="noStrike" spc="-1" dirty="0">
+                <a:solidFill>
+                  <a:srgbClr val="000000"/>
+                </a:solidFill>
+                <a:latin typeface="Tahoma"/>
+                <a:ea typeface="Tahoma"/>
+              </a:rPr>
+              <a:t> </a:t>
+            </a:r>
+            <a:r>
+              <a:rPr lang="en-US" sz="1200" b="0" strike="noStrike" spc="-1" dirty="0" err="1">
+                <a:solidFill>
+                  <a:srgbClr val="000000"/>
+                </a:solidFill>
+                <a:latin typeface="Tahoma"/>
+                <a:ea typeface="Tahoma"/>
+              </a:rPr>
+              <a:t>một</a:t>
+            </a:r>
+            <a:r>
+              <a:rPr lang="en-US" sz="1200" b="0" strike="noStrike" spc="-1" dirty="0">
+                <a:solidFill>
+                  <a:srgbClr val="000000"/>
+                </a:solidFill>
+                <a:latin typeface="Tahoma"/>
+                <a:ea typeface="Tahoma"/>
+              </a:rPr>
+              <a:t> </a:t>
+            </a:r>
+            <a:r>
+              <a:rPr lang="en-US" sz="1200" b="0" strike="noStrike" spc="-1" dirty="0" err="1">
+                <a:solidFill>
+                  <a:srgbClr val="000000"/>
+                </a:solidFill>
+                <a:latin typeface="Tahoma"/>
+                <a:ea typeface="Tahoma"/>
+              </a:rPr>
+              <a:t>phiên</a:t>
+            </a:r>
+            <a:r>
+              <a:rPr lang="en-US" sz="1200" b="0" strike="noStrike" spc="-1" dirty="0">
+                <a:solidFill>
+                  <a:srgbClr val="000000"/>
+                </a:solidFill>
+                <a:latin typeface="Tahoma"/>
+                <a:ea typeface="Tahoma"/>
+              </a:rPr>
+              <a:t> </a:t>
+            </a:r>
+            <a:r>
+              <a:rPr lang="en-US" sz="1200" b="0" strike="noStrike" spc="-1" dirty="0" err="1">
+                <a:solidFill>
+                  <a:srgbClr val="000000"/>
+                </a:solidFill>
+                <a:latin typeface="Tahoma"/>
+                <a:ea typeface="Tahoma"/>
+              </a:rPr>
+              <a:t>bản</a:t>
+            </a:r>
+            <a:r>
+              <a:rPr lang="en-US" sz="1200" b="0" strike="noStrike" spc="-1" dirty="0">
+                <a:solidFill>
+                  <a:srgbClr val="000000"/>
+                </a:solidFill>
+                <a:latin typeface="Tahoma"/>
+                <a:ea typeface="Tahoma"/>
+              </a:rPr>
+              <a:t> </a:t>
+            </a:r>
+            <a:r>
+              <a:rPr lang="en-US" sz="1200" b="0" strike="noStrike" spc="-1" dirty="0" err="1">
+                <a:solidFill>
+                  <a:srgbClr val="000000"/>
+                </a:solidFill>
+                <a:latin typeface="Tahoma"/>
+                <a:ea typeface="Tahoma"/>
+              </a:rPr>
+              <a:t>mang</a:t>
+            </a:r>
+            <a:r>
+              <a:rPr lang="en-US" sz="1200" b="0" strike="noStrike" spc="-1" dirty="0">
+                <a:solidFill>
+                  <a:srgbClr val="000000"/>
+                </a:solidFill>
+                <a:latin typeface="Tahoma"/>
+                <a:ea typeface="Tahoma"/>
+              </a:rPr>
+              <a:t> </a:t>
+            </a:r>
+            <a:r>
+              <a:rPr lang="en-US" sz="1200" b="0" strike="noStrike" spc="-1" dirty="0" err="1">
+                <a:solidFill>
+                  <a:srgbClr val="000000"/>
+                </a:solidFill>
+                <a:latin typeface="Tahoma"/>
+                <a:ea typeface="Tahoma"/>
+              </a:rPr>
+              <a:t>màu</a:t>
+            </a:r>
+            <a:r>
+              <a:rPr lang="en-US" sz="1200" b="0" strike="noStrike" spc="-1" dirty="0">
+                <a:solidFill>
+                  <a:srgbClr val="000000"/>
+                </a:solidFill>
+                <a:latin typeface="Tahoma"/>
+                <a:ea typeface="Tahoma"/>
+              </a:rPr>
+              <a:t> </a:t>
+            </a:r>
+            <a:r>
+              <a:rPr lang="en-US" sz="1200" b="0" strike="noStrike" spc="-1" dirty="0" err="1">
+                <a:solidFill>
+                  <a:srgbClr val="000000"/>
+                </a:solidFill>
+                <a:latin typeface="Tahoma"/>
+                <a:ea typeface="Tahoma"/>
+              </a:rPr>
+              <a:t>sắc</a:t>
+            </a:r>
+            <a:r>
+              <a:rPr lang="en-US" sz="1200" b="0" strike="noStrike" spc="-1" dirty="0">
+                <a:solidFill>
+                  <a:srgbClr val="000000"/>
+                </a:solidFill>
+                <a:latin typeface="Tahoma"/>
+                <a:ea typeface="Tahoma"/>
+              </a:rPr>
+              <a:t> </a:t>
+            </a:r>
+            <a:r>
+              <a:rPr lang="en-US" sz="1200" b="0" strike="noStrike" spc="-1" dirty="0" err="1">
+                <a:solidFill>
+                  <a:srgbClr val="000000"/>
+                </a:solidFill>
+                <a:latin typeface="Tahoma"/>
+                <a:ea typeface="Tahoma"/>
+              </a:rPr>
+              <a:t>rất</a:t>
+            </a:r>
+            <a:r>
+              <a:rPr lang="en-US" sz="1200" b="0" strike="noStrike" spc="-1" dirty="0">
+                <a:solidFill>
+                  <a:srgbClr val="000000"/>
+                </a:solidFill>
+                <a:latin typeface="Tahoma"/>
+                <a:ea typeface="Tahoma"/>
+              </a:rPr>
+              <a:t> </a:t>
+            </a:r>
+            <a:r>
+              <a:rPr lang="en-US" sz="1200" b="0" strike="noStrike" spc="-1" dirty="0" err="1">
+                <a:solidFill>
+                  <a:srgbClr val="000000"/>
+                </a:solidFill>
+                <a:latin typeface="Tahoma"/>
+                <a:ea typeface="Tahoma"/>
+              </a:rPr>
+              <a:t>riêng</a:t>
+            </a:r>
+            <a:r>
+              <a:rPr lang="en-US" sz="1200" b="0" strike="noStrike" spc="-1" dirty="0">
+                <a:solidFill>
+                  <a:srgbClr val="000000"/>
+                </a:solidFill>
+                <a:latin typeface="Tahoma"/>
+                <a:ea typeface="Tahoma"/>
+              </a:rPr>
+              <a:t> </a:t>
+            </a:r>
+            <a:r>
+              <a:rPr lang="en-US" sz="1200" b="0" strike="noStrike" spc="-1" dirty="0" err="1">
+                <a:solidFill>
+                  <a:srgbClr val="000000"/>
+                </a:solidFill>
+                <a:latin typeface="Tahoma"/>
+                <a:ea typeface="Tahoma"/>
+              </a:rPr>
+              <a:t>và</a:t>
+            </a:r>
+            <a:r>
+              <a:rPr lang="en-US" sz="1200" b="0" strike="noStrike" spc="-1" dirty="0">
+                <a:solidFill>
+                  <a:srgbClr val="000000"/>
+                </a:solidFill>
+                <a:latin typeface="Tahoma"/>
+                <a:ea typeface="Tahoma"/>
+              </a:rPr>
+              <a:t> </a:t>
+            </a:r>
+            <a:r>
+              <a:rPr lang="en-US" sz="1200" b="0" strike="noStrike" spc="-1" dirty="0" err="1">
+                <a:solidFill>
+                  <a:srgbClr val="000000"/>
+                </a:solidFill>
+                <a:latin typeface="Tahoma"/>
+                <a:ea typeface="Tahoma"/>
+              </a:rPr>
+              <a:t>đặc</a:t>
+            </a:r>
+            <a:r>
+              <a:rPr lang="en-US" sz="1200" b="0" strike="noStrike" spc="-1" dirty="0">
+                <a:solidFill>
+                  <a:srgbClr val="000000"/>
+                </a:solidFill>
+                <a:latin typeface="Tahoma"/>
+                <a:ea typeface="Tahoma"/>
+              </a:rPr>
+              <a:t> </a:t>
+            </a:r>
+            <a:r>
+              <a:rPr lang="en-US" sz="1200" b="0" strike="noStrike" spc="-1" dirty="0" err="1">
+                <a:solidFill>
+                  <a:srgbClr val="000000"/>
+                </a:solidFill>
+                <a:latin typeface="Tahoma"/>
+                <a:ea typeface="Tahoma"/>
+              </a:rPr>
+              <a:t>biệt</a:t>
+            </a:r>
+            <a:r>
+              <a:rPr lang="en-US" sz="1200" b="0" strike="noStrike" spc="-1" dirty="0">
+                <a:solidFill>
+                  <a:srgbClr val="000000"/>
+                </a:solidFill>
+                <a:latin typeface="Tahoma"/>
+                <a:ea typeface="Tahoma"/>
+              </a:rPr>
+              <a:t>, </a:t>
+            </a:r>
+            <a:r>
+              <a:rPr lang="en-US" sz="1200" b="0" strike="noStrike" spc="-1" dirty="0" err="1">
+                <a:solidFill>
+                  <a:srgbClr val="000000"/>
+                </a:solidFill>
+                <a:latin typeface="Tahoma"/>
+                <a:ea typeface="Tahoma"/>
+              </a:rPr>
+              <a:t>tạo</a:t>
+            </a:r>
+            <a:r>
+              <a:rPr lang="en-US" sz="1200" b="0" strike="noStrike" spc="-1" dirty="0">
+                <a:solidFill>
+                  <a:srgbClr val="000000"/>
+                </a:solidFill>
+                <a:latin typeface="Tahoma"/>
+                <a:ea typeface="Tahoma"/>
+              </a:rPr>
+              <a:t> </a:t>
+            </a:r>
+            <a:r>
+              <a:rPr lang="en-US" sz="1200" b="0" strike="noStrike" spc="-1" dirty="0" err="1">
+                <a:solidFill>
+                  <a:srgbClr val="000000"/>
+                </a:solidFill>
+                <a:latin typeface="Tahoma"/>
+                <a:ea typeface="Tahoma"/>
+              </a:rPr>
+              <a:t>nên</a:t>
+            </a:r>
+            <a:r>
+              <a:rPr lang="en-US" sz="1200" b="0" strike="noStrike" spc="-1" dirty="0">
+                <a:solidFill>
+                  <a:srgbClr val="000000"/>
+                </a:solidFill>
+                <a:latin typeface="Tahoma"/>
+                <a:ea typeface="Tahoma"/>
+              </a:rPr>
+              <a:t> </a:t>
+            </a:r>
+            <a:r>
+              <a:rPr lang="en-US" sz="1200" b="0" strike="noStrike" spc="-1" dirty="0" err="1">
+                <a:solidFill>
+                  <a:srgbClr val="000000"/>
+                </a:solidFill>
+                <a:latin typeface="Tahoma"/>
+                <a:ea typeface="Tahoma"/>
+              </a:rPr>
+              <a:t>những</a:t>
+            </a:r>
+            <a:r>
+              <a:rPr lang="en-US" sz="1200" b="0" strike="noStrike" spc="-1" dirty="0">
+                <a:solidFill>
+                  <a:srgbClr val="000000"/>
+                </a:solidFill>
+                <a:latin typeface="Tahoma"/>
+                <a:ea typeface="Tahoma"/>
+              </a:rPr>
+              <a:t> </a:t>
+            </a:r>
+            <a:r>
+              <a:rPr lang="en-US" sz="1200" b="0" strike="noStrike" spc="-1" dirty="0" err="1">
+                <a:solidFill>
+                  <a:srgbClr val="000000"/>
+                </a:solidFill>
+                <a:latin typeface="Tahoma"/>
+                <a:ea typeface="Tahoma"/>
+              </a:rPr>
+              <a:t>giá</a:t>
+            </a:r>
+            <a:r>
+              <a:rPr lang="en-US" sz="1200" b="0" strike="noStrike" spc="-1" dirty="0">
+                <a:solidFill>
+                  <a:srgbClr val="000000"/>
+                </a:solidFill>
+                <a:latin typeface="Tahoma"/>
+                <a:ea typeface="Tahoma"/>
+              </a:rPr>
+              <a:t> </a:t>
+            </a:r>
+            <a:r>
+              <a:rPr lang="en-US" sz="1200" b="0" strike="noStrike" spc="-1" dirty="0" err="1">
+                <a:solidFill>
+                  <a:srgbClr val="000000"/>
+                </a:solidFill>
+                <a:latin typeface="Tahoma"/>
+                <a:ea typeface="Tahoma"/>
+              </a:rPr>
+              <a:t>trị</a:t>
+            </a:r>
+            <a:r>
+              <a:rPr lang="en-US" sz="1200" b="0" strike="noStrike" spc="-1" dirty="0">
+                <a:solidFill>
+                  <a:srgbClr val="000000"/>
+                </a:solidFill>
+                <a:latin typeface="Tahoma"/>
+                <a:ea typeface="Tahoma"/>
+              </a:rPr>
+              <a:t> </a:t>
+            </a:r>
+            <a:r>
+              <a:rPr lang="en-US" sz="1200" b="0" strike="noStrike" spc="-1" dirty="0" err="1">
+                <a:solidFill>
+                  <a:srgbClr val="000000"/>
+                </a:solidFill>
+                <a:latin typeface="Tahoma"/>
+                <a:ea typeface="Tahoma"/>
+              </a:rPr>
+              <a:t>độc</a:t>
+            </a:r>
+            <a:r>
+              <a:rPr lang="en-US" sz="1200" b="0" strike="noStrike" spc="-1" dirty="0">
+                <a:solidFill>
+                  <a:srgbClr val="000000"/>
+                </a:solidFill>
+                <a:latin typeface="Tahoma"/>
+                <a:ea typeface="Tahoma"/>
+              </a:rPr>
+              <a:t> </a:t>
+            </a:r>
+            <a:r>
+              <a:rPr lang="en-US" sz="1200" b="0" strike="noStrike" spc="-1" dirty="0" err="1">
+                <a:solidFill>
+                  <a:srgbClr val="000000"/>
+                </a:solidFill>
+                <a:latin typeface="Tahoma"/>
+                <a:ea typeface="Tahoma"/>
+              </a:rPr>
+              <a:t>đáo</a:t>
+            </a:r>
+            <a:r>
+              <a:rPr lang="en-US" sz="1200" b="0" strike="noStrike" spc="-1" dirty="0">
+                <a:solidFill>
+                  <a:srgbClr val="000000"/>
+                </a:solidFill>
+                <a:latin typeface="Tahoma"/>
+                <a:ea typeface="Tahoma"/>
+              </a:rPr>
+              <a:t> </a:t>
+            </a:r>
+            <a:r>
+              <a:rPr lang="en-US" sz="1200" b="0" strike="noStrike" spc="-1" dirty="0" err="1">
+                <a:solidFill>
+                  <a:srgbClr val="000000"/>
+                </a:solidFill>
+                <a:latin typeface="Tahoma"/>
+                <a:ea typeface="Tahoma"/>
+              </a:rPr>
+              <a:t>khác</a:t>
+            </a:r>
+            <a:r>
+              <a:rPr lang="en-US" sz="1200" b="0" strike="noStrike" spc="-1" dirty="0">
+                <a:solidFill>
+                  <a:srgbClr val="000000"/>
+                </a:solidFill>
+                <a:latin typeface="Tahoma"/>
+                <a:ea typeface="Tahoma"/>
+              </a:rPr>
+              <a:t> </a:t>
+            </a:r>
+            <a:r>
+              <a:rPr lang="en-US" sz="1200" b="0" strike="noStrike" spc="-1" dirty="0" err="1">
+                <a:solidFill>
+                  <a:srgbClr val="000000"/>
+                </a:solidFill>
+                <a:latin typeface="Tahoma"/>
+                <a:ea typeface="Tahoma"/>
+              </a:rPr>
+              <a:t>nhau</a:t>
+            </a:r>
+            <a:r>
+              <a:rPr lang="en-US" sz="1200" b="0" strike="noStrike" spc="-1" dirty="0">
+                <a:solidFill>
+                  <a:srgbClr val="000000"/>
+                </a:solidFill>
+                <a:latin typeface="Tahoma"/>
+                <a:ea typeface="Tahoma"/>
+              </a:rPr>
+              <a:t>. </a:t>
+            </a:r>
+            <a:r>
+              <a:rPr lang="en-US" sz="1200" b="0" strike="noStrike" spc="-1" dirty="0" err="1">
+                <a:solidFill>
+                  <a:srgbClr val="000000"/>
+                </a:solidFill>
+                <a:latin typeface="Tahoma"/>
+                <a:ea typeface="Tahoma"/>
+              </a:rPr>
+              <a:t>Các</a:t>
+            </a:r>
+            <a:r>
+              <a:rPr lang="en-US" sz="1200" b="0" strike="noStrike" spc="-1" dirty="0">
+                <a:solidFill>
+                  <a:srgbClr val="000000"/>
+                </a:solidFill>
+                <a:latin typeface="Tahoma"/>
+                <a:ea typeface="Tahoma"/>
+              </a:rPr>
+              <a:t> </a:t>
+            </a:r>
+            <a:r>
+              <a:rPr lang="en-US" sz="1200" b="0" strike="noStrike" spc="-1" dirty="0" err="1">
+                <a:solidFill>
+                  <a:srgbClr val="000000"/>
+                </a:solidFill>
+                <a:latin typeface="Tahoma"/>
+                <a:ea typeface="Tahoma"/>
+              </a:rPr>
+              <a:t>chỉ</a:t>
+            </a:r>
+            <a:r>
+              <a:rPr lang="en-US" sz="1200" b="0" strike="noStrike" spc="-1" dirty="0">
+                <a:solidFill>
+                  <a:srgbClr val="000000"/>
+                </a:solidFill>
+                <a:latin typeface="Tahoma"/>
+                <a:ea typeface="Tahoma"/>
+              </a:rPr>
+              <a:t> </a:t>
+            </a:r>
+            <a:r>
+              <a:rPr lang="en-US" sz="1200" b="0" strike="noStrike" spc="-1" dirty="0" err="1">
+                <a:solidFill>
+                  <a:srgbClr val="000000"/>
+                </a:solidFill>
+                <a:latin typeface="Tahoma"/>
+                <a:ea typeface="Tahoma"/>
+              </a:rPr>
+              <a:t>số</a:t>
+            </a:r>
+            <a:r>
+              <a:rPr lang="en-US" sz="1200" b="0" strike="noStrike" spc="-1" dirty="0">
+                <a:solidFill>
+                  <a:srgbClr val="000000"/>
+                </a:solidFill>
+                <a:latin typeface="Tahoma"/>
+                <a:ea typeface="Tahoma"/>
+              </a:rPr>
+              <a:t> </a:t>
+            </a:r>
+            <a:r>
+              <a:rPr lang="en-US" sz="1200" b="0" strike="noStrike" spc="-1" dirty="0" err="1">
+                <a:solidFill>
+                  <a:srgbClr val="000000"/>
+                </a:solidFill>
+                <a:latin typeface="Tahoma"/>
+                <a:ea typeface="Tahoma"/>
+              </a:rPr>
+              <a:t>thể</a:t>
+            </a:r>
+            <a:r>
+              <a:rPr lang="en-US" sz="1200" b="0" strike="noStrike" spc="-1" dirty="0">
+                <a:solidFill>
+                  <a:srgbClr val="000000"/>
+                </a:solidFill>
+                <a:latin typeface="Tahoma"/>
+                <a:ea typeface="Tahoma"/>
+              </a:rPr>
+              <a:t> </a:t>
+            </a:r>
+            <a:r>
+              <a:rPr lang="en-US" sz="1200" b="0" strike="noStrike" spc="-1" dirty="0" err="1">
+                <a:solidFill>
+                  <a:srgbClr val="000000"/>
+                </a:solidFill>
+                <a:latin typeface="Tahoma"/>
+                <a:ea typeface="Tahoma"/>
+              </a:rPr>
+              <a:t>hiện</a:t>
+            </a:r>
+            <a:r>
+              <a:rPr lang="en-US" sz="1200" b="0" strike="noStrike" spc="-1" dirty="0">
+                <a:solidFill>
+                  <a:srgbClr val="000000"/>
+                </a:solidFill>
+                <a:latin typeface="Tahoma"/>
+                <a:ea typeface="Tahoma"/>
+              </a:rPr>
+              <a:t> </a:t>
+            </a:r>
+            <a:r>
+              <a:rPr lang="en-US" sz="1200" b="0" strike="noStrike" spc="-1" dirty="0" err="1">
+                <a:solidFill>
+                  <a:srgbClr val="000000"/>
+                </a:solidFill>
+                <a:latin typeface="Tahoma"/>
+                <a:ea typeface="Tahoma"/>
+              </a:rPr>
+              <a:t>trong</a:t>
+            </a:r>
+            <a:r>
+              <a:rPr lang="en-US" sz="1200" b="0" strike="noStrike" spc="-1" dirty="0">
+                <a:solidFill>
+                  <a:srgbClr val="000000"/>
+                </a:solidFill>
+                <a:latin typeface="Tahoma"/>
+                <a:ea typeface="Tahoma"/>
+              </a:rPr>
+              <a:t> </a:t>
+            </a:r>
+            <a:r>
+              <a:rPr lang="en-US" sz="1200" b="0" strike="noStrike" spc="-1" dirty="0" err="1">
+                <a:solidFill>
+                  <a:srgbClr val="000000"/>
+                </a:solidFill>
+                <a:latin typeface="Tahoma"/>
+                <a:ea typeface="Tahoma"/>
+              </a:rPr>
+              <a:t>bài</a:t>
+            </a:r>
+            <a:r>
+              <a:rPr lang="en-US" sz="1200" b="0" strike="noStrike" spc="-1" dirty="0">
+                <a:solidFill>
+                  <a:srgbClr val="000000"/>
+                </a:solidFill>
+                <a:latin typeface="Tahoma"/>
+                <a:ea typeface="Tahoma"/>
+              </a:rPr>
+              <a:t> </a:t>
+            </a:r>
+            <a:r>
+              <a:rPr lang="en-US" sz="1200" b="0" strike="noStrike" spc="-1" dirty="0" err="1">
+                <a:solidFill>
+                  <a:srgbClr val="000000"/>
+                </a:solidFill>
+                <a:latin typeface="Tahoma"/>
+                <a:ea typeface="Tahoma"/>
+              </a:rPr>
+              <a:t>không</a:t>
+            </a:r>
+            <a:r>
+              <a:rPr lang="en-US" sz="1200" b="0" strike="noStrike" spc="-1" dirty="0">
+                <a:solidFill>
+                  <a:srgbClr val="000000"/>
+                </a:solidFill>
+                <a:latin typeface="Tahoma"/>
+                <a:ea typeface="Tahoma"/>
+              </a:rPr>
+              <a:t> </a:t>
+            </a:r>
+            <a:r>
+              <a:rPr lang="en-US" sz="1200" b="0" strike="noStrike" spc="-1" dirty="0" err="1">
+                <a:solidFill>
+                  <a:srgbClr val="000000"/>
+                </a:solidFill>
+                <a:latin typeface="Tahoma"/>
+                <a:ea typeface="Tahoma"/>
+              </a:rPr>
+              <a:t>nên</a:t>
+            </a:r>
+            <a:r>
+              <a:rPr lang="en-US" sz="1200" b="0" strike="noStrike" spc="-1" dirty="0">
+                <a:solidFill>
+                  <a:srgbClr val="000000"/>
+                </a:solidFill>
+                <a:latin typeface="Tahoma"/>
+                <a:ea typeface="Tahoma"/>
+              </a:rPr>
+              <a:t> </a:t>
+            </a:r>
+            <a:r>
+              <a:rPr lang="en-US" sz="1200" b="0" strike="noStrike" spc="-1" dirty="0" err="1">
+                <a:solidFill>
+                  <a:srgbClr val="000000"/>
+                </a:solidFill>
+                <a:latin typeface="Tahoma"/>
+                <a:ea typeface="Tahoma"/>
+              </a:rPr>
+              <a:t>dùng</a:t>
+            </a:r>
+            <a:r>
+              <a:rPr lang="en-US" sz="1200" b="0" strike="noStrike" spc="-1" dirty="0">
+                <a:solidFill>
+                  <a:srgbClr val="000000"/>
+                </a:solidFill>
+                <a:latin typeface="Tahoma"/>
+                <a:ea typeface="Tahoma"/>
+              </a:rPr>
+              <a:t> </a:t>
+            </a:r>
+            <a:r>
+              <a:rPr lang="en-US" sz="1200" b="0" strike="noStrike" spc="-1" dirty="0" err="1">
+                <a:solidFill>
+                  <a:srgbClr val="000000"/>
+                </a:solidFill>
+                <a:latin typeface="Tahoma"/>
+                <a:ea typeface="Tahoma"/>
+              </a:rPr>
+              <a:t>để</a:t>
+            </a:r>
+            <a:r>
+              <a:rPr lang="en-US" sz="1200" b="0" strike="noStrike" spc="-1" dirty="0">
+                <a:solidFill>
+                  <a:srgbClr val="000000"/>
+                </a:solidFill>
+                <a:latin typeface="Tahoma"/>
+                <a:ea typeface="Tahoma"/>
+              </a:rPr>
+              <a:t> </a:t>
+            </a:r>
+            <a:r>
+              <a:rPr lang="en-US" sz="1200" b="0" strike="noStrike" spc="-1" dirty="0" err="1">
+                <a:solidFill>
+                  <a:srgbClr val="000000"/>
+                </a:solidFill>
+                <a:latin typeface="Tahoma"/>
+                <a:ea typeface="Tahoma"/>
+              </a:rPr>
+              <a:t>đánh</a:t>
+            </a:r>
+            <a:r>
+              <a:rPr lang="en-US" sz="1200" b="0" strike="noStrike" spc="-1" dirty="0">
+                <a:solidFill>
+                  <a:srgbClr val="000000"/>
+                </a:solidFill>
+                <a:latin typeface="Tahoma"/>
+                <a:ea typeface="Tahoma"/>
+              </a:rPr>
+              <a:t> </a:t>
+            </a:r>
+            <a:r>
+              <a:rPr lang="en-US" sz="1200" b="0" strike="noStrike" spc="-1" dirty="0" err="1">
+                <a:solidFill>
+                  <a:srgbClr val="000000"/>
+                </a:solidFill>
+                <a:latin typeface="Tahoma"/>
+                <a:ea typeface="Tahoma"/>
+              </a:rPr>
+              <a:t>giá</a:t>
+            </a:r>
+            <a:r>
+              <a:rPr lang="en-US" sz="1200" b="0" strike="noStrike" spc="-1" dirty="0">
+                <a:solidFill>
+                  <a:srgbClr val="000000"/>
+                </a:solidFill>
+                <a:latin typeface="Tahoma"/>
+                <a:ea typeface="Tahoma"/>
+              </a:rPr>
+              <a:t> hay so </a:t>
+            </a:r>
+            <a:r>
+              <a:rPr lang="en-US" sz="1200" b="0" strike="noStrike" spc="-1" dirty="0" err="1">
+                <a:solidFill>
+                  <a:srgbClr val="000000"/>
+                </a:solidFill>
+                <a:latin typeface="Tahoma"/>
+                <a:ea typeface="Tahoma"/>
+              </a:rPr>
+              <a:t>sánh</a:t>
+            </a:r>
+            <a:r>
+              <a:rPr lang="en-US" sz="1200" b="0" strike="noStrike" spc="-1" dirty="0">
+                <a:solidFill>
+                  <a:srgbClr val="000000"/>
+                </a:solidFill>
+                <a:latin typeface="Tahoma"/>
+                <a:ea typeface="Tahoma"/>
+              </a:rPr>
+              <a:t> </a:t>
+            </a:r>
+            <a:r>
+              <a:rPr lang="en-US" sz="1200" b="0" strike="noStrike" spc="-1" dirty="0" err="1">
+                <a:solidFill>
+                  <a:srgbClr val="000000"/>
+                </a:solidFill>
+                <a:latin typeface="Tahoma"/>
+                <a:ea typeface="Tahoma"/>
+              </a:rPr>
+              <a:t>với</a:t>
+            </a:r>
+            <a:r>
+              <a:rPr lang="en-US" sz="1200" b="0" strike="noStrike" spc="-1" dirty="0">
+                <a:solidFill>
+                  <a:srgbClr val="000000"/>
+                </a:solidFill>
+                <a:latin typeface="Tahoma"/>
+                <a:ea typeface="Tahoma"/>
+              </a:rPr>
+              <a:t> </a:t>
+            </a:r>
+            <a:r>
+              <a:rPr lang="en-US" sz="1200" b="0" strike="noStrike" spc="-1" dirty="0" err="1">
+                <a:solidFill>
+                  <a:srgbClr val="000000"/>
+                </a:solidFill>
+                <a:latin typeface="Tahoma"/>
+                <a:ea typeface="Tahoma"/>
+              </a:rPr>
+              <a:t>bất</a:t>
+            </a:r>
+            <a:r>
+              <a:rPr lang="en-US" sz="1200" b="0" strike="noStrike" spc="-1" dirty="0">
+                <a:solidFill>
+                  <a:srgbClr val="000000"/>
+                </a:solidFill>
+                <a:latin typeface="Tahoma"/>
+                <a:ea typeface="Tahoma"/>
+              </a:rPr>
+              <a:t> </a:t>
+            </a:r>
+            <a:r>
+              <a:rPr lang="en-US" sz="1200" b="0" strike="noStrike" spc="-1" dirty="0" err="1">
+                <a:solidFill>
+                  <a:srgbClr val="000000"/>
+                </a:solidFill>
+                <a:latin typeface="Tahoma"/>
+                <a:ea typeface="Tahoma"/>
+              </a:rPr>
+              <a:t>kỳ</a:t>
+            </a:r>
+            <a:r>
+              <a:rPr lang="en-US" sz="1200" b="0" strike="noStrike" spc="-1" dirty="0">
+                <a:solidFill>
+                  <a:srgbClr val="000000"/>
+                </a:solidFill>
+                <a:latin typeface="Tahoma"/>
+                <a:ea typeface="Tahoma"/>
+              </a:rPr>
+              <a:t> ai.</a:t>
+            </a:r>
+            <a:endParaRPr lang="en-US" sz="1200" b="0" strike="noStrike" spc="-1" dirty="0">
               <a:latin typeface="Arial"/>
             </a:endParaRPr>
           </a:p>
@@ -5104,7 +12054,7 @@
               </a:tabLst>
             </a:pPr>
             <a:r>
-              <a:rPr lang="vi-VN" sz="1200" b="0" strike="noStrike" spc="-1">
+              <a:rPr lang="vi-VN" sz="1200" b="0" strike="noStrike" spc="-1" dirty="0">
                 <a:solidFill>
                   <a:srgbClr val="000000"/>
                 </a:solidFill>
@@ -5114,16 +12064,296 @@
               <a:t>Mang sứ mệnh phát triển thế hệ trẻ Việt, đội ngũ TalentCenter.vn tâm huyết đồng hành cùng bạn trong việc hiểu, phát triển tố chất sẵn có và định hướng nghề nghiệp một cách bài bản</a:t>
             </a:r>
             <a:r>
-              <a:rPr lang="en-US" sz="1200" b="0" strike="noStrike" spc="-1">
-                <a:solidFill>
-                  <a:srgbClr val="000000"/>
-                </a:solidFill>
-                <a:latin typeface="Tahoma"/>
-                <a:ea typeface="Tahoma"/>
-              </a:rPr>
-              <a:t>. Chúc bạn gặt hái những thành công như mong đợi và cuộc sống an vui.</a:t>
-            </a:r>
-            <a:endParaRPr lang="en-US" sz="1200" b="0" strike="noStrike" spc="-1">
+              <a:rPr lang="en-US" sz="1200" b="0" strike="noStrike" spc="-1" dirty="0">
+                <a:solidFill>
+                  <a:srgbClr val="000000"/>
+                </a:solidFill>
+                <a:latin typeface="Tahoma"/>
+                <a:ea typeface="Tahoma"/>
+              </a:rPr>
+              <a:t>. </a:t>
+            </a:r>
+            <a:r>
+              <a:rPr lang="en-US" sz="1200" b="0" strike="noStrike" spc="-1" dirty="0" err="1">
+                <a:solidFill>
+                  <a:srgbClr val="000000"/>
+                </a:solidFill>
+                <a:latin typeface="Tahoma"/>
+                <a:ea typeface="Tahoma"/>
+              </a:rPr>
+              <a:t>Chúc</a:t>
+            </a:r>
+            <a:r>
+              <a:rPr lang="en-US" sz="1200" b="0" strike="noStrike" spc="-1" dirty="0">
+                <a:solidFill>
+                  <a:srgbClr val="000000"/>
+                </a:solidFill>
+                <a:latin typeface="Tahoma"/>
+                <a:ea typeface="Tahoma"/>
+              </a:rPr>
+              <a:t> </a:t>
+            </a:r>
+            <a:r>
+              <a:rPr lang="en-US" sz="1200" b="0" strike="noStrike" spc="-1" dirty="0" err="1">
+                <a:solidFill>
+                  <a:srgbClr val="000000"/>
+                </a:solidFill>
+                <a:latin typeface="Tahoma"/>
+                <a:ea typeface="Tahoma"/>
+              </a:rPr>
+              <a:t>bạn</a:t>
+            </a:r>
+            <a:r>
+              <a:rPr lang="en-US" sz="1200" b="0" strike="noStrike" spc="-1" dirty="0">
+                <a:solidFill>
+                  <a:srgbClr val="000000"/>
+                </a:solidFill>
+                <a:latin typeface="Tahoma"/>
+                <a:ea typeface="Tahoma"/>
+              </a:rPr>
+              <a:t> </a:t>
+            </a:r>
+            <a:r>
+              <a:rPr lang="en-US" sz="1200" b="0" strike="noStrike" spc="-1" dirty="0" err="1">
+                <a:solidFill>
+                  <a:srgbClr val="000000"/>
+                </a:solidFill>
+                <a:latin typeface="Tahoma"/>
+                <a:ea typeface="Tahoma"/>
+              </a:rPr>
+              <a:t>gặt</a:t>
+            </a:r>
+            <a:r>
+              <a:rPr lang="en-US" sz="1200" b="0" strike="noStrike" spc="-1" dirty="0">
+                <a:solidFill>
+                  <a:srgbClr val="000000"/>
+                </a:solidFill>
+                <a:latin typeface="Tahoma"/>
+                <a:ea typeface="Tahoma"/>
+              </a:rPr>
+              <a:t> </a:t>
+            </a:r>
+            <a:r>
+              <a:rPr lang="en-US" sz="1200" b="0" strike="noStrike" spc="-1" dirty="0" err="1">
+                <a:solidFill>
+                  <a:srgbClr val="000000"/>
+                </a:solidFill>
+                <a:latin typeface="Tahoma"/>
+                <a:ea typeface="Tahoma"/>
+              </a:rPr>
+              <a:t>hái</a:t>
+            </a:r>
+            <a:r>
+              <a:rPr lang="en-US" sz="1200" b="0" strike="noStrike" spc="-1" dirty="0">
+                <a:solidFill>
+                  <a:srgbClr val="000000"/>
+                </a:solidFill>
+                <a:latin typeface="Tahoma"/>
+                <a:ea typeface="Tahoma"/>
+              </a:rPr>
+              <a:t> </a:t>
+            </a:r>
+            <a:r>
+              <a:rPr lang="en-US" sz="1200" b="0" strike="noStrike" spc="-1" dirty="0" err="1">
+                <a:solidFill>
+                  <a:srgbClr val="000000"/>
+                </a:solidFill>
+                <a:latin typeface="Tahoma"/>
+                <a:ea typeface="Tahoma"/>
+              </a:rPr>
+              <a:t>những</a:t>
+            </a:r>
+            <a:r>
+              <a:rPr lang="en-US" sz="1200" b="0" strike="noStrike" spc="-1" dirty="0">
+                <a:solidFill>
+                  <a:srgbClr val="000000"/>
+                </a:solidFill>
+                <a:latin typeface="Tahoma"/>
+                <a:ea typeface="Tahoma"/>
+              </a:rPr>
+              <a:t> </a:t>
+            </a:r>
+            <a:r>
+              <a:rPr lang="en-US" sz="1200" b="0" strike="noStrike" spc="-1" dirty="0" err="1">
+                <a:solidFill>
+                  <a:srgbClr val="000000"/>
+                </a:solidFill>
+                <a:latin typeface="Tahoma"/>
+                <a:ea typeface="Tahoma"/>
+              </a:rPr>
+              <a:t>thành</a:t>
+            </a:r>
+            <a:r>
+              <a:rPr lang="en-US" sz="1200" b="0" strike="noStrike" spc="-1" dirty="0">
+                <a:solidFill>
+                  <a:srgbClr val="000000"/>
+                </a:solidFill>
+                <a:latin typeface="Tahoma"/>
+                <a:ea typeface="Tahoma"/>
+              </a:rPr>
+              <a:t> </a:t>
+            </a:r>
+            <a:r>
+              <a:rPr lang="en-US" sz="1200" b="0" strike="noStrike" spc="-1" dirty="0" err="1">
+                <a:solidFill>
+                  <a:srgbClr val="000000"/>
+                </a:solidFill>
+                <a:latin typeface="Tahoma"/>
+                <a:ea typeface="Tahoma"/>
+              </a:rPr>
+              <a:t>công</a:t>
+            </a:r>
+            <a:r>
+              <a:rPr lang="en-US" sz="1200" b="0" strike="noStrike" spc="-1" dirty="0">
+                <a:solidFill>
+                  <a:srgbClr val="000000"/>
+                </a:solidFill>
+                <a:latin typeface="Tahoma"/>
+                <a:ea typeface="Tahoma"/>
+              </a:rPr>
+              <a:t> </a:t>
+            </a:r>
+            <a:r>
+              <a:rPr lang="en-US" sz="1200" b="0" strike="noStrike" spc="-1" dirty="0" err="1">
+                <a:solidFill>
+                  <a:srgbClr val="000000"/>
+                </a:solidFill>
+                <a:latin typeface="Tahoma"/>
+                <a:ea typeface="Tahoma"/>
+              </a:rPr>
+              <a:t>như</a:t>
+            </a:r>
+            <a:r>
+              <a:rPr lang="en-US" sz="1200" b="0" strike="noStrike" spc="-1" dirty="0">
+                <a:solidFill>
+                  <a:srgbClr val="000000"/>
+                </a:solidFill>
+                <a:latin typeface="Tahoma"/>
+                <a:ea typeface="Tahoma"/>
+              </a:rPr>
+              <a:t> </a:t>
+            </a:r>
+            <a:r>
+              <a:rPr lang="en-US" sz="1200" b="0" strike="noStrike" spc="-1" dirty="0" err="1">
+                <a:solidFill>
+                  <a:srgbClr val="000000"/>
+                </a:solidFill>
+                <a:latin typeface="Tahoma"/>
+                <a:ea typeface="Tahoma"/>
+              </a:rPr>
+              <a:t>mong</a:t>
+            </a:r>
+            <a:r>
+              <a:rPr lang="en-US" sz="1200" b="0" strike="noStrike" spc="-1" dirty="0">
+                <a:solidFill>
+                  <a:srgbClr val="000000"/>
+                </a:solidFill>
+                <a:latin typeface="Tahoma"/>
+                <a:ea typeface="Tahoma"/>
+              </a:rPr>
+              <a:t> </a:t>
+            </a:r>
+            <a:r>
+              <a:rPr lang="en-US" sz="1200" b="0" strike="noStrike" spc="-1" dirty="0" err="1">
+                <a:solidFill>
+                  <a:srgbClr val="000000"/>
+                </a:solidFill>
+                <a:latin typeface="Tahoma"/>
+                <a:ea typeface="Tahoma"/>
+              </a:rPr>
+              <a:t>đợi</a:t>
+            </a:r>
+            <a:r>
+              <a:rPr lang="en-US" sz="1200" b="0" strike="noStrike" spc="-1" dirty="0">
+                <a:solidFill>
+                  <a:srgbClr val="000000"/>
+                </a:solidFill>
+                <a:latin typeface="Tahoma"/>
+                <a:ea typeface="Tahoma"/>
+              </a:rPr>
+              <a:t> </a:t>
+            </a:r>
+            <a:r>
+              <a:rPr lang="en-US" sz="1200" b="0" strike="noStrike" spc="-1" dirty="0" err="1">
+                <a:solidFill>
+                  <a:srgbClr val="000000"/>
+                </a:solidFill>
+                <a:latin typeface="Tahoma"/>
+                <a:ea typeface="Tahoma"/>
+              </a:rPr>
+              <a:t>và</a:t>
+            </a:r>
+            <a:r>
+              <a:rPr lang="en-US" sz="1200" b="0" strike="noStrike" spc="-1" dirty="0">
+                <a:solidFill>
+                  <a:srgbClr val="000000"/>
+                </a:solidFill>
+                <a:latin typeface="Tahoma"/>
+                <a:ea typeface="Tahoma"/>
+              </a:rPr>
+              <a:t> </a:t>
+            </a:r>
+            <a:r>
+              <a:rPr lang="en-US" sz="1200" b="0" strike="noStrike" spc="-1" dirty="0" err="1">
+                <a:solidFill>
+                  <a:srgbClr val="000000"/>
+                </a:solidFill>
+                <a:latin typeface="Tahoma"/>
+                <a:ea typeface="Tahoma"/>
+              </a:rPr>
+              <a:t>cuộc</a:t>
+            </a:r>
+            <a:r>
+              <a:rPr lang="en-US" sz="1200" b="0" strike="noStrike" spc="-1" dirty="0">
+                <a:solidFill>
+                  <a:srgbClr val="000000"/>
+                </a:solidFill>
+                <a:latin typeface="Tahoma"/>
+                <a:ea typeface="Tahoma"/>
+              </a:rPr>
+              <a:t> </a:t>
+            </a:r>
+            <a:r>
+              <a:rPr lang="en-US" sz="1200" b="0" strike="noStrike" spc="-1" dirty="0" err="1">
+                <a:solidFill>
+                  <a:srgbClr val="000000"/>
+                </a:solidFill>
+                <a:latin typeface="Tahoma"/>
+                <a:ea typeface="Tahoma"/>
+              </a:rPr>
+              <a:t>sống</a:t>
+            </a:r>
+            <a:r>
+              <a:rPr lang="en-US" sz="1200" b="0" strike="noStrike" spc="-1" dirty="0">
+                <a:solidFill>
+                  <a:srgbClr val="000000"/>
+                </a:solidFill>
+                <a:latin typeface="Tahoma"/>
+                <a:ea typeface="Tahoma"/>
+              </a:rPr>
+              <a:t> an </a:t>
+            </a:r>
+            <a:r>
+              <a:rPr lang="en-US" sz="1200" b="0" strike="noStrike" spc="-1" dirty="0" err="1">
+                <a:solidFill>
+                  <a:srgbClr val="000000"/>
+                </a:solidFill>
+                <a:latin typeface="Tahoma"/>
+                <a:ea typeface="Tahoma"/>
+              </a:rPr>
+              <a:t>vui</a:t>
+            </a:r>
+            <a:r>
+              <a:rPr lang="en-US" sz="1200" b="0" strike="noStrike" spc="-1" dirty="0">
+                <a:solidFill>
+                  <a:srgbClr val="000000"/>
+                </a:solidFill>
+                <a:latin typeface="Tahoma"/>
+                <a:ea typeface="Tahoma"/>
+              </a:rPr>
+              <a:t>.</a:t>
+            </a:r>
+            <a:endParaRPr lang="en-US" sz="1200" b="0" strike="noStrike" spc="-1" dirty="0">
               <a:latin typeface="Arial"/>
             </a:endParaRPr>
           </a:p>
@@ -5264,16 +12494,66 @@
               </a:lnSpc>
             </a:pPr>
             <a:r>
-              <a:rPr lang="en-US" sz="1300" b="1" strike="noStrike" spc="-1">
+              <a:rPr lang="en-US" sz="1300" b="1" strike="noStrike" spc="-1" dirty="0" err="1">
                 <a:solidFill>
                   <a:srgbClr val="262626"/>
                 </a:solidFill>
                 <a:latin typeface="Tahoma"/>
                 <a:ea typeface="Tahoma"/>
               </a:rPr>
-              <a:t>Họ tên: [fullname]</a:t>
-            </a:r>
-            <a:endParaRPr lang="en-US" sz="1300" b="0" strike="noStrike" spc="-1">
+              <a:t>Họ</a:t>
+            </a:r>
+            <a:r>
+              <a:rPr lang="en-US" sz="1300" b="1" strike="noStrike" spc="-1" dirty="0">
+                <a:solidFill>
+                  <a:srgbClr val="262626"/>
+                </a:solidFill>
+                <a:latin typeface="Tahoma"/>
+                <a:ea typeface="Tahoma"/>
+              </a:rPr>
+              <a:t> </a:t>
+            </a:r>
+            <a:r>
+              <a:rPr lang="en-US" sz="1300" b="1" strike="noStrike" spc="-1" dirty="0" err="1">
+                <a:solidFill>
+                  <a:srgbClr val="262626"/>
+                </a:solidFill>
+                <a:latin typeface="Tahoma"/>
+                <a:ea typeface="Tahoma"/>
+              </a:rPr>
+              <a:t>tên</a:t>
+            </a:r>
+            <a:r>
+              <a:rPr lang="en-US" sz="1300" b="1" strike="noStrike" spc="-1" dirty="0">
+                <a:solidFill>
+                  <a:srgbClr val="262626"/>
+                </a:solidFill>
+                <a:latin typeface="Tahoma"/>
+                <a:ea typeface="Tahoma"/>
+              </a:rPr>
+              <a:t>: [</a:t>
+            </a:r>
+            <a:r>
+              <a:rPr lang="en-US" sz="1300" b="1" strike="noStrike" spc="-1" dirty="0" err="1">
+                <a:solidFill>
+                  <a:srgbClr val="262626"/>
+                </a:solidFill>
+                <a:latin typeface="Tahoma"/>
+                <a:ea typeface="Tahoma"/>
+              </a:rPr>
+              <a:t>fullname</a:t>
+            </a:r>
+            <a:r>
+              <a:rPr lang="en-US" sz="1300" b="1" strike="noStrike" spc="-1" dirty="0">
+                <a:solidFill>
+                  <a:srgbClr val="262626"/>
+                </a:solidFill>
+                <a:latin typeface="Tahoma"/>
+                <a:ea typeface="Tahoma"/>
+              </a:rPr>
+              <a:t>]</a:t>
+            </a:r>
+            <a:endParaRPr lang="en-US" sz="1300" b="0" strike="noStrike" spc="-1" dirty="0">
               <a:latin typeface="Arial"/>
             </a:endParaRPr>
           </a:p>
@@ -5284,16 +12564,46 @@
               </a:lnSpc>
             </a:pPr>
             <a:r>
-              <a:rPr lang="en-US" sz="1300" b="1" strike="noStrike" spc="-1">
+              <a:rPr lang="en-US" sz="1300" b="1" strike="noStrike" spc="-1" dirty="0" err="1">
                 <a:solidFill>
                   <a:srgbClr val="262626"/>
                 </a:solidFill>
                 <a:latin typeface="Tahoma"/>
                 <a:ea typeface="Tahoma"/>
               </a:rPr>
-              <a:t>Ngày sinh: [birthday]</a:t>
-            </a:r>
-            <a:endParaRPr lang="en-US" sz="1300" b="0" strike="noStrike" spc="-1">
+              <a:t>Ngày</a:t>
+            </a:r>
+            <a:r>
+              <a:rPr lang="en-US" sz="1300" b="1" strike="noStrike" spc="-1" dirty="0">
+                <a:solidFill>
+                  <a:srgbClr val="262626"/>
+                </a:solidFill>
+                <a:latin typeface="Tahoma"/>
+                <a:ea typeface="Tahoma"/>
+              </a:rPr>
+              <a:t> </a:t>
+            </a:r>
+            <a:r>
+              <a:rPr lang="en-US" sz="1300" b="1" strike="noStrike" spc="-1" dirty="0" err="1">
+                <a:solidFill>
+                  <a:srgbClr val="262626"/>
+                </a:solidFill>
+                <a:latin typeface="Tahoma"/>
+                <a:ea typeface="Tahoma"/>
+              </a:rPr>
+              <a:t>sinh</a:t>
+            </a:r>
+            <a:r>
+              <a:rPr lang="en-US" sz="1300" b="1" strike="noStrike" spc="-1" dirty="0">
+                <a:solidFill>
+                  <a:srgbClr val="262626"/>
+                </a:solidFill>
+                <a:latin typeface="Tahoma"/>
+                <a:ea typeface="Tahoma"/>
+              </a:rPr>
+              <a:t>: [birthday]</a:t>
+            </a:r>
+            <a:endParaRPr lang="en-US" sz="1300" b="0" strike="noStrike" spc="-1" dirty="0">
               <a:latin typeface="Arial"/>
             </a:endParaRPr>
           </a:p>

--- a/pythagoras/templates/pythagoras/report.pptx
+++ b/pythagoras/templates/pythagoras/report.pptx
@@ -2081,25 +2081,24 @@
       </p:sp>
       <p:sp>
         <p:nvSpPr>
-          <p:cNvPr id="15" name="Content Placeholder 2">
+          <p:cNvPr id="10" name="TextBox 9">
             <a:extLst>
               <a:ext uri="{FF2B5EF4-FFF2-40B4-BE49-F238E27FC236}">
-                <a16:creationId xmlns:a16="http://schemas.microsoft.com/office/drawing/2014/main" id="{23713C30-5619-41B4-AF87-754B805FA326}"/>
+                <a16:creationId xmlns:a16="http://schemas.microsoft.com/office/drawing/2014/main" id="{6E6BA5F7-D28E-439B-9746-3CAE6F70C1D6}"/>
               </a:ext>
             </a:extLst>
           </p:cNvPr>
-          <p:cNvSpPr>
-            <a:spLocks noGrp="1"/>
-          </p:cNvSpPr>
-          <p:nvPr>
-            <p:ph idx="1"/>
-          </p:nvPr>
+          <p:cNvSpPr txBox="1"/>
+          <p:nvPr userDrawn="1"/>
         </p:nvSpPr>
         <p:spPr>
           <a:xfrm>
-            <a:off x="274320" y="1340686"/>
-            <a:ext cx="6926580" cy="895715"/>
+            <a:off x="274320" y="1260790"/>
+            <a:ext cx="6926579" cy="1162691"/>
           </a:xfrm>
+          <a:prstGeom prst="rect">
+            <a:avLst/>
+          </a:prstGeom>
           <a:solidFill>
             <a:schemeClr val="accent2">
               <a:lumMod val="20000"/>
@@ -2108,8 +2107,8 @@
           </a:solidFill>
         </p:spPr>
         <p:txBody>
-          <a:bodyPr anchor="t">
-            <a:noAutofit/>
+          <a:bodyPr wrap="square">
+            <a:spAutoFit/>
           </a:bodyPr>
           <a:lstStyle/>
           <a:p>
@@ -2123,7 +2122,7 @@
               <a:buNone/>
             </a:pPr>
             <a:r>
-              <a:rPr lang="vi-VN" sz="1000" b="0" i="0" dirty="0">
+              <a:rPr lang="vi-VN" sz="1200" b="0" i="0" dirty="0">
                 <a:solidFill>
                   <a:schemeClr val="tx1">
                     <a:lumMod val="75000"/>
@@ -2138,7 +2137,7 @@
               <a:t>Chỉ số </a:t>
             </a:r>
             <a:r>
-              <a:rPr lang="en-US" sz="1000" dirty="0" err="1">
+              <a:rPr lang="en-US" sz="1200" dirty="0" err="1">
                 <a:solidFill>
                   <a:schemeClr val="tx1">
                     <a:lumMod val="75000"/>
@@ -2152,7 +2151,7 @@
               <a:t>đường</a:t>
             </a:r>
             <a:r>
-              <a:rPr lang="en-US" sz="1000" dirty="0">
+              <a:rPr lang="en-US" sz="1200" dirty="0">
                 <a:solidFill>
                   <a:schemeClr val="tx1">
                     <a:lumMod val="75000"/>
@@ -2166,7 +2165,7 @@
               <a:t> </a:t>
             </a:r>
             <a:r>
-              <a:rPr lang="en-US" sz="1000" dirty="0" err="1">
+              <a:rPr lang="en-US" sz="1200" dirty="0" err="1">
                 <a:solidFill>
                   <a:schemeClr val="tx1">
                     <a:lumMod val="75000"/>
@@ -2180,7 +2179,7 @@
               <a:t>đời</a:t>
             </a:r>
             <a:r>
-              <a:rPr lang="vi-VN" sz="1000" b="0" i="0" dirty="0">
+              <a:rPr lang="vi-VN" sz="1200" b="0" i="0" dirty="0">
                 <a:solidFill>
                   <a:schemeClr val="tx1">
                     <a:lumMod val="75000"/>
@@ -2195,7 +2194,7 @@
               <a:t> </a:t>
             </a:r>
             <a:r>
-              <a:rPr lang="en-US" sz="1000" dirty="0" err="1">
+              <a:rPr lang="en-US" sz="1200" dirty="0" err="1">
                 <a:solidFill>
                   <a:schemeClr val="tx1">
                     <a:lumMod val="75000"/>
@@ -2209,7 +2208,7 @@
               <a:t>mang</a:t>
             </a:r>
             <a:r>
-              <a:rPr lang="en-US" sz="1000" dirty="0">
+              <a:rPr lang="en-US" sz="1200" dirty="0">
                 <a:solidFill>
                   <a:schemeClr val="tx1">
                     <a:lumMod val="75000"/>
@@ -2223,7 +2222,7 @@
               <a:t> ý </a:t>
             </a:r>
             <a:r>
-              <a:rPr lang="en-US" sz="1000" dirty="0" err="1">
+              <a:rPr lang="en-US" sz="1200" dirty="0" err="1">
                 <a:solidFill>
                   <a:schemeClr val="tx1">
                     <a:lumMod val="75000"/>
@@ -2237,7 +2236,7 @@
               <a:t>nghĩa</a:t>
             </a:r>
             <a:r>
-              <a:rPr lang="en-US" sz="1000" dirty="0">
+              <a:rPr lang="en-US" sz="1200" dirty="0">
                 <a:solidFill>
                   <a:schemeClr val="tx1">
                     <a:lumMod val="75000"/>
@@ -2251,7 +2250,7 @@
               <a:t> </a:t>
             </a:r>
             <a:r>
-              <a:rPr lang="en-US" sz="1000" dirty="0" err="1">
+              <a:rPr lang="en-US" sz="1200" dirty="0" err="1">
                 <a:solidFill>
                   <a:schemeClr val="tx1">
                     <a:lumMod val="75000"/>
@@ -2265,7 +2264,7 @@
               <a:t>về</a:t>
             </a:r>
             <a:r>
-              <a:rPr lang="vi-VN" sz="1000" b="0" i="0" dirty="0">
+              <a:rPr lang="vi-VN" sz="1200" b="0" i="0" dirty="0">
                 <a:solidFill>
                   <a:schemeClr val="tx1">
                     <a:lumMod val="75000"/>
@@ -2280,7 +2279,7 @@
               <a:t> </a:t>
             </a:r>
             <a:r>
-              <a:rPr lang="en-US" sz="1000" b="0" i="0" dirty="0" err="1">
+              <a:rPr lang="en-US" sz="1200" b="0" i="0" dirty="0" err="1">
                 <a:solidFill>
                   <a:schemeClr val="tx1">
                     <a:lumMod val="75000"/>
@@ -2295,7 +2294,7 @@
               <a:t>hành</a:t>
             </a:r>
             <a:r>
-              <a:rPr lang="en-US" sz="1000" b="0" i="0" dirty="0">
+              <a:rPr lang="en-US" sz="1200" b="0" i="0" dirty="0">
                 <a:solidFill>
                   <a:schemeClr val="tx1">
                     <a:lumMod val="75000"/>
@@ -2310,7 +2309,7 @@
               <a:t> </a:t>
             </a:r>
             <a:r>
-              <a:rPr lang="en-US" sz="1000" b="0" i="0" dirty="0" err="1">
+              <a:rPr lang="en-US" sz="1200" b="0" i="0" dirty="0" err="1">
                 <a:solidFill>
                   <a:schemeClr val="tx1">
                     <a:lumMod val="75000"/>
@@ -2325,7 +2324,7 @@
               <a:t>trình</a:t>
             </a:r>
             <a:r>
-              <a:rPr lang="en-US" sz="1000" b="0" i="0" dirty="0">
+              <a:rPr lang="en-US" sz="1200" b="0" i="0" dirty="0">
                 <a:solidFill>
                   <a:schemeClr val="tx1">
                     <a:lumMod val="75000"/>
@@ -2340,7 +2339,7 @@
               <a:t> </a:t>
             </a:r>
             <a:r>
-              <a:rPr lang="vi-VN" sz="1000" b="0" i="0" dirty="0">
+              <a:rPr lang="vi-VN" sz="1200" b="0" i="0" dirty="0">
                 <a:solidFill>
                   <a:schemeClr val="tx1">
                     <a:lumMod val="75000"/>
@@ -2355,7 +2354,7 @@
               <a:t>mà bạn</a:t>
             </a:r>
             <a:r>
-              <a:rPr lang="en-US" sz="1000" b="0" i="0" dirty="0">
+              <a:rPr lang="en-US" sz="1200" b="0" i="0" dirty="0">
                 <a:solidFill>
                   <a:schemeClr val="tx1">
                     <a:lumMod val="75000"/>
@@ -2370,7 +2369,7 @@
               <a:t> </a:t>
             </a:r>
             <a:r>
-              <a:rPr lang="en-US" sz="1000" b="0" i="0" dirty="0" err="1">
+              <a:rPr lang="en-US" sz="1200" b="0" i="0" dirty="0" err="1">
                 <a:solidFill>
                   <a:schemeClr val="tx1">
                     <a:lumMod val="75000"/>
@@ -2385,7 +2384,7 @@
               <a:t>cần</a:t>
             </a:r>
             <a:r>
-              <a:rPr lang="vi-VN" sz="1000" b="0" i="0" dirty="0">
+              <a:rPr lang="vi-VN" sz="1200" b="0" i="0" dirty="0">
                 <a:solidFill>
                   <a:schemeClr val="tx1">
                     <a:lumMod val="75000"/>
@@ -2400,7 +2399,7 @@
               <a:t> trải qua trong cuộc đời này. Nó cho bạn </a:t>
             </a:r>
             <a:r>
-              <a:rPr lang="en-US" sz="1000" dirty="0" err="1">
+              <a:rPr lang="en-US" sz="1200" dirty="0" err="1">
                 <a:solidFill>
                   <a:schemeClr val="tx1">
                     <a:lumMod val="75000"/>
@@ -2414,7 +2413,7 @@
               <a:t>hình</a:t>
             </a:r>
             <a:r>
-              <a:rPr lang="en-US" sz="1000" dirty="0">
+              <a:rPr lang="en-US" sz="1200" dirty="0">
                 <a:solidFill>
                   <a:schemeClr val="tx1">
                     <a:lumMod val="75000"/>
@@ -2428,7 +2427,7 @@
               <a:t> dung</a:t>
             </a:r>
             <a:r>
-              <a:rPr lang="vi-VN" sz="1000" b="0" i="0" dirty="0">
+              <a:rPr lang="vi-VN" sz="1200" b="0" i="0" dirty="0">
                 <a:solidFill>
                   <a:schemeClr val="tx1">
                     <a:lumMod val="75000"/>
@@ -2443,7 +2442,7 @@
               <a:t> </a:t>
             </a:r>
             <a:r>
-              <a:rPr lang="en-US" sz="1000" b="0" i="0" dirty="0" err="1">
+              <a:rPr lang="en-US" sz="1200" b="0" i="0" dirty="0" err="1">
                 <a:solidFill>
                   <a:schemeClr val="tx1">
                     <a:lumMod val="75000"/>
@@ -2458,7 +2457,7 @@
               <a:t>bức</a:t>
             </a:r>
             <a:r>
-              <a:rPr lang="en-US" sz="1000" b="0" i="0" dirty="0">
+              <a:rPr lang="en-US" sz="1200" b="0" i="0" dirty="0">
                 <a:solidFill>
                   <a:schemeClr val="tx1">
                     <a:lumMod val="75000"/>
@@ -2473,7 +2472,7 @@
               <a:t> </a:t>
             </a:r>
             <a:r>
-              <a:rPr lang="en-US" sz="1000" b="0" i="0" dirty="0" err="1">
+              <a:rPr lang="en-US" sz="1200" b="0" i="0" dirty="0" err="1">
                 <a:solidFill>
                   <a:schemeClr val="tx1">
                     <a:lumMod val="75000"/>
@@ -2488,7 +2487,7 @@
               <a:t>tranh</a:t>
             </a:r>
             <a:r>
-              <a:rPr lang="en-US" sz="1000" b="0" i="0" dirty="0">
+              <a:rPr lang="en-US" sz="1200" b="0" i="0" dirty="0">
                 <a:solidFill>
                   <a:schemeClr val="tx1">
                     <a:lumMod val="75000"/>
@@ -2503,7 +2502,7 @@
               <a:t> </a:t>
             </a:r>
             <a:r>
-              <a:rPr lang="en-US" sz="1000" b="0" i="0" dirty="0" err="1">
+              <a:rPr lang="en-US" sz="1200" b="0" i="0" dirty="0" err="1">
                 <a:solidFill>
                   <a:schemeClr val="tx1">
                     <a:lumMod val="75000"/>
@@ -2518,7 +2517,7 @@
               <a:t>tổng</a:t>
             </a:r>
             <a:r>
-              <a:rPr lang="en-US" sz="1000" b="0" i="0" dirty="0">
+              <a:rPr lang="en-US" sz="1200" b="0" i="0" dirty="0">
                 <a:solidFill>
                   <a:schemeClr val="tx1">
                     <a:lumMod val="75000"/>
@@ -2533,7 +2532,7 @@
               <a:t> </a:t>
             </a:r>
             <a:r>
-              <a:rPr lang="en-US" sz="1000" b="0" i="0" dirty="0" err="1">
+              <a:rPr lang="en-US" sz="1200" b="0" i="0" dirty="0" err="1">
                 <a:solidFill>
                   <a:schemeClr val="tx1">
                     <a:lumMod val="75000"/>
@@ -2548,7 +2547,7 @@
               <a:t>quan</a:t>
             </a:r>
             <a:r>
-              <a:rPr lang="en-US" sz="1000" b="0" i="0" dirty="0">
+              <a:rPr lang="en-US" sz="1200" b="0" i="0" dirty="0">
                 <a:solidFill>
                   <a:schemeClr val="tx1">
                     <a:lumMod val="75000"/>
@@ -2563,7 +2562,7 @@
               <a:t> </a:t>
             </a:r>
             <a:r>
-              <a:rPr lang="en-US" sz="1000" b="0" i="0" dirty="0" err="1">
+              <a:rPr lang="en-US" sz="1200" b="0" i="0" dirty="0" err="1">
                 <a:solidFill>
                   <a:schemeClr val="tx1">
                     <a:lumMod val="75000"/>
@@ -2578,7 +2577,7 @@
               <a:t>về</a:t>
             </a:r>
             <a:r>
-              <a:rPr lang="vi-VN" sz="1000" b="0" i="0" dirty="0">
+              <a:rPr lang="vi-VN" sz="1200" b="0" i="0" dirty="0">
                 <a:solidFill>
                   <a:schemeClr val="tx1">
                     <a:lumMod val="75000"/>
@@ -2593,7 +2592,7 @@
               <a:t> những trải nghiệm và </a:t>
             </a:r>
             <a:r>
-              <a:rPr lang="en-US" sz="1000" b="0" i="0" dirty="0" err="1">
+              <a:rPr lang="en-US" sz="1200" b="0" i="0" dirty="0" err="1">
                 <a:solidFill>
                   <a:schemeClr val="tx1">
                     <a:lumMod val="75000"/>
@@ -2608,7 +2607,7 @@
               <a:t>bài</a:t>
             </a:r>
             <a:r>
-              <a:rPr lang="vi-VN" sz="1000" b="0" i="0" dirty="0">
+              <a:rPr lang="vi-VN" sz="1200" b="0" i="0" dirty="0">
                 <a:solidFill>
                   <a:schemeClr val="tx1">
                     <a:lumMod val="75000"/>
@@ -2623,7 +2622,7 @@
               <a:t> học sau những trải nghiệm đó. </a:t>
             </a:r>
             <a:r>
-              <a:rPr lang="en-US" sz="1000" b="0" i="0" dirty="0" err="1">
+              <a:rPr lang="en-US" sz="1200" b="0" i="0" dirty="0" err="1">
                 <a:solidFill>
                   <a:schemeClr val="tx1">
                     <a:lumMod val="75000"/>
@@ -2638,7 +2637,7 @@
               <a:t>Chỉ</a:t>
             </a:r>
             <a:r>
-              <a:rPr lang="en-US" sz="1000" b="0" i="0" dirty="0">
+              <a:rPr lang="en-US" sz="1200" b="0" i="0" dirty="0">
                 <a:solidFill>
                   <a:schemeClr val="tx1">
                     <a:lumMod val="75000"/>
@@ -2653,7 +2652,7 @@
               <a:t> </a:t>
             </a:r>
             <a:r>
-              <a:rPr lang="en-US" sz="1000" b="0" i="0" dirty="0" err="1">
+              <a:rPr lang="en-US" sz="1200" b="0" i="0" dirty="0" err="1">
                 <a:solidFill>
                   <a:schemeClr val="tx1">
                     <a:lumMod val="75000"/>
@@ -2668,7 +2667,7 @@
               <a:t>số</a:t>
             </a:r>
             <a:r>
-              <a:rPr lang="en-US" sz="1000" b="0" i="0" dirty="0">
+              <a:rPr lang="en-US" sz="1200" b="0" i="0" dirty="0">
                 <a:solidFill>
                   <a:schemeClr val="tx1">
                     <a:lumMod val="75000"/>
@@ -2683,7 +2682,7 @@
               <a:t> </a:t>
             </a:r>
             <a:r>
-              <a:rPr lang="en-US" sz="1000" b="0" i="0" dirty="0" err="1">
+              <a:rPr lang="en-US" sz="1200" b="0" i="0" dirty="0" err="1">
                 <a:solidFill>
                   <a:schemeClr val="tx1">
                     <a:lumMod val="75000"/>
@@ -2698,7 +2697,7 @@
               <a:t>này</a:t>
             </a:r>
             <a:r>
-              <a:rPr lang="en-US" sz="1000" b="0" i="0" dirty="0">
+              <a:rPr lang="en-US" sz="1200" b="0" i="0" dirty="0">
                 <a:solidFill>
                   <a:schemeClr val="tx1">
                     <a:lumMod val="75000"/>
@@ -2713,7 +2712,7 @@
               <a:t> </a:t>
             </a:r>
             <a:r>
-              <a:rPr lang="en-US" sz="1000" b="0" i="0" dirty="0" err="1">
+              <a:rPr lang="en-US" sz="1200" b="0" i="0" dirty="0" err="1">
                 <a:solidFill>
                   <a:schemeClr val="tx1">
                     <a:lumMod val="75000"/>
@@ -2728,7 +2727,7 @@
               <a:t>giúp</a:t>
             </a:r>
             <a:r>
-              <a:rPr lang="en-US" sz="1000" b="0" i="0" dirty="0">
+              <a:rPr lang="en-US" sz="1200" b="0" i="0" dirty="0">
                 <a:solidFill>
                   <a:schemeClr val="tx1">
                     <a:lumMod val="75000"/>
@@ -2743,7 +2742,7 @@
               <a:t> </a:t>
             </a:r>
             <a:r>
-              <a:rPr lang="en-US" sz="1000" b="0" i="0" dirty="0" err="1">
+              <a:rPr lang="en-US" sz="1200" b="0" i="0" dirty="0" err="1">
                 <a:solidFill>
                   <a:schemeClr val="tx1">
                     <a:lumMod val="75000"/>
@@ -2758,7 +2757,7 @@
               <a:t>bạn</a:t>
             </a:r>
             <a:r>
-              <a:rPr lang="en-US" sz="1000" b="0" i="0" dirty="0">
+              <a:rPr lang="en-US" sz="1200" b="0" i="0" dirty="0">
                 <a:solidFill>
                   <a:schemeClr val="tx1">
                     <a:lumMod val="75000"/>
@@ -2773,7 +2772,7 @@
               <a:t> </a:t>
             </a:r>
             <a:r>
-              <a:rPr lang="en-US" sz="1000" b="0" i="0" dirty="0" err="1">
+              <a:rPr lang="en-US" sz="1200" b="0" i="0" dirty="0" err="1">
                 <a:solidFill>
                   <a:schemeClr val="tx1">
                     <a:lumMod val="75000"/>
@@ -2788,7 +2787,7 @@
               <a:t>nhận</a:t>
             </a:r>
             <a:r>
-              <a:rPr lang="en-US" sz="1000" b="0" i="0" dirty="0">
+              <a:rPr lang="en-US" sz="1200" b="0" i="0" dirty="0">
                 <a:solidFill>
                   <a:schemeClr val="tx1">
                     <a:lumMod val="75000"/>
@@ -2803,7 +2802,7 @@
               <a:t> </a:t>
             </a:r>
             <a:r>
-              <a:rPr lang="en-US" sz="1000" b="0" i="0" dirty="0" err="1">
+              <a:rPr lang="en-US" sz="1200" b="0" i="0" dirty="0" err="1">
                 <a:solidFill>
                   <a:schemeClr val="tx1">
                     <a:lumMod val="75000"/>
@@ -2818,7 +2817,7 @@
               <a:t>biết</a:t>
             </a:r>
             <a:r>
-              <a:rPr lang="en-US" sz="1000" b="0" i="0" dirty="0">
+              <a:rPr lang="en-US" sz="1200" b="0" i="0" dirty="0">
                 <a:solidFill>
                   <a:schemeClr val="tx1">
                     <a:lumMod val="75000"/>
@@ -2833,7 +2832,7 @@
               <a:t> </a:t>
             </a:r>
             <a:r>
-              <a:rPr lang="en-US" sz="1000" b="0" i="0" dirty="0" err="1">
+              <a:rPr lang="en-US" sz="1200" b="0" i="0" dirty="0" err="1">
                 <a:solidFill>
                   <a:schemeClr val="tx1">
                     <a:lumMod val="75000"/>
@@ -2848,7 +2847,7 @@
               <a:t>điểm</a:t>
             </a:r>
             <a:r>
-              <a:rPr lang="en-US" sz="1000" b="0" i="0" dirty="0">
+              <a:rPr lang="en-US" sz="1200" b="0" i="0" dirty="0">
                 <a:solidFill>
                   <a:schemeClr val="tx1">
                     <a:lumMod val="75000"/>
@@ -2863,7 +2862,7 @@
               <a:t> </a:t>
             </a:r>
             <a:r>
-              <a:rPr lang="en-US" sz="1000" b="0" i="0" dirty="0" err="1">
+              <a:rPr lang="en-US" sz="1200" b="0" i="0" dirty="0" err="1">
                 <a:solidFill>
                   <a:schemeClr val="tx1">
                     <a:lumMod val="75000"/>
@@ -2878,7 +2877,7 @@
               <a:t>mạnh</a:t>
             </a:r>
             <a:r>
-              <a:rPr lang="en-US" sz="1000" b="0" i="0" dirty="0">
+              <a:rPr lang="en-US" sz="1200" b="0" i="0" dirty="0">
                 <a:solidFill>
                   <a:schemeClr val="tx1">
                     <a:lumMod val="75000"/>
@@ -2893,7 +2892,7 @@
               <a:t> </a:t>
             </a:r>
             <a:r>
-              <a:rPr lang="en-US" sz="1000" b="0" i="0" dirty="0" err="1">
+              <a:rPr lang="en-US" sz="1200" b="0" i="0" dirty="0" err="1">
                 <a:solidFill>
                   <a:schemeClr val="tx1">
                     <a:lumMod val="75000"/>
@@ -2908,7 +2907,7 @@
               <a:t>và</a:t>
             </a:r>
             <a:r>
-              <a:rPr lang="en-US" sz="1000" b="0" i="0" dirty="0">
+              <a:rPr lang="en-US" sz="1200" b="0" i="0" dirty="0">
                 <a:solidFill>
                   <a:schemeClr val="tx1">
                     <a:lumMod val="75000"/>
@@ -2923,7 +2922,7 @@
               <a:t> </a:t>
             </a:r>
             <a:r>
-              <a:rPr lang="en-US" sz="1000" b="0" i="0" dirty="0" err="1">
+              <a:rPr lang="en-US" sz="1200" b="0" i="0" dirty="0" err="1">
                 <a:solidFill>
                   <a:schemeClr val="tx1">
                     <a:lumMod val="75000"/>
@@ -2938,7 +2937,7 @@
               <a:t>điểm</a:t>
             </a:r>
             <a:r>
-              <a:rPr lang="en-US" sz="1000" b="0" i="0" dirty="0">
+              <a:rPr lang="en-US" sz="1200" b="0" i="0" dirty="0">
                 <a:solidFill>
                   <a:schemeClr val="tx1">
                     <a:lumMod val="75000"/>
@@ -2953,7 +2952,7 @@
               <a:t> </a:t>
             </a:r>
             <a:r>
-              <a:rPr lang="en-US" sz="1000" b="0" i="0" dirty="0" err="1">
+              <a:rPr lang="en-US" sz="1200" b="0" i="0" dirty="0" err="1">
                 <a:solidFill>
                   <a:schemeClr val="tx1">
                     <a:lumMod val="75000"/>
@@ -2968,7 +2967,7 @@
               <a:t>cần</a:t>
             </a:r>
             <a:r>
-              <a:rPr lang="en-US" sz="1000" b="0" i="0" dirty="0">
+              <a:rPr lang="en-US" sz="1200" b="0" i="0" dirty="0">
                 <a:solidFill>
                   <a:schemeClr val="tx1">
                     <a:lumMod val="75000"/>
@@ -2983,7 +2982,7 @@
               <a:t> </a:t>
             </a:r>
             <a:r>
-              <a:rPr lang="en-US" sz="1000" b="0" i="0" dirty="0" err="1">
+              <a:rPr lang="en-US" sz="1200" b="0" i="0" dirty="0" err="1">
                 <a:solidFill>
                   <a:schemeClr val="tx1">
                     <a:lumMod val="75000"/>
@@ -2998,7 +2997,7 @@
               <a:t>rèn</a:t>
             </a:r>
             <a:r>
-              <a:rPr lang="en-US" sz="1000" b="0" i="0" dirty="0">
+              <a:rPr lang="en-US" sz="1200" b="0" i="0" dirty="0">
                 <a:solidFill>
                   <a:schemeClr val="tx1">
                     <a:lumMod val="75000"/>
@@ -3013,7 +3012,7 @@
               <a:t> </a:t>
             </a:r>
             <a:r>
-              <a:rPr lang="en-US" sz="1000" b="0" i="0" dirty="0" err="1">
+              <a:rPr lang="en-US" sz="1200" b="0" i="0" dirty="0" err="1">
                 <a:solidFill>
                   <a:schemeClr val="tx1">
                     <a:lumMod val="75000"/>
@@ -3028,7 +3027,7 @@
               <a:t>luyện</a:t>
             </a:r>
             <a:r>
-              <a:rPr lang="en-US" sz="1000" b="0" i="0" dirty="0">
+              <a:rPr lang="en-US" sz="1200" b="0" i="0" dirty="0">
                 <a:solidFill>
                   <a:schemeClr val="tx1">
                     <a:lumMod val="75000"/>
@@ -3043,7 +3042,7 @@
               <a:t> </a:t>
             </a:r>
             <a:r>
-              <a:rPr lang="en-US" sz="1000" b="0" i="0" dirty="0" err="1">
+              <a:rPr lang="en-US" sz="1200" b="0" i="0" dirty="0" err="1">
                 <a:solidFill>
                   <a:schemeClr val="tx1">
                     <a:lumMod val="75000"/>
@@ -3058,7 +3057,7 @@
               <a:t>cũng</a:t>
             </a:r>
             <a:r>
-              <a:rPr lang="en-US" sz="1000" b="0" i="0" dirty="0">
+              <a:rPr lang="en-US" sz="1200" b="0" i="0" dirty="0">
                 <a:solidFill>
                   <a:schemeClr val="tx1">
                     <a:lumMod val="75000"/>
@@ -3073,7 +3072,7 @@
               <a:t> </a:t>
             </a:r>
             <a:r>
-              <a:rPr lang="en-US" sz="1000" b="0" i="0" dirty="0" err="1">
+              <a:rPr lang="en-US" sz="1200" b="0" i="0" dirty="0" err="1">
                 <a:solidFill>
                   <a:schemeClr val="tx1">
                     <a:lumMod val="75000"/>
@@ -3088,7 +3087,7 @@
               <a:t>như</a:t>
             </a:r>
             <a:r>
-              <a:rPr lang="en-US" sz="1000" b="0" i="0" dirty="0">
+              <a:rPr lang="en-US" sz="1200" b="0" i="0" dirty="0">
                 <a:solidFill>
                   <a:schemeClr val="tx1">
                     <a:lumMod val="75000"/>
@@ -3103,7 +3102,7 @@
               <a:t> </a:t>
             </a:r>
             <a:r>
-              <a:rPr lang="en-US" sz="1000" b="0" i="0" dirty="0" err="1">
+              <a:rPr lang="en-US" sz="1200" b="0" i="0" dirty="0" err="1">
                 <a:solidFill>
                   <a:schemeClr val="tx1">
                     <a:lumMod val="75000"/>
@@ -3118,7 +3117,7 @@
               <a:t>định</a:t>
             </a:r>
             <a:r>
-              <a:rPr lang="en-US" sz="1000" b="0" i="0" dirty="0">
+              <a:rPr lang="en-US" sz="1200" b="0" i="0" dirty="0">
                 <a:solidFill>
                   <a:schemeClr val="tx1">
                     <a:lumMod val="75000"/>
@@ -3133,7 +3132,7 @@
               <a:t> </a:t>
             </a:r>
             <a:r>
-              <a:rPr lang="en-US" sz="1000" b="0" i="0" dirty="0" err="1">
+              <a:rPr lang="en-US" sz="1200" b="0" i="0" dirty="0" err="1">
                 <a:solidFill>
                   <a:schemeClr val="tx1">
                     <a:lumMod val="75000"/>
@@ -3148,7 +3147,7 @@
               <a:t>hướng</a:t>
             </a:r>
             <a:r>
-              <a:rPr lang="en-US" sz="1000" b="0" i="0" dirty="0">
+              <a:rPr lang="en-US" sz="1200" b="0" i="0" dirty="0">
                 <a:solidFill>
                   <a:schemeClr val="tx1">
                     <a:lumMod val="75000"/>
@@ -3163,7 +3162,7 @@
               <a:t> </a:t>
             </a:r>
             <a:r>
-              <a:rPr lang="en-US" sz="1000" b="0" i="0" dirty="0" err="1">
+              <a:rPr lang="en-US" sz="1200" b="0" i="0" dirty="0" err="1">
                 <a:solidFill>
                   <a:schemeClr val="tx1">
                     <a:lumMod val="75000"/>
@@ -3178,7 +3177,7 @@
               <a:t>môi</a:t>
             </a:r>
             <a:r>
-              <a:rPr lang="en-US" sz="1000" b="0" i="0" dirty="0">
+              <a:rPr lang="en-US" sz="1200" b="0" i="0" dirty="0">
                 <a:solidFill>
                   <a:schemeClr val="tx1">
                     <a:lumMod val="75000"/>
@@ -3193,7 +3192,7 @@
               <a:t> </a:t>
             </a:r>
             <a:r>
-              <a:rPr lang="en-US" sz="1000" b="0" i="0" dirty="0" err="1">
+              <a:rPr lang="en-US" sz="1200" b="0" i="0" dirty="0" err="1">
                 <a:solidFill>
                   <a:schemeClr val="tx1">
                     <a:lumMod val="75000"/>
@@ -3208,7 +3207,7 @@
               <a:t>trường</a:t>
             </a:r>
             <a:r>
-              <a:rPr lang="en-US" sz="1000" b="0" i="0" dirty="0">
+              <a:rPr lang="en-US" sz="1200" b="0" i="0" dirty="0">
                 <a:solidFill>
                   <a:schemeClr val="tx1">
                     <a:lumMod val="75000"/>
@@ -3223,7 +3222,7 @@
               <a:t> </a:t>
             </a:r>
             <a:r>
-              <a:rPr lang="en-US" sz="1000" b="0" i="0" dirty="0" err="1">
+              <a:rPr lang="en-US" sz="1200" b="0" i="0" dirty="0" err="1">
                 <a:solidFill>
                   <a:schemeClr val="tx1">
                     <a:lumMod val="75000"/>
@@ -3238,7 +3237,7 @@
               <a:t>tối</a:t>
             </a:r>
             <a:r>
-              <a:rPr lang="en-US" sz="1000" b="0" i="0" dirty="0">
+              <a:rPr lang="en-US" sz="1200" b="0" i="0" dirty="0">
                 <a:solidFill>
                   <a:schemeClr val="tx1">
                     <a:lumMod val="75000"/>
@@ -3253,7 +3252,7 @@
               <a:t> </a:t>
             </a:r>
             <a:r>
-              <a:rPr lang="en-US" sz="1000" b="0" i="0" dirty="0" err="1">
+              <a:rPr lang="en-US" sz="1200" b="0" i="0" dirty="0" err="1">
                 <a:solidFill>
                   <a:schemeClr val="tx1">
                     <a:lumMod val="75000"/>
@@ -3268,7 +3267,7 @@
               <a:t>ưu</a:t>
             </a:r>
             <a:r>
-              <a:rPr lang="en-US" sz="1000" b="0" i="0" dirty="0">
+              <a:rPr lang="en-US" sz="1200" b="0" i="0" dirty="0">
                 <a:solidFill>
                   <a:schemeClr val="tx1">
                     <a:lumMod val="75000"/>
@@ -3283,7 +3282,7 @@
               <a:t> </a:t>
             </a:r>
             <a:r>
-              <a:rPr lang="en-US" sz="1000" b="0" i="0" dirty="0" err="1">
+              <a:rPr lang="en-US" sz="1200" b="0" i="0" dirty="0" err="1">
                 <a:solidFill>
                   <a:schemeClr val="tx1">
                     <a:lumMod val="75000"/>
@@ -3298,7 +3297,7 @@
               <a:t>để</a:t>
             </a:r>
             <a:r>
-              <a:rPr lang="en-US" sz="1000" b="0" i="0" dirty="0">
+              <a:rPr lang="en-US" sz="1200" b="0" i="0" dirty="0">
                 <a:solidFill>
                   <a:schemeClr val="tx1">
                     <a:lumMod val="75000"/>
@@ -3313,7 +3312,7 @@
               <a:t> </a:t>
             </a:r>
             <a:r>
-              <a:rPr lang="en-US" sz="1000" b="0" i="0" dirty="0" err="1">
+              <a:rPr lang="en-US" sz="1200" b="0" i="0" dirty="0" err="1">
                 <a:solidFill>
                   <a:schemeClr val="tx1">
                     <a:lumMod val="75000"/>
@@ -3328,7 +3327,7 @@
               <a:t>bạn</a:t>
             </a:r>
             <a:r>
-              <a:rPr lang="en-US" sz="1000" b="0" i="0" dirty="0">
+              <a:rPr lang="en-US" sz="1200" b="0" i="0" dirty="0">
                 <a:solidFill>
                   <a:schemeClr val="tx1">
                     <a:lumMod val="75000"/>
@@ -3343,7 +3342,7 @@
               <a:t> </a:t>
             </a:r>
             <a:r>
-              <a:rPr lang="en-US" sz="1000" b="0" i="0" dirty="0" err="1">
+              <a:rPr lang="en-US" sz="1200" b="0" i="0" dirty="0" err="1">
                 <a:solidFill>
                   <a:schemeClr val="tx1">
                     <a:lumMod val="75000"/>
@@ -3358,7 +3357,7 @@
               <a:t>phát</a:t>
             </a:r>
             <a:r>
-              <a:rPr lang="en-US" sz="1000" b="0" i="0" dirty="0">
+              <a:rPr lang="en-US" sz="1200" b="0" i="0" dirty="0">
                 <a:solidFill>
                   <a:schemeClr val="tx1">
                     <a:lumMod val="75000"/>
@@ -3373,7 +3372,7 @@
               <a:t> </a:t>
             </a:r>
             <a:r>
-              <a:rPr lang="en-US" sz="1000" b="0" i="0" dirty="0" err="1">
+              <a:rPr lang="en-US" sz="1200" b="0" i="0" dirty="0" err="1">
                 <a:solidFill>
                   <a:schemeClr val="tx1">
                     <a:lumMod val="75000"/>
@@ -3388,7 +3387,7 @@
               <a:t>huy</a:t>
             </a:r>
             <a:r>
-              <a:rPr lang="en-US" sz="1000" b="0" i="0" dirty="0">
+              <a:rPr lang="en-US" sz="1200" b="0" i="0" dirty="0">
                 <a:solidFill>
                   <a:schemeClr val="tx1">
                     <a:lumMod val="75000"/>
@@ -3403,7 +3402,7 @@
               <a:t> </a:t>
             </a:r>
             <a:r>
-              <a:rPr lang="en-US" sz="1000" b="0" i="0" dirty="0" err="1">
+              <a:rPr lang="en-US" sz="1200" b="0" i="0" dirty="0" err="1">
                 <a:solidFill>
                   <a:schemeClr val="tx1">
                     <a:lumMod val="75000"/>
@@ -3418,7 +3417,7 @@
               <a:t>năng</a:t>
             </a:r>
             <a:r>
-              <a:rPr lang="en-US" sz="1000" b="0" i="0" dirty="0">
+              <a:rPr lang="en-US" sz="1200" b="0" i="0" dirty="0">
                 <a:solidFill>
                   <a:schemeClr val="tx1">
                     <a:lumMod val="75000"/>
@@ -3433,7 +3432,7 @@
               <a:t> </a:t>
             </a:r>
             <a:r>
-              <a:rPr lang="en-US" sz="1000" b="0" i="0" dirty="0" err="1">
+              <a:rPr lang="en-US" sz="1200" b="0" i="0" dirty="0" err="1">
                 <a:solidFill>
                   <a:schemeClr val="tx1">
                     <a:lumMod val="75000"/>
@@ -3448,7 +3447,7 @@
               <a:t>lực</a:t>
             </a:r>
             <a:r>
-              <a:rPr lang="en-US" sz="1000" b="0" i="0" dirty="0">
+              <a:rPr lang="en-US" sz="1200" b="0" i="0" dirty="0">
                 <a:solidFill>
                   <a:schemeClr val="tx1">
                     <a:lumMod val="75000"/>
@@ -3463,7 +3462,7 @@
               <a:t> </a:t>
             </a:r>
             <a:r>
-              <a:rPr lang="en-US" sz="1000" b="0" i="0" dirty="0" err="1">
+              <a:rPr lang="en-US" sz="1200" b="0" i="0" dirty="0" err="1">
                 <a:solidFill>
                   <a:schemeClr val="tx1">
                     <a:lumMod val="75000"/>
@@ -3478,7 +3477,7 @@
               <a:t>của</a:t>
             </a:r>
             <a:r>
-              <a:rPr lang="en-US" sz="1000" b="0" i="0" dirty="0">
+              <a:rPr lang="en-US" sz="1200" b="0" i="0" dirty="0">
                 <a:solidFill>
                   <a:schemeClr val="tx1">
                     <a:lumMod val="75000"/>
@@ -3493,7 +3492,7 @@
               <a:t> </a:t>
             </a:r>
             <a:r>
-              <a:rPr lang="en-US" sz="1000" b="0" i="0" dirty="0" err="1">
+              <a:rPr lang="en-US" sz="1200" b="0" i="0" dirty="0" err="1">
                 <a:solidFill>
                   <a:schemeClr val="tx1">
                     <a:lumMod val="75000"/>
@@ -3508,7 +3507,7 @@
               <a:t>mình</a:t>
             </a:r>
             <a:r>
-              <a:rPr lang="en-US" sz="1000" b="0" i="0" dirty="0">
+              <a:rPr lang="en-US" sz="1200" b="0" i="0" dirty="0">
                 <a:solidFill>
                   <a:schemeClr val="tx1">
                     <a:lumMod val="75000"/>
@@ -3522,7 +3521,7 @@
               </a:rPr>
               <a:t>.</a:t>
             </a:r>
-            <a:endParaRPr lang="en-US" sz="1000" dirty="0">
+            <a:endParaRPr lang="en-US" sz="1200" dirty="0">
               <a:solidFill>
                 <a:schemeClr val="tx1">
                   <a:lumMod val="75000"/>
@@ -3679,1081 +3678,6 @@
                 <a:cs typeface="Tahoma" panose="020B0604030504040204" pitchFamily="34" charset="0"/>
               </a:rPr>
               <a:t>SỨ MỆNH</a:t>
-            </a:r>
-          </a:p>
-        </p:txBody>
-      </p:sp>
-      <p:sp>
-        <p:nvSpPr>
-          <p:cNvPr id="10" name="Content Placeholder 2">
-            <a:extLst>
-              <a:ext uri="{FF2B5EF4-FFF2-40B4-BE49-F238E27FC236}">
-                <a16:creationId xmlns:a16="http://schemas.microsoft.com/office/drawing/2014/main" id="{97C567CA-E59F-4B5E-B539-2ABC9902F7C9}"/>
-              </a:ext>
-            </a:extLst>
-          </p:cNvPr>
-          <p:cNvSpPr>
-            <a:spLocks noGrp="1"/>
-          </p:cNvSpPr>
-          <p:nvPr>
-            <p:ph idx="1"/>
-          </p:nvPr>
-        </p:nvSpPr>
-        <p:spPr>
-          <a:xfrm>
-            <a:off x="274320" y="1371600"/>
-            <a:ext cx="6776830" cy="793359"/>
-          </a:xfrm>
-          <a:noFill/>
-        </p:spPr>
-        <p:txBody>
-          <a:bodyPr wrap="square" numCol="1" spcCol="365760" rtlCol="0">
-            <a:spAutoFit/>
-          </a:bodyPr>
-          <a:lstStyle/>
-          <a:p>
-            <a:pPr marL="0" indent="0" algn="just" defTabSz="457200">
-              <a:lnSpc>
-                <a:spcPct val="150000"/>
-              </a:lnSpc>
-              <a:spcAft>
-                <a:spcPts val="1800"/>
-              </a:spcAft>
-              <a:buNone/>
-            </a:pPr>
-            <a:r>
-              <a:rPr lang="en-US" sz="1200" dirty="0" err="1">
-                <a:solidFill>
-                  <a:srgbClr val="333333"/>
-                </a:solidFill>
-                <a:latin typeface="Tahoma" panose="020B0604030504040204" pitchFamily="34" charset="0"/>
-                <a:ea typeface="Tahoma" panose="020B0604030504040204" pitchFamily="34" charset="0"/>
-                <a:cs typeface="Tahoma" panose="020B0604030504040204" pitchFamily="34" charset="0"/>
-              </a:rPr>
-              <a:t>Chỉ</a:t>
-            </a:r>
-            <a:r>
-              <a:rPr lang="en-US" sz="1200" dirty="0">
-                <a:solidFill>
-                  <a:srgbClr val="333333"/>
-                </a:solidFill>
-                <a:latin typeface="Tahoma" panose="020B0604030504040204" pitchFamily="34" charset="0"/>
-                <a:ea typeface="Tahoma" panose="020B0604030504040204" pitchFamily="34" charset="0"/>
-                <a:cs typeface="Tahoma" panose="020B0604030504040204" pitchFamily="34" charset="0"/>
-              </a:rPr>
-              <a:t> </a:t>
-            </a:r>
-            <a:r>
-              <a:rPr lang="en-US" sz="1200" dirty="0" err="1">
-                <a:solidFill>
-                  <a:srgbClr val="333333"/>
-                </a:solidFill>
-                <a:latin typeface="Tahoma" panose="020B0604030504040204" pitchFamily="34" charset="0"/>
-                <a:ea typeface="Tahoma" panose="020B0604030504040204" pitchFamily="34" charset="0"/>
-                <a:cs typeface="Tahoma" panose="020B0604030504040204" pitchFamily="34" charset="0"/>
-              </a:rPr>
-              <a:t>số</a:t>
-            </a:r>
-            <a:r>
-              <a:rPr lang="en-US" sz="1200" dirty="0">
-                <a:solidFill>
-                  <a:srgbClr val="333333"/>
-                </a:solidFill>
-                <a:latin typeface="Tahoma" panose="020B0604030504040204" pitchFamily="34" charset="0"/>
-                <a:ea typeface="Tahoma" panose="020B0604030504040204" pitchFamily="34" charset="0"/>
-                <a:cs typeface="Tahoma" panose="020B0604030504040204" pitchFamily="34" charset="0"/>
-              </a:rPr>
-              <a:t> </a:t>
-            </a:r>
-            <a:r>
-              <a:rPr lang="en-US" sz="1200" dirty="0" err="1">
-                <a:solidFill>
-                  <a:srgbClr val="333333"/>
-                </a:solidFill>
-                <a:latin typeface="Tahoma" panose="020B0604030504040204" pitchFamily="34" charset="0"/>
-                <a:ea typeface="Tahoma" panose="020B0604030504040204" pitchFamily="34" charset="0"/>
-                <a:cs typeface="Tahoma" panose="020B0604030504040204" pitchFamily="34" charset="0"/>
-              </a:rPr>
-              <a:t>sứ</a:t>
-            </a:r>
-            <a:r>
-              <a:rPr lang="en-US" sz="1200" dirty="0">
-                <a:solidFill>
-                  <a:srgbClr val="333333"/>
-                </a:solidFill>
-                <a:latin typeface="Tahoma" panose="020B0604030504040204" pitchFamily="34" charset="0"/>
-                <a:ea typeface="Tahoma" panose="020B0604030504040204" pitchFamily="34" charset="0"/>
-                <a:cs typeface="Tahoma" panose="020B0604030504040204" pitchFamily="34" charset="0"/>
-              </a:rPr>
-              <a:t> </a:t>
-            </a:r>
-            <a:r>
-              <a:rPr lang="en-US" sz="1200" dirty="0" err="1">
-                <a:solidFill>
-                  <a:srgbClr val="333333"/>
-                </a:solidFill>
-                <a:latin typeface="Tahoma" panose="020B0604030504040204" pitchFamily="34" charset="0"/>
-                <a:ea typeface="Tahoma" panose="020B0604030504040204" pitchFamily="34" charset="0"/>
-                <a:cs typeface="Tahoma" panose="020B0604030504040204" pitchFamily="34" charset="0"/>
-              </a:rPr>
-              <a:t>mệnh</a:t>
-            </a:r>
-            <a:r>
-              <a:rPr lang="en-US" sz="1200" dirty="0">
-                <a:solidFill>
-                  <a:srgbClr val="333333"/>
-                </a:solidFill>
-                <a:latin typeface="Tahoma" panose="020B0604030504040204" pitchFamily="34" charset="0"/>
-                <a:ea typeface="Tahoma" panose="020B0604030504040204" pitchFamily="34" charset="0"/>
-                <a:cs typeface="Tahoma" panose="020B0604030504040204" pitchFamily="34" charset="0"/>
-              </a:rPr>
-              <a:t> </a:t>
-            </a:r>
-            <a:r>
-              <a:rPr lang="en-US" sz="1200" dirty="0" err="1">
-                <a:solidFill>
-                  <a:srgbClr val="333333"/>
-                </a:solidFill>
-                <a:latin typeface="Tahoma" panose="020B0604030504040204" pitchFamily="34" charset="0"/>
-                <a:ea typeface="Tahoma" panose="020B0604030504040204" pitchFamily="34" charset="0"/>
-                <a:cs typeface="Tahoma" panose="020B0604030504040204" pitchFamily="34" charset="0"/>
-              </a:rPr>
-              <a:t>tiết</a:t>
-            </a:r>
-            <a:r>
-              <a:rPr lang="en-US" sz="1200" dirty="0">
-                <a:solidFill>
-                  <a:srgbClr val="333333"/>
-                </a:solidFill>
-                <a:latin typeface="Tahoma" panose="020B0604030504040204" pitchFamily="34" charset="0"/>
-                <a:ea typeface="Tahoma" panose="020B0604030504040204" pitchFamily="34" charset="0"/>
-                <a:cs typeface="Tahoma" panose="020B0604030504040204" pitchFamily="34" charset="0"/>
-              </a:rPr>
-              <a:t> </a:t>
-            </a:r>
-            <a:r>
-              <a:rPr lang="en-US" sz="1200" dirty="0" err="1">
-                <a:solidFill>
-                  <a:srgbClr val="333333"/>
-                </a:solidFill>
-                <a:latin typeface="Tahoma" panose="020B0604030504040204" pitchFamily="34" charset="0"/>
-                <a:ea typeface="Tahoma" panose="020B0604030504040204" pitchFamily="34" charset="0"/>
-                <a:cs typeface="Tahoma" panose="020B0604030504040204" pitchFamily="34" charset="0"/>
-              </a:rPr>
-              <a:t>lộ</a:t>
-            </a:r>
-            <a:r>
-              <a:rPr lang="en-US" sz="1200" dirty="0">
-                <a:solidFill>
-                  <a:srgbClr val="333333"/>
-                </a:solidFill>
-                <a:latin typeface="Tahoma" panose="020B0604030504040204" pitchFamily="34" charset="0"/>
-                <a:ea typeface="Tahoma" panose="020B0604030504040204" pitchFamily="34" charset="0"/>
-                <a:cs typeface="Tahoma" panose="020B0604030504040204" pitchFamily="34" charset="0"/>
-              </a:rPr>
-              <a:t> </a:t>
-            </a:r>
-            <a:r>
-              <a:rPr lang="en-US" sz="1200" dirty="0" err="1">
-                <a:solidFill>
-                  <a:srgbClr val="333333"/>
-                </a:solidFill>
-                <a:latin typeface="Tahoma" panose="020B0604030504040204" pitchFamily="34" charset="0"/>
-                <a:ea typeface="Tahoma" panose="020B0604030504040204" pitchFamily="34" charset="0"/>
-                <a:cs typeface="Tahoma" panose="020B0604030504040204" pitchFamily="34" charset="0"/>
-              </a:rPr>
-              <a:t>vai</a:t>
-            </a:r>
-            <a:r>
-              <a:rPr lang="en-US" sz="1200" dirty="0">
-                <a:solidFill>
-                  <a:srgbClr val="333333"/>
-                </a:solidFill>
-                <a:latin typeface="Tahoma" panose="020B0604030504040204" pitchFamily="34" charset="0"/>
-                <a:ea typeface="Tahoma" panose="020B0604030504040204" pitchFamily="34" charset="0"/>
-                <a:cs typeface="Tahoma" panose="020B0604030504040204" pitchFamily="34" charset="0"/>
-              </a:rPr>
-              <a:t> </a:t>
-            </a:r>
-            <a:r>
-              <a:rPr lang="en-US" sz="1200" dirty="0" err="1">
-                <a:solidFill>
-                  <a:srgbClr val="333333"/>
-                </a:solidFill>
-                <a:latin typeface="Tahoma" panose="020B0604030504040204" pitchFamily="34" charset="0"/>
-                <a:ea typeface="Tahoma" panose="020B0604030504040204" pitchFamily="34" charset="0"/>
-                <a:cs typeface="Tahoma" panose="020B0604030504040204" pitchFamily="34" charset="0"/>
-              </a:rPr>
-              <a:t>trò</a:t>
-            </a:r>
-            <a:r>
-              <a:rPr lang="en-US" sz="1200" dirty="0">
-                <a:solidFill>
-                  <a:srgbClr val="333333"/>
-                </a:solidFill>
-                <a:latin typeface="Tahoma" panose="020B0604030504040204" pitchFamily="34" charset="0"/>
-                <a:ea typeface="Tahoma" panose="020B0604030504040204" pitchFamily="34" charset="0"/>
-                <a:cs typeface="Tahoma" panose="020B0604030504040204" pitchFamily="34" charset="0"/>
-              </a:rPr>
-              <a:t> </a:t>
-            </a:r>
-            <a:r>
-              <a:rPr lang="en-US" sz="1200" dirty="0" err="1">
-                <a:solidFill>
-                  <a:srgbClr val="333333"/>
-                </a:solidFill>
-                <a:latin typeface="Tahoma" panose="020B0604030504040204" pitchFamily="34" charset="0"/>
-                <a:ea typeface="Tahoma" panose="020B0604030504040204" pitchFamily="34" charset="0"/>
-                <a:cs typeface="Tahoma" panose="020B0604030504040204" pitchFamily="34" charset="0"/>
-              </a:rPr>
-              <a:t>và</a:t>
-            </a:r>
-            <a:r>
-              <a:rPr lang="en-US" sz="1200" dirty="0">
-                <a:solidFill>
-                  <a:srgbClr val="333333"/>
-                </a:solidFill>
-                <a:latin typeface="Tahoma" panose="020B0604030504040204" pitchFamily="34" charset="0"/>
-                <a:ea typeface="Tahoma" panose="020B0604030504040204" pitchFamily="34" charset="0"/>
-                <a:cs typeface="Tahoma" panose="020B0604030504040204" pitchFamily="34" charset="0"/>
-              </a:rPr>
-              <a:t> </a:t>
-            </a:r>
-            <a:r>
-              <a:rPr lang="en-US" sz="1200" dirty="0" err="1">
-                <a:solidFill>
-                  <a:srgbClr val="333333"/>
-                </a:solidFill>
-                <a:latin typeface="Tahoma" panose="020B0604030504040204" pitchFamily="34" charset="0"/>
-                <a:ea typeface="Tahoma" panose="020B0604030504040204" pitchFamily="34" charset="0"/>
-                <a:cs typeface="Tahoma" panose="020B0604030504040204" pitchFamily="34" charset="0"/>
-              </a:rPr>
-              <a:t>trách</a:t>
-            </a:r>
-            <a:r>
-              <a:rPr lang="en-US" sz="1200" dirty="0">
-                <a:solidFill>
-                  <a:srgbClr val="333333"/>
-                </a:solidFill>
-                <a:latin typeface="Tahoma" panose="020B0604030504040204" pitchFamily="34" charset="0"/>
-                <a:ea typeface="Tahoma" panose="020B0604030504040204" pitchFamily="34" charset="0"/>
-                <a:cs typeface="Tahoma" panose="020B0604030504040204" pitchFamily="34" charset="0"/>
-              </a:rPr>
-              <a:t> </a:t>
-            </a:r>
-            <a:r>
-              <a:rPr lang="en-US" sz="1200" dirty="0" err="1">
-                <a:solidFill>
-                  <a:srgbClr val="333333"/>
-                </a:solidFill>
-                <a:latin typeface="Tahoma" panose="020B0604030504040204" pitchFamily="34" charset="0"/>
-                <a:ea typeface="Tahoma" panose="020B0604030504040204" pitchFamily="34" charset="0"/>
-                <a:cs typeface="Tahoma" panose="020B0604030504040204" pitchFamily="34" charset="0"/>
-              </a:rPr>
-              <a:t>nhiệm</a:t>
-            </a:r>
-            <a:r>
-              <a:rPr lang="en-US" sz="1200" dirty="0">
-                <a:solidFill>
-                  <a:srgbClr val="333333"/>
-                </a:solidFill>
-                <a:latin typeface="Tahoma" panose="020B0604030504040204" pitchFamily="34" charset="0"/>
-                <a:ea typeface="Tahoma" panose="020B0604030504040204" pitchFamily="34" charset="0"/>
-                <a:cs typeface="Tahoma" panose="020B0604030504040204" pitchFamily="34" charset="0"/>
-              </a:rPr>
-              <a:t> </a:t>
-            </a:r>
-            <a:r>
-              <a:rPr lang="en-US" sz="1200" dirty="0" err="1">
-                <a:solidFill>
-                  <a:srgbClr val="333333"/>
-                </a:solidFill>
-                <a:latin typeface="Tahoma" panose="020B0604030504040204" pitchFamily="34" charset="0"/>
-                <a:ea typeface="Tahoma" panose="020B0604030504040204" pitchFamily="34" charset="0"/>
-                <a:cs typeface="Tahoma" panose="020B0604030504040204" pitchFamily="34" charset="0"/>
-              </a:rPr>
-              <a:t>của</a:t>
-            </a:r>
-            <a:r>
-              <a:rPr lang="en-US" sz="1200" dirty="0">
-                <a:solidFill>
-                  <a:srgbClr val="333333"/>
-                </a:solidFill>
-                <a:latin typeface="Tahoma" panose="020B0604030504040204" pitchFamily="34" charset="0"/>
-                <a:ea typeface="Tahoma" panose="020B0604030504040204" pitchFamily="34" charset="0"/>
-                <a:cs typeface="Tahoma" panose="020B0604030504040204" pitchFamily="34" charset="0"/>
-              </a:rPr>
-              <a:t> </a:t>
-            </a:r>
-            <a:r>
-              <a:rPr lang="en-US" sz="1200" dirty="0" err="1">
-                <a:solidFill>
-                  <a:srgbClr val="333333"/>
-                </a:solidFill>
-                <a:latin typeface="Tahoma" panose="020B0604030504040204" pitchFamily="34" charset="0"/>
-                <a:ea typeface="Tahoma" panose="020B0604030504040204" pitchFamily="34" charset="0"/>
-                <a:cs typeface="Tahoma" panose="020B0604030504040204" pitchFamily="34" charset="0"/>
-              </a:rPr>
-              <a:t>bạn</a:t>
-            </a:r>
-            <a:r>
-              <a:rPr lang="en-US" sz="1200" dirty="0">
-                <a:solidFill>
-                  <a:srgbClr val="333333"/>
-                </a:solidFill>
-                <a:latin typeface="Tahoma" panose="020B0604030504040204" pitchFamily="34" charset="0"/>
-                <a:ea typeface="Tahoma" panose="020B0604030504040204" pitchFamily="34" charset="0"/>
-                <a:cs typeface="Tahoma" panose="020B0604030504040204" pitchFamily="34" charset="0"/>
-              </a:rPr>
-              <a:t> </a:t>
-            </a:r>
-            <a:r>
-              <a:rPr lang="en-US" sz="1200" dirty="0" err="1">
-                <a:solidFill>
-                  <a:srgbClr val="333333"/>
-                </a:solidFill>
-                <a:latin typeface="Tahoma" panose="020B0604030504040204" pitchFamily="34" charset="0"/>
-                <a:ea typeface="Tahoma" panose="020B0604030504040204" pitchFamily="34" charset="0"/>
-                <a:cs typeface="Tahoma" panose="020B0604030504040204" pitchFamily="34" charset="0"/>
-              </a:rPr>
-              <a:t>nhằm</a:t>
-            </a:r>
-            <a:r>
-              <a:rPr lang="en-US" sz="1200" dirty="0">
-                <a:solidFill>
-                  <a:srgbClr val="333333"/>
-                </a:solidFill>
-                <a:latin typeface="Tahoma" panose="020B0604030504040204" pitchFamily="34" charset="0"/>
-                <a:ea typeface="Tahoma" panose="020B0604030504040204" pitchFamily="34" charset="0"/>
-                <a:cs typeface="Tahoma" panose="020B0604030504040204" pitchFamily="34" charset="0"/>
-              </a:rPr>
-              <a:t> </a:t>
-            </a:r>
-            <a:r>
-              <a:rPr lang="en-US" sz="1200" dirty="0" err="1">
-                <a:solidFill>
-                  <a:srgbClr val="333333"/>
-                </a:solidFill>
-                <a:latin typeface="Tahoma" panose="020B0604030504040204" pitchFamily="34" charset="0"/>
-                <a:ea typeface="Tahoma" panose="020B0604030504040204" pitchFamily="34" charset="0"/>
-                <a:cs typeface="Tahoma" panose="020B0604030504040204" pitchFamily="34" charset="0"/>
-              </a:rPr>
-              <a:t>chinh</a:t>
-            </a:r>
-            <a:r>
-              <a:rPr lang="en-US" sz="1200" dirty="0">
-                <a:solidFill>
-                  <a:srgbClr val="333333"/>
-                </a:solidFill>
-                <a:latin typeface="Tahoma" panose="020B0604030504040204" pitchFamily="34" charset="0"/>
-                <a:ea typeface="Tahoma" panose="020B0604030504040204" pitchFamily="34" charset="0"/>
-                <a:cs typeface="Tahoma" panose="020B0604030504040204" pitchFamily="34" charset="0"/>
-              </a:rPr>
-              <a:t> </a:t>
-            </a:r>
-            <a:r>
-              <a:rPr lang="en-US" sz="1200" dirty="0" err="1">
-                <a:solidFill>
-                  <a:srgbClr val="333333"/>
-                </a:solidFill>
-                <a:latin typeface="Tahoma" panose="020B0604030504040204" pitchFamily="34" charset="0"/>
-                <a:ea typeface="Tahoma" panose="020B0604030504040204" pitchFamily="34" charset="0"/>
-                <a:cs typeface="Tahoma" panose="020B0604030504040204" pitchFamily="34" charset="0"/>
-              </a:rPr>
-              <a:t>phục</a:t>
-            </a:r>
-            <a:r>
-              <a:rPr lang="en-US" sz="1200" dirty="0">
-                <a:solidFill>
-                  <a:srgbClr val="333333"/>
-                </a:solidFill>
-                <a:latin typeface="Tahoma" panose="020B0604030504040204" pitchFamily="34" charset="0"/>
-                <a:ea typeface="Tahoma" panose="020B0604030504040204" pitchFamily="34" charset="0"/>
-                <a:cs typeface="Tahoma" panose="020B0604030504040204" pitchFamily="34" charset="0"/>
-              </a:rPr>
-              <a:t> </a:t>
-            </a:r>
-            <a:r>
-              <a:rPr lang="en-US" sz="1200" dirty="0" err="1">
-                <a:solidFill>
-                  <a:srgbClr val="333333"/>
-                </a:solidFill>
-                <a:latin typeface="Tahoma" panose="020B0604030504040204" pitchFamily="34" charset="0"/>
-                <a:ea typeface="Tahoma" panose="020B0604030504040204" pitchFamily="34" charset="0"/>
-                <a:cs typeface="Tahoma" panose="020B0604030504040204" pitchFamily="34" charset="0"/>
-              </a:rPr>
-              <a:t>phiên</a:t>
-            </a:r>
-            <a:r>
-              <a:rPr lang="en-US" sz="1200" dirty="0">
-                <a:solidFill>
-                  <a:srgbClr val="333333"/>
-                </a:solidFill>
-                <a:latin typeface="Tahoma" panose="020B0604030504040204" pitchFamily="34" charset="0"/>
-                <a:ea typeface="Tahoma" panose="020B0604030504040204" pitchFamily="34" charset="0"/>
-                <a:cs typeface="Tahoma" panose="020B0604030504040204" pitchFamily="34" charset="0"/>
-              </a:rPr>
-              <a:t> </a:t>
-            </a:r>
-            <a:r>
-              <a:rPr lang="en-US" sz="1200" dirty="0" err="1">
-                <a:solidFill>
-                  <a:srgbClr val="333333"/>
-                </a:solidFill>
-                <a:latin typeface="Tahoma" panose="020B0604030504040204" pitchFamily="34" charset="0"/>
-                <a:ea typeface="Tahoma" panose="020B0604030504040204" pitchFamily="34" charset="0"/>
-                <a:cs typeface="Tahoma" panose="020B0604030504040204" pitchFamily="34" charset="0"/>
-              </a:rPr>
-              <a:t>bản</a:t>
-            </a:r>
-            <a:r>
-              <a:rPr lang="en-US" sz="1200" dirty="0">
-                <a:solidFill>
-                  <a:srgbClr val="333333"/>
-                </a:solidFill>
-                <a:latin typeface="Tahoma" panose="020B0604030504040204" pitchFamily="34" charset="0"/>
-                <a:ea typeface="Tahoma" panose="020B0604030504040204" pitchFamily="34" charset="0"/>
-                <a:cs typeface="Tahoma" panose="020B0604030504040204" pitchFamily="34" charset="0"/>
-              </a:rPr>
-              <a:t> </a:t>
-            </a:r>
-            <a:r>
-              <a:rPr lang="en-US" sz="1200" dirty="0" err="1">
-                <a:solidFill>
-                  <a:srgbClr val="333333"/>
-                </a:solidFill>
-                <a:latin typeface="Tahoma" panose="020B0604030504040204" pitchFamily="34" charset="0"/>
-                <a:ea typeface="Tahoma" panose="020B0604030504040204" pitchFamily="34" charset="0"/>
-                <a:cs typeface="Tahoma" panose="020B0604030504040204" pitchFamily="34" charset="0"/>
-              </a:rPr>
-              <a:t>tuyệt</a:t>
-            </a:r>
-            <a:r>
-              <a:rPr lang="en-US" sz="1200" dirty="0">
-                <a:solidFill>
-                  <a:srgbClr val="333333"/>
-                </a:solidFill>
-                <a:latin typeface="Tahoma" panose="020B0604030504040204" pitchFamily="34" charset="0"/>
-                <a:ea typeface="Tahoma" panose="020B0604030504040204" pitchFamily="34" charset="0"/>
-                <a:cs typeface="Tahoma" panose="020B0604030504040204" pitchFamily="34" charset="0"/>
-              </a:rPr>
-              <a:t> </a:t>
-            </a:r>
-            <a:r>
-              <a:rPr lang="en-US" sz="1200" dirty="0" err="1">
-                <a:solidFill>
-                  <a:srgbClr val="333333"/>
-                </a:solidFill>
-                <a:latin typeface="Tahoma" panose="020B0604030504040204" pitchFamily="34" charset="0"/>
-                <a:ea typeface="Tahoma" panose="020B0604030504040204" pitchFamily="34" charset="0"/>
-                <a:cs typeface="Tahoma" panose="020B0604030504040204" pitchFamily="34" charset="0"/>
-              </a:rPr>
-              <a:t>vời</a:t>
-            </a:r>
-            <a:r>
-              <a:rPr lang="en-US" sz="1200" dirty="0">
-                <a:solidFill>
-                  <a:srgbClr val="333333"/>
-                </a:solidFill>
-                <a:latin typeface="Tahoma" panose="020B0604030504040204" pitchFamily="34" charset="0"/>
-                <a:ea typeface="Tahoma" panose="020B0604030504040204" pitchFamily="34" charset="0"/>
-                <a:cs typeface="Tahoma" panose="020B0604030504040204" pitchFamily="34" charset="0"/>
-              </a:rPr>
-              <a:t> </a:t>
-            </a:r>
-            <a:r>
-              <a:rPr lang="en-US" sz="1200" dirty="0" err="1">
-                <a:solidFill>
-                  <a:srgbClr val="333333"/>
-                </a:solidFill>
-                <a:latin typeface="Tahoma" panose="020B0604030504040204" pitchFamily="34" charset="0"/>
-                <a:ea typeface="Tahoma" panose="020B0604030504040204" pitchFamily="34" charset="0"/>
-                <a:cs typeface="Tahoma" panose="020B0604030504040204" pitchFamily="34" charset="0"/>
-              </a:rPr>
-              <a:t>nhất</a:t>
-            </a:r>
-            <a:r>
-              <a:rPr lang="en-US" sz="1200" dirty="0">
-                <a:solidFill>
-                  <a:srgbClr val="333333"/>
-                </a:solidFill>
-                <a:latin typeface="Tahoma" panose="020B0604030504040204" pitchFamily="34" charset="0"/>
-                <a:ea typeface="Tahoma" panose="020B0604030504040204" pitchFamily="34" charset="0"/>
-                <a:cs typeface="Tahoma" panose="020B0604030504040204" pitchFamily="34" charset="0"/>
-              </a:rPr>
-              <a:t> </a:t>
-            </a:r>
-            <a:r>
-              <a:rPr lang="en-US" sz="1200" dirty="0" err="1">
-                <a:solidFill>
-                  <a:srgbClr val="333333"/>
-                </a:solidFill>
-                <a:latin typeface="Tahoma" panose="020B0604030504040204" pitchFamily="34" charset="0"/>
-                <a:ea typeface="Tahoma" panose="020B0604030504040204" pitchFamily="34" charset="0"/>
-                <a:cs typeface="Tahoma" panose="020B0604030504040204" pitchFamily="34" charset="0"/>
-              </a:rPr>
-              <a:t>của</a:t>
-            </a:r>
-            <a:r>
-              <a:rPr lang="en-US" sz="1200" dirty="0">
-                <a:solidFill>
-                  <a:srgbClr val="333333"/>
-                </a:solidFill>
-                <a:latin typeface="Tahoma" panose="020B0604030504040204" pitchFamily="34" charset="0"/>
-                <a:ea typeface="Tahoma" panose="020B0604030504040204" pitchFamily="34" charset="0"/>
-                <a:cs typeface="Tahoma" panose="020B0604030504040204" pitchFamily="34" charset="0"/>
-              </a:rPr>
-              <a:t> </a:t>
-            </a:r>
-            <a:r>
-              <a:rPr lang="en-US" sz="1200" dirty="0" err="1">
-                <a:solidFill>
-                  <a:srgbClr val="333333"/>
-                </a:solidFill>
-                <a:latin typeface="Tahoma" panose="020B0604030504040204" pitchFamily="34" charset="0"/>
-                <a:ea typeface="Tahoma" panose="020B0604030504040204" pitchFamily="34" charset="0"/>
-                <a:cs typeface="Tahoma" panose="020B0604030504040204" pitchFamily="34" charset="0"/>
-              </a:rPr>
-              <a:t>chính</a:t>
-            </a:r>
-            <a:r>
-              <a:rPr lang="en-US" sz="1200" dirty="0">
-                <a:solidFill>
-                  <a:srgbClr val="333333"/>
-                </a:solidFill>
-                <a:latin typeface="Tahoma" panose="020B0604030504040204" pitchFamily="34" charset="0"/>
-                <a:ea typeface="Tahoma" panose="020B0604030504040204" pitchFamily="34" charset="0"/>
-                <a:cs typeface="Tahoma" panose="020B0604030504040204" pitchFamily="34" charset="0"/>
-              </a:rPr>
-              <a:t> </a:t>
-            </a:r>
-            <a:r>
-              <a:rPr lang="en-US" sz="1200" dirty="0" err="1">
-                <a:solidFill>
-                  <a:srgbClr val="333333"/>
-                </a:solidFill>
-                <a:latin typeface="Tahoma" panose="020B0604030504040204" pitchFamily="34" charset="0"/>
-                <a:ea typeface="Tahoma" panose="020B0604030504040204" pitchFamily="34" charset="0"/>
-                <a:cs typeface="Tahoma" panose="020B0604030504040204" pitchFamily="34" charset="0"/>
-              </a:rPr>
-              <a:t>bạn</a:t>
-            </a:r>
-            <a:r>
-              <a:rPr lang="en-US" sz="1200" dirty="0">
-                <a:solidFill>
-                  <a:srgbClr val="333333"/>
-                </a:solidFill>
-                <a:latin typeface="Tahoma" panose="020B0604030504040204" pitchFamily="34" charset="0"/>
-                <a:ea typeface="Tahoma" panose="020B0604030504040204" pitchFamily="34" charset="0"/>
-                <a:cs typeface="Tahoma" panose="020B0604030504040204" pitchFamily="34" charset="0"/>
-              </a:rPr>
-              <a:t>. </a:t>
-            </a:r>
-            <a:r>
-              <a:rPr lang="en-US" sz="1200" dirty="0" err="1">
-                <a:solidFill>
-                  <a:srgbClr val="333333"/>
-                </a:solidFill>
-                <a:latin typeface="Tahoma" panose="020B0604030504040204" pitchFamily="34" charset="0"/>
-                <a:ea typeface="Tahoma" panose="020B0604030504040204" pitchFamily="34" charset="0"/>
-                <a:cs typeface="Tahoma" panose="020B0604030504040204" pitchFamily="34" charset="0"/>
-              </a:rPr>
-              <a:t>Nó</a:t>
-            </a:r>
-            <a:r>
-              <a:rPr lang="en-US" sz="1200" dirty="0">
-                <a:solidFill>
-                  <a:srgbClr val="333333"/>
-                </a:solidFill>
-                <a:latin typeface="Tahoma" panose="020B0604030504040204" pitchFamily="34" charset="0"/>
-                <a:ea typeface="Tahoma" panose="020B0604030504040204" pitchFamily="34" charset="0"/>
-                <a:cs typeface="Tahoma" panose="020B0604030504040204" pitchFamily="34" charset="0"/>
-              </a:rPr>
-              <a:t> </a:t>
-            </a:r>
-            <a:r>
-              <a:rPr lang="en-US" sz="1200" dirty="0" err="1">
-                <a:solidFill>
-                  <a:srgbClr val="333333"/>
-                </a:solidFill>
-                <a:latin typeface="Tahoma" panose="020B0604030504040204" pitchFamily="34" charset="0"/>
-                <a:ea typeface="Tahoma" panose="020B0604030504040204" pitchFamily="34" charset="0"/>
-                <a:cs typeface="Tahoma" panose="020B0604030504040204" pitchFamily="34" charset="0"/>
-              </a:rPr>
-              <a:t>khai</a:t>
-            </a:r>
-            <a:r>
-              <a:rPr lang="en-US" sz="1200" dirty="0">
-                <a:solidFill>
-                  <a:srgbClr val="333333"/>
-                </a:solidFill>
-                <a:latin typeface="Tahoma" panose="020B0604030504040204" pitchFamily="34" charset="0"/>
-                <a:ea typeface="Tahoma" panose="020B0604030504040204" pitchFamily="34" charset="0"/>
-                <a:cs typeface="Tahoma" panose="020B0604030504040204" pitchFamily="34" charset="0"/>
-              </a:rPr>
-              <a:t> </a:t>
-            </a:r>
-            <a:r>
-              <a:rPr lang="en-US" sz="1200" dirty="0" err="1">
-                <a:solidFill>
-                  <a:srgbClr val="333333"/>
-                </a:solidFill>
-                <a:latin typeface="Tahoma" panose="020B0604030504040204" pitchFamily="34" charset="0"/>
-                <a:ea typeface="Tahoma" panose="020B0604030504040204" pitchFamily="34" charset="0"/>
-                <a:cs typeface="Tahoma" panose="020B0604030504040204" pitchFamily="34" charset="0"/>
-              </a:rPr>
-              <a:t>mở</a:t>
-            </a:r>
-            <a:r>
-              <a:rPr lang="en-US" sz="1200" dirty="0">
-                <a:solidFill>
-                  <a:srgbClr val="333333"/>
-                </a:solidFill>
-                <a:latin typeface="Tahoma" panose="020B0604030504040204" pitchFamily="34" charset="0"/>
-                <a:ea typeface="Tahoma" panose="020B0604030504040204" pitchFamily="34" charset="0"/>
-                <a:cs typeface="Tahoma" panose="020B0604030504040204" pitchFamily="34" charset="0"/>
-              </a:rPr>
-              <a:t> </a:t>
-            </a:r>
-            <a:r>
-              <a:rPr lang="en-US" sz="1200" dirty="0" err="1">
-                <a:solidFill>
-                  <a:srgbClr val="333333"/>
-                </a:solidFill>
-                <a:latin typeface="Tahoma" panose="020B0604030504040204" pitchFamily="34" charset="0"/>
-                <a:ea typeface="Tahoma" panose="020B0604030504040204" pitchFamily="34" charset="0"/>
-                <a:cs typeface="Tahoma" panose="020B0604030504040204" pitchFamily="34" charset="0"/>
-              </a:rPr>
-              <a:t>những</a:t>
-            </a:r>
-            <a:r>
-              <a:rPr lang="en-US" sz="1200" dirty="0">
-                <a:solidFill>
-                  <a:srgbClr val="333333"/>
-                </a:solidFill>
-                <a:latin typeface="Tahoma" panose="020B0604030504040204" pitchFamily="34" charset="0"/>
-                <a:ea typeface="Tahoma" panose="020B0604030504040204" pitchFamily="34" charset="0"/>
-                <a:cs typeface="Tahoma" panose="020B0604030504040204" pitchFamily="34" charset="0"/>
-              </a:rPr>
-              <a:t> </a:t>
-            </a:r>
-            <a:r>
-              <a:rPr lang="en-US" sz="1200" dirty="0" err="1">
-                <a:solidFill>
-                  <a:srgbClr val="333333"/>
-                </a:solidFill>
-                <a:latin typeface="Tahoma" panose="020B0604030504040204" pitchFamily="34" charset="0"/>
-                <a:ea typeface="Tahoma" panose="020B0604030504040204" pitchFamily="34" charset="0"/>
-                <a:cs typeface="Tahoma" panose="020B0604030504040204" pitchFamily="34" charset="0"/>
-              </a:rPr>
-              <a:t>thông</a:t>
-            </a:r>
-            <a:r>
-              <a:rPr lang="en-US" sz="1200" dirty="0">
-                <a:solidFill>
-                  <a:srgbClr val="333333"/>
-                </a:solidFill>
-                <a:latin typeface="Tahoma" panose="020B0604030504040204" pitchFamily="34" charset="0"/>
-                <a:ea typeface="Tahoma" panose="020B0604030504040204" pitchFamily="34" charset="0"/>
-                <a:cs typeface="Tahoma" panose="020B0604030504040204" pitchFamily="34" charset="0"/>
-              </a:rPr>
-              <a:t> tin </a:t>
-            </a:r>
-            <a:r>
-              <a:rPr lang="en-US" sz="1200" dirty="0" err="1">
-                <a:solidFill>
-                  <a:srgbClr val="333333"/>
-                </a:solidFill>
-                <a:latin typeface="Tahoma" panose="020B0604030504040204" pitchFamily="34" charset="0"/>
-                <a:ea typeface="Tahoma" panose="020B0604030504040204" pitchFamily="34" charset="0"/>
-                <a:cs typeface="Tahoma" panose="020B0604030504040204" pitchFamily="34" charset="0"/>
-              </a:rPr>
-              <a:t>giá</a:t>
-            </a:r>
-            <a:r>
-              <a:rPr lang="en-US" sz="1200" dirty="0">
-                <a:solidFill>
-                  <a:srgbClr val="333333"/>
-                </a:solidFill>
-                <a:latin typeface="Tahoma" panose="020B0604030504040204" pitchFamily="34" charset="0"/>
-                <a:ea typeface="Tahoma" panose="020B0604030504040204" pitchFamily="34" charset="0"/>
-                <a:cs typeface="Tahoma" panose="020B0604030504040204" pitchFamily="34" charset="0"/>
-              </a:rPr>
-              <a:t> </a:t>
-            </a:r>
-            <a:r>
-              <a:rPr lang="en-US" sz="1200" dirty="0" err="1">
-                <a:solidFill>
-                  <a:srgbClr val="333333"/>
-                </a:solidFill>
-                <a:latin typeface="Tahoma" panose="020B0604030504040204" pitchFamily="34" charset="0"/>
-                <a:ea typeface="Tahoma" panose="020B0604030504040204" pitchFamily="34" charset="0"/>
-                <a:cs typeface="Tahoma" panose="020B0604030504040204" pitchFamily="34" charset="0"/>
-              </a:rPr>
-              <a:t>trị</a:t>
-            </a:r>
-            <a:r>
-              <a:rPr lang="en-US" sz="1200" dirty="0">
-                <a:solidFill>
-                  <a:srgbClr val="333333"/>
-                </a:solidFill>
-                <a:latin typeface="Tahoma" panose="020B0604030504040204" pitchFamily="34" charset="0"/>
-                <a:ea typeface="Tahoma" panose="020B0604030504040204" pitchFamily="34" charset="0"/>
-                <a:cs typeface="Tahoma" panose="020B0604030504040204" pitchFamily="34" charset="0"/>
-              </a:rPr>
-              <a:t> </a:t>
-            </a:r>
-            <a:r>
-              <a:rPr lang="en-US" sz="1200" dirty="0" err="1">
-                <a:solidFill>
-                  <a:srgbClr val="333333"/>
-                </a:solidFill>
-                <a:latin typeface="Tahoma" panose="020B0604030504040204" pitchFamily="34" charset="0"/>
-                <a:ea typeface="Tahoma" panose="020B0604030504040204" pitchFamily="34" charset="0"/>
-                <a:cs typeface="Tahoma" panose="020B0604030504040204" pitchFamily="34" charset="0"/>
-              </a:rPr>
-              <a:t>giúp</a:t>
-            </a:r>
-            <a:r>
-              <a:rPr lang="en-US" sz="1200" dirty="0">
-                <a:solidFill>
-                  <a:srgbClr val="333333"/>
-                </a:solidFill>
-                <a:latin typeface="Tahoma" panose="020B0604030504040204" pitchFamily="34" charset="0"/>
-                <a:ea typeface="Tahoma" panose="020B0604030504040204" pitchFamily="34" charset="0"/>
-                <a:cs typeface="Tahoma" panose="020B0604030504040204" pitchFamily="34" charset="0"/>
-              </a:rPr>
-              <a:t> </a:t>
-            </a:r>
-            <a:r>
-              <a:rPr lang="en-US" sz="1200" dirty="0" err="1">
-                <a:solidFill>
-                  <a:srgbClr val="333333"/>
-                </a:solidFill>
-                <a:latin typeface="Tahoma" panose="020B0604030504040204" pitchFamily="34" charset="0"/>
-                <a:ea typeface="Tahoma" panose="020B0604030504040204" pitchFamily="34" charset="0"/>
-                <a:cs typeface="Tahoma" panose="020B0604030504040204" pitchFamily="34" charset="0"/>
-              </a:rPr>
-              <a:t>bạn</a:t>
-            </a:r>
-            <a:r>
-              <a:rPr lang="en-US" sz="1200" dirty="0">
-                <a:solidFill>
-                  <a:srgbClr val="333333"/>
-                </a:solidFill>
-                <a:latin typeface="Tahoma" panose="020B0604030504040204" pitchFamily="34" charset="0"/>
-                <a:ea typeface="Tahoma" panose="020B0604030504040204" pitchFamily="34" charset="0"/>
-                <a:cs typeface="Tahoma" panose="020B0604030504040204" pitchFamily="34" charset="0"/>
-              </a:rPr>
-              <a:t> </a:t>
-            </a:r>
-            <a:r>
-              <a:rPr lang="en-US" sz="1200" dirty="0" err="1">
-                <a:solidFill>
-                  <a:srgbClr val="333333"/>
-                </a:solidFill>
-                <a:latin typeface="Tahoma" panose="020B0604030504040204" pitchFamily="34" charset="0"/>
-                <a:ea typeface="Tahoma" panose="020B0604030504040204" pitchFamily="34" charset="0"/>
-                <a:cs typeface="Tahoma" panose="020B0604030504040204" pitchFamily="34" charset="0"/>
-              </a:rPr>
-              <a:t>tỏa</a:t>
-            </a:r>
-            <a:r>
-              <a:rPr lang="en-US" sz="1200" dirty="0">
-                <a:solidFill>
-                  <a:srgbClr val="333333"/>
-                </a:solidFill>
-                <a:latin typeface="Tahoma" panose="020B0604030504040204" pitchFamily="34" charset="0"/>
-                <a:ea typeface="Tahoma" panose="020B0604030504040204" pitchFamily="34" charset="0"/>
-                <a:cs typeface="Tahoma" panose="020B0604030504040204" pitchFamily="34" charset="0"/>
-              </a:rPr>
-              <a:t> </a:t>
-            </a:r>
-            <a:r>
-              <a:rPr lang="en-US" sz="1200" dirty="0" err="1">
-                <a:solidFill>
-                  <a:srgbClr val="333333"/>
-                </a:solidFill>
-                <a:latin typeface="Tahoma" panose="020B0604030504040204" pitchFamily="34" charset="0"/>
-                <a:ea typeface="Tahoma" panose="020B0604030504040204" pitchFamily="34" charset="0"/>
-                <a:cs typeface="Tahoma" panose="020B0604030504040204" pitchFamily="34" charset="0"/>
-              </a:rPr>
-              <a:t>sáng</a:t>
-            </a:r>
-            <a:r>
-              <a:rPr lang="en-US" sz="1200" dirty="0">
-                <a:solidFill>
-                  <a:srgbClr val="333333"/>
-                </a:solidFill>
-                <a:latin typeface="Tahoma" panose="020B0604030504040204" pitchFamily="34" charset="0"/>
-                <a:ea typeface="Tahoma" panose="020B0604030504040204" pitchFamily="34" charset="0"/>
-                <a:cs typeface="Tahoma" panose="020B0604030504040204" pitchFamily="34" charset="0"/>
-              </a:rPr>
-              <a:t> </a:t>
-            </a:r>
-            <a:r>
-              <a:rPr lang="en-US" sz="1200" dirty="0" err="1">
-                <a:solidFill>
-                  <a:srgbClr val="333333"/>
-                </a:solidFill>
-                <a:latin typeface="Tahoma" panose="020B0604030504040204" pitchFamily="34" charset="0"/>
-                <a:ea typeface="Tahoma" panose="020B0604030504040204" pitchFamily="34" charset="0"/>
-                <a:cs typeface="Tahoma" panose="020B0604030504040204" pitchFamily="34" charset="0"/>
-              </a:rPr>
-              <a:t>và</a:t>
-            </a:r>
-            <a:r>
-              <a:rPr lang="en-US" sz="1200" dirty="0">
-                <a:solidFill>
-                  <a:srgbClr val="333333"/>
-                </a:solidFill>
-                <a:latin typeface="Tahoma" panose="020B0604030504040204" pitchFamily="34" charset="0"/>
-                <a:ea typeface="Tahoma" panose="020B0604030504040204" pitchFamily="34" charset="0"/>
-                <a:cs typeface="Tahoma" panose="020B0604030504040204" pitchFamily="34" charset="0"/>
-              </a:rPr>
-              <a:t> </a:t>
-            </a:r>
-            <a:r>
-              <a:rPr lang="en-US" sz="1200" dirty="0" err="1">
-                <a:solidFill>
-                  <a:srgbClr val="333333"/>
-                </a:solidFill>
-                <a:latin typeface="Tahoma" panose="020B0604030504040204" pitchFamily="34" charset="0"/>
-                <a:ea typeface="Tahoma" panose="020B0604030504040204" pitchFamily="34" charset="0"/>
-                <a:cs typeface="Tahoma" panose="020B0604030504040204" pitchFamily="34" charset="0"/>
-              </a:rPr>
-              <a:t>hoàn</a:t>
-            </a:r>
-            <a:r>
-              <a:rPr lang="en-US" sz="1200" dirty="0">
-                <a:solidFill>
-                  <a:srgbClr val="333333"/>
-                </a:solidFill>
-                <a:latin typeface="Tahoma" panose="020B0604030504040204" pitchFamily="34" charset="0"/>
-                <a:ea typeface="Tahoma" panose="020B0604030504040204" pitchFamily="34" charset="0"/>
-                <a:cs typeface="Tahoma" panose="020B0604030504040204" pitchFamily="34" charset="0"/>
-              </a:rPr>
-              <a:t> </a:t>
-            </a:r>
-            <a:r>
-              <a:rPr lang="en-US" sz="1200" dirty="0" err="1">
-                <a:solidFill>
-                  <a:srgbClr val="333333"/>
-                </a:solidFill>
-                <a:latin typeface="Tahoma" panose="020B0604030504040204" pitchFamily="34" charset="0"/>
-                <a:ea typeface="Tahoma" panose="020B0604030504040204" pitchFamily="34" charset="0"/>
-                <a:cs typeface="Tahoma" panose="020B0604030504040204" pitchFamily="34" charset="0"/>
-              </a:rPr>
-              <a:t>thành</a:t>
-            </a:r>
-            <a:r>
-              <a:rPr lang="en-US" sz="1200" dirty="0">
-                <a:solidFill>
-                  <a:srgbClr val="333333"/>
-                </a:solidFill>
-                <a:latin typeface="Tahoma" panose="020B0604030504040204" pitchFamily="34" charset="0"/>
-                <a:ea typeface="Tahoma" panose="020B0604030504040204" pitchFamily="34" charset="0"/>
-                <a:cs typeface="Tahoma" panose="020B0604030504040204" pitchFamily="34" charset="0"/>
-              </a:rPr>
-              <a:t> </a:t>
-            </a:r>
-            <a:r>
-              <a:rPr lang="en-US" sz="1200" dirty="0" err="1">
-                <a:solidFill>
-                  <a:srgbClr val="333333"/>
-                </a:solidFill>
-                <a:latin typeface="Tahoma" panose="020B0604030504040204" pitchFamily="34" charset="0"/>
-                <a:ea typeface="Tahoma" panose="020B0604030504040204" pitchFamily="34" charset="0"/>
-                <a:cs typeface="Tahoma" panose="020B0604030504040204" pitchFamily="34" charset="0"/>
-              </a:rPr>
-              <a:t>sứ</a:t>
-            </a:r>
-            <a:r>
-              <a:rPr lang="en-US" sz="1200" dirty="0">
-                <a:solidFill>
-                  <a:srgbClr val="333333"/>
-                </a:solidFill>
-                <a:latin typeface="Tahoma" panose="020B0604030504040204" pitchFamily="34" charset="0"/>
-                <a:ea typeface="Tahoma" panose="020B0604030504040204" pitchFamily="34" charset="0"/>
-                <a:cs typeface="Tahoma" panose="020B0604030504040204" pitchFamily="34" charset="0"/>
-              </a:rPr>
-              <a:t> </a:t>
-            </a:r>
-            <a:r>
-              <a:rPr lang="en-US" sz="1200" dirty="0" err="1">
-                <a:solidFill>
-                  <a:srgbClr val="333333"/>
-                </a:solidFill>
-                <a:latin typeface="Tahoma" panose="020B0604030504040204" pitchFamily="34" charset="0"/>
-                <a:ea typeface="Tahoma" panose="020B0604030504040204" pitchFamily="34" charset="0"/>
-                <a:cs typeface="Tahoma" panose="020B0604030504040204" pitchFamily="34" charset="0"/>
-              </a:rPr>
-              <a:t>mệnh</a:t>
-            </a:r>
-            <a:r>
-              <a:rPr lang="en-US" sz="1200" dirty="0">
-                <a:solidFill>
-                  <a:srgbClr val="333333"/>
-                </a:solidFill>
-                <a:latin typeface="Tahoma" panose="020B0604030504040204" pitchFamily="34" charset="0"/>
-                <a:ea typeface="Tahoma" panose="020B0604030504040204" pitchFamily="34" charset="0"/>
-                <a:cs typeface="Tahoma" panose="020B0604030504040204" pitchFamily="34" charset="0"/>
-              </a:rPr>
-              <a:t> </a:t>
-            </a:r>
-            <a:r>
-              <a:rPr lang="en-US" sz="1200" dirty="0" err="1">
-                <a:solidFill>
-                  <a:srgbClr val="333333"/>
-                </a:solidFill>
-                <a:latin typeface="Tahoma" panose="020B0604030504040204" pitchFamily="34" charset="0"/>
-                <a:ea typeface="Tahoma" panose="020B0604030504040204" pitchFamily="34" charset="0"/>
-                <a:cs typeface="Tahoma" panose="020B0604030504040204" pitchFamily="34" charset="0"/>
-              </a:rPr>
-              <a:t>bằng</a:t>
-            </a:r>
-            <a:r>
-              <a:rPr lang="en-US" sz="1200" dirty="0">
-                <a:solidFill>
-                  <a:srgbClr val="333333"/>
-                </a:solidFill>
-                <a:latin typeface="Tahoma" panose="020B0604030504040204" pitchFamily="34" charset="0"/>
-                <a:ea typeface="Tahoma" panose="020B0604030504040204" pitchFamily="34" charset="0"/>
-                <a:cs typeface="Tahoma" panose="020B0604030504040204" pitchFamily="34" charset="0"/>
-              </a:rPr>
-              <a:t> </a:t>
-            </a:r>
-            <a:r>
-              <a:rPr lang="en-US" sz="1200" dirty="0" err="1">
-                <a:solidFill>
-                  <a:srgbClr val="333333"/>
-                </a:solidFill>
-                <a:latin typeface="Tahoma" panose="020B0604030504040204" pitchFamily="34" charset="0"/>
-                <a:ea typeface="Tahoma" panose="020B0604030504040204" pitchFamily="34" charset="0"/>
-                <a:cs typeface="Tahoma" panose="020B0604030504040204" pitchFamily="34" charset="0"/>
-              </a:rPr>
-              <a:t>niềm</a:t>
-            </a:r>
-            <a:r>
-              <a:rPr lang="en-US" sz="1200" dirty="0">
-                <a:solidFill>
-                  <a:srgbClr val="333333"/>
-                </a:solidFill>
-                <a:latin typeface="Tahoma" panose="020B0604030504040204" pitchFamily="34" charset="0"/>
-                <a:ea typeface="Tahoma" panose="020B0604030504040204" pitchFamily="34" charset="0"/>
-                <a:cs typeface="Tahoma" panose="020B0604030504040204" pitchFamily="34" charset="0"/>
-              </a:rPr>
-              <a:t> </a:t>
-            </a:r>
-            <a:r>
-              <a:rPr lang="en-US" sz="1200" dirty="0" err="1">
-                <a:solidFill>
-                  <a:srgbClr val="333333"/>
-                </a:solidFill>
-                <a:latin typeface="Tahoma" panose="020B0604030504040204" pitchFamily="34" charset="0"/>
-                <a:ea typeface="Tahoma" panose="020B0604030504040204" pitchFamily="34" charset="0"/>
-                <a:cs typeface="Tahoma" panose="020B0604030504040204" pitchFamily="34" charset="0"/>
-              </a:rPr>
-              <a:t>cảm</a:t>
-            </a:r>
-            <a:r>
-              <a:rPr lang="en-US" sz="1200" dirty="0">
-                <a:solidFill>
-                  <a:srgbClr val="333333"/>
-                </a:solidFill>
-                <a:latin typeface="Tahoma" panose="020B0604030504040204" pitchFamily="34" charset="0"/>
-                <a:ea typeface="Tahoma" panose="020B0604030504040204" pitchFamily="34" charset="0"/>
-                <a:cs typeface="Tahoma" panose="020B0604030504040204" pitchFamily="34" charset="0"/>
-              </a:rPr>
-              <a:t> </a:t>
-            </a:r>
-            <a:r>
-              <a:rPr lang="en-US" sz="1200" dirty="0" err="1">
-                <a:solidFill>
-                  <a:srgbClr val="333333"/>
-                </a:solidFill>
-                <a:latin typeface="Tahoma" panose="020B0604030504040204" pitchFamily="34" charset="0"/>
-                <a:ea typeface="Tahoma" panose="020B0604030504040204" pitchFamily="34" charset="0"/>
-                <a:cs typeface="Tahoma" panose="020B0604030504040204" pitchFamily="34" charset="0"/>
-              </a:rPr>
-              <a:t>hứng</a:t>
-            </a:r>
-            <a:r>
-              <a:rPr lang="en-US" sz="1200" dirty="0">
-                <a:solidFill>
-                  <a:srgbClr val="333333"/>
-                </a:solidFill>
-                <a:latin typeface="Tahoma" panose="020B0604030504040204" pitchFamily="34" charset="0"/>
-                <a:ea typeface="Tahoma" panose="020B0604030504040204" pitchFamily="34" charset="0"/>
-                <a:cs typeface="Tahoma" panose="020B0604030504040204" pitchFamily="34" charset="0"/>
-              </a:rPr>
-              <a:t> </a:t>
-            </a:r>
-            <a:r>
-              <a:rPr lang="en-US" sz="1200" dirty="0" err="1">
-                <a:solidFill>
-                  <a:srgbClr val="333333"/>
-                </a:solidFill>
-                <a:latin typeface="Tahoma" panose="020B0604030504040204" pitchFamily="34" charset="0"/>
-                <a:ea typeface="Tahoma" panose="020B0604030504040204" pitchFamily="34" charset="0"/>
-                <a:cs typeface="Tahoma" panose="020B0604030504040204" pitchFamily="34" charset="0"/>
-              </a:rPr>
-              <a:t>và</a:t>
-            </a:r>
-            <a:r>
-              <a:rPr lang="en-US" sz="1200" dirty="0">
-                <a:solidFill>
-                  <a:srgbClr val="333333"/>
-                </a:solidFill>
-                <a:latin typeface="Tahoma" panose="020B0604030504040204" pitchFamily="34" charset="0"/>
-                <a:ea typeface="Tahoma" panose="020B0604030504040204" pitchFamily="34" charset="0"/>
-                <a:cs typeface="Tahoma" panose="020B0604030504040204" pitchFamily="34" charset="0"/>
-              </a:rPr>
-              <a:t> </a:t>
-            </a:r>
-            <a:r>
-              <a:rPr lang="en-US" sz="1200" dirty="0" err="1">
-                <a:solidFill>
-                  <a:srgbClr val="333333"/>
-                </a:solidFill>
-                <a:latin typeface="Tahoma" panose="020B0604030504040204" pitchFamily="34" charset="0"/>
-                <a:ea typeface="Tahoma" panose="020B0604030504040204" pitchFamily="34" charset="0"/>
-                <a:cs typeface="Tahoma" panose="020B0604030504040204" pitchFamily="34" charset="0"/>
-              </a:rPr>
-              <a:t>hạnh</a:t>
-            </a:r>
-            <a:r>
-              <a:rPr lang="en-US" sz="1200" dirty="0">
-                <a:solidFill>
-                  <a:srgbClr val="333333"/>
-                </a:solidFill>
-                <a:latin typeface="Tahoma" panose="020B0604030504040204" pitchFamily="34" charset="0"/>
-                <a:ea typeface="Tahoma" panose="020B0604030504040204" pitchFamily="34" charset="0"/>
-                <a:cs typeface="Tahoma" panose="020B0604030504040204" pitchFamily="34" charset="0"/>
-              </a:rPr>
-              <a:t> </a:t>
-            </a:r>
-            <a:r>
-              <a:rPr lang="en-US" sz="1200" dirty="0" err="1">
-                <a:solidFill>
-                  <a:srgbClr val="333333"/>
-                </a:solidFill>
-                <a:latin typeface="Tahoma" panose="020B0604030504040204" pitchFamily="34" charset="0"/>
-                <a:ea typeface="Tahoma" panose="020B0604030504040204" pitchFamily="34" charset="0"/>
-                <a:cs typeface="Tahoma" panose="020B0604030504040204" pitchFamily="34" charset="0"/>
-              </a:rPr>
-              <a:t>phúc</a:t>
-            </a:r>
-            <a:r>
-              <a:rPr lang="en-US" sz="1200" dirty="0">
-                <a:solidFill>
-                  <a:srgbClr val="333333"/>
-                </a:solidFill>
-                <a:latin typeface="Tahoma" panose="020B0604030504040204" pitchFamily="34" charset="0"/>
-                <a:ea typeface="Tahoma" panose="020B0604030504040204" pitchFamily="34" charset="0"/>
-                <a:cs typeface="Tahoma" panose="020B0604030504040204" pitchFamily="34" charset="0"/>
-              </a:rPr>
-              <a:t>. </a:t>
             </a:r>
           </a:p>
         </p:txBody>
@@ -4983,6 +3907,1080 @@
                 <a:cs typeface="Tahoma" panose="020B0604030504040204" pitchFamily="34" charset="0"/>
               </a:rPr>
               <a:t>1</a:t>
+            </a:r>
+          </a:p>
+        </p:txBody>
+      </p:sp>
+      <p:sp>
+        <p:nvSpPr>
+          <p:cNvPr id="12" name="TextBox 11">
+            <a:extLst>
+              <a:ext uri="{FF2B5EF4-FFF2-40B4-BE49-F238E27FC236}">
+                <a16:creationId xmlns:a16="http://schemas.microsoft.com/office/drawing/2014/main" id="{AA4A94F8-2319-46F3-A7F8-45739A696AA2}"/>
+              </a:ext>
+            </a:extLst>
+          </p:cNvPr>
+          <p:cNvSpPr txBox="1"/>
+          <p:nvPr userDrawn="1"/>
+        </p:nvSpPr>
+        <p:spPr>
+          <a:xfrm>
+            <a:off x="274320" y="1099470"/>
+            <a:ext cx="6926580" cy="885692"/>
+          </a:xfrm>
+          <a:prstGeom prst="rect">
+            <a:avLst/>
+          </a:prstGeom>
+          <a:noFill/>
+        </p:spPr>
+        <p:txBody>
+          <a:bodyPr wrap="square">
+            <a:spAutoFit/>
+          </a:bodyPr>
+          <a:lstStyle/>
+          <a:p>
+            <a:pPr marL="0" indent="0" algn="just" defTabSz="457200">
+              <a:lnSpc>
+                <a:spcPct val="150000"/>
+              </a:lnSpc>
+              <a:spcAft>
+                <a:spcPts val="1800"/>
+              </a:spcAft>
+              <a:buNone/>
+            </a:pPr>
+            <a:r>
+              <a:rPr lang="en-US" sz="1200" dirty="0" err="1">
+                <a:solidFill>
+                  <a:srgbClr val="333333"/>
+                </a:solidFill>
+                <a:latin typeface="Tahoma" panose="020B0604030504040204" pitchFamily="34" charset="0"/>
+                <a:ea typeface="Tahoma" panose="020B0604030504040204" pitchFamily="34" charset="0"/>
+                <a:cs typeface="Tahoma" panose="020B0604030504040204" pitchFamily="34" charset="0"/>
+              </a:rPr>
+              <a:t>Chỉ</a:t>
+            </a:r>
+            <a:r>
+              <a:rPr lang="en-US" sz="1200" dirty="0">
+                <a:solidFill>
+                  <a:srgbClr val="333333"/>
+                </a:solidFill>
+                <a:latin typeface="Tahoma" panose="020B0604030504040204" pitchFamily="34" charset="0"/>
+                <a:ea typeface="Tahoma" panose="020B0604030504040204" pitchFamily="34" charset="0"/>
+                <a:cs typeface="Tahoma" panose="020B0604030504040204" pitchFamily="34" charset="0"/>
+              </a:rPr>
+              <a:t> </a:t>
+            </a:r>
+            <a:r>
+              <a:rPr lang="en-US" sz="1200" dirty="0" err="1">
+                <a:solidFill>
+                  <a:srgbClr val="333333"/>
+                </a:solidFill>
+                <a:latin typeface="Tahoma" panose="020B0604030504040204" pitchFamily="34" charset="0"/>
+                <a:ea typeface="Tahoma" panose="020B0604030504040204" pitchFamily="34" charset="0"/>
+                <a:cs typeface="Tahoma" panose="020B0604030504040204" pitchFamily="34" charset="0"/>
+              </a:rPr>
+              <a:t>số</a:t>
+            </a:r>
+            <a:r>
+              <a:rPr lang="en-US" sz="1200" dirty="0">
+                <a:solidFill>
+                  <a:srgbClr val="333333"/>
+                </a:solidFill>
+                <a:latin typeface="Tahoma" panose="020B0604030504040204" pitchFamily="34" charset="0"/>
+                <a:ea typeface="Tahoma" panose="020B0604030504040204" pitchFamily="34" charset="0"/>
+                <a:cs typeface="Tahoma" panose="020B0604030504040204" pitchFamily="34" charset="0"/>
+              </a:rPr>
+              <a:t> </a:t>
+            </a:r>
+            <a:r>
+              <a:rPr lang="en-US" sz="1200" dirty="0" err="1">
+                <a:solidFill>
+                  <a:srgbClr val="333333"/>
+                </a:solidFill>
+                <a:latin typeface="Tahoma" panose="020B0604030504040204" pitchFamily="34" charset="0"/>
+                <a:ea typeface="Tahoma" panose="020B0604030504040204" pitchFamily="34" charset="0"/>
+                <a:cs typeface="Tahoma" panose="020B0604030504040204" pitchFamily="34" charset="0"/>
+              </a:rPr>
+              <a:t>sứ</a:t>
+            </a:r>
+            <a:r>
+              <a:rPr lang="en-US" sz="1200" dirty="0">
+                <a:solidFill>
+                  <a:srgbClr val="333333"/>
+                </a:solidFill>
+                <a:latin typeface="Tahoma" panose="020B0604030504040204" pitchFamily="34" charset="0"/>
+                <a:ea typeface="Tahoma" panose="020B0604030504040204" pitchFamily="34" charset="0"/>
+                <a:cs typeface="Tahoma" panose="020B0604030504040204" pitchFamily="34" charset="0"/>
+              </a:rPr>
+              <a:t> </a:t>
+            </a:r>
+            <a:r>
+              <a:rPr lang="en-US" sz="1200" dirty="0" err="1">
+                <a:solidFill>
+                  <a:srgbClr val="333333"/>
+                </a:solidFill>
+                <a:latin typeface="Tahoma" panose="020B0604030504040204" pitchFamily="34" charset="0"/>
+                <a:ea typeface="Tahoma" panose="020B0604030504040204" pitchFamily="34" charset="0"/>
+                <a:cs typeface="Tahoma" panose="020B0604030504040204" pitchFamily="34" charset="0"/>
+              </a:rPr>
+              <a:t>mệnh</a:t>
+            </a:r>
+            <a:r>
+              <a:rPr lang="en-US" sz="1200" dirty="0">
+                <a:solidFill>
+                  <a:srgbClr val="333333"/>
+                </a:solidFill>
+                <a:latin typeface="Tahoma" panose="020B0604030504040204" pitchFamily="34" charset="0"/>
+                <a:ea typeface="Tahoma" panose="020B0604030504040204" pitchFamily="34" charset="0"/>
+                <a:cs typeface="Tahoma" panose="020B0604030504040204" pitchFamily="34" charset="0"/>
+              </a:rPr>
+              <a:t> </a:t>
+            </a:r>
+            <a:r>
+              <a:rPr lang="en-US" sz="1200" dirty="0" err="1">
+                <a:solidFill>
+                  <a:srgbClr val="333333"/>
+                </a:solidFill>
+                <a:latin typeface="Tahoma" panose="020B0604030504040204" pitchFamily="34" charset="0"/>
+                <a:ea typeface="Tahoma" panose="020B0604030504040204" pitchFamily="34" charset="0"/>
+                <a:cs typeface="Tahoma" panose="020B0604030504040204" pitchFamily="34" charset="0"/>
+              </a:rPr>
+              <a:t>tiết</a:t>
+            </a:r>
+            <a:r>
+              <a:rPr lang="en-US" sz="1200" dirty="0">
+                <a:solidFill>
+                  <a:srgbClr val="333333"/>
+                </a:solidFill>
+                <a:latin typeface="Tahoma" panose="020B0604030504040204" pitchFamily="34" charset="0"/>
+                <a:ea typeface="Tahoma" panose="020B0604030504040204" pitchFamily="34" charset="0"/>
+                <a:cs typeface="Tahoma" panose="020B0604030504040204" pitchFamily="34" charset="0"/>
+              </a:rPr>
+              <a:t> </a:t>
+            </a:r>
+            <a:r>
+              <a:rPr lang="en-US" sz="1200" dirty="0" err="1">
+                <a:solidFill>
+                  <a:srgbClr val="333333"/>
+                </a:solidFill>
+                <a:latin typeface="Tahoma" panose="020B0604030504040204" pitchFamily="34" charset="0"/>
+                <a:ea typeface="Tahoma" panose="020B0604030504040204" pitchFamily="34" charset="0"/>
+                <a:cs typeface="Tahoma" panose="020B0604030504040204" pitchFamily="34" charset="0"/>
+              </a:rPr>
+              <a:t>lộ</a:t>
+            </a:r>
+            <a:r>
+              <a:rPr lang="en-US" sz="1200" dirty="0">
+                <a:solidFill>
+                  <a:srgbClr val="333333"/>
+                </a:solidFill>
+                <a:latin typeface="Tahoma" panose="020B0604030504040204" pitchFamily="34" charset="0"/>
+                <a:ea typeface="Tahoma" panose="020B0604030504040204" pitchFamily="34" charset="0"/>
+                <a:cs typeface="Tahoma" panose="020B0604030504040204" pitchFamily="34" charset="0"/>
+              </a:rPr>
+              <a:t> </a:t>
+            </a:r>
+            <a:r>
+              <a:rPr lang="en-US" sz="1200" dirty="0" err="1">
+                <a:solidFill>
+                  <a:srgbClr val="333333"/>
+                </a:solidFill>
+                <a:latin typeface="Tahoma" panose="020B0604030504040204" pitchFamily="34" charset="0"/>
+                <a:ea typeface="Tahoma" panose="020B0604030504040204" pitchFamily="34" charset="0"/>
+                <a:cs typeface="Tahoma" panose="020B0604030504040204" pitchFamily="34" charset="0"/>
+              </a:rPr>
+              <a:t>vai</a:t>
+            </a:r>
+            <a:r>
+              <a:rPr lang="en-US" sz="1200" dirty="0">
+                <a:solidFill>
+                  <a:srgbClr val="333333"/>
+                </a:solidFill>
+                <a:latin typeface="Tahoma" panose="020B0604030504040204" pitchFamily="34" charset="0"/>
+                <a:ea typeface="Tahoma" panose="020B0604030504040204" pitchFamily="34" charset="0"/>
+                <a:cs typeface="Tahoma" panose="020B0604030504040204" pitchFamily="34" charset="0"/>
+              </a:rPr>
+              <a:t> </a:t>
+            </a:r>
+            <a:r>
+              <a:rPr lang="en-US" sz="1200" dirty="0" err="1">
+                <a:solidFill>
+                  <a:srgbClr val="333333"/>
+                </a:solidFill>
+                <a:latin typeface="Tahoma" panose="020B0604030504040204" pitchFamily="34" charset="0"/>
+                <a:ea typeface="Tahoma" panose="020B0604030504040204" pitchFamily="34" charset="0"/>
+                <a:cs typeface="Tahoma" panose="020B0604030504040204" pitchFamily="34" charset="0"/>
+              </a:rPr>
+              <a:t>trò</a:t>
+            </a:r>
+            <a:r>
+              <a:rPr lang="en-US" sz="1200" dirty="0">
+                <a:solidFill>
+                  <a:srgbClr val="333333"/>
+                </a:solidFill>
+                <a:latin typeface="Tahoma" panose="020B0604030504040204" pitchFamily="34" charset="0"/>
+                <a:ea typeface="Tahoma" panose="020B0604030504040204" pitchFamily="34" charset="0"/>
+                <a:cs typeface="Tahoma" panose="020B0604030504040204" pitchFamily="34" charset="0"/>
+              </a:rPr>
+              <a:t> </a:t>
+            </a:r>
+            <a:r>
+              <a:rPr lang="en-US" sz="1200" dirty="0" err="1">
+                <a:solidFill>
+                  <a:srgbClr val="333333"/>
+                </a:solidFill>
+                <a:latin typeface="Tahoma" panose="020B0604030504040204" pitchFamily="34" charset="0"/>
+                <a:ea typeface="Tahoma" panose="020B0604030504040204" pitchFamily="34" charset="0"/>
+                <a:cs typeface="Tahoma" panose="020B0604030504040204" pitchFamily="34" charset="0"/>
+              </a:rPr>
+              <a:t>và</a:t>
+            </a:r>
+            <a:r>
+              <a:rPr lang="en-US" sz="1200" dirty="0">
+                <a:solidFill>
+                  <a:srgbClr val="333333"/>
+                </a:solidFill>
+                <a:latin typeface="Tahoma" panose="020B0604030504040204" pitchFamily="34" charset="0"/>
+                <a:ea typeface="Tahoma" panose="020B0604030504040204" pitchFamily="34" charset="0"/>
+                <a:cs typeface="Tahoma" panose="020B0604030504040204" pitchFamily="34" charset="0"/>
+              </a:rPr>
+              <a:t> </a:t>
+            </a:r>
+            <a:r>
+              <a:rPr lang="en-US" sz="1200" dirty="0" err="1">
+                <a:solidFill>
+                  <a:srgbClr val="333333"/>
+                </a:solidFill>
+                <a:latin typeface="Tahoma" panose="020B0604030504040204" pitchFamily="34" charset="0"/>
+                <a:ea typeface="Tahoma" panose="020B0604030504040204" pitchFamily="34" charset="0"/>
+                <a:cs typeface="Tahoma" panose="020B0604030504040204" pitchFamily="34" charset="0"/>
+              </a:rPr>
+              <a:t>trách</a:t>
+            </a:r>
+            <a:r>
+              <a:rPr lang="en-US" sz="1200" dirty="0">
+                <a:solidFill>
+                  <a:srgbClr val="333333"/>
+                </a:solidFill>
+                <a:latin typeface="Tahoma" panose="020B0604030504040204" pitchFamily="34" charset="0"/>
+                <a:ea typeface="Tahoma" panose="020B0604030504040204" pitchFamily="34" charset="0"/>
+                <a:cs typeface="Tahoma" panose="020B0604030504040204" pitchFamily="34" charset="0"/>
+              </a:rPr>
+              <a:t> </a:t>
+            </a:r>
+            <a:r>
+              <a:rPr lang="en-US" sz="1200" dirty="0" err="1">
+                <a:solidFill>
+                  <a:srgbClr val="333333"/>
+                </a:solidFill>
+                <a:latin typeface="Tahoma" panose="020B0604030504040204" pitchFamily="34" charset="0"/>
+                <a:ea typeface="Tahoma" panose="020B0604030504040204" pitchFamily="34" charset="0"/>
+                <a:cs typeface="Tahoma" panose="020B0604030504040204" pitchFamily="34" charset="0"/>
+              </a:rPr>
+              <a:t>nhiệm</a:t>
+            </a:r>
+            <a:r>
+              <a:rPr lang="en-US" sz="1200" dirty="0">
+                <a:solidFill>
+                  <a:srgbClr val="333333"/>
+                </a:solidFill>
+                <a:latin typeface="Tahoma" panose="020B0604030504040204" pitchFamily="34" charset="0"/>
+                <a:ea typeface="Tahoma" panose="020B0604030504040204" pitchFamily="34" charset="0"/>
+                <a:cs typeface="Tahoma" panose="020B0604030504040204" pitchFamily="34" charset="0"/>
+              </a:rPr>
+              <a:t> </a:t>
+            </a:r>
+            <a:r>
+              <a:rPr lang="en-US" sz="1200" dirty="0" err="1">
+                <a:solidFill>
+                  <a:srgbClr val="333333"/>
+                </a:solidFill>
+                <a:latin typeface="Tahoma" panose="020B0604030504040204" pitchFamily="34" charset="0"/>
+                <a:ea typeface="Tahoma" panose="020B0604030504040204" pitchFamily="34" charset="0"/>
+                <a:cs typeface="Tahoma" panose="020B0604030504040204" pitchFamily="34" charset="0"/>
+              </a:rPr>
+              <a:t>của</a:t>
+            </a:r>
+            <a:r>
+              <a:rPr lang="en-US" sz="1200" dirty="0">
+                <a:solidFill>
+                  <a:srgbClr val="333333"/>
+                </a:solidFill>
+                <a:latin typeface="Tahoma" panose="020B0604030504040204" pitchFamily="34" charset="0"/>
+                <a:ea typeface="Tahoma" panose="020B0604030504040204" pitchFamily="34" charset="0"/>
+                <a:cs typeface="Tahoma" panose="020B0604030504040204" pitchFamily="34" charset="0"/>
+              </a:rPr>
+              <a:t> </a:t>
+            </a:r>
+            <a:r>
+              <a:rPr lang="en-US" sz="1200" dirty="0" err="1">
+                <a:solidFill>
+                  <a:srgbClr val="333333"/>
+                </a:solidFill>
+                <a:latin typeface="Tahoma" panose="020B0604030504040204" pitchFamily="34" charset="0"/>
+                <a:ea typeface="Tahoma" panose="020B0604030504040204" pitchFamily="34" charset="0"/>
+                <a:cs typeface="Tahoma" panose="020B0604030504040204" pitchFamily="34" charset="0"/>
+              </a:rPr>
+              <a:t>bạn</a:t>
+            </a:r>
+            <a:r>
+              <a:rPr lang="en-US" sz="1200" dirty="0">
+                <a:solidFill>
+                  <a:srgbClr val="333333"/>
+                </a:solidFill>
+                <a:latin typeface="Tahoma" panose="020B0604030504040204" pitchFamily="34" charset="0"/>
+                <a:ea typeface="Tahoma" panose="020B0604030504040204" pitchFamily="34" charset="0"/>
+                <a:cs typeface="Tahoma" panose="020B0604030504040204" pitchFamily="34" charset="0"/>
+              </a:rPr>
+              <a:t> </a:t>
+            </a:r>
+            <a:r>
+              <a:rPr lang="en-US" sz="1200" dirty="0" err="1">
+                <a:solidFill>
+                  <a:srgbClr val="333333"/>
+                </a:solidFill>
+                <a:latin typeface="Tahoma" panose="020B0604030504040204" pitchFamily="34" charset="0"/>
+                <a:ea typeface="Tahoma" panose="020B0604030504040204" pitchFamily="34" charset="0"/>
+                <a:cs typeface="Tahoma" panose="020B0604030504040204" pitchFamily="34" charset="0"/>
+              </a:rPr>
+              <a:t>nhằm</a:t>
+            </a:r>
+            <a:r>
+              <a:rPr lang="en-US" sz="1200" dirty="0">
+                <a:solidFill>
+                  <a:srgbClr val="333333"/>
+                </a:solidFill>
+                <a:latin typeface="Tahoma" panose="020B0604030504040204" pitchFamily="34" charset="0"/>
+                <a:ea typeface="Tahoma" panose="020B0604030504040204" pitchFamily="34" charset="0"/>
+                <a:cs typeface="Tahoma" panose="020B0604030504040204" pitchFamily="34" charset="0"/>
+              </a:rPr>
+              <a:t> </a:t>
+            </a:r>
+            <a:r>
+              <a:rPr lang="en-US" sz="1200" dirty="0" err="1">
+                <a:solidFill>
+                  <a:srgbClr val="333333"/>
+                </a:solidFill>
+                <a:latin typeface="Tahoma" panose="020B0604030504040204" pitchFamily="34" charset="0"/>
+                <a:ea typeface="Tahoma" panose="020B0604030504040204" pitchFamily="34" charset="0"/>
+                <a:cs typeface="Tahoma" panose="020B0604030504040204" pitchFamily="34" charset="0"/>
+              </a:rPr>
+              <a:t>chinh</a:t>
+            </a:r>
+            <a:r>
+              <a:rPr lang="en-US" sz="1200" dirty="0">
+                <a:solidFill>
+                  <a:srgbClr val="333333"/>
+                </a:solidFill>
+                <a:latin typeface="Tahoma" panose="020B0604030504040204" pitchFamily="34" charset="0"/>
+                <a:ea typeface="Tahoma" panose="020B0604030504040204" pitchFamily="34" charset="0"/>
+                <a:cs typeface="Tahoma" panose="020B0604030504040204" pitchFamily="34" charset="0"/>
+              </a:rPr>
+              <a:t> </a:t>
+            </a:r>
+            <a:r>
+              <a:rPr lang="en-US" sz="1200" dirty="0" err="1">
+                <a:solidFill>
+                  <a:srgbClr val="333333"/>
+                </a:solidFill>
+                <a:latin typeface="Tahoma" panose="020B0604030504040204" pitchFamily="34" charset="0"/>
+                <a:ea typeface="Tahoma" panose="020B0604030504040204" pitchFamily="34" charset="0"/>
+                <a:cs typeface="Tahoma" panose="020B0604030504040204" pitchFamily="34" charset="0"/>
+              </a:rPr>
+              <a:t>phục</a:t>
+            </a:r>
+            <a:r>
+              <a:rPr lang="en-US" sz="1200" dirty="0">
+                <a:solidFill>
+                  <a:srgbClr val="333333"/>
+                </a:solidFill>
+                <a:latin typeface="Tahoma" panose="020B0604030504040204" pitchFamily="34" charset="0"/>
+                <a:ea typeface="Tahoma" panose="020B0604030504040204" pitchFamily="34" charset="0"/>
+                <a:cs typeface="Tahoma" panose="020B0604030504040204" pitchFamily="34" charset="0"/>
+              </a:rPr>
+              <a:t> </a:t>
+            </a:r>
+            <a:r>
+              <a:rPr lang="en-US" sz="1200" dirty="0" err="1">
+                <a:solidFill>
+                  <a:srgbClr val="333333"/>
+                </a:solidFill>
+                <a:latin typeface="Tahoma" panose="020B0604030504040204" pitchFamily="34" charset="0"/>
+                <a:ea typeface="Tahoma" panose="020B0604030504040204" pitchFamily="34" charset="0"/>
+                <a:cs typeface="Tahoma" panose="020B0604030504040204" pitchFamily="34" charset="0"/>
+              </a:rPr>
+              <a:t>phiên</a:t>
+            </a:r>
+            <a:r>
+              <a:rPr lang="en-US" sz="1200" dirty="0">
+                <a:solidFill>
+                  <a:srgbClr val="333333"/>
+                </a:solidFill>
+                <a:latin typeface="Tahoma" panose="020B0604030504040204" pitchFamily="34" charset="0"/>
+                <a:ea typeface="Tahoma" panose="020B0604030504040204" pitchFamily="34" charset="0"/>
+                <a:cs typeface="Tahoma" panose="020B0604030504040204" pitchFamily="34" charset="0"/>
+              </a:rPr>
+              <a:t> </a:t>
+            </a:r>
+            <a:r>
+              <a:rPr lang="en-US" sz="1200" dirty="0" err="1">
+                <a:solidFill>
+                  <a:srgbClr val="333333"/>
+                </a:solidFill>
+                <a:latin typeface="Tahoma" panose="020B0604030504040204" pitchFamily="34" charset="0"/>
+                <a:ea typeface="Tahoma" panose="020B0604030504040204" pitchFamily="34" charset="0"/>
+                <a:cs typeface="Tahoma" panose="020B0604030504040204" pitchFamily="34" charset="0"/>
+              </a:rPr>
+              <a:t>bản</a:t>
+            </a:r>
+            <a:r>
+              <a:rPr lang="en-US" sz="1200" dirty="0">
+                <a:solidFill>
+                  <a:srgbClr val="333333"/>
+                </a:solidFill>
+                <a:latin typeface="Tahoma" panose="020B0604030504040204" pitchFamily="34" charset="0"/>
+                <a:ea typeface="Tahoma" panose="020B0604030504040204" pitchFamily="34" charset="0"/>
+                <a:cs typeface="Tahoma" panose="020B0604030504040204" pitchFamily="34" charset="0"/>
+              </a:rPr>
+              <a:t> </a:t>
+            </a:r>
+            <a:r>
+              <a:rPr lang="en-US" sz="1200" dirty="0" err="1">
+                <a:solidFill>
+                  <a:srgbClr val="333333"/>
+                </a:solidFill>
+                <a:latin typeface="Tahoma" panose="020B0604030504040204" pitchFamily="34" charset="0"/>
+                <a:ea typeface="Tahoma" panose="020B0604030504040204" pitchFamily="34" charset="0"/>
+                <a:cs typeface="Tahoma" panose="020B0604030504040204" pitchFamily="34" charset="0"/>
+              </a:rPr>
+              <a:t>tuyệt</a:t>
+            </a:r>
+            <a:r>
+              <a:rPr lang="en-US" sz="1200" dirty="0">
+                <a:solidFill>
+                  <a:srgbClr val="333333"/>
+                </a:solidFill>
+                <a:latin typeface="Tahoma" panose="020B0604030504040204" pitchFamily="34" charset="0"/>
+                <a:ea typeface="Tahoma" panose="020B0604030504040204" pitchFamily="34" charset="0"/>
+                <a:cs typeface="Tahoma" panose="020B0604030504040204" pitchFamily="34" charset="0"/>
+              </a:rPr>
+              <a:t> </a:t>
+            </a:r>
+            <a:r>
+              <a:rPr lang="en-US" sz="1200" dirty="0" err="1">
+                <a:solidFill>
+                  <a:srgbClr val="333333"/>
+                </a:solidFill>
+                <a:latin typeface="Tahoma" panose="020B0604030504040204" pitchFamily="34" charset="0"/>
+                <a:ea typeface="Tahoma" panose="020B0604030504040204" pitchFamily="34" charset="0"/>
+                <a:cs typeface="Tahoma" panose="020B0604030504040204" pitchFamily="34" charset="0"/>
+              </a:rPr>
+              <a:t>vời</a:t>
+            </a:r>
+            <a:r>
+              <a:rPr lang="en-US" sz="1200" dirty="0">
+                <a:solidFill>
+                  <a:srgbClr val="333333"/>
+                </a:solidFill>
+                <a:latin typeface="Tahoma" panose="020B0604030504040204" pitchFamily="34" charset="0"/>
+                <a:ea typeface="Tahoma" panose="020B0604030504040204" pitchFamily="34" charset="0"/>
+                <a:cs typeface="Tahoma" panose="020B0604030504040204" pitchFamily="34" charset="0"/>
+              </a:rPr>
+              <a:t> </a:t>
+            </a:r>
+            <a:r>
+              <a:rPr lang="en-US" sz="1200" dirty="0" err="1">
+                <a:solidFill>
+                  <a:srgbClr val="333333"/>
+                </a:solidFill>
+                <a:latin typeface="Tahoma" panose="020B0604030504040204" pitchFamily="34" charset="0"/>
+                <a:ea typeface="Tahoma" panose="020B0604030504040204" pitchFamily="34" charset="0"/>
+                <a:cs typeface="Tahoma" panose="020B0604030504040204" pitchFamily="34" charset="0"/>
+              </a:rPr>
+              <a:t>nhất</a:t>
+            </a:r>
+            <a:r>
+              <a:rPr lang="en-US" sz="1200" dirty="0">
+                <a:solidFill>
+                  <a:srgbClr val="333333"/>
+                </a:solidFill>
+                <a:latin typeface="Tahoma" panose="020B0604030504040204" pitchFamily="34" charset="0"/>
+                <a:ea typeface="Tahoma" panose="020B0604030504040204" pitchFamily="34" charset="0"/>
+                <a:cs typeface="Tahoma" panose="020B0604030504040204" pitchFamily="34" charset="0"/>
+              </a:rPr>
+              <a:t> </a:t>
+            </a:r>
+            <a:r>
+              <a:rPr lang="en-US" sz="1200" dirty="0" err="1">
+                <a:solidFill>
+                  <a:srgbClr val="333333"/>
+                </a:solidFill>
+                <a:latin typeface="Tahoma" panose="020B0604030504040204" pitchFamily="34" charset="0"/>
+                <a:ea typeface="Tahoma" panose="020B0604030504040204" pitchFamily="34" charset="0"/>
+                <a:cs typeface="Tahoma" panose="020B0604030504040204" pitchFamily="34" charset="0"/>
+              </a:rPr>
+              <a:t>của</a:t>
+            </a:r>
+            <a:r>
+              <a:rPr lang="en-US" sz="1200" dirty="0">
+                <a:solidFill>
+                  <a:srgbClr val="333333"/>
+                </a:solidFill>
+                <a:latin typeface="Tahoma" panose="020B0604030504040204" pitchFamily="34" charset="0"/>
+                <a:ea typeface="Tahoma" panose="020B0604030504040204" pitchFamily="34" charset="0"/>
+                <a:cs typeface="Tahoma" panose="020B0604030504040204" pitchFamily="34" charset="0"/>
+              </a:rPr>
+              <a:t> </a:t>
+            </a:r>
+            <a:r>
+              <a:rPr lang="en-US" sz="1200" dirty="0" err="1">
+                <a:solidFill>
+                  <a:srgbClr val="333333"/>
+                </a:solidFill>
+                <a:latin typeface="Tahoma" panose="020B0604030504040204" pitchFamily="34" charset="0"/>
+                <a:ea typeface="Tahoma" panose="020B0604030504040204" pitchFamily="34" charset="0"/>
+                <a:cs typeface="Tahoma" panose="020B0604030504040204" pitchFamily="34" charset="0"/>
+              </a:rPr>
+              <a:t>chính</a:t>
+            </a:r>
+            <a:r>
+              <a:rPr lang="en-US" sz="1200" dirty="0">
+                <a:solidFill>
+                  <a:srgbClr val="333333"/>
+                </a:solidFill>
+                <a:latin typeface="Tahoma" panose="020B0604030504040204" pitchFamily="34" charset="0"/>
+                <a:ea typeface="Tahoma" panose="020B0604030504040204" pitchFamily="34" charset="0"/>
+                <a:cs typeface="Tahoma" panose="020B0604030504040204" pitchFamily="34" charset="0"/>
+              </a:rPr>
+              <a:t> </a:t>
+            </a:r>
+            <a:r>
+              <a:rPr lang="en-US" sz="1200" dirty="0" err="1">
+                <a:solidFill>
+                  <a:srgbClr val="333333"/>
+                </a:solidFill>
+                <a:latin typeface="Tahoma" panose="020B0604030504040204" pitchFamily="34" charset="0"/>
+                <a:ea typeface="Tahoma" panose="020B0604030504040204" pitchFamily="34" charset="0"/>
+                <a:cs typeface="Tahoma" panose="020B0604030504040204" pitchFamily="34" charset="0"/>
+              </a:rPr>
+              <a:t>bạn</a:t>
+            </a:r>
+            <a:r>
+              <a:rPr lang="en-US" sz="1200" dirty="0">
+                <a:solidFill>
+                  <a:srgbClr val="333333"/>
+                </a:solidFill>
+                <a:latin typeface="Tahoma" panose="020B0604030504040204" pitchFamily="34" charset="0"/>
+                <a:ea typeface="Tahoma" panose="020B0604030504040204" pitchFamily="34" charset="0"/>
+                <a:cs typeface="Tahoma" panose="020B0604030504040204" pitchFamily="34" charset="0"/>
+              </a:rPr>
+              <a:t>. </a:t>
+            </a:r>
+            <a:r>
+              <a:rPr lang="en-US" sz="1200" dirty="0" err="1">
+                <a:solidFill>
+                  <a:srgbClr val="333333"/>
+                </a:solidFill>
+                <a:latin typeface="Tahoma" panose="020B0604030504040204" pitchFamily="34" charset="0"/>
+                <a:ea typeface="Tahoma" panose="020B0604030504040204" pitchFamily="34" charset="0"/>
+                <a:cs typeface="Tahoma" panose="020B0604030504040204" pitchFamily="34" charset="0"/>
+              </a:rPr>
+              <a:t>Nó</a:t>
+            </a:r>
+            <a:r>
+              <a:rPr lang="en-US" sz="1200" dirty="0">
+                <a:solidFill>
+                  <a:srgbClr val="333333"/>
+                </a:solidFill>
+                <a:latin typeface="Tahoma" panose="020B0604030504040204" pitchFamily="34" charset="0"/>
+                <a:ea typeface="Tahoma" panose="020B0604030504040204" pitchFamily="34" charset="0"/>
+                <a:cs typeface="Tahoma" panose="020B0604030504040204" pitchFamily="34" charset="0"/>
+              </a:rPr>
+              <a:t> </a:t>
+            </a:r>
+            <a:r>
+              <a:rPr lang="en-US" sz="1200" dirty="0" err="1">
+                <a:solidFill>
+                  <a:srgbClr val="333333"/>
+                </a:solidFill>
+                <a:latin typeface="Tahoma" panose="020B0604030504040204" pitchFamily="34" charset="0"/>
+                <a:ea typeface="Tahoma" panose="020B0604030504040204" pitchFamily="34" charset="0"/>
+                <a:cs typeface="Tahoma" panose="020B0604030504040204" pitchFamily="34" charset="0"/>
+              </a:rPr>
+              <a:t>khai</a:t>
+            </a:r>
+            <a:r>
+              <a:rPr lang="en-US" sz="1200" dirty="0">
+                <a:solidFill>
+                  <a:srgbClr val="333333"/>
+                </a:solidFill>
+                <a:latin typeface="Tahoma" panose="020B0604030504040204" pitchFamily="34" charset="0"/>
+                <a:ea typeface="Tahoma" panose="020B0604030504040204" pitchFamily="34" charset="0"/>
+                <a:cs typeface="Tahoma" panose="020B0604030504040204" pitchFamily="34" charset="0"/>
+              </a:rPr>
+              <a:t> </a:t>
+            </a:r>
+            <a:r>
+              <a:rPr lang="en-US" sz="1200" dirty="0" err="1">
+                <a:solidFill>
+                  <a:srgbClr val="333333"/>
+                </a:solidFill>
+                <a:latin typeface="Tahoma" panose="020B0604030504040204" pitchFamily="34" charset="0"/>
+                <a:ea typeface="Tahoma" panose="020B0604030504040204" pitchFamily="34" charset="0"/>
+                <a:cs typeface="Tahoma" panose="020B0604030504040204" pitchFamily="34" charset="0"/>
+              </a:rPr>
+              <a:t>mở</a:t>
+            </a:r>
+            <a:r>
+              <a:rPr lang="en-US" sz="1200" dirty="0">
+                <a:solidFill>
+                  <a:srgbClr val="333333"/>
+                </a:solidFill>
+                <a:latin typeface="Tahoma" panose="020B0604030504040204" pitchFamily="34" charset="0"/>
+                <a:ea typeface="Tahoma" panose="020B0604030504040204" pitchFamily="34" charset="0"/>
+                <a:cs typeface="Tahoma" panose="020B0604030504040204" pitchFamily="34" charset="0"/>
+              </a:rPr>
+              <a:t> </a:t>
+            </a:r>
+            <a:r>
+              <a:rPr lang="en-US" sz="1200" dirty="0" err="1">
+                <a:solidFill>
+                  <a:srgbClr val="333333"/>
+                </a:solidFill>
+                <a:latin typeface="Tahoma" panose="020B0604030504040204" pitchFamily="34" charset="0"/>
+                <a:ea typeface="Tahoma" panose="020B0604030504040204" pitchFamily="34" charset="0"/>
+                <a:cs typeface="Tahoma" panose="020B0604030504040204" pitchFamily="34" charset="0"/>
+              </a:rPr>
+              <a:t>những</a:t>
+            </a:r>
+            <a:r>
+              <a:rPr lang="en-US" sz="1200" dirty="0">
+                <a:solidFill>
+                  <a:srgbClr val="333333"/>
+                </a:solidFill>
+                <a:latin typeface="Tahoma" panose="020B0604030504040204" pitchFamily="34" charset="0"/>
+                <a:ea typeface="Tahoma" panose="020B0604030504040204" pitchFamily="34" charset="0"/>
+                <a:cs typeface="Tahoma" panose="020B0604030504040204" pitchFamily="34" charset="0"/>
+              </a:rPr>
+              <a:t> </a:t>
+            </a:r>
+            <a:r>
+              <a:rPr lang="en-US" sz="1200" dirty="0" err="1">
+                <a:solidFill>
+                  <a:srgbClr val="333333"/>
+                </a:solidFill>
+                <a:latin typeface="Tahoma" panose="020B0604030504040204" pitchFamily="34" charset="0"/>
+                <a:ea typeface="Tahoma" panose="020B0604030504040204" pitchFamily="34" charset="0"/>
+                <a:cs typeface="Tahoma" panose="020B0604030504040204" pitchFamily="34" charset="0"/>
+              </a:rPr>
+              <a:t>thông</a:t>
+            </a:r>
+            <a:r>
+              <a:rPr lang="en-US" sz="1200" dirty="0">
+                <a:solidFill>
+                  <a:srgbClr val="333333"/>
+                </a:solidFill>
+                <a:latin typeface="Tahoma" panose="020B0604030504040204" pitchFamily="34" charset="0"/>
+                <a:ea typeface="Tahoma" panose="020B0604030504040204" pitchFamily="34" charset="0"/>
+                <a:cs typeface="Tahoma" panose="020B0604030504040204" pitchFamily="34" charset="0"/>
+              </a:rPr>
+              <a:t> tin </a:t>
+            </a:r>
+            <a:r>
+              <a:rPr lang="en-US" sz="1200" dirty="0" err="1">
+                <a:solidFill>
+                  <a:srgbClr val="333333"/>
+                </a:solidFill>
+                <a:latin typeface="Tahoma" panose="020B0604030504040204" pitchFamily="34" charset="0"/>
+                <a:ea typeface="Tahoma" panose="020B0604030504040204" pitchFamily="34" charset="0"/>
+                <a:cs typeface="Tahoma" panose="020B0604030504040204" pitchFamily="34" charset="0"/>
+              </a:rPr>
+              <a:t>giá</a:t>
+            </a:r>
+            <a:r>
+              <a:rPr lang="en-US" sz="1200" dirty="0">
+                <a:solidFill>
+                  <a:srgbClr val="333333"/>
+                </a:solidFill>
+                <a:latin typeface="Tahoma" panose="020B0604030504040204" pitchFamily="34" charset="0"/>
+                <a:ea typeface="Tahoma" panose="020B0604030504040204" pitchFamily="34" charset="0"/>
+                <a:cs typeface="Tahoma" panose="020B0604030504040204" pitchFamily="34" charset="0"/>
+              </a:rPr>
+              <a:t> </a:t>
+            </a:r>
+            <a:r>
+              <a:rPr lang="en-US" sz="1200" dirty="0" err="1">
+                <a:solidFill>
+                  <a:srgbClr val="333333"/>
+                </a:solidFill>
+                <a:latin typeface="Tahoma" panose="020B0604030504040204" pitchFamily="34" charset="0"/>
+                <a:ea typeface="Tahoma" panose="020B0604030504040204" pitchFamily="34" charset="0"/>
+                <a:cs typeface="Tahoma" panose="020B0604030504040204" pitchFamily="34" charset="0"/>
+              </a:rPr>
+              <a:t>trị</a:t>
+            </a:r>
+            <a:r>
+              <a:rPr lang="en-US" sz="1200" dirty="0">
+                <a:solidFill>
+                  <a:srgbClr val="333333"/>
+                </a:solidFill>
+                <a:latin typeface="Tahoma" panose="020B0604030504040204" pitchFamily="34" charset="0"/>
+                <a:ea typeface="Tahoma" panose="020B0604030504040204" pitchFamily="34" charset="0"/>
+                <a:cs typeface="Tahoma" panose="020B0604030504040204" pitchFamily="34" charset="0"/>
+              </a:rPr>
+              <a:t> </a:t>
+            </a:r>
+            <a:r>
+              <a:rPr lang="en-US" sz="1200" dirty="0" err="1">
+                <a:solidFill>
+                  <a:srgbClr val="333333"/>
+                </a:solidFill>
+                <a:latin typeface="Tahoma" panose="020B0604030504040204" pitchFamily="34" charset="0"/>
+                <a:ea typeface="Tahoma" panose="020B0604030504040204" pitchFamily="34" charset="0"/>
+                <a:cs typeface="Tahoma" panose="020B0604030504040204" pitchFamily="34" charset="0"/>
+              </a:rPr>
+              <a:t>giúp</a:t>
+            </a:r>
+            <a:r>
+              <a:rPr lang="en-US" sz="1200" dirty="0">
+                <a:solidFill>
+                  <a:srgbClr val="333333"/>
+                </a:solidFill>
+                <a:latin typeface="Tahoma" panose="020B0604030504040204" pitchFamily="34" charset="0"/>
+                <a:ea typeface="Tahoma" panose="020B0604030504040204" pitchFamily="34" charset="0"/>
+                <a:cs typeface="Tahoma" panose="020B0604030504040204" pitchFamily="34" charset="0"/>
+              </a:rPr>
+              <a:t> </a:t>
+            </a:r>
+            <a:r>
+              <a:rPr lang="en-US" sz="1200" dirty="0" err="1">
+                <a:solidFill>
+                  <a:srgbClr val="333333"/>
+                </a:solidFill>
+                <a:latin typeface="Tahoma" panose="020B0604030504040204" pitchFamily="34" charset="0"/>
+                <a:ea typeface="Tahoma" panose="020B0604030504040204" pitchFamily="34" charset="0"/>
+                <a:cs typeface="Tahoma" panose="020B0604030504040204" pitchFamily="34" charset="0"/>
+              </a:rPr>
+              <a:t>bạn</a:t>
+            </a:r>
+            <a:r>
+              <a:rPr lang="en-US" sz="1200" dirty="0">
+                <a:solidFill>
+                  <a:srgbClr val="333333"/>
+                </a:solidFill>
+                <a:latin typeface="Tahoma" panose="020B0604030504040204" pitchFamily="34" charset="0"/>
+                <a:ea typeface="Tahoma" panose="020B0604030504040204" pitchFamily="34" charset="0"/>
+                <a:cs typeface="Tahoma" panose="020B0604030504040204" pitchFamily="34" charset="0"/>
+              </a:rPr>
+              <a:t> </a:t>
+            </a:r>
+            <a:r>
+              <a:rPr lang="en-US" sz="1200" dirty="0" err="1">
+                <a:solidFill>
+                  <a:srgbClr val="333333"/>
+                </a:solidFill>
+                <a:latin typeface="Tahoma" panose="020B0604030504040204" pitchFamily="34" charset="0"/>
+                <a:ea typeface="Tahoma" panose="020B0604030504040204" pitchFamily="34" charset="0"/>
+                <a:cs typeface="Tahoma" panose="020B0604030504040204" pitchFamily="34" charset="0"/>
+              </a:rPr>
+              <a:t>tỏa</a:t>
+            </a:r>
+            <a:r>
+              <a:rPr lang="en-US" sz="1200" dirty="0">
+                <a:solidFill>
+                  <a:srgbClr val="333333"/>
+                </a:solidFill>
+                <a:latin typeface="Tahoma" panose="020B0604030504040204" pitchFamily="34" charset="0"/>
+                <a:ea typeface="Tahoma" panose="020B0604030504040204" pitchFamily="34" charset="0"/>
+                <a:cs typeface="Tahoma" panose="020B0604030504040204" pitchFamily="34" charset="0"/>
+              </a:rPr>
+              <a:t> </a:t>
+            </a:r>
+            <a:r>
+              <a:rPr lang="en-US" sz="1200" dirty="0" err="1">
+                <a:solidFill>
+                  <a:srgbClr val="333333"/>
+                </a:solidFill>
+                <a:latin typeface="Tahoma" panose="020B0604030504040204" pitchFamily="34" charset="0"/>
+                <a:ea typeface="Tahoma" panose="020B0604030504040204" pitchFamily="34" charset="0"/>
+                <a:cs typeface="Tahoma" panose="020B0604030504040204" pitchFamily="34" charset="0"/>
+              </a:rPr>
+              <a:t>sáng</a:t>
+            </a:r>
+            <a:r>
+              <a:rPr lang="en-US" sz="1200" dirty="0">
+                <a:solidFill>
+                  <a:srgbClr val="333333"/>
+                </a:solidFill>
+                <a:latin typeface="Tahoma" panose="020B0604030504040204" pitchFamily="34" charset="0"/>
+                <a:ea typeface="Tahoma" panose="020B0604030504040204" pitchFamily="34" charset="0"/>
+                <a:cs typeface="Tahoma" panose="020B0604030504040204" pitchFamily="34" charset="0"/>
+              </a:rPr>
+              <a:t> </a:t>
+            </a:r>
+            <a:r>
+              <a:rPr lang="en-US" sz="1200" dirty="0" err="1">
+                <a:solidFill>
+                  <a:srgbClr val="333333"/>
+                </a:solidFill>
+                <a:latin typeface="Tahoma" panose="020B0604030504040204" pitchFamily="34" charset="0"/>
+                <a:ea typeface="Tahoma" panose="020B0604030504040204" pitchFamily="34" charset="0"/>
+                <a:cs typeface="Tahoma" panose="020B0604030504040204" pitchFamily="34" charset="0"/>
+              </a:rPr>
+              <a:t>và</a:t>
+            </a:r>
+            <a:r>
+              <a:rPr lang="en-US" sz="1200" dirty="0">
+                <a:solidFill>
+                  <a:srgbClr val="333333"/>
+                </a:solidFill>
+                <a:latin typeface="Tahoma" panose="020B0604030504040204" pitchFamily="34" charset="0"/>
+                <a:ea typeface="Tahoma" panose="020B0604030504040204" pitchFamily="34" charset="0"/>
+                <a:cs typeface="Tahoma" panose="020B0604030504040204" pitchFamily="34" charset="0"/>
+              </a:rPr>
+              <a:t> </a:t>
+            </a:r>
+            <a:r>
+              <a:rPr lang="en-US" sz="1200" dirty="0" err="1">
+                <a:solidFill>
+                  <a:srgbClr val="333333"/>
+                </a:solidFill>
+                <a:latin typeface="Tahoma" panose="020B0604030504040204" pitchFamily="34" charset="0"/>
+                <a:ea typeface="Tahoma" panose="020B0604030504040204" pitchFamily="34" charset="0"/>
+                <a:cs typeface="Tahoma" panose="020B0604030504040204" pitchFamily="34" charset="0"/>
+              </a:rPr>
+              <a:t>hoàn</a:t>
+            </a:r>
+            <a:r>
+              <a:rPr lang="en-US" sz="1200" dirty="0">
+                <a:solidFill>
+                  <a:srgbClr val="333333"/>
+                </a:solidFill>
+                <a:latin typeface="Tahoma" panose="020B0604030504040204" pitchFamily="34" charset="0"/>
+                <a:ea typeface="Tahoma" panose="020B0604030504040204" pitchFamily="34" charset="0"/>
+                <a:cs typeface="Tahoma" panose="020B0604030504040204" pitchFamily="34" charset="0"/>
+              </a:rPr>
+              <a:t> </a:t>
+            </a:r>
+            <a:r>
+              <a:rPr lang="en-US" sz="1200" dirty="0" err="1">
+                <a:solidFill>
+                  <a:srgbClr val="333333"/>
+                </a:solidFill>
+                <a:latin typeface="Tahoma" panose="020B0604030504040204" pitchFamily="34" charset="0"/>
+                <a:ea typeface="Tahoma" panose="020B0604030504040204" pitchFamily="34" charset="0"/>
+                <a:cs typeface="Tahoma" panose="020B0604030504040204" pitchFamily="34" charset="0"/>
+              </a:rPr>
+              <a:t>thành</a:t>
+            </a:r>
+            <a:r>
+              <a:rPr lang="en-US" sz="1200" dirty="0">
+                <a:solidFill>
+                  <a:srgbClr val="333333"/>
+                </a:solidFill>
+                <a:latin typeface="Tahoma" panose="020B0604030504040204" pitchFamily="34" charset="0"/>
+                <a:ea typeface="Tahoma" panose="020B0604030504040204" pitchFamily="34" charset="0"/>
+                <a:cs typeface="Tahoma" panose="020B0604030504040204" pitchFamily="34" charset="0"/>
+              </a:rPr>
+              <a:t> </a:t>
+            </a:r>
+            <a:r>
+              <a:rPr lang="en-US" sz="1200" dirty="0" err="1">
+                <a:solidFill>
+                  <a:srgbClr val="333333"/>
+                </a:solidFill>
+                <a:latin typeface="Tahoma" panose="020B0604030504040204" pitchFamily="34" charset="0"/>
+                <a:ea typeface="Tahoma" panose="020B0604030504040204" pitchFamily="34" charset="0"/>
+                <a:cs typeface="Tahoma" panose="020B0604030504040204" pitchFamily="34" charset="0"/>
+              </a:rPr>
+              <a:t>sứ</a:t>
+            </a:r>
+            <a:r>
+              <a:rPr lang="en-US" sz="1200" dirty="0">
+                <a:solidFill>
+                  <a:srgbClr val="333333"/>
+                </a:solidFill>
+                <a:latin typeface="Tahoma" panose="020B0604030504040204" pitchFamily="34" charset="0"/>
+                <a:ea typeface="Tahoma" panose="020B0604030504040204" pitchFamily="34" charset="0"/>
+                <a:cs typeface="Tahoma" panose="020B0604030504040204" pitchFamily="34" charset="0"/>
+              </a:rPr>
+              <a:t> </a:t>
+            </a:r>
+            <a:r>
+              <a:rPr lang="en-US" sz="1200" dirty="0" err="1">
+                <a:solidFill>
+                  <a:srgbClr val="333333"/>
+                </a:solidFill>
+                <a:latin typeface="Tahoma" panose="020B0604030504040204" pitchFamily="34" charset="0"/>
+                <a:ea typeface="Tahoma" panose="020B0604030504040204" pitchFamily="34" charset="0"/>
+                <a:cs typeface="Tahoma" panose="020B0604030504040204" pitchFamily="34" charset="0"/>
+              </a:rPr>
+              <a:t>mệnh</a:t>
+            </a:r>
+            <a:r>
+              <a:rPr lang="en-US" sz="1200" dirty="0">
+                <a:solidFill>
+                  <a:srgbClr val="333333"/>
+                </a:solidFill>
+                <a:latin typeface="Tahoma" panose="020B0604030504040204" pitchFamily="34" charset="0"/>
+                <a:ea typeface="Tahoma" panose="020B0604030504040204" pitchFamily="34" charset="0"/>
+                <a:cs typeface="Tahoma" panose="020B0604030504040204" pitchFamily="34" charset="0"/>
+              </a:rPr>
+              <a:t> </a:t>
+            </a:r>
+            <a:r>
+              <a:rPr lang="en-US" sz="1200" dirty="0" err="1">
+                <a:solidFill>
+                  <a:srgbClr val="333333"/>
+                </a:solidFill>
+                <a:latin typeface="Tahoma" panose="020B0604030504040204" pitchFamily="34" charset="0"/>
+                <a:ea typeface="Tahoma" panose="020B0604030504040204" pitchFamily="34" charset="0"/>
+                <a:cs typeface="Tahoma" panose="020B0604030504040204" pitchFamily="34" charset="0"/>
+              </a:rPr>
+              <a:t>bằng</a:t>
+            </a:r>
+            <a:r>
+              <a:rPr lang="en-US" sz="1200" dirty="0">
+                <a:solidFill>
+                  <a:srgbClr val="333333"/>
+                </a:solidFill>
+                <a:latin typeface="Tahoma" panose="020B0604030504040204" pitchFamily="34" charset="0"/>
+                <a:ea typeface="Tahoma" panose="020B0604030504040204" pitchFamily="34" charset="0"/>
+                <a:cs typeface="Tahoma" panose="020B0604030504040204" pitchFamily="34" charset="0"/>
+              </a:rPr>
+              <a:t> </a:t>
+            </a:r>
+            <a:r>
+              <a:rPr lang="en-US" sz="1200" dirty="0" err="1">
+                <a:solidFill>
+                  <a:srgbClr val="333333"/>
+                </a:solidFill>
+                <a:latin typeface="Tahoma" panose="020B0604030504040204" pitchFamily="34" charset="0"/>
+                <a:ea typeface="Tahoma" panose="020B0604030504040204" pitchFamily="34" charset="0"/>
+                <a:cs typeface="Tahoma" panose="020B0604030504040204" pitchFamily="34" charset="0"/>
+              </a:rPr>
+              <a:t>niềm</a:t>
+            </a:r>
+            <a:r>
+              <a:rPr lang="en-US" sz="1200" dirty="0">
+                <a:solidFill>
+                  <a:srgbClr val="333333"/>
+                </a:solidFill>
+                <a:latin typeface="Tahoma" panose="020B0604030504040204" pitchFamily="34" charset="0"/>
+                <a:ea typeface="Tahoma" panose="020B0604030504040204" pitchFamily="34" charset="0"/>
+                <a:cs typeface="Tahoma" panose="020B0604030504040204" pitchFamily="34" charset="0"/>
+              </a:rPr>
+              <a:t> </a:t>
+            </a:r>
+            <a:r>
+              <a:rPr lang="en-US" sz="1200" dirty="0" err="1">
+                <a:solidFill>
+                  <a:srgbClr val="333333"/>
+                </a:solidFill>
+                <a:latin typeface="Tahoma" panose="020B0604030504040204" pitchFamily="34" charset="0"/>
+                <a:ea typeface="Tahoma" panose="020B0604030504040204" pitchFamily="34" charset="0"/>
+                <a:cs typeface="Tahoma" panose="020B0604030504040204" pitchFamily="34" charset="0"/>
+              </a:rPr>
+              <a:t>cảm</a:t>
+            </a:r>
+            <a:r>
+              <a:rPr lang="en-US" sz="1200" dirty="0">
+                <a:solidFill>
+                  <a:srgbClr val="333333"/>
+                </a:solidFill>
+                <a:latin typeface="Tahoma" panose="020B0604030504040204" pitchFamily="34" charset="0"/>
+                <a:ea typeface="Tahoma" panose="020B0604030504040204" pitchFamily="34" charset="0"/>
+                <a:cs typeface="Tahoma" panose="020B0604030504040204" pitchFamily="34" charset="0"/>
+              </a:rPr>
+              <a:t> </a:t>
+            </a:r>
+            <a:r>
+              <a:rPr lang="en-US" sz="1200" dirty="0" err="1">
+                <a:solidFill>
+                  <a:srgbClr val="333333"/>
+                </a:solidFill>
+                <a:latin typeface="Tahoma" panose="020B0604030504040204" pitchFamily="34" charset="0"/>
+                <a:ea typeface="Tahoma" panose="020B0604030504040204" pitchFamily="34" charset="0"/>
+                <a:cs typeface="Tahoma" panose="020B0604030504040204" pitchFamily="34" charset="0"/>
+              </a:rPr>
+              <a:t>hứng</a:t>
+            </a:r>
+            <a:r>
+              <a:rPr lang="en-US" sz="1200" dirty="0">
+                <a:solidFill>
+                  <a:srgbClr val="333333"/>
+                </a:solidFill>
+                <a:latin typeface="Tahoma" panose="020B0604030504040204" pitchFamily="34" charset="0"/>
+                <a:ea typeface="Tahoma" panose="020B0604030504040204" pitchFamily="34" charset="0"/>
+                <a:cs typeface="Tahoma" panose="020B0604030504040204" pitchFamily="34" charset="0"/>
+              </a:rPr>
+              <a:t> </a:t>
+            </a:r>
+            <a:r>
+              <a:rPr lang="en-US" sz="1200" dirty="0" err="1">
+                <a:solidFill>
+                  <a:srgbClr val="333333"/>
+                </a:solidFill>
+                <a:latin typeface="Tahoma" panose="020B0604030504040204" pitchFamily="34" charset="0"/>
+                <a:ea typeface="Tahoma" panose="020B0604030504040204" pitchFamily="34" charset="0"/>
+                <a:cs typeface="Tahoma" panose="020B0604030504040204" pitchFamily="34" charset="0"/>
+              </a:rPr>
+              <a:t>và</a:t>
+            </a:r>
+            <a:r>
+              <a:rPr lang="en-US" sz="1200" dirty="0">
+                <a:solidFill>
+                  <a:srgbClr val="333333"/>
+                </a:solidFill>
+                <a:latin typeface="Tahoma" panose="020B0604030504040204" pitchFamily="34" charset="0"/>
+                <a:ea typeface="Tahoma" panose="020B0604030504040204" pitchFamily="34" charset="0"/>
+                <a:cs typeface="Tahoma" panose="020B0604030504040204" pitchFamily="34" charset="0"/>
+              </a:rPr>
+              <a:t> </a:t>
+            </a:r>
+            <a:r>
+              <a:rPr lang="en-US" sz="1200" dirty="0" err="1">
+                <a:solidFill>
+                  <a:srgbClr val="333333"/>
+                </a:solidFill>
+                <a:latin typeface="Tahoma" panose="020B0604030504040204" pitchFamily="34" charset="0"/>
+                <a:ea typeface="Tahoma" panose="020B0604030504040204" pitchFamily="34" charset="0"/>
+                <a:cs typeface="Tahoma" panose="020B0604030504040204" pitchFamily="34" charset="0"/>
+              </a:rPr>
+              <a:t>hạnh</a:t>
+            </a:r>
+            <a:r>
+              <a:rPr lang="en-US" sz="1200" dirty="0">
+                <a:solidFill>
+                  <a:srgbClr val="333333"/>
+                </a:solidFill>
+                <a:latin typeface="Tahoma" panose="020B0604030504040204" pitchFamily="34" charset="0"/>
+                <a:ea typeface="Tahoma" panose="020B0604030504040204" pitchFamily="34" charset="0"/>
+                <a:cs typeface="Tahoma" panose="020B0604030504040204" pitchFamily="34" charset="0"/>
+              </a:rPr>
+              <a:t> </a:t>
+            </a:r>
+            <a:r>
+              <a:rPr lang="en-US" sz="1200" dirty="0" err="1">
+                <a:solidFill>
+                  <a:srgbClr val="333333"/>
+                </a:solidFill>
+                <a:latin typeface="Tahoma" panose="020B0604030504040204" pitchFamily="34" charset="0"/>
+                <a:ea typeface="Tahoma" panose="020B0604030504040204" pitchFamily="34" charset="0"/>
+                <a:cs typeface="Tahoma" panose="020B0604030504040204" pitchFamily="34" charset="0"/>
+              </a:rPr>
+              <a:t>phúc</a:t>
+            </a:r>
+            <a:r>
+              <a:rPr lang="en-US" sz="1200" dirty="0">
+                <a:solidFill>
+                  <a:srgbClr val="333333"/>
+                </a:solidFill>
+                <a:latin typeface="Tahoma" panose="020B0604030504040204" pitchFamily="34" charset="0"/>
+                <a:ea typeface="Tahoma" panose="020B0604030504040204" pitchFamily="34" charset="0"/>
+                <a:cs typeface="Tahoma" panose="020B0604030504040204" pitchFamily="34" charset="0"/>
+              </a:rPr>
+              <a:t>. </a:t>
             </a:r>
           </a:p>
         </p:txBody>

--- a/pythagoras/templates/pythagoras/report.pptx
+++ b/pythagoras/templates/pythagoras/report.pptx
@@ -5,13 +5,14 @@
     <p:sldMasterId id="2147483648" r:id="rId1"/>
   </p:sldMasterIdLst>
   <p:notesMasterIdLst>
-    <p:notesMasterId r:id="rId6"/>
+    <p:notesMasterId r:id="rId7"/>
   </p:notesMasterIdLst>
   <p:sldIdLst>
     <p:sldId id="256" r:id="rId2"/>
     <p:sldId id="257" r:id="rId3"/>
     <p:sldId id="258" r:id="rId4"/>
     <p:sldId id="259" r:id="rId5"/>
+    <p:sldId id="260" r:id="rId6"/>
   </p:sldIdLst>
   <p:sldSz cx="7562850" cy="10688638"/>
   <p:notesSz cx="6858000" cy="9144000"/>
@@ -1888,42 +1889,6 @@
       </p:sp>
       <p:sp>
         <p:nvSpPr>
-          <p:cNvPr id="13" name="Text Placeholder 12">
-            <a:extLst>
-              <a:ext uri="{FF2B5EF4-FFF2-40B4-BE49-F238E27FC236}">
-                <a16:creationId xmlns:a16="http://schemas.microsoft.com/office/drawing/2014/main" id="{F2DB107A-958C-45DF-AC4D-E5BE05A3A225}"/>
-              </a:ext>
-            </a:extLst>
-          </p:cNvPr>
-          <p:cNvSpPr>
-            <a:spLocks noGrp="1"/>
-          </p:cNvSpPr>
-          <p:nvPr>
-            <p:ph type="body" sz="quarter" idx="10"/>
-          </p:nvPr>
-        </p:nvSpPr>
-        <p:spPr>
-          <a:xfrm>
-            <a:off x="274320" y="2514599"/>
-            <a:ext cx="6926580" cy="7074569"/>
-          </a:xfrm>
-        </p:spPr>
-        <p:txBody>
-          <a:bodyPr/>
-          <a:lstStyle>
-            <a:lvl1pPr marL="0" indent="0">
-              <a:buNone/>
-              <a:defRPr/>
-            </a:lvl1pPr>
-          </a:lstStyle>
-          <a:p>
-            <a:pPr lvl="0"/>
-            <a:endParaRPr lang="en-US" dirty="0"/>
-          </a:p>
-        </p:txBody>
-      </p:sp>
-      <p:sp>
-        <p:nvSpPr>
           <p:cNvPr id="14" name="Rectangle 13">
             <a:extLst>
               <a:ext uri="{FF2B5EF4-FFF2-40B4-BE49-F238E27FC236}">
@@ -2019,68 +1984,6 @@
       </p:pic>
       <p:sp>
         <p:nvSpPr>
-          <p:cNvPr id="9" name="Title 1">
-            <a:extLst>
-              <a:ext uri="{FF2B5EF4-FFF2-40B4-BE49-F238E27FC236}">
-                <a16:creationId xmlns:a16="http://schemas.microsoft.com/office/drawing/2014/main" id="{EFD06DA8-2254-4E68-8DFD-47982C8F8B8E}"/>
-              </a:ext>
-            </a:extLst>
-          </p:cNvPr>
-          <p:cNvSpPr txBox="1">
-            <a:spLocks/>
-          </p:cNvSpPr>
-          <p:nvPr userDrawn="1"/>
-        </p:nvSpPr>
-        <p:spPr>
-          <a:xfrm>
-            <a:off x="4980517" y="228305"/>
-            <a:ext cx="469752" cy="446400"/>
-          </a:xfrm>
-          <a:prstGeom prst="rect">
-            <a:avLst/>
-          </a:prstGeom>
-        </p:spPr>
-        <p:txBody>
-          <a:bodyPr vert="horz" lIns="91440" tIns="45720" rIns="91440" bIns="45720" rtlCol="0" anchor="t">
-            <a:noAutofit/>
-          </a:bodyPr>
-          <a:lstStyle>
-            <a:lvl1pPr algn="l" defTabSz="756300" rtl="0" eaLnBrk="1" latinLnBrk="0" hangingPunct="1">
-              <a:lnSpc>
-                <a:spcPct val="90000"/>
-              </a:lnSpc>
-              <a:spcBef>
-                <a:spcPct val="0"/>
-              </a:spcBef>
-              <a:buNone/>
-              <a:defRPr sz="3639" kern="1200">
-                <a:solidFill>
-                  <a:schemeClr val="tx1"/>
-                </a:solidFill>
-                <a:latin typeface="+mj-lt"/>
-                <a:ea typeface="+mj-ea"/>
-                <a:cs typeface="+mj-cs"/>
-              </a:defRPr>
-            </a:lvl1pPr>
-          </a:lstStyle>
-          <a:p>
-            <a:pPr algn="ctr"/>
-            <a:r>
-              <a:rPr lang="en-US" sz="3600" b="1" dirty="0">
-                <a:solidFill>
-                  <a:srgbClr val="FF6600"/>
-                </a:solidFill>
-                <a:latin typeface="Tahoma" panose="020B0604030504040204" pitchFamily="34" charset="0"/>
-                <a:ea typeface="Tahoma" panose="020B0604030504040204" pitchFamily="34" charset="0"/>
-                <a:cs typeface="Tahoma" panose="020B0604030504040204" pitchFamily="34" charset="0"/>
-              </a:rPr>
-              <a:t>1</a:t>
-            </a:r>
-          </a:p>
-        </p:txBody>
-      </p:sp>
-      <p:sp>
-        <p:nvSpPr>
           <p:cNvPr id="10" name="TextBox 9">
             <a:extLst>
               <a:ext uri="{FF2B5EF4-FFF2-40B4-BE49-F238E27FC236}">
@@ -3532,6 +3435,158 @@
               <a:ea typeface="Tahoma" panose="020B0604030504040204" pitchFamily="34" charset="0"/>
               <a:cs typeface="Tahoma" panose="020B0604030504040204" pitchFamily="34" charset="0"/>
             </a:endParaRPr>
+          </a:p>
+        </p:txBody>
+      </p:sp>
+      <p:sp>
+        <p:nvSpPr>
+          <p:cNvPr id="5" name="Slide Number Placeholder 4">
+            <a:extLst>
+              <a:ext uri="{FF2B5EF4-FFF2-40B4-BE49-F238E27FC236}">
+                <a16:creationId xmlns:a16="http://schemas.microsoft.com/office/drawing/2014/main" id="{D1E727E4-56DD-4E53-8425-A33D1C02961C}"/>
+              </a:ext>
+            </a:extLst>
+          </p:cNvPr>
+          <p:cNvSpPr>
+            <a:spLocks noGrp="1"/>
+          </p:cNvSpPr>
+          <p:nvPr>
+            <p:ph type="sldNum" idx="13"/>
+          </p:nvPr>
+        </p:nvSpPr>
+        <p:spPr>
+          <a:xfrm>
+            <a:off x="6475911" y="10091058"/>
+            <a:ext cx="998764" cy="440873"/>
+          </a:xfrm>
+        </p:spPr>
+        <p:txBody>
+          <a:bodyPr/>
+          <a:lstStyle>
+            <a:lvl1pPr>
+              <a:defRPr b="1">
+                <a:latin typeface="Tahoma" panose="020B0604030504040204" pitchFamily="34" charset="0"/>
+                <a:ea typeface="Tahoma" panose="020B0604030504040204" pitchFamily="34" charset="0"/>
+                <a:cs typeface="Tahoma" panose="020B0604030504040204" pitchFamily="34" charset="0"/>
+              </a:defRPr>
+            </a:lvl1pPr>
+          </a:lstStyle>
+          <a:p>
+            <a:pPr algn="r"/>
+            <a:fld id="{2609F7C1-9595-46B6-AC8C-44FFA836F0CD}" type="slidenum">
+              <a:rPr lang="en-US" sz="1000" spc="-1" smtClean="0">
+                <a:solidFill>
+                  <a:srgbClr val="8B8B8B"/>
+                </a:solidFill>
+              </a:rPr>
+              <a:pPr algn="r"/>
+              <a:t>‹#›</a:t>
+            </a:fld>
+            <a:endParaRPr lang="en-US" sz="1000" spc="-1" dirty="0"/>
+          </a:p>
+        </p:txBody>
+      </p:sp>
+      <p:sp>
+        <p:nvSpPr>
+          <p:cNvPr id="19" name="Title 1">
+            <a:extLst>
+              <a:ext uri="{FF2B5EF4-FFF2-40B4-BE49-F238E27FC236}">
+                <a16:creationId xmlns:a16="http://schemas.microsoft.com/office/drawing/2014/main" id="{CB114FBF-34D2-421D-B585-72FC7BF8398E}"/>
+              </a:ext>
+            </a:extLst>
+          </p:cNvPr>
+          <p:cNvSpPr txBox="1">
+            <a:spLocks/>
+          </p:cNvSpPr>
+          <p:nvPr userDrawn="1"/>
+        </p:nvSpPr>
+        <p:spPr>
+          <a:xfrm>
+            <a:off x="4953420" y="242758"/>
+            <a:ext cx="469752" cy="446400"/>
+          </a:xfrm>
+          <a:prstGeom prst="rect">
+            <a:avLst/>
+          </a:prstGeom>
+        </p:spPr>
+        <p:txBody>
+          <a:bodyPr vert="horz" lIns="91440" tIns="45720" rIns="91440" bIns="45720" rtlCol="0" anchor="t">
+            <a:noAutofit/>
+          </a:bodyPr>
+          <a:lstStyle>
+            <a:lvl1pPr algn="l" defTabSz="756300" rtl="0" eaLnBrk="1" latinLnBrk="0" hangingPunct="1">
+              <a:lnSpc>
+                <a:spcPct val="90000"/>
+              </a:lnSpc>
+              <a:spcBef>
+                <a:spcPct val="0"/>
+              </a:spcBef>
+              <a:buNone/>
+              <a:defRPr sz="3639" kern="1200">
+                <a:solidFill>
+                  <a:schemeClr val="tx1"/>
+                </a:solidFill>
+                <a:latin typeface="+mj-lt"/>
+                <a:ea typeface="+mj-ea"/>
+                <a:cs typeface="+mj-cs"/>
+              </a:defRPr>
+            </a:lvl1pPr>
+          </a:lstStyle>
+          <a:p>
+            <a:pPr algn="ctr"/>
+            <a:r>
+              <a:rPr lang="en-US" sz="3600" b="1" dirty="0">
+                <a:solidFill>
+                  <a:srgbClr val="FF6600"/>
+                </a:solidFill>
+                <a:latin typeface="Tahoma" panose="020B0604030504040204" pitchFamily="34" charset="0"/>
+                <a:ea typeface="Tahoma" panose="020B0604030504040204" pitchFamily="34" charset="0"/>
+                <a:cs typeface="Tahoma" panose="020B0604030504040204" pitchFamily="34" charset="0"/>
+              </a:rPr>
+              <a:t>1</a:t>
+            </a:r>
+          </a:p>
+        </p:txBody>
+      </p:sp>
+      <p:sp>
+        <p:nvSpPr>
+          <p:cNvPr id="21" name="Text Placeholder 20">
+            <a:extLst>
+              <a:ext uri="{FF2B5EF4-FFF2-40B4-BE49-F238E27FC236}">
+                <a16:creationId xmlns:a16="http://schemas.microsoft.com/office/drawing/2014/main" id="{A757EEDF-1F6F-4A9F-B9C3-1EF2110E57A5}"/>
+              </a:ext>
+            </a:extLst>
+          </p:cNvPr>
+          <p:cNvSpPr>
+            <a:spLocks noGrp="1"/>
+          </p:cNvSpPr>
+          <p:nvPr>
+            <p:ph type="body" sz="quarter" idx="14"/>
+          </p:nvPr>
+        </p:nvSpPr>
+        <p:spPr>
+          <a:xfrm>
+            <a:off x="274638" y="2614613"/>
+            <a:ext cx="6926262" cy="7286625"/>
+          </a:xfrm>
+        </p:spPr>
+        <p:txBody>
+          <a:bodyPr>
+            <a:normAutofit/>
+          </a:bodyPr>
+          <a:lstStyle>
+            <a:lvl1pPr marL="0" indent="0">
+              <a:buNone/>
+              <a:defRPr sz="1200">
+                <a:latin typeface="Tahoma" panose="020B0604030504040204" pitchFamily="34" charset="0"/>
+                <a:ea typeface="Tahoma" panose="020B0604030504040204" pitchFamily="34" charset="0"/>
+                <a:cs typeface="Tahoma" panose="020B0604030504040204" pitchFamily="34" charset="0"/>
+              </a:defRPr>
+            </a:lvl1pPr>
+          </a:lstStyle>
+          <a:p>
+            <a:pPr lvl="0"/>
+            <a:endParaRPr lang="en-US" dirty="0"/>
           </a:p>
         </p:txBody>
       </p:sp>
@@ -3718,42 +3773,6 @@
           </a:prstGeom>
         </p:spPr>
       </p:pic>
-      <p:sp>
-        <p:nvSpPr>
-          <p:cNvPr id="13" name="Text Placeholder 12">
-            <a:extLst>
-              <a:ext uri="{FF2B5EF4-FFF2-40B4-BE49-F238E27FC236}">
-                <a16:creationId xmlns:a16="http://schemas.microsoft.com/office/drawing/2014/main" id="{F2DB107A-958C-45DF-AC4D-E5BE05A3A225}"/>
-              </a:ext>
-            </a:extLst>
-          </p:cNvPr>
-          <p:cNvSpPr>
-            <a:spLocks noGrp="1"/>
-          </p:cNvSpPr>
-          <p:nvPr>
-            <p:ph type="body" sz="quarter" idx="10"/>
-          </p:nvPr>
-        </p:nvSpPr>
-        <p:spPr>
-          <a:xfrm>
-            <a:off x="3297238" y="2514599"/>
-            <a:ext cx="3903662" cy="7074569"/>
-          </a:xfrm>
-        </p:spPr>
-        <p:txBody>
-          <a:bodyPr/>
-          <a:lstStyle>
-            <a:lvl1pPr marL="0" indent="0">
-              <a:buNone/>
-              <a:defRPr/>
-            </a:lvl1pPr>
-          </a:lstStyle>
-          <a:p>
-            <a:pPr lvl="0"/>
-            <a:endParaRPr lang="en-US" dirty="0"/>
-          </a:p>
-        </p:txBody>
-      </p:sp>
       <p:sp>
         <p:nvSpPr>
           <p:cNvPr id="14" name="Rectangle 13">
@@ -4982,6 +5001,96 @@
               </a:rPr>
               <a:t>. </a:t>
             </a:r>
+          </a:p>
+        </p:txBody>
+      </p:sp>
+      <p:sp>
+        <p:nvSpPr>
+          <p:cNvPr id="5" name="Slide Number Placeholder 4">
+            <a:extLst>
+              <a:ext uri="{FF2B5EF4-FFF2-40B4-BE49-F238E27FC236}">
+                <a16:creationId xmlns:a16="http://schemas.microsoft.com/office/drawing/2014/main" id="{FBF38D64-7328-411C-8DEE-26775741088E}"/>
+              </a:ext>
+            </a:extLst>
+          </p:cNvPr>
+          <p:cNvSpPr>
+            <a:spLocks noGrp="1"/>
+          </p:cNvSpPr>
+          <p:nvPr>
+            <p:ph type="sldNum" idx="13"/>
+          </p:nvPr>
+        </p:nvSpPr>
+        <p:spPr>
+          <a:xfrm>
+            <a:off x="6531425" y="10070130"/>
+            <a:ext cx="886813" cy="478130"/>
+          </a:xfrm>
+        </p:spPr>
+        <p:txBody>
+          <a:bodyPr/>
+          <a:lstStyle>
+            <a:lvl1pPr>
+              <a:defRPr b="1">
+                <a:latin typeface="Tahoma" panose="020B0604030504040204" pitchFamily="34" charset="0"/>
+                <a:ea typeface="Tahoma" panose="020B0604030504040204" pitchFamily="34" charset="0"/>
+                <a:cs typeface="Tahoma" panose="020B0604030504040204" pitchFamily="34" charset="0"/>
+              </a:defRPr>
+            </a:lvl1pPr>
+          </a:lstStyle>
+          <a:p>
+            <a:pPr algn="r"/>
+            <a:fld id="{2609F7C1-9595-46B6-AC8C-44FFA836F0CD}" type="slidenum">
+              <a:rPr lang="en-US" sz="1000" spc="-1" smtClean="0">
+                <a:solidFill>
+                  <a:srgbClr val="8B8B8B"/>
+                </a:solidFill>
+              </a:rPr>
+              <a:pPr algn="r"/>
+              <a:t>‹#›</a:t>
+            </a:fld>
+            <a:endParaRPr lang="en-US" sz="1000" spc="-1" dirty="0"/>
+          </a:p>
+        </p:txBody>
+      </p:sp>
+      <p:sp>
+        <p:nvSpPr>
+          <p:cNvPr id="15" name="Text Placeholder 14">
+            <a:extLst>
+              <a:ext uri="{FF2B5EF4-FFF2-40B4-BE49-F238E27FC236}">
+                <a16:creationId xmlns:a16="http://schemas.microsoft.com/office/drawing/2014/main" id="{C6B52513-7167-4C24-B760-D84D74759B95}"/>
+              </a:ext>
+            </a:extLst>
+          </p:cNvPr>
+          <p:cNvSpPr>
+            <a:spLocks noGrp="1"/>
+          </p:cNvSpPr>
+          <p:nvPr>
+            <p:ph type="body" sz="quarter" idx="14"/>
+          </p:nvPr>
+        </p:nvSpPr>
+        <p:spPr>
+          <a:xfrm>
+            <a:off x="3375025" y="2514600"/>
+            <a:ext cx="3952875" cy="7246938"/>
+          </a:xfrm>
+        </p:spPr>
+        <p:txBody>
+          <a:bodyPr>
+            <a:normAutofit/>
+          </a:bodyPr>
+          <a:lstStyle>
+            <a:lvl1pPr marL="0" indent="0">
+              <a:buNone/>
+              <a:defRPr sz="1200">
+                <a:latin typeface="Tahoma" panose="020B0604030504040204" pitchFamily="34" charset="0"/>
+                <a:ea typeface="Tahoma" panose="020B0604030504040204" pitchFamily="34" charset="0"/>
+                <a:cs typeface="Tahoma" panose="020B0604030504040204" pitchFamily="34" charset="0"/>
+              </a:defRPr>
+            </a:lvl1pPr>
+          </a:lstStyle>
+          <a:p>
+            <a:pPr lvl="0"/>
+            <a:endParaRPr lang="en-US" dirty="0"/>
           </a:p>
         </p:txBody>
       </p:sp>
@@ -13048,6 +13157,66 @@
 </p:sld>
 </file>
 
+<file path=ppt/slides/slide5.xml><?xml version="1.0" encoding="utf-8"?>
+<p:sld xmlns:a="http://schemas.openxmlformats.org/drawingml/2006/main" xmlns:r="http://schemas.openxmlformats.org/officeDocument/2006/relationships" xmlns:p="http://schemas.openxmlformats.org/presentationml/2006/main">
+  <p:cSld>
+    <p:spTree>
+      <p:nvGrpSpPr>
+        <p:cNvPr id="1" name=""/>
+        <p:cNvGrpSpPr/>
+        <p:nvPr/>
+      </p:nvGrpSpPr>
+      <p:grpSpPr>
+        <a:xfrm>
+          <a:off x="0" y="0"/>
+          <a:ext cx="0" cy="0"/>
+          <a:chOff x="0" y="0"/>
+          <a:chExt cx="0" cy="0"/>
+        </a:xfrm>
+      </p:grpSpPr>
+      <p:sp>
+        <p:nvSpPr>
+          <p:cNvPr id="2" name="Text Placeholder 1">
+            <a:extLst>
+              <a:ext uri="{FF2B5EF4-FFF2-40B4-BE49-F238E27FC236}">
+                <a16:creationId xmlns:a16="http://schemas.microsoft.com/office/drawing/2014/main" id="{3D8D2EA4-88D4-4401-B055-F57A5CB99F6F}"/>
+              </a:ext>
+            </a:extLst>
+          </p:cNvPr>
+          <p:cNvSpPr>
+            <a:spLocks noGrp="1"/>
+          </p:cNvSpPr>
+          <p:nvPr>
+            <p:ph type="body" sz="quarter" idx="4294967295"/>
+          </p:nvPr>
+        </p:nvSpPr>
+        <p:spPr>
+          <a:xfrm>
+            <a:off x="274320" y="2514599"/>
+            <a:ext cx="6926580" cy="7074569"/>
+          </a:xfrm>
+        </p:spPr>
+        <p:txBody>
+          <a:bodyPr/>
+          <a:lstStyle/>
+          <a:p>
+            <a:endParaRPr lang="en-US"/>
+          </a:p>
+        </p:txBody>
+      </p:sp>
+    </p:spTree>
+    <p:extLst>
+      <p:ext uri="{BB962C8B-B14F-4D97-AF65-F5344CB8AC3E}">
+        <p14:creationId xmlns:p14="http://schemas.microsoft.com/office/powerpoint/2010/main" val="3130128924"/>
+      </p:ext>
+    </p:extLst>
+  </p:cSld>
+  <p:clrMapOvr>
+    <a:masterClrMapping/>
+  </p:clrMapOvr>
+</p:sld>
+</file>
+
 <file path=ppt/theme/theme1.xml><?xml version="1.0" encoding="utf-8"?>
 <a:theme xmlns:a="http://schemas.openxmlformats.org/drawingml/2006/main" name="Office Theme">
   <a:themeElements>

--- a/pythagoras/templates/pythagoras/report.pptx
+++ b/pythagoras/templates/pythagoras/report.pptx
@@ -5,14 +5,13 @@
     <p:sldMasterId id="2147483648" r:id="rId1"/>
   </p:sldMasterIdLst>
   <p:notesMasterIdLst>
-    <p:notesMasterId r:id="rId7"/>
+    <p:notesMasterId r:id="rId6"/>
   </p:notesMasterIdLst>
   <p:sldIdLst>
     <p:sldId id="256" r:id="rId2"/>
     <p:sldId id="257" r:id="rId3"/>
     <p:sldId id="258" r:id="rId4"/>
     <p:sldId id="259" r:id="rId5"/>
-    <p:sldId id="260" r:id="rId6"/>
   </p:sldIdLst>
   <p:sldSz cx="7562850" cy="10688638"/>
   <p:notesSz cx="6858000" cy="9144000"/>
@@ -5806,7 +5805,7 @@
                 </a:solidFill>
                 <a:latin typeface="Calibri"/>
               </a:rPr>
-              <a:t>9/25/2021</a:t>
+              <a:t>9/26/2021</a:t>
             </a:fld>
             <a:endParaRPr lang="en-US" sz="1000" b="0" strike="noStrike" spc="-1">
               <a:latin typeface="Times New Roman"/>
@@ -13157,66 +13156,6 @@
 </p:sld>
 </file>
 
-<file path=ppt/slides/slide5.xml><?xml version="1.0" encoding="utf-8"?>
-<p:sld xmlns:a="http://schemas.openxmlformats.org/drawingml/2006/main" xmlns:r="http://schemas.openxmlformats.org/officeDocument/2006/relationships" xmlns:p="http://schemas.openxmlformats.org/presentationml/2006/main">
-  <p:cSld>
-    <p:spTree>
-      <p:nvGrpSpPr>
-        <p:cNvPr id="1" name=""/>
-        <p:cNvGrpSpPr/>
-        <p:nvPr/>
-      </p:nvGrpSpPr>
-      <p:grpSpPr>
-        <a:xfrm>
-          <a:off x="0" y="0"/>
-          <a:ext cx="0" cy="0"/>
-          <a:chOff x="0" y="0"/>
-          <a:chExt cx="0" cy="0"/>
-        </a:xfrm>
-      </p:grpSpPr>
-      <p:sp>
-        <p:nvSpPr>
-          <p:cNvPr id="2" name="Text Placeholder 1">
-            <a:extLst>
-              <a:ext uri="{FF2B5EF4-FFF2-40B4-BE49-F238E27FC236}">
-                <a16:creationId xmlns:a16="http://schemas.microsoft.com/office/drawing/2014/main" id="{3D8D2EA4-88D4-4401-B055-F57A5CB99F6F}"/>
-              </a:ext>
-            </a:extLst>
-          </p:cNvPr>
-          <p:cNvSpPr>
-            <a:spLocks noGrp="1"/>
-          </p:cNvSpPr>
-          <p:nvPr>
-            <p:ph type="body" sz="quarter" idx="4294967295"/>
-          </p:nvPr>
-        </p:nvSpPr>
-        <p:spPr>
-          <a:xfrm>
-            <a:off x="274320" y="2514599"/>
-            <a:ext cx="6926580" cy="7074569"/>
-          </a:xfrm>
-        </p:spPr>
-        <p:txBody>
-          <a:bodyPr/>
-          <a:lstStyle/>
-          <a:p>
-            <a:endParaRPr lang="en-US"/>
-          </a:p>
-        </p:txBody>
-      </p:sp>
-    </p:spTree>
-    <p:extLst>
-      <p:ext uri="{BB962C8B-B14F-4D97-AF65-F5344CB8AC3E}">
-        <p14:creationId xmlns:p14="http://schemas.microsoft.com/office/powerpoint/2010/main" val="3130128924"/>
-      </p:ext>
-    </p:extLst>
-  </p:cSld>
-  <p:clrMapOvr>
-    <a:masterClrMapping/>
-  </p:clrMapOvr>
-</p:sld>
-</file>
-
 <file path=ppt/theme/theme1.xml><?xml version="1.0" encoding="utf-8"?>
 <a:theme xmlns:a="http://schemas.openxmlformats.org/drawingml/2006/main" name="Office Theme">
   <a:themeElements>
